--- a/paper/images/images.pptx
+++ b/paper/images/images.pptx
@@ -291,7 +291,7 @@
           <a:p>
             <a:fld id="{554C80B5-1734-4FC9-8F72-0C7543F7E92B}" type="datetimeFigureOut">
               <a:rPr lang="en-US" smtClean="0"/>
-              <a:t>10/9/2013</a:t>
+              <a:t>11/6/2013</a:t>
             </a:fld>
             <a:endParaRPr lang="en-US"/>
           </a:p>
@@ -461,7 +461,7 @@
           <a:p>
             <a:fld id="{554C80B5-1734-4FC9-8F72-0C7543F7E92B}" type="datetimeFigureOut">
               <a:rPr lang="en-US" smtClean="0"/>
-              <a:t>10/9/2013</a:t>
+              <a:t>11/6/2013</a:t>
             </a:fld>
             <a:endParaRPr lang="en-US"/>
           </a:p>
@@ -641,7 +641,7 @@
           <a:p>
             <a:fld id="{554C80B5-1734-4FC9-8F72-0C7543F7E92B}" type="datetimeFigureOut">
               <a:rPr lang="en-US" smtClean="0"/>
-              <a:t>10/9/2013</a:t>
+              <a:t>11/6/2013</a:t>
             </a:fld>
             <a:endParaRPr lang="en-US"/>
           </a:p>
@@ -811,7 +811,7 @@
           <a:p>
             <a:fld id="{554C80B5-1734-4FC9-8F72-0C7543F7E92B}" type="datetimeFigureOut">
               <a:rPr lang="en-US" smtClean="0"/>
-              <a:t>10/9/2013</a:t>
+              <a:t>11/6/2013</a:t>
             </a:fld>
             <a:endParaRPr lang="en-US"/>
           </a:p>
@@ -1057,7 +1057,7 @@
           <a:p>
             <a:fld id="{554C80B5-1734-4FC9-8F72-0C7543F7E92B}" type="datetimeFigureOut">
               <a:rPr lang="en-US" smtClean="0"/>
-              <a:t>10/9/2013</a:t>
+              <a:t>11/6/2013</a:t>
             </a:fld>
             <a:endParaRPr lang="en-US"/>
           </a:p>
@@ -1345,7 +1345,7 @@
           <a:p>
             <a:fld id="{554C80B5-1734-4FC9-8F72-0C7543F7E92B}" type="datetimeFigureOut">
               <a:rPr lang="en-US" smtClean="0"/>
-              <a:t>10/9/2013</a:t>
+              <a:t>11/6/2013</a:t>
             </a:fld>
             <a:endParaRPr lang="en-US"/>
           </a:p>
@@ -1767,7 +1767,7 @@
           <a:p>
             <a:fld id="{554C80B5-1734-4FC9-8F72-0C7543F7E92B}" type="datetimeFigureOut">
               <a:rPr lang="en-US" smtClean="0"/>
-              <a:t>10/9/2013</a:t>
+              <a:t>11/6/2013</a:t>
             </a:fld>
             <a:endParaRPr lang="en-US"/>
           </a:p>
@@ -1885,7 +1885,7 @@
           <a:p>
             <a:fld id="{554C80B5-1734-4FC9-8F72-0C7543F7E92B}" type="datetimeFigureOut">
               <a:rPr lang="en-US" smtClean="0"/>
-              <a:t>10/9/2013</a:t>
+              <a:t>11/6/2013</a:t>
             </a:fld>
             <a:endParaRPr lang="en-US"/>
           </a:p>
@@ -1980,7 +1980,7 @@
           <a:p>
             <a:fld id="{554C80B5-1734-4FC9-8F72-0C7543F7E92B}" type="datetimeFigureOut">
               <a:rPr lang="en-US" smtClean="0"/>
-              <a:t>10/9/2013</a:t>
+              <a:t>11/6/2013</a:t>
             </a:fld>
             <a:endParaRPr lang="en-US"/>
           </a:p>
@@ -2257,7 +2257,7 @@
           <a:p>
             <a:fld id="{554C80B5-1734-4FC9-8F72-0C7543F7E92B}" type="datetimeFigureOut">
               <a:rPr lang="en-US" smtClean="0"/>
-              <a:t>10/9/2013</a:t>
+              <a:t>11/6/2013</a:t>
             </a:fld>
             <a:endParaRPr lang="en-US"/>
           </a:p>
@@ -2510,7 +2510,7 @@
           <a:p>
             <a:fld id="{554C80B5-1734-4FC9-8F72-0C7543F7E92B}" type="datetimeFigureOut">
               <a:rPr lang="en-US" smtClean="0"/>
-              <a:t>10/9/2013</a:t>
+              <a:t>11/6/2013</a:t>
             </a:fld>
             <a:endParaRPr lang="en-US"/>
           </a:p>
@@ -2723,7 +2723,7 @@
           <a:p>
             <a:fld id="{554C80B5-1734-4FC9-8F72-0C7543F7E92B}" type="datetimeFigureOut">
               <a:rPr lang="en-US" smtClean="0"/>
-              <a:t>10/9/2013</a:t>
+              <a:t>11/6/2013</a:t>
             </a:fld>
             <a:endParaRPr lang="en-US"/>
           </a:p>
@@ -6953,7 +6953,7 @@
       </p:grpSpPr>
       <p:pic>
         <p:nvPicPr>
-          <p:cNvPr id="1026" name="Picture 2"/>
+          <p:cNvPr id="1027" name="Picture 3"/>
           <p:cNvPicPr>
             <a:picLocks noChangeAspect="1" noChangeArrowheads="1"/>
           </p:cNvPicPr>
@@ -6974,8 +6974,8 @@
         </p:blipFill>
         <p:spPr bwMode="auto">
           <a:xfrm>
-            <a:off x="21266" y="799673"/>
-            <a:ext cx="9144000" cy="4000927"/>
+            <a:off x="10633" y="696433"/>
+            <a:ext cx="9144000" cy="3808303"/>
           </a:xfrm>
           <a:prstGeom prst="rect">
             <a:avLst/>
@@ -7013,8 +7013,8 @@
         </p:nvSpPr>
         <p:spPr>
           <a:xfrm>
-            <a:off x="-10634" y="1144769"/>
-            <a:ext cx="3058633" cy="3069266"/>
+            <a:off x="-10634" y="1066800"/>
+            <a:ext cx="3058633" cy="3352800"/>
           </a:xfrm>
           <a:prstGeom prst="rect">
             <a:avLst/>
@@ -7059,8 +7059,8 @@
         </p:nvSpPr>
         <p:spPr>
           <a:xfrm>
-            <a:off x="141767" y="2438399"/>
-            <a:ext cx="2601433" cy="609601"/>
+            <a:off x="141767" y="2362200"/>
+            <a:ext cx="2601433" cy="806301"/>
           </a:xfrm>
           <a:prstGeom prst="rect">
             <a:avLst/>
@@ -7105,8 +7105,8 @@
         </p:nvSpPr>
         <p:spPr>
           <a:xfrm>
-            <a:off x="141767" y="3168501"/>
-            <a:ext cx="2601433" cy="565299"/>
+            <a:off x="141767" y="3211033"/>
+            <a:ext cx="2601433" cy="675167"/>
           </a:xfrm>
           <a:prstGeom prst="rect">
             <a:avLst/>
@@ -7151,7 +7151,7 @@
         </p:nvSpPr>
         <p:spPr>
           <a:xfrm>
-            <a:off x="3200400" y="1600200"/>
+            <a:off x="3157868" y="1502734"/>
             <a:ext cx="5791200" cy="3200400"/>
           </a:xfrm>
           <a:prstGeom prst="rect">
@@ -7197,7 +7197,7 @@
         </p:nvSpPr>
         <p:spPr>
           <a:xfrm>
-            <a:off x="3200400" y="1187300"/>
+            <a:off x="3157868" y="1144768"/>
             <a:ext cx="914400" cy="265245"/>
           </a:xfrm>
           <a:prstGeom prst="rect">
@@ -7243,7 +7243,7 @@
         </p:nvSpPr>
         <p:spPr>
           <a:xfrm>
-            <a:off x="21266" y="1187301"/>
+            <a:off x="21266" y="1091604"/>
             <a:ext cx="228600" cy="230369"/>
           </a:xfrm>
           <a:prstGeom prst="ellipse">
@@ -7289,7 +7289,7 @@
         </p:nvSpPr>
         <p:spPr>
           <a:xfrm>
-            <a:off x="0" y="1144769"/>
+            <a:off x="0" y="1033306"/>
             <a:ext cx="228600" cy="307777"/>
           </a:xfrm>
           <a:prstGeom prst="rect">
@@ -7327,7 +7327,7 @@
         </p:nvSpPr>
         <p:spPr>
           <a:xfrm>
-            <a:off x="2470299" y="2477955"/>
+            <a:off x="2470299" y="2401755"/>
             <a:ext cx="228600" cy="230369"/>
           </a:xfrm>
           <a:prstGeom prst="ellipse">
@@ -7373,7 +7373,7 @@
         </p:nvSpPr>
         <p:spPr>
           <a:xfrm>
-            <a:off x="2449033" y="2435423"/>
+            <a:off x="2449033" y="2354090"/>
             <a:ext cx="228600" cy="307777"/>
           </a:xfrm>
           <a:prstGeom prst="rect">
@@ -7411,7 +7411,7 @@
         </p:nvSpPr>
         <p:spPr>
           <a:xfrm>
-            <a:off x="2472957" y="3211033"/>
+            <a:off x="2472957" y="3239955"/>
             <a:ext cx="228600" cy="230369"/>
           </a:xfrm>
           <a:prstGeom prst="ellipse">
@@ -7457,7 +7457,7 @@
         </p:nvSpPr>
         <p:spPr>
           <a:xfrm>
-            <a:off x="2462324" y="3168501"/>
+            <a:off x="2451691" y="3197423"/>
             <a:ext cx="228600" cy="307777"/>
           </a:xfrm>
           <a:prstGeom prst="rect">
@@ -7490,7 +7490,7 @@
         </p:nvSpPr>
         <p:spPr>
           <a:xfrm>
-            <a:off x="3233185" y="1647477"/>
+            <a:off x="3190653" y="1550011"/>
             <a:ext cx="228600" cy="230369"/>
           </a:xfrm>
           <a:prstGeom prst="ellipse">
@@ -7536,7 +7536,7 @@
         </p:nvSpPr>
         <p:spPr>
           <a:xfrm>
-            <a:off x="3201286" y="1604945"/>
+            <a:off x="3158754" y="1507479"/>
             <a:ext cx="228600" cy="307777"/>
           </a:xfrm>
           <a:prstGeom prst="rect">
@@ -7569,7 +7569,7 @@
         </p:nvSpPr>
         <p:spPr>
           <a:xfrm>
-            <a:off x="4160870" y="1176668"/>
+            <a:off x="4118338" y="1134136"/>
             <a:ext cx="228600" cy="230369"/>
           </a:xfrm>
           <a:prstGeom prst="ellipse">
@@ -7615,7 +7615,7 @@
         </p:nvSpPr>
         <p:spPr>
           <a:xfrm>
-            <a:off x="4139604" y="1134136"/>
+            <a:off x="4097072" y="1091604"/>
             <a:ext cx="228600" cy="307777"/>
           </a:xfrm>
           <a:prstGeom prst="rect">

--- a/paper/images/images.pptx
+++ b/paper/images/images.pptx
@@ -4,11 +4,16 @@
   <p:sldMasterIdLst>
     <p:sldMasterId id="2147483648" r:id="rId1"/>
   </p:sldMasterIdLst>
+  <p:notesMasterIdLst>
+    <p:notesMasterId r:id="rId8"/>
+  </p:notesMasterIdLst>
   <p:sldIdLst>
     <p:sldId id="259" r:id="rId2"/>
     <p:sldId id="256" r:id="rId3"/>
     <p:sldId id="257" r:id="rId4"/>
     <p:sldId id="258" r:id="rId5"/>
+    <p:sldId id="260" r:id="rId6"/>
+    <p:sldId id="261" r:id="rId7"/>
   </p:sldIdLst>
   <p:sldSz cx="9144000" cy="6858000" type="screen4x3"/>
   <p:notesSz cx="6858000" cy="9144000"/>
@@ -110,6 +115,440 @@
 </p:presentation>
 </file>
 
+<file path=ppt/notesMasters/notesMaster1.xml><?xml version="1.0" encoding="utf-8"?>
+<p:notesMaster xmlns:a="http://schemas.openxmlformats.org/drawingml/2006/main" xmlns:r="http://schemas.openxmlformats.org/officeDocument/2006/relationships" xmlns:p="http://schemas.openxmlformats.org/presentationml/2006/main">
+  <p:cSld>
+    <p:bg>
+      <p:bgRef idx="1001">
+        <a:schemeClr val="bg1"/>
+      </p:bgRef>
+    </p:bg>
+    <p:spTree>
+      <p:nvGrpSpPr>
+        <p:cNvPr id="1" name=""/>
+        <p:cNvGrpSpPr/>
+        <p:nvPr/>
+      </p:nvGrpSpPr>
+      <p:grpSpPr>
+        <a:xfrm>
+          <a:off x="0" y="0"/>
+          <a:ext cx="0" cy="0"/>
+          <a:chOff x="0" y="0"/>
+          <a:chExt cx="0" cy="0"/>
+        </a:xfrm>
+      </p:grpSpPr>
+      <p:sp>
+        <p:nvSpPr>
+          <p:cNvPr id="2" name="Header Placeholder 1"/>
+          <p:cNvSpPr>
+            <a:spLocks noGrp="1"/>
+          </p:cNvSpPr>
+          <p:nvPr>
+            <p:ph type="hdr" sz="quarter"/>
+          </p:nvPr>
+        </p:nvSpPr>
+        <p:spPr>
+          <a:xfrm>
+            <a:off x="0" y="0"/>
+            <a:ext cx="2971800" cy="457200"/>
+          </a:xfrm>
+          <a:prstGeom prst="rect">
+            <a:avLst/>
+          </a:prstGeom>
+        </p:spPr>
+        <p:txBody>
+          <a:bodyPr vert="horz" lIns="91440" tIns="45720" rIns="91440" bIns="45720" rtlCol="0"/>
+          <a:lstStyle>
+            <a:lvl1pPr algn="l">
+              <a:defRPr sz="1200"/>
+            </a:lvl1pPr>
+          </a:lstStyle>
+          <a:p>
+            <a:endParaRPr lang="en-US"/>
+          </a:p>
+        </p:txBody>
+      </p:sp>
+      <p:sp>
+        <p:nvSpPr>
+          <p:cNvPr id="3" name="Date Placeholder 2"/>
+          <p:cNvSpPr>
+            <a:spLocks noGrp="1"/>
+          </p:cNvSpPr>
+          <p:nvPr>
+            <p:ph type="dt" idx="1"/>
+          </p:nvPr>
+        </p:nvSpPr>
+        <p:spPr>
+          <a:xfrm>
+            <a:off x="3884613" y="0"/>
+            <a:ext cx="2971800" cy="457200"/>
+          </a:xfrm>
+          <a:prstGeom prst="rect">
+            <a:avLst/>
+          </a:prstGeom>
+        </p:spPr>
+        <p:txBody>
+          <a:bodyPr vert="horz" lIns="91440" tIns="45720" rIns="91440" bIns="45720" rtlCol="0"/>
+          <a:lstStyle>
+            <a:lvl1pPr algn="r">
+              <a:defRPr sz="1200"/>
+            </a:lvl1pPr>
+          </a:lstStyle>
+          <a:p>
+            <a:fld id="{48B7223B-A512-4D2E-9578-3B4356B815F6}" type="datetimeFigureOut">
+              <a:rPr lang="en-US" smtClean="0"/>
+              <a:t>11/17/2013</a:t>
+            </a:fld>
+            <a:endParaRPr lang="en-US"/>
+          </a:p>
+        </p:txBody>
+      </p:sp>
+      <p:sp>
+        <p:nvSpPr>
+          <p:cNvPr id="4" name="Slide Image Placeholder 3"/>
+          <p:cNvSpPr>
+            <a:spLocks noGrp="1" noRot="1" noChangeAspect="1"/>
+          </p:cNvSpPr>
+          <p:nvPr>
+            <p:ph type="sldImg" idx="2"/>
+          </p:nvPr>
+        </p:nvSpPr>
+        <p:spPr>
+          <a:xfrm>
+            <a:off x="1143000" y="685800"/>
+            <a:ext cx="4572000" cy="3429000"/>
+          </a:xfrm>
+          <a:prstGeom prst="rect">
+            <a:avLst/>
+          </a:prstGeom>
+          <a:noFill/>
+          <a:ln w="12700">
+            <a:solidFill>
+              <a:prstClr val="black"/>
+            </a:solidFill>
+          </a:ln>
+        </p:spPr>
+        <p:txBody>
+          <a:bodyPr vert="horz" lIns="91440" tIns="45720" rIns="91440" bIns="45720" rtlCol="0" anchor="ctr"/>
+          <a:lstStyle/>
+          <a:p>
+            <a:endParaRPr lang="en-US"/>
+          </a:p>
+        </p:txBody>
+      </p:sp>
+      <p:sp>
+        <p:nvSpPr>
+          <p:cNvPr id="5" name="Notes Placeholder 4"/>
+          <p:cNvSpPr>
+            <a:spLocks noGrp="1"/>
+          </p:cNvSpPr>
+          <p:nvPr>
+            <p:ph type="body" sz="quarter" idx="3"/>
+          </p:nvPr>
+        </p:nvSpPr>
+        <p:spPr>
+          <a:xfrm>
+            <a:off x="685800" y="4343400"/>
+            <a:ext cx="5486400" cy="4114800"/>
+          </a:xfrm>
+          <a:prstGeom prst="rect">
+            <a:avLst/>
+          </a:prstGeom>
+        </p:spPr>
+        <p:txBody>
+          <a:bodyPr vert="horz" lIns="91440" tIns="45720" rIns="91440" bIns="45720" rtlCol="0"/>
+          <a:lstStyle/>
+          <a:p>
+            <a:pPr lvl="0"/>
+            <a:r>
+              <a:rPr lang="en-US" smtClean="0"/>
+              <a:t>Click to edit Master text styles</a:t>
+            </a:r>
+          </a:p>
+          <a:p>
+            <a:pPr lvl="1"/>
+            <a:r>
+              <a:rPr lang="en-US" smtClean="0"/>
+              <a:t>Second level</a:t>
+            </a:r>
+          </a:p>
+          <a:p>
+            <a:pPr lvl="2"/>
+            <a:r>
+              <a:rPr lang="en-US" smtClean="0"/>
+              <a:t>Third level</a:t>
+            </a:r>
+          </a:p>
+          <a:p>
+            <a:pPr lvl="3"/>
+            <a:r>
+              <a:rPr lang="en-US" smtClean="0"/>
+              <a:t>Fourth level</a:t>
+            </a:r>
+          </a:p>
+          <a:p>
+            <a:pPr lvl="4"/>
+            <a:r>
+              <a:rPr lang="en-US" smtClean="0"/>
+              <a:t>Fifth level</a:t>
+            </a:r>
+            <a:endParaRPr lang="en-US"/>
+          </a:p>
+        </p:txBody>
+      </p:sp>
+      <p:sp>
+        <p:nvSpPr>
+          <p:cNvPr id="6" name="Footer Placeholder 5"/>
+          <p:cNvSpPr>
+            <a:spLocks noGrp="1"/>
+          </p:cNvSpPr>
+          <p:nvPr>
+            <p:ph type="ftr" sz="quarter" idx="4"/>
+          </p:nvPr>
+        </p:nvSpPr>
+        <p:spPr>
+          <a:xfrm>
+            <a:off x="0" y="8685213"/>
+            <a:ext cx="2971800" cy="457200"/>
+          </a:xfrm>
+          <a:prstGeom prst="rect">
+            <a:avLst/>
+          </a:prstGeom>
+        </p:spPr>
+        <p:txBody>
+          <a:bodyPr vert="horz" lIns="91440" tIns="45720" rIns="91440" bIns="45720" rtlCol="0" anchor="b"/>
+          <a:lstStyle>
+            <a:lvl1pPr algn="l">
+              <a:defRPr sz="1200"/>
+            </a:lvl1pPr>
+          </a:lstStyle>
+          <a:p>
+            <a:endParaRPr lang="en-US"/>
+          </a:p>
+        </p:txBody>
+      </p:sp>
+      <p:sp>
+        <p:nvSpPr>
+          <p:cNvPr id="7" name="Slide Number Placeholder 6"/>
+          <p:cNvSpPr>
+            <a:spLocks noGrp="1"/>
+          </p:cNvSpPr>
+          <p:nvPr>
+            <p:ph type="sldNum" sz="quarter" idx="5"/>
+          </p:nvPr>
+        </p:nvSpPr>
+        <p:spPr>
+          <a:xfrm>
+            <a:off x="3884613" y="8685213"/>
+            <a:ext cx="2971800" cy="457200"/>
+          </a:xfrm>
+          <a:prstGeom prst="rect">
+            <a:avLst/>
+          </a:prstGeom>
+        </p:spPr>
+        <p:txBody>
+          <a:bodyPr vert="horz" lIns="91440" tIns="45720" rIns="91440" bIns="45720" rtlCol="0" anchor="b"/>
+          <a:lstStyle>
+            <a:lvl1pPr algn="r">
+              <a:defRPr sz="1200"/>
+            </a:lvl1pPr>
+          </a:lstStyle>
+          <a:p>
+            <a:fld id="{3D91AC6F-76E5-488C-8CF5-8448FF75D1AD}" type="slidenum">
+              <a:rPr lang="en-US" smtClean="0"/>
+              <a:t>‹#›</a:t>
+            </a:fld>
+            <a:endParaRPr lang="en-US"/>
+          </a:p>
+        </p:txBody>
+      </p:sp>
+    </p:spTree>
+    <p:extLst>
+      <p:ext uri="{BB962C8B-B14F-4D97-AF65-F5344CB8AC3E}">
+        <p14:creationId xmlns:p14="http://schemas.microsoft.com/office/powerpoint/2010/main" val="471201501"/>
+      </p:ext>
+    </p:extLst>
+  </p:cSld>
+  <p:clrMap bg1="lt1" tx1="dk1" bg2="lt2" tx2="dk2" accent1="accent1" accent2="accent2" accent3="accent3" accent4="accent4" accent5="accent5" accent6="accent6" hlink="hlink" folHlink="folHlink"/>
+  <p:notesStyle>
+    <a:lvl1pPr marL="0" algn="l" defTabSz="914400" rtl="0" eaLnBrk="1" latinLnBrk="0" hangingPunct="1">
+      <a:defRPr sz="1200" kern="1200">
+        <a:solidFill>
+          <a:schemeClr val="tx1"/>
+        </a:solidFill>
+        <a:latin typeface="+mn-lt"/>
+        <a:ea typeface="+mn-ea"/>
+        <a:cs typeface="+mn-cs"/>
+      </a:defRPr>
+    </a:lvl1pPr>
+    <a:lvl2pPr marL="457200" algn="l" defTabSz="914400" rtl="0" eaLnBrk="1" latinLnBrk="0" hangingPunct="1">
+      <a:defRPr sz="1200" kern="1200">
+        <a:solidFill>
+          <a:schemeClr val="tx1"/>
+        </a:solidFill>
+        <a:latin typeface="+mn-lt"/>
+        <a:ea typeface="+mn-ea"/>
+        <a:cs typeface="+mn-cs"/>
+      </a:defRPr>
+    </a:lvl2pPr>
+    <a:lvl3pPr marL="914400" algn="l" defTabSz="914400" rtl="0" eaLnBrk="1" latinLnBrk="0" hangingPunct="1">
+      <a:defRPr sz="1200" kern="1200">
+        <a:solidFill>
+          <a:schemeClr val="tx1"/>
+        </a:solidFill>
+        <a:latin typeface="+mn-lt"/>
+        <a:ea typeface="+mn-ea"/>
+        <a:cs typeface="+mn-cs"/>
+      </a:defRPr>
+    </a:lvl3pPr>
+    <a:lvl4pPr marL="1371600" algn="l" defTabSz="914400" rtl="0" eaLnBrk="1" latinLnBrk="0" hangingPunct="1">
+      <a:defRPr sz="1200" kern="1200">
+        <a:solidFill>
+          <a:schemeClr val="tx1"/>
+        </a:solidFill>
+        <a:latin typeface="+mn-lt"/>
+        <a:ea typeface="+mn-ea"/>
+        <a:cs typeface="+mn-cs"/>
+      </a:defRPr>
+    </a:lvl4pPr>
+    <a:lvl5pPr marL="1828800" algn="l" defTabSz="914400" rtl="0" eaLnBrk="1" latinLnBrk="0" hangingPunct="1">
+      <a:defRPr sz="1200" kern="1200">
+        <a:solidFill>
+          <a:schemeClr val="tx1"/>
+        </a:solidFill>
+        <a:latin typeface="+mn-lt"/>
+        <a:ea typeface="+mn-ea"/>
+        <a:cs typeface="+mn-cs"/>
+      </a:defRPr>
+    </a:lvl5pPr>
+    <a:lvl6pPr marL="2286000" algn="l" defTabSz="914400" rtl="0" eaLnBrk="1" latinLnBrk="0" hangingPunct="1">
+      <a:defRPr sz="1200" kern="1200">
+        <a:solidFill>
+          <a:schemeClr val="tx1"/>
+        </a:solidFill>
+        <a:latin typeface="+mn-lt"/>
+        <a:ea typeface="+mn-ea"/>
+        <a:cs typeface="+mn-cs"/>
+      </a:defRPr>
+    </a:lvl6pPr>
+    <a:lvl7pPr marL="2743200" algn="l" defTabSz="914400" rtl="0" eaLnBrk="1" latinLnBrk="0" hangingPunct="1">
+      <a:defRPr sz="1200" kern="1200">
+        <a:solidFill>
+          <a:schemeClr val="tx1"/>
+        </a:solidFill>
+        <a:latin typeface="+mn-lt"/>
+        <a:ea typeface="+mn-ea"/>
+        <a:cs typeface="+mn-cs"/>
+      </a:defRPr>
+    </a:lvl7pPr>
+    <a:lvl8pPr marL="3200400" algn="l" defTabSz="914400" rtl="0" eaLnBrk="1" latinLnBrk="0" hangingPunct="1">
+      <a:defRPr sz="1200" kern="1200">
+        <a:solidFill>
+          <a:schemeClr val="tx1"/>
+        </a:solidFill>
+        <a:latin typeface="+mn-lt"/>
+        <a:ea typeface="+mn-ea"/>
+        <a:cs typeface="+mn-cs"/>
+      </a:defRPr>
+    </a:lvl8pPr>
+    <a:lvl9pPr marL="3657600" algn="l" defTabSz="914400" rtl="0" eaLnBrk="1" latinLnBrk="0" hangingPunct="1">
+      <a:defRPr sz="1200" kern="1200">
+        <a:solidFill>
+          <a:schemeClr val="tx1"/>
+        </a:solidFill>
+        <a:latin typeface="+mn-lt"/>
+        <a:ea typeface="+mn-ea"/>
+        <a:cs typeface="+mn-cs"/>
+      </a:defRPr>
+    </a:lvl9pPr>
+  </p:notesStyle>
+</p:notesMaster>
+</file>
+
+<file path=ppt/notesSlides/notesSlide1.xml><?xml version="1.0" encoding="utf-8"?>
+<p:notes xmlns:a="http://schemas.openxmlformats.org/drawingml/2006/main" xmlns:r="http://schemas.openxmlformats.org/officeDocument/2006/relationships" xmlns:p="http://schemas.openxmlformats.org/presentationml/2006/main">
+  <p:cSld>
+    <p:spTree>
+      <p:nvGrpSpPr>
+        <p:cNvPr id="1" name=""/>
+        <p:cNvGrpSpPr/>
+        <p:nvPr/>
+      </p:nvGrpSpPr>
+      <p:grpSpPr>
+        <a:xfrm>
+          <a:off x="0" y="0"/>
+          <a:ext cx="0" cy="0"/>
+          <a:chOff x="0" y="0"/>
+          <a:chExt cx="0" cy="0"/>
+        </a:xfrm>
+      </p:grpSpPr>
+      <p:sp>
+        <p:nvSpPr>
+          <p:cNvPr id="2" name="Slide Image Placeholder 1"/>
+          <p:cNvSpPr>
+            <a:spLocks noGrp="1" noRot="1" noChangeAspect="1"/>
+          </p:cNvSpPr>
+          <p:nvPr>
+            <p:ph type="sldImg"/>
+          </p:nvPr>
+        </p:nvSpPr>
+        <p:spPr/>
+      </p:sp>
+      <p:sp>
+        <p:nvSpPr>
+          <p:cNvPr id="3" name="Notes Placeholder 2"/>
+          <p:cNvSpPr>
+            <a:spLocks noGrp="1"/>
+          </p:cNvSpPr>
+          <p:nvPr>
+            <p:ph type="body" idx="1"/>
+          </p:nvPr>
+        </p:nvSpPr>
+        <p:spPr/>
+        <p:txBody>
+          <a:bodyPr/>
+          <a:lstStyle/>
+          <a:p>
+            <a:endParaRPr lang="en-US" dirty="0"/>
+          </a:p>
+        </p:txBody>
+      </p:sp>
+      <p:sp>
+        <p:nvSpPr>
+          <p:cNvPr id="4" name="Slide Number Placeholder 3"/>
+          <p:cNvSpPr>
+            <a:spLocks noGrp="1"/>
+          </p:cNvSpPr>
+          <p:nvPr>
+            <p:ph type="sldNum" sz="quarter" idx="10"/>
+          </p:nvPr>
+        </p:nvSpPr>
+        <p:spPr/>
+        <p:txBody>
+          <a:bodyPr/>
+          <a:lstStyle/>
+          <a:p>
+            <a:fld id="{3D91AC6F-76E5-488C-8CF5-8448FF75D1AD}" type="slidenum">
+              <a:rPr lang="en-US" smtClean="0"/>
+              <a:t>5</a:t>
+            </a:fld>
+            <a:endParaRPr lang="en-US"/>
+          </a:p>
+        </p:txBody>
+      </p:sp>
+    </p:spTree>
+    <p:extLst>
+      <p:ext uri="{BB962C8B-B14F-4D97-AF65-F5344CB8AC3E}">
+        <p14:creationId xmlns:p14="http://schemas.microsoft.com/office/powerpoint/2010/main" val="2928478103"/>
+      </p:ext>
+    </p:extLst>
+  </p:cSld>
+  <p:clrMapOvr>
+    <a:masterClrMapping/>
+  </p:clrMapOvr>
+</p:notes>
+</file>
+
 <file path=ppt/slideLayouts/slideLayout1.xml><?xml version="1.0" encoding="utf-8"?>
 <p:sldLayout xmlns:a="http://schemas.openxmlformats.org/drawingml/2006/main" xmlns:r="http://schemas.openxmlformats.org/officeDocument/2006/relationships" xmlns:p="http://schemas.openxmlformats.org/presentationml/2006/main" type="title" preserve="1">
   <p:cSld name="Title Slide">
@@ -291,7 +730,7 @@
           <a:p>
             <a:fld id="{554C80B5-1734-4FC9-8F72-0C7543F7E92B}" type="datetimeFigureOut">
               <a:rPr lang="en-US" smtClean="0"/>
-              <a:t>11/6/2013</a:t>
+              <a:t>11/17/2013</a:t>
             </a:fld>
             <a:endParaRPr lang="en-US"/>
           </a:p>
@@ -461,7 +900,7 @@
           <a:p>
             <a:fld id="{554C80B5-1734-4FC9-8F72-0C7543F7E92B}" type="datetimeFigureOut">
               <a:rPr lang="en-US" smtClean="0"/>
-              <a:t>11/6/2013</a:t>
+              <a:t>11/17/2013</a:t>
             </a:fld>
             <a:endParaRPr lang="en-US"/>
           </a:p>
@@ -641,7 +1080,7 @@
           <a:p>
             <a:fld id="{554C80B5-1734-4FC9-8F72-0C7543F7E92B}" type="datetimeFigureOut">
               <a:rPr lang="en-US" smtClean="0"/>
-              <a:t>11/6/2013</a:t>
+              <a:t>11/17/2013</a:t>
             </a:fld>
             <a:endParaRPr lang="en-US"/>
           </a:p>
@@ -811,7 +1250,7 @@
           <a:p>
             <a:fld id="{554C80B5-1734-4FC9-8F72-0C7543F7E92B}" type="datetimeFigureOut">
               <a:rPr lang="en-US" smtClean="0"/>
-              <a:t>11/6/2013</a:t>
+              <a:t>11/17/2013</a:t>
             </a:fld>
             <a:endParaRPr lang="en-US"/>
           </a:p>
@@ -1057,7 +1496,7 @@
           <a:p>
             <a:fld id="{554C80B5-1734-4FC9-8F72-0C7543F7E92B}" type="datetimeFigureOut">
               <a:rPr lang="en-US" smtClean="0"/>
-              <a:t>11/6/2013</a:t>
+              <a:t>11/17/2013</a:t>
             </a:fld>
             <a:endParaRPr lang="en-US"/>
           </a:p>
@@ -1345,7 +1784,7 @@
           <a:p>
             <a:fld id="{554C80B5-1734-4FC9-8F72-0C7543F7E92B}" type="datetimeFigureOut">
               <a:rPr lang="en-US" smtClean="0"/>
-              <a:t>11/6/2013</a:t>
+              <a:t>11/17/2013</a:t>
             </a:fld>
             <a:endParaRPr lang="en-US"/>
           </a:p>
@@ -1767,7 +2206,7 @@
           <a:p>
             <a:fld id="{554C80B5-1734-4FC9-8F72-0C7543F7E92B}" type="datetimeFigureOut">
               <a:rPr lang="en-US" smtClean="0"/>
-              <a:t>11/6/2013</a:t>
+              <a:t>11/17/2013</a:t>
             </a:fld>
             <a:endParaRPr lang="en-US"/>
           </a:p>
@@ -1885,7 +2324,7 @@
           <a:p>
             <a:fld id="{554C80B5-1734-4FC9-8F72-0C7543F7E92B}" type="datetimeFigureOut">
               <a:rPr lang="en-US" smtClean="0"/>
-              <a:t>11/6/2013</a:t>
+              <a:t>11/17/2013</a:t>
             </a:fld>
             <a:endParaRPr lang="en-US"/>
           </a:p>
@@ -1980,7 +2419,7 @@
           <a:p>
             <a:fld id="{554C80B5-1734-4FC9-8F72-0C7543F7E92B}" type="datetimeFigureOut">
               <a:rPr lang="en-US" smtClean="0"/>
-              <a:t>11/6/2013</a:t>
+              <a:t>11/17/2013</a:t>
             </a:fld>
             <a:endParaRPr lang="en-US"/>
           </a:p>
@@ -2257,7 +2696,7 @@
           <a:p>
             <a:fld id="{554C80B5-1734-4FC9-8F72-0C7543F7E92B}" type="datetimeFigureOut">
               <a:rPr lang="en-US" smtClean="0"/>
-              <a:t>11/6/2013</a:t>
+              <a:t>11/17/2013</a:t>
             </a:fld>
             <a:endParaRPr lang="en-US"/>
           </a:p>
@@ -2510,7 +2949,7 @@
           <a:p>
             <a:fld id="{554C80B5-1734-4FC9-8F72-0C7543F7E92B}" type="datetimeFigureOut">
               <a:rPr lang="en-US" smtClean="0"/>
-              <a:t>11/6/2013</a:t>
+              <a:t>11/17/2013</a:t>
             </a:fld>
             <a:endParaRPr lang="en-US"/>
           </a:p>
@@ -2723,7 +3162,7 @@
           <a:p>
             <a:fld id="{554C80B5-1734-4FC9-8F72-0C7543F7E92B}" type="datetimeFigureOut">
               <a:rPr lang="en-US" smtClean="0"/>
-              <a:t>11/6/2013</a:t>
+              <a:t>11/17/2013</a:t>
             </a:fld>
             <a:endParaRPr lang="en-US"/>
           </a:p>
@@ -7658,6 +8097,1343 @@
 </p:sld>
 </file>
 
+<file path=ppt/slides/slide5.xml><?xml version="1.0" encoding="utf-8"?>
+<p:sld xmlns:a="http://schemas.openxmlformats.org/drawingml/2006/main" xmlns:r="http://schemas.openxmlformats.org/officeDocument/2006/relationships" xmlns:p="http://schemas.openxmlformats.org/presentationml/2006/main">
+  <p:cSld>
+    <p:spTree>
+      <p:nvGrpSpPr>
+        <p:cNvPr id="1" name=""/>
+        <p:cNvGrpSpPr/>
+        <p:nvPr/>
+      </p:nvGrpSpPr>
+      <p:grpSpPr>
+        <a:xfrm>
+          <a:off x="0" y="0"/>
+          <a:ext cx="0" cy="0"/>
+          <a:chOff x="0" y="0"/>
+          <a:chExt cx="0" cy="0"/>
+        </a:xfrm>
+      </p:grpSpPr>
+      <p:pic>
+        <p:nvPicPr>
+          <p:cNvPr id="1027" name="Picture 3"/>
+          <p:cNvPicPr>
+            <a:picLocks noChangeAspect="1" noChangeArrowheads="1"/>
+          </p:cNvPicPr>
+          <p:nvPr/>
+        </p:nvPicPr>
+        <p:blipFill rotWithShape="1">
+          <a:blip r:embed="rId3" cstate="print">
+            <a:extLst>
+              <a:ext uri="{28A0092B-C50C-407E-A947-70E740481C1C}">
+                <a14:useLocalDpi xmlns:a14="http://schemas.microsoft.com/office/drawing/2010/main" val="0"/>
+              </a:ext>
+            </a:extLst>
+          </a:blip>
+          <a:srcRect l="19425" r="2346"/>
+          <a:stretch/>
+        </p:blipFill>
+        <p:spPr bwMode="auto">
+          <a:xfrm>
+            <a:off x="2590800" y="3733800"/>
+            <a:ext cx="1784813" cy="1828800"/>
+          </a:xfrm>
+          <a:prstGeom prst="rect">
+            <a:avLst/>
+          </a:prstGeom>
+          <a:noFill/>
+          <a:ln>
+            <a:noFill/>
+          </a:ln>
+          <a:extLst>
+            <a:ext uri="{909E8E84-426E-40DD-AFC4-6F175D3DCCD1}">
+              <a14:hiddenFill xmlns:a14="http://schemas.microsoft.com/office/drawing/2010/main">
+                <a:solidFill>
+                  <a:schemeClr val="accent1"/>
+                </a:solidFill>
+              </a14:hiddenFill>
+            </a:ext>
+            <a:ext uri="{91240B29-F687-4F45-9708-019B960494DF}">
+              <a14:hiddenLine xmlns:a14="http://schemas.microsoft.com/office/drawing/2010/main" w="9525">
+                <a:solidFill>
+                  <a:schemeClr val="tx1"/>
+                </a:solidFill>
+                <a:miter lim="800000"/>
+                <a:headEnd/>
+                <a:tailEnd/>
+              </a14:hiddenLine>
+            </a:ext>
+          </a:extLst>
+        </p:spPr>
+      </p:pic>
+      <p:grpSp>
+        <p:nvGrpSpPr>
+          <p:cNvPr id="3" name="Group 2"/>
+          <p:cNvGrpSpPr/>
+          <p:nvPr/>
+        </p:nvGrpSpPr>
+        <p:grpSpPr>
+          <a:xfrm>
+            <a:off x="533400" y="228600"/>
+            <a:ext cx="1614216" cy="1828800"/>
+            <a:chOff x="600075" y="228600"/>
+            <a:chExt cx="1614216" cy="1828800"/>
+          </a:xfrm>
+        </p:grpSpPr>
+        <p:pic>
+          <p:nvPicPr>
+            <p:cNvPr id="1026" name="Picture 2"/>
+            <p:cNvPicPr>
+              <a:picLocks noChangeAspect="1" noChangeArrowheads="1"/>
+            </p:cNvPicPr>
+            <p:nvPr/>
+          </p:nvPicPr>
+          <p:blipFill rotWithShape="1">
+            <a:blip r:embed="rId4" cstate="print">
+              <a:extLst>
+                <a:ext uri="{28A0092B-C50C-407E-A947-70E740481C1C}">
+                  <a14:useLocalDpi xmlns:a14="http://schemas.microsoft.com/office/drawing/2010/main" val="0"/>
+                </a:ext>
+              </a:extLst>
+            </a:blip>
+            <a:srcRect l="18264" r="15878"/>
+            <a:stretch/>
+          </p:blipFill>
+          <p:spPr bwMode="auto">
+            <a:xfrm>
+              <a:off x="600075" y="228600"/>
+              <a:ext cx="1614216" cy="1828800"/>
+            </a:xfrm>
+            <a:prstGeom prst="rect">
+              <a:avLst/>
+            </a:prstGeom>
+            <a:noFill/>
+            <a:ln>
+              <a:noFill/>
+            </a:ln>
+            <a:extLst>
+              <a:ext uri="{909E8E84-426E-40DD-AFC4-6F175D3DCCD1}">
+                <a14:hiddenFill xmlns:a14="http://schemas.microsoft.com/office/drawing/2010/main">
+                  <a:solidFill>
+                    <a:schemeClr val="accent1"/>
+                  </a:solidFill>
+                </a14:hiddenFill>
+              </a:ext>
+              <a:ext uri="{91240B29-F687-4F45-9708-019B960494DF}">
+                <a14:hiddenLine xmlns:a14="http://schemas.microsoft.com/office/drawing/2010/main" w="9525">
+                  <a:solidFill>
+                    <a:schemeClr val="tx1"/>
+                  </a:solidFill>
+                  <a:miter lim="800000"/>
+                  <a:headEnd/>
+                  <a:tailEnd/>
+                </a14:hiddenLine>
+              </a:ext>
+            </a:extLst>
+          </p:spPr>
+        </p:pic>
+        <p:sp>
+          <p:nvSpPr>
+            <p:cNvPr id="2" name="Rectangle 1"/>
+            <p:cNvSpPr/>
+            <p:nvPr/>
+          </p:nvSpPr>
+          <p:spPr>
+            <a:xfrm>
+              <a:off x="713549" y="779618"/>
+              <a:ext cx="640080" cy="384048"/>
+            </a:xfrm>
+            <a:prstGeom prst="rect">
+              <a:avLst/>
+            </a:prstGeom>
+            <a:noFill/>
+            <a:ln w="3175">
+              <a:solidFill>
+                <a:srgbClr val="15537D"/>
+              </a:solidFill>
+            </a:ln>
+          </p:spPr>
+          <p:style>
+            <a:lnRef idx="2">
+              <a:schemeClr val="accent1">
+                <a:shade val="50000"/>
+              </a:schemeClr>
+            </a:lnRef>
+            <a:fillRef idx="1">
+              <a:schemeClr val="accent1"/>
+            </a:fillRef>
+            <a:effectRef idx="0">
+              <a:schemeClr val="accent1"/>
+            </a:effectRef>
+            <a:fontRef idx="minor">
+              <a:schemeClr val="lt1"/>
+            </a:fontRef>
+          </p:style>
+          <p:txBody>
+            <a:bodyPr rtlCol="0" anchor="ctr"/>
+            <a:lstStyle/>
+            <a:p>
+              <a:pPr algn="ctr"/>
+              <a:endParaRPr lang="en-US"/>
+            </a:p>
+          </p:txBody>
+        </p:sp>
+      </p:grpSp>
+      <p:grpSp>
+        <p:nvGrpSpPr>
+          <p:cNvPr id="4" name="Group 3"/>
+          <p:cNvGrpSpPr/>
+          <p:nvPr/>
+        </p:nvGrpSpPr>
+        <p:grpSpPr>
+          <a:xfrm>
+            <a:off x="2286000" y="228600"/>
+            <a:ext cx="1914525" cy="1828800"/>
+            <a:chOff x="3886200" y="228600"/>
+            <a:chExt cx="1914525" cy="1828800"/>
+          </a:xfrm>
+        </p:grpSpPr>
+        <p:pic>
+          <p:nvPicPr>
+            <p:cNvPr id="1028" name="Picture 4"/>
+            <p:cNvPicPr>
+              <a:picLocks noChangeAspect="1" noChangeArrowheads="1"/>
+            </p:cNvPicPr>
+            <p:nvPr/>
+          </p:nvPicPr>
+          <p:blipFill rotWithShape="1">
+            <a:blip r:embed="rId5" cstate="print">
+              <a:extLst>
+                <a:ext uri="{28A0092B-C50C-407E-A947-70E740481C1C}">
+                  <a14:useLocalDpi xmlns:a14="http://schemas.microsoft.com/office/drawing/2010/main" val="0"/>
+                </a:ext>
+              </a:extLst>
+            </a:blip>
+            <a:srcRect l="18166"/>
+            <a:stretch/>
+          </p:blipFill>
+          <p:spPr bwMode="auto">
+            <a:xfrm>
+              <a:off x="3886200" y="228600"/>
+              <a:ext cx="1914525" cy="1828800"/>
+            </a:xfrm>
+            <a:prstGeom prst="rect">
+              <a:avLst/>
+            </a:prstGeom>
+            <a:noFill/>
+            <a:ln>
+              <a:noFill/>
+            </a:ln>
+            <a:extLst>
+              <a:ext uri="{909E8E84-426E-40DD-AFC4-6F175D3DCCD1}">
+                <a14:hiddenFill xmlns:a14="http://schemas.microsoft.com/office/drawing/2010/main">
+                  <a:solidFill>
+                    <a:schemeClr val="accent1"/>
+                  </a:solidFill>
+                </a14:hiddenFill>
+              </a:ext>
+              <a:ext uri="{91240B29-F687-4F45-9708-019B960494DF}">
+                <a14:hiddenLine xmlns:a14="http://schemas.microsoft.com/office/drawing/2010/main" w="9525">
+                  <a:solidFill>
+                    <a:schemeClr val="tx1"/>
+                  </a:solidFill>
+                  <a:miter lim="800000"/>
+                  <a:headEnd/>
+                  <a:tailEnd/>
+                </a14:hiddenLine>
+              </a:ext>
+            </a:extLst>
+          </p:spPr>
+        </p:pic>
+        <p:sp>
+          <p:nvSpPr>
+            <p:cNvPr id="7" name="Rectangle 6"/>
+            <p:cNvSpPr/>
+            <p:nvPr/>
+          </p:nvSpPr>
+          <p:spPr>
+            <a:xfrm>
+              <a:off x="5360760" y="904876"/>
+              <a:ext cx="402429" cy="713232"/>
+            </a:xfrm>
+            <a:prstGeom prst="rect">
+              <a:avLst/>
+            </a:prstGeom>
+            <a:noFill/>
+            <a:ln w="3175">
+              <a:solidFill>
+                <a:srgbClr val="798BA2"/>
+              </a:solidFill>
+            </a:ln>
+          </p:spPr>
+          <p:style>
+            <a:lnRef idx="2">
+              <a:schemeClr val="accent1">
+                <a:shade val="50000"/>
+              </a:schemeClr>
+            </a:lnRef>
+            <a:fillRef idx="1">
+              <a:schemeClr val="accent1"/>
+            </a:fillRef>
+            <a:effectRef idx="0">
+              <a:schemeClr val="accent1"/>
+            </a:effectRef>
+            <a:fontRef idx="minor">
+              <a:schemeClr val="lt1"/>
+            </a:fontRef>
+          </p:style>
+          <p:txBody>
+            <a:bodyPr rtlCol="0" anchor="ctr"/>
+            <a:lstStyle/>
+            <a:p>
+              <a:pPr algn="ctr"/>
+              <a:endParaRPr lang="en-US"/>
+            </a:p>
+          </p:txBody>
+        </p:sp>
+      </p:grpSp>
+      <p:pic>
+        <p:nvPicPr>
+          <p:cNvPr id="1030" name="Picture 6"/>
+          <p:cNvPicPr>
+            <a:picLocks noChangeAspect="1" noChangeArrowheads="1"/>
+          </p:cNvPicPr>
+          <p:nvPr/>
+        </p:nvPicPr>
+        <p:blipFill rotWithShape="1">
+          <a:blip r:embed="rId6" cstate="print">
+            <a:extLst>
+              <a:ext uri="{28A0092B-C50C-407E-A947-70E740481C1C}">
+                <a14:useLocalDpi xmlns:a14="http://schemas.microsoft.com/office/drawing/2010/main" val="0"/>
+              </a:ext>
+            </a:extLst>
+          </a:blip>
+          <a:srcRect l="9418" r="13683"/>
+          <a:stretch/>
+        </p:blipFill>
+        <p:spPr bwMode="auto">
+          <a:xfrm>
+            <a:off x="6320109" y="3852292"/>
+            <a:ext cx="1769423" cy="1828800"/>
+          </a:xfrm>
+          <a:prstGeom prst="rect">
+            <a:avLst/>
+          </a:prstGeom>
+          <a:noFill/>
+          <a:ln>
+            <a:noFill/>
+          </a:ln>
+          <a:extLst>
+            <a:ext uri="{909E8E84-426E-40DD-AFC4-6F175D3DCCD1}">
+              <a14:hiddenFill xmlns:a14="http://schemas.microsoft.com/office/drawing/2010/main">
+                <a:solidFill>
+                  <a:schemeClr val="accent1"/>
+                </a:solidFill>
+              </a14:hiddenFill>
+            </a:ext>
+            <a:ext uri="{91240B29-F687-4F45-9708-019B960494DF}">
+              <a14:hiddenLine xmlns:a14="http://schemas.microsoft.com/office/drawing/2010/main" w="9525">
+                <a:solidFill>
+                  <a:schemeClr val="tx1"/>
+                </a:solidFill>
+                <a:miter lim="800000"/>
+                <a:headEnd/>
+                <a:tailEnd/>
+              </a14:hiddenLine>
+            </a:ext>
+          </a:extLst>
+        </p:spPr>
+      </p:pic>
+      <p:grpSp>
+        <p:nvGrpSpPr>
+          <p:cNvPr id="5" name="Group 4"/>
+          <p:cNvGrpSpPr/>
+          <p:nvPr/>
+        </p:nvGrpSpPr>
+        <p:grpSpPr>
+          <a:xfrm>
+            <a:off x="4343400" y="228600"/>
+            <a:ext cx="1828800" cy="1828800"/>
+            <a:chOff x="4697681" y="347092"/>
+            <a:chExt cx="1828800" cy="1828800"/>
+          </a:xfrm>
+        </p:grpSpPr>
+        <p:pic>
+          <p:nvPicPr>
+            <p:cNvPr id="1031" name="Picture 7"/>
+            <p:cNvPicPr>
+              <a:picLocks noChangeAspect="1" noChangeArrowheads="1"/>
+            </p:cNvPicPr>
+            <p:nvPr/>
+          </p:nvPicPr>
+          <p:blipFill rotWithShape="1">
+            <a:blip r:embed="rId7" cstate="print">
+              <a:extLst>
+                <a:ext uri="{28A0092B-C50C-407E-A947-70E740481C1C}">
+                  <a14:useLocalDpi xmlns:a14="http://schemas.microsoft.com/office/drawing/2010/main" val="0"/>
+                </a:ext>
+              </a:extLst>
+            </a:blip>
+            <a:srcRect l="12002" r="9068"/>
+            <a:stretch/>
+          </p:blipFill>
+          <p:spPr bwMode="auto">
+            <a:xfrm>
+              <a:off x="4697681" y="347092"/>
+              <a:ext cx="1828800" cy="1828800"/>
+            </a:xfrm>
+            <a:prstGeom prst="rect">
+              <a:avLst/>
+            </a:prstGeom>
+            <a:noFill/>
+            <a:ln>
+              <a:noFill/>
+            </a:ln>
+            <a:extLst>
+              <a:ext uri="{909E8E84-426E-40DD-AFC4-6F175D3DCCD1}">
+                <a14:hiddenFill xmlns:a14="http://schemas.microsoft.com/office/drawing/2010/main">
+                  <a:solidFill>
+                    <a:schemeClr val="accent1"/>
+                  </a:solidFill>
+                </a14:hiddenFill>
+              </a:ext>
+              <a:ext uri="{91240B29-F687-4F45-9708-019B960494DF}">
+                <a14:hiddenLine xmlns:a14="http://schemas.microsoft.com/office/drawing/2010/main" w="9525">
+                  <a:solidFill>
+                    <a:schemeClr val="tx1"/>
+                  </a:solidFill>
+                  <a:miter lim="800000"/>
+                  <a:headEnd/>
+                  <a:tailEnd/>
+                </a14:hiddenLine>
+              </a:ext>
+            </a:extLst>
+          </p:spPr>
+        </p:pic>
+        <p:sp>
+          <p:nvSpPr>
+            <p:cNvPr id="12" name="Rectangle 11"/>
+            <p:cNvSpPr/>
+            <p:nvPr/>
+          </p:nvSpPr>
+          <p:spPr>
+            <a:xfrm>
+              <a:off x="5979433" y="845343"/>
+              <a:ext cx="466344" cy="365760"/>
+            </a:xfrm>
+            <a:prstGeom prst="rect">
+              <a:avLst/>
+            </a:prstGeom>
+            <a:noFill/>
+            <a:ln w="3175">
+              <a:solidFill>
+                <a:srgbClr val="B25809"/>
+              </a:solidFill>
+            </a:ln>
+          </p:spPr>
+          <p:style>
+            <a:lnRef idx="2">
+              <a:schemeClr val="accent1">
+                <a:shade val="50000"/>
+              </a:schemeClr>
+            </a:lnRef>
+            <a:fillRef idx="1">
+              <a:schemeClr val="accent1"/>
+            </a:fillRef>
+            <a:effectRef idx="0">
+              <a:schemeClr val="accent1"/>
+            </a:effectRef>
+            <a:fontRef idx="minor">
+              <a:schemeClr val="lt1"/>
+            </a:fontRef>
+          </p:style>
+          <p:txBody>
+            <a:bodyPr rtlCol="0" anchor="ctr"/>
+            <a:lstStyle/>
+            <a:p>
+              <a:pPr algn="ctr"/>
+              <a:endParaRPr lang="en-US"/>
+            </a:p>
+          </p:txBody>
+        </p:sp>
+      </p:grpSp>
+      <p:sp>
+        <p:nvSpPr>
+          <p:cNvPr id="16" name="Rectangle 15"/>
+          <p:cNvSpPr/>
+          <p:nvPr/>
+        </p:nvSpPr>
+        <p:spPr>
+          <a:xfrm>
+            <a:off x="4221715" y="228600"/>
+            <a:ext cx="1914525" cy="1828800"/>
+          </a:xfrm>
+          <a:prstGeom prst="rect">
+            <a:avLst/>
+          </a:prstGeom>
+          <a:noFill/>
+          <a:ln w="3175">
+            <a:solidFill>
+              <a:schemeClr val="tx1">
+                <a:lumMod val="50000"/>
+                <a:lumOff val="50000"/>
+              </a:schemeClr>
+            </a:solidFill>
+          </a:ln>
+        </p:spPr>
+        <p:style>
+          <a:lnRef idx="2">
+            <a:schemeClr val="accent1">
+              <a:shade val="50000"/>
+            </a:schemeClr>
+          </a:lnRef>
+          <a:fillRef idx="1">
+            <a:schemeClr val="accent1"/>
+          </a:fillRef>
+          <a:effectRef idx="0">
+            <a:schemeClr val="accent1"/>
+          </a:effectRef>
+          <a:fontRef idx="minor">
+            <a:schemeClr val="lt1"/>
+          </a:fontRef>
+        </p:style>
+        <p:txBody>
+          <a:bodyPr rtlCol="0" anchor="ctr"/>
+          <a:lstStyle/>
+          <a:p>
+            <a:pPr algn="ctr"/>
+            <a:endParaRPr lang="en-US"/>
+          </a:p>
+        </p:txBody>
+      </p:sp>
+      <p:grpSp>
+        <p:nvGrpSpPr>
+          <p:cNvPr id="8" name="Group 7"/>
+          <p:cNvGrpSpPr/>
+          <p:nvPr/>
+        </p:nvGrpSpPr>
+        <p:grpSpPr>
+          <a:xfrm>
+            <a:off x="6172200" y="228600"/>
+            <a:ext cx="1754339" cy="1828800"/>
+            <a:chOff x="6172200" y="228600"/>
+            <a:chExt cx="1754339" cy="1828800"/>
+          </a:xfrm>
+        </p:grpSpPr>
+        <p:pic>
+          <p:nvPicPr>
+            <p:cNvPr id="1032" name="Picture 8"/>
+            <p:cNvPicPr>
+              <a:picLocks noChangeAspect="1" noChangeArrowheads="1"/>
+            </p:cNvPicPr>
+            <p:nvPr/>
+          </p:nvPicPr>
+          <p:blipFill rotWithShape="1">
+            <a:blip r:embed="rId8" cstate="print">
+              <a:extLst>
+                <a:ext uri="{28A0092B-C50C-407E-A947-70E740481C1C}">
+                  <a14:useLocalDpi xmlns:a14="http://schemas.microsoft.com/office/drawing/2010/main" val="0"/>
+                </a:ext>
+              </a:extLst>
+            </a:blip>
+            <a:srcRect l="11694" r="11724"/>
+            <a:stretch/>
+          </p:blipFill>
+          <p:spPr bwMode="auto">
+            <a:xfrm>
+              <a:off x="6172200" y="228600"/>
+              <a:ext cx="1754339" cy="1828800"/>
+            </a:xfrm>
+            <a:prstGeom prst="rect">
+              <a:avLst/>
+            </a:prstGeom>
+            <a:noFill/>
+            <a:ln>
+              <a:noFill/>
+            </a:ln>
+            <a:extLst>
+              <a:ext uri="{909E8E84-426E-40DD-AFC4-6F175D3DCCD1}">
+                <a14:hiddenFill xmlns:a14="http://schemas.microsoft.com/office/drawing/2010/main">
+                  <a:solidFill>
+                    <a:schemeClr val="accent1"/>
+                  </a:solidFill>
+                </a14:hiddenFill>
+              </a:ext>
+              <a:ext uri="{91240B29-F687-4F45-9708-019B960494DF}">
+                <a14:hiddenLine xmlns:a14="http://schemas.microsoft.com/office/drawing/2010/main" w="9525">
+                  <a:solidFill>
+                    <a:schemeClr val="tx1"/>
+                  </a:solidFill>
+                  <a:miter lim="800000"/>
+                  <a:headEnd/>
+                  <a:tailEnd/>
+                </a14:hiddenLine>
+              </a:ext>
+            </a:extLst>
+          </p:spPr>
+        </p:pic>
+        <p:sp>
+          <p:nvSpPr>
+            <p:cNvPr id="18" name="Rectangle 17"/>
+            <p:cNvSpPr/>
+            <p:nvPr/>
+          </p:nvSpPr>
+          <p:spPr>
+            <a:xfrm>
+              <a:off x="7415745" y="857134"/>
+              <a:ext cx="509055" cy="612648"/>
+            </a:xfrm>
+            <a:prstGeom prst="rect">
+              <a:avLst/>
+            </a:prstGeom>
+            <a:noFill/>
+            <a:ln w="3175">
+              <a:solidFill>
+                <a:srgbClr val="B28254"/>
+              </a:solidFill>
+            </a:ln>
+          </p:spPr>
+          <p:style>
+            <a:lnRef idx="2">
+              <a:schemeClr val="accent1">
+                <a:shade val="50000"/>
+              </a:schemeClr>
+            </a:lnRef>
+            <a:fillRef idx="1">
+              <a:schemeClr val="accent1"/>
+            </a:fillRef>
+            <a:effectRef idx="0">
+              <a:schemeClr val="accent1"/>
+            </a:effectRef>
+            <a:fontRef idx="minor">
+              <a:schemeClr val="lt1"/>
+            </a:fontRef>
+          </p:style>
+          <p:txBody>
+            <a:bodyPr rtlCol="0" anchor="ctr"/>
+            <a:lstStyle/>
+            <a:p>
+              <a:pPr algn="ctr"/>
+              <a:endParaRPr lang="en-US"/>
+            </a:p>
+          </p:txBody>
+        </p:sp>
+      </p:grpSp>
+      <p:grpSp>
+        <p:nvGrpSpPr>
+          <p:cNvPr id="9" name="Group 8"/>
+          <p:cNvGrpSpPr/>
+          <p:nvPr/>
+        </p:nvGrpSpPr>
+        <p:grpSpPr>
+          <a:xfrm>
+            <a:off x="545909" y="2079648"/>
+            <a:ext cx="1741142" cy="1828800"/>
+            <a:chOff x="545909" y="2079648"/>
+            <a:chExt cx="1741142" cy="1828800"/>
+          </a:xfrm>
+        </p:grpSpPr>
+        <p:pic>
+          <p:nvPicPr>
+            <p:cNvPr id="1033" name="Picture 9"/>
+            <p:cNvPicPr>
+              <a:picLocks noChangeAspect="1" noChangeArrowheads="1"/>
+            </p:cNvPicPr>
+            <p:nvPr/>
+          </p:nvPicPr>
+          <p:blipFill rotWithShape="1">
+            <a:blip r:embed="rId9" cstate="print">
+              <a:extLst>
+                <a:ext uri="{28A0092B-C50C-407E-A947-70E740481C1C}">
+                  <a14:useLocalDpi xmlns:a14="http://schemas.microsoft.com/office/drawing/2010/main" val="0"/>
+                </a:ext>
+              </a:extLst>
+            </a:blip>
+            <a:srcRect l="14653" t="-746" r="14668" b="746"/>
+            <a:stretch/>
+          </p:blipFill>
+          <p:spPr bwMode="auto">
+            <a:xfrm>
+              <a:off x="545909" y="2079648"/>
+              <a:ext cx="1741142" cy="1828800"/>
+            </a:xfrm>
+            <a:prstGeom prst="rect">
+              <a:avLst/>
+            </a:prstGeom>
+            <a:noFill/>
+            <a:ln>
+              <a:noFill/>
+            </a:ln>
+            <a:extLst>
+              <a:ext uri="{909E8E84-426E-40DD-AFC4-6F175D3DCCD1}">
+                <a14:hiddenFill xmlns:a14="http://schemas.microsoft.com/office/drawing/2010/main">
+                  <a:solidFill>
+                    <a:schemeClr val="accent1"/>
+                  </a:solidFill>
+                </a14:hiddenFill>
+              </a:ext>
+              <a:ext uri="{91240B29-F687-4F45-9708-019B960494DF}">
+                <a14:hiddenLine xmlns:a14="http://schemas.microsoft.com/office/drawing/2010/main" w="9525">
+                  <a:solidFill>
+                    <a:schemeClr val="tx1"/>
+                  </a:solidFill>
+                  <a:miter lim="800000"/>
+                  <a:headEnd/>
+                  <a:tailEnd/>
+                </a14:hiddenLine>
+              </a:ext>
+            </a:extLst>
+          </p:spPr>
+        </p:pic>
+        <p:sp>
+          <p:nvSpPr>
+            <p:cNvPr id="23" name="Rectangle 22"/>
+            <p:cNvSpPr/>
+            <p:nvPr/>
+          </p:nvSpPr>
+          <p:spPr>
+            <a:xfrm>
+              <a:off x="1320523" y="2187583"/>
+              <a:ext cx="438912" cy="448056"/>
+            </a:xfrm>
+            <a:prstGeom prst="rect">
+              <a:avLst/>
+            </a:prstGeom>
+            <a:noFill/>
+            <a:ln w="3175">
+              <a:solidFill>
+                <a:srgbClr val="1E701E"/>
+              </a:solidFill>
+            </a:ln>
+          </p:spPr>
+          <p:style>
+            <a:lnRef idx="2">
+              <a:schemeClr val="accent1">
+                <a:shade val="50000"/>
+              </a:schemeClr>
+            </a:lnRef>
+            <a:fillRef idx="1">
+              <a:schemeClr val="accent1"/>
+            </a:fillRef>
+            <a:effectRef idx="0">
+              <a:schemeClr val="accent1"/>
+            </a:effectRef>
+            <a:fontRef idx="minor">
+              <a:schemeClr val="lt1"/>
+            </a:fontRef>
+          </p:style>
+          <p:txBody>
+            <a:bodyPr rtlCol="0" anchor="ctr"/>
+            <a:lstStyle/>
+            <a:p>
+              <a:pPr algn="ctr"/>
+              <a:endParaRPr lang="en-US"/>
+            </a:p>
+          </p:txBody>
+        </p:sp>
+      </p:grpSp>
+      <p:sp>
+        <p:nvSpPr>
+          <p:cNvPr id="28" name="Rectangle 27"/>
+          <p:cNvSpPr/>
+          <p:nvPr/>
+        </p:nvSpPr>
+        <p:spPr>
+          <a:xfrm>
+            <a:off x="6137755" y="228600"/>
+            <a:ext cx="1914525" cy="1828800"/>
+          </a:xfrm>
+          <a:prstGeom prst="rect">
+            <a:avLst/>
+          </a:prstGeom>
+          <a:noFill/>
+          <a:ln w="3175">
+            <a:solidFill>
+              <a:schemeClr val="tx1">
+                <a:lumMod val="50000"/>
+                <a:lumOff val="50000"/>
+              </a:schemeClr>
+            </a:solidFill>
+          </a:ln>
+        </p:spPr>
+        <p:style>
+          <a:lnRef idx="2">
+            <a:schemeClr val="accent1">
+              <a:shade val="50000"/>
+            </a:schemeClr>
+          </a:lnRef>
+          <a:fillRef idx="1">
+            <a:schemeClr val="accent1"/>
+          </a:fillRef>
+          <a:effectRef idx="0">
+            <a:schemeClr val="accent1"/>
+          </a:effectRef>
+          <a:fontRef idx="minor">
+            <a:schemeClr val="lt1"/>
+          </a:fontRef>
+        </p:style>
+        <p:txBody>
+          <a:bodyPr rtlCol="0" anchor="ctr"/>
+          <a:lstStyle/>
+          <a:p>
+            <a:pPr algn="ctr"/>
+            <a:endParaRPr lang="en-US"/>
+          </a:p>
+        </p:txBody>
+      </p:sp>
+      <p:sp>
+        <p:nvSpPr>
+          <p:cNvPr id="29" name="Rectangle 28"/>
+          <p:cNvSpPr/>
+          <p:nvPr/>
+        </p:nvSpPr>
+        <p:spPr>
+          <a:xfrm>
+            <a:off x="2308202" y="228835"/>
+            <a:ext cx="1914525" cy="1828800"/>
+          </a:xfrm>
+          <a:prstGeom prst="rect">
+            <a:avLst/>
+          </a:prstGeom>
+          <a:noFill/>
+          <a:ln w="3175">
+            <a:solidFill>
+              <a:schemeClr val="tx1">
+                <a:lumMod val="50000"/>
+                <a:lumOff val="50000"/>
+              </a:schemeClr>
+            </a:solidFill>
+          </a:ln>
+        </p:spPr>
+        <p:style>
+          <a:lnRef idx="2">
+            <a:schemeClr val="accent1">
+              <a:shade val="50000"/>
+            </a:schemeClr>
+          </a:lnRef>
+          <a:fillRef idx="1">
+            <a:schemeClr val="accent1"/>
+          </a:fillRef>
+          <a:effectRef idx="0">
+            <a:schemeClr val="accent1"/>
+          </a:effectRef>
+          <a:fontRef idx="minor">
+            <a:schemeClr val="lt1"/>
+          </a:fontRef>
+        </p:style>
+        <p:txBody>
+          <a:bodyPr rtlCol="0" anchor="ctr"/>
+          <a:lstStyle/>
+          <a:p>
+            <a:pPr algn="ctr"/>
+            <a:endParaRPr lang="en-US"/>
+          </a:p>
+        </p:txBody>
+      </p:sp>
+      <p:sp>
+        <p:nvSpPr>
+          <p:cNvPr id="30" name="Rectangle 29"/>
+          <p:cNvSpPr/>
+          <p:nvPr/>
+        </p:nvSpPr>
+        <p:spPr>
+          <a:xfrm>
+            <a:off x="393380" y="229702"/>
+            <a:ext cx="1914525" cy="1828800"/>
+          </a:xfrm>
+          <a:prstGeom prst="rect">
+            <a:avLst/>
+          </a:prstGeom>
+          <a:noFill/>
+          <a:ln w="3175">
+            <a:solidFill>
+              <a:schemeClr val="tx1">
+                <a:lumMod val="50000"/>
+                <a:lumOff val="50000"/>
+              </a:schemeClr>
+            </a:solidFill>
+          </a:ln>
+        </p:spPr>
+        <p:style>
+          <a:lnRef idx="2">
+            <a:schemeClr val="accent1">
+              <a:shade val="50000"/>
+            </a:schemeClr>
+          </a:lnRef>
+          <a:fillRef idx="1">
+            <a:schemeClr val="accent1"/>
+          </a:fillRef>
+          <a:effectRef idx="0">
+            <a:schemeClr val="accent1"/>
+          </a:effectRef>
+          <a:fontRef idx="minor">
+            <a:schemeClr val="lt1"/>
+          </a:fontRef>
+        </p:style>
+        <p:txBody>
+          <a:bodyPr rtlCol="0" anchor="ctr"/>
+          <a:lstStyle/>
+          <a:p>
+            <a:pPr algn="ctr"/>
+            <a:endParaRPr lang="en-US"/>
+          </a:p>
+        </p:txBody>
+      </p:sp>
+      <p:sp>
+        <p:nvSpPr>
+          <p:cNvPr id="31" name="Rectangle 30"/>
+          <p:cNvSpPr/>
+          <p:nvPr/>
+        </p:nvSpPr>
+        <p:spPr>
+          <a:xfrm>
+            <a:off x="392769" y="2058219"/>
+            <a:ext cx="1914525" cy="1828800"/>
+          </a:xfrm>
+          <a:prstGeom prst="rect">
+            <a:avLst/>
+          </a:prstGeom>
+          <a:noFill/>
+          <a:ln w="3175">
+            <a:solidFill>
+              <a:schemeClr val="tx1">
+                <a:lumMod val="50000"/>
+                <a:lumOff val="50000"/>
+              </a:schemeClr>
+            </a:solidFill>
+          </a:ln>
+        </p:spPr>
+        <p:style>
+          <a:lnRef idx="2">
+            <a:schemeClr val="accent1">
+              <a:shade val="50000"/>
+            </a:schemeClr>
+          </a:lnRef>
+          <a:fillRef idx="1">
+            <a:schemeClr val="accent1"/>
+          </a:fillRef>
+          <a:effectRef idx="0">
+            <a:schemeClr val="accent1"/>
+          </a:effectRef>
+          <a:fontRef idx="minor">
+            <a:schemeClr val="lt1"/>
+          </a:fontRef>
+        </p:style>
+        <p:txBody>
+          <a:bodyPr rtlCol="0" anchor="ctr"/>
+          <a:lstStyle/>
+          <a:p>
+            <a:pPr algn="ctr"/>
+            <a:endParaRPr lang="en-US"/>
+          </a:p>
+        </p:txBody>
+      </p:sp>
+      <p:sp>
+        <p:nvSpPr>
+          <p:cNvPr id="33" name="Rectangle 32"/>
+          <p:cNvSpPr/>
+          <p:nvPr/>
+        </p:nvSpPr>
+        <p:spPr>
+          <a:xfrm>
+            <a:off x="2308202" y="2058502"/>
+            <a:ext cx="1914525" cy="1828800"/>
+          </a:xfrm>
+          <a:prstGeom prst="rect">
+            <a:avLst/>
+          </a:prstGeom>
+          <a:noFill/>
+          <a:ln w="3175">
+            <a:solidFill>
+              <a:schemeClr val="tx1">
+                <a:lumMod val="50000"/>
+                <a:lumOff val="50000"/>
+              </a:schemeClr>
+            </a:solidFill>
+          </a:ln>
+        </p:spPr>
+        <p:style>
+          <a:lnRef idx="2">
+            <a:schemeClr val="accent1">
+              <a:shade val="50000"/>
+            </a:schemeClr>
+          </a:lnRef>
+          <a:fillRef idx="1">
+            <a:schemeClr val="accent1"/>
+          </a:fillRef>
+          <a:effectRef idx="0">
+            <a:schemeClr val="accent1"/>
+          </a:effectRef>
+          <a:fontRef idx="minor">
+            <a:schemeClr val="lt1"/>
+          </a:fontRef>
+        </p:style>
+        <p:txBody>
+          <a:bodyPr rtlCol="0" anchor="ctr"/>
+          <a:lstStyle/>
+          <a:p>
+            <a:pPr algn="ctr"/>
+            <a:endParaRPr lang="en-US"/>
+          </a:p>
+        </p:txBody>
+      </p:sp>
+      <p:sp>
+        <p:nvSpPr>
+          <p:cNvPr id="34" name="Rectangle 33"/>
+          <p:cNvSpPr/>
+          <p:nvPr/>
+        </p:nvSpPr>
+        <p:spPr>
+          <a:xfrm>
+            <a:off x="4221353" y="2058502"/>
+            <a:ext cx="1914525" cy="1828800"/>
+          </a:xfrm>
+          <a:prstGeom prst="rect">
+            <a:avLst/>
+          </a:prstGeom>
+          <a:noFill/>
+          <a:ln w="3175">
+            <a:solidFill>
+              <a:schemeClr val="tx1">
+                <a:lumMod val="50000"/>
+                <a:lumOff val="50000"/>
+              </a:schemeClr>
+            </a:solidFill>
+          </a:ln>
+        </p:spPr>
+        <p:style>
+          <a:lnRef idx="2">
+            <a:schemeClr val="accent1">
+              <a:shade val="50000"/>
+            </a:schemeClr>
+          </a:lnRef>
+          <a:fillRef idx="1">
+            <a:schemeClr val="accent1"/>
+          </a:fillRef>
+          <a:effectRef idx="0">
+            <a:schemeClr val="accent1"/>
+          </a:effectRef>
+          <a:fontRef idx="minor">
+            <a:schemeClr val="lt1"/>
+          </a:fontRef>
+        </p:style>
+        <p:txBody>
+          <a:bodyPr rtlCol="0" anchor="ctr"/>
+          <a:lstStyle/>
+          <a:p>
+            <a:pPr algn="ctr"/>
+            <a:endParaRPr lang="en-US"/>
+          </a:p>
+        </p:txBody>
+      </p:sp>
+      <p:sp>
+        <p:nvSpPr>
+          <p:cNvPr id="35" name="Rectangle 34"/>
+          <p:cNvSpPr/>
+          <p:nvPr/>
+        </p:nvSpPr>
+        <p:spPr>
+          <a:xfrm>
+            <a:off x="6136240" y="2056400"/>
+            <a:ext cx="1914525" cy="1828800"/>
+          </a:xfrm>
+          <a:prstGeom prst="rect">
+            <a:avLst/>
+          </a:prstGeom>
+          <a:noFill/>
+          <a:ln w="3175">
+            <a:solidFill>
+              <a:schemeClr val="tx1">
+                <a:lumMod val="50000"/>
+                <a:lumOff val="50000"/>
+              </a:schemeClr>
+            </a:solidFill>
+          </a:ln>
+        </p:spPr>
+        <p:style>
+          <a:lnRef idx="2">
+            <a:schemeClr val="accent1">
+              <a:shade val="50000"/>
+            </a:schemeClr>
+          </a:lnRef>
+          <a:fillRef idx="1">
+            <a:schemeClr val="accent1"/>
+          </a:fillRef>
+          <a:effectRef idx="0">
+            <a:schemeClr val="accent1"/>
+          </a:effectRef>
+          <a:fontRef idx="minor">
+            <a:schemeClr val="lt1"/>
+          </a:fontRef>
+        </p:style>
+        <p:txBody>
+          <a:bodyPr rtlCol="0" anchor="ctr"/>
+          <a:lstStyle/>
+          <a:p>
+            <a:pPr algn="ctr"/>
+            <a:endParaRPr lang="en-US"/>
+          </a:p>
+        </p:txBody>
+      </p:sp>
+    </p:spTree>
+    <p:extLst>
+      <p:ext uri="{BB962C8B-B14F-4D97-AF65-F5344CB8AC3E}">
+        <p14:creationId xmlns:p14="http://schemas.microsoft.com/office/powerpoint/2010/main" val="783073417"/>
+      </p:ext>
+    </p:extLst>
+  </p:cSld>
+  <p:clrMapOvr>
+    <a:masterClrMapping/>
+  </p:clrMapOvr>
+</p:sld>
+</file>
+
+<file path=ppt/slides/slide6.xml><?xml version="1.0" encoding="utf-8"?>
+<p:sld xmlns:a="http://schemas.openxmlformats.org/drawingml/2006/main" xmlns:r="http://schemas.openxmlformats.org/officeDocument/2006/relationships" xmlns:p="http://schemas.openxmlformats.org/presentationml/2006/main">
+  <p:cSld>
+    <p:spTree>
+      <p:nvGrpSpPr>
+        <p:cNvPr id="1" name=""/>
+        <p:cNvGrpSpPr/>
+        <p:nvPr/>
+      </p:nvGrpSpPr>
+      <p:grpSpPr>
+        <a:xfrm>
+          <a:off x="0" y="0"/>
+          <a:ext cx="0" cy="0"/>
+          <a:chOff x="0" y="0"/>
+          <a:chExt cx="0" cy="0"/>
+        </a:xfrm>
+      </p:grpSpPr>
+      <p:pic>
+        <p:nvPicPr>
+          <p:cNvPr id="2050" name="Picture 2"/>
+          <p:cNvPicPr>
+            <a:picLocks noChangeAspect="1" noChangeArrowheads="1"/>
+          </p:cNvPicPr>
+          <p:nvPr/>
+        </p:nvPicPr>
+        <p:blipFill>
+          <a:blip r:embed="rId2" cstate="print">
+            <a:extLst>
+              <a:ext uri="{28A0092B-C50C-407E-A947-70E740481C1C}">
+                <a14:useLocalDpi xmlns:a14="http://schemas.microsoft.com/office/drawing/2010/main" val="0"/>
+              </a:ext>
+            </a:extLst>
+          </a:blip>
+          <a:srcRect/>
+          <a:stretch>
+            <a:fillRect/>
+          </a:stretch>
+        </p:blipFill>
+        <p:spPr bwMode="auto">
+          <a:xfrm>
+            <a:off x="1595438" y="1309688"/>
+            <a:ext cx="2568539" cy="1828800"/>
+          </a:xfrm>
+          <a:prstGeom prst="rect">
+            <a:avLst/>
+          </a:prstGeom>
+          <a:noFill/>
+          <a:ln>
+            <a:noFill/>
+          </a:ln>
+          <a:extLst>
+            <a:ext uri="{909E8E84-426E-40DD-AFC4-6F175D3DCCD1}">
+              <a14:hiddenFill xmlns:a14="http://schemas.microsoft.com/office/drawing/2010/main">
+                <a:solidFill>
+                  <a:schemeClr val="accent1"/>
+                </a:solidFill>
+              </a14:hiddenFill>
+            </a:ext>
+            <a:ext uri="{91240B29-F687-4F45-9708-019B960494DF}">
+              <a14:hiddenLine xmlns:a14="http://schemas.microsoft.com/office/drawing/2010/main" w="9525">
+                <a:solidFill>
+                  <a:schemeClr val="tx1"/>
+                </a:solidFill>
+                <a:miter lim="800000"/>
+                <a:headEnd/>
+                <a:tailEnd/>
+              </a14:hiddenLine>
+            </a:ext>
+          </a:extLst>
+        </p:spPr>
+      </p:pic>
+      <p:pic>
+        <p:nvPicPr>
+          <p:cNvPr id="2051" name="Picture 3"/>
+          <p:cNvPicPr>
+            <a:picLocks noChangeAspect="1" noChangeArrowheads="1"/>
+          </p:cNvPicPr>
+          <p:nvPr/>
+        </p:nvPicPr>
+        <p:blipFill>
+          <a:blip r:embed="rId3" cstate="print">
+            <a:extLst>
+              <a:ext uri="{28A0092B-C50C-407E-A947-70E740481C1C}">
+                <a14:useLocalDpi xmlns:a14="http://schemas.microsoft.com/office/drawing/2010/main" val="0"/>
+              </a:ext>
+            </a:extLst>
+          </a:blip>
+          <a:srcRect/>
+          <a:stretch>
+            <a:fillRect/>
+          </a:stretch>
+        </p:blipFill>
+        <p:spPr bwMode="auto">
+          <a:xfrm>
+            <a:off x="3886200" y="1600200"/>
+            <a:ext cx="2573412" cy="1828800"/>
+          </a:xfrm>
+          <a:prstGeom prst="rect">
+            <a:avLst/>
+          </a:prstGeom>
+          <a:noFill/>
+          <a:ln>
+            <a:noFill/>
+          </a:ln>
+          <a:extLst>
+            <a:ext uri="{909E8E84-426E-40DD-AFC4-6F175D3DCCD1}">
+              <a14:hiddenFill xmlns:a14="http://schemas.microsoft.com/office/drawing/2010/main">
+                <a:solidFill>
+                  <a:schemeClr val="accent1"/>
+                </a:solidFill>
+              </a14:hiddenFill>
+            </a:ext>
+            <a:ext uri="{91240B29-F687-4F45-9708-019B960494DF}">
+              <a14:hiddenLine xmlns:a14="http://schemas.microsoft.com/office/drawing/2010/main" w="9525">
+                <a:solidFill>
+                  <a:schemeClr val="tx1"/>
+                </a:solidFill>
+                <a:miter lim="800000"/>
+                <a:headEnd/>
+                <a:tailEnd/>
+              </a14:hiddenLine>
+            </a:ext>
+          </a:extLst>
+        </p:spPr>
+      </p:pic>
+      <p:pic>
+        <p:nvPicPr>
+          <p:cNvPr id="2053" name="Picture 5"/>
+          <p:cNvPicPr>
+            <a:picLocks noChangeAspect="1" noChangeArrowheads="1"/>
+          </p:cNvPicPr>
+          <p:nvPr/>
+        </p:nvPicPr>
+        <p:blipFill>
+          <a:blip r:embed="rId4" cstate="print">
+            <a:extLst>
+              <a:ext uri="{28A0092B-C50C-407E-A947-70E740481C1C}">
+                <a14:useLocalDpi xmlns:a14="http://schemas.microsoft.com/office/drawing/2010/main" val="0"/>
+              </a:ext>
+            </a:extLst>
+          </a:blip>
+          <a:srcRect/>
+          <a:stretch>
+            <a:fillRect/>
+          </a:stretch>
+        </p:blipFill>
+        <p:spPr bwMode="auto">
+          <a:xfrm>
+            <a:off x="1752600" y="3581400"/>
+            <a:ext cx="2591837" cy="1828800"/>
+          </a:xfrm>
+          <a:prstGeom prst="rect">
+            <a:avLst/>
+          </a:prstGeom>
+          <a:noFill/>
+          <a:ln>
+            <a:noFill/>
+          </a:ln>
+          <a:extLst>
+            <a:ext uri="{909E8E84-426E-40DD-AFC4-6F175D3DCCD1}">
+              <a14:hiddenFill xmlns:a14="http://schemas.microsoft.com/office/drawing/2010/main">
+                <a:solidFill>
+                  <a:schemeClr val="accent1"/>
+                </a:solidFill>
+              </a14:hiddenFill>
+            </a:ext>
+            <a:ext uri="{91240B29-F687-4F45-9708-019B960494DF}">
+              <a14:hiddenLine xmlns:a14="http://schemas.microsoft.com/office/drawing/2010/main" w="9525">
+                <a:solidFill>
+                  <a:schemeClr val="tx1"/>
+                </a:solidFill>
+                <a:miter lim="800000"/>
+                <a:headEnd/>
+                <a:tailEnd/>
+              </a14:hiddenLine>
+            </a:ext>
+          </a:extLst>
+        </p:spPr>
+      </p:pic>
+      <p:pic>
+        <p:nvPicPr>
+          <p:cNvPr id="2054" name="Picture 6"/>
+          <p:cNvPicPr>
+            <a:picLocks noChangeAspect="1" noChangeArrowheads="1"/>
+          </p:cNvPicPr>
+          <p:nvPr/>
+        </p:nvPicPr>
+        <p:blipFill>
+          <a:blip r:embed="rId5" cstate="print">
+            <a:extLst>
+              <a:ext uri="{28A0092B-C50C-407E-A947-70E740481C1C}">
+                <a14:useLocalDpi xmlns:a14="http://schemas.microsoft.com/office/drawing/2010/main" val="0"/>
+              </a:ext>
+            </a:extLst>
+          </a:blip>
+          <a:srcRect/>
+          <a:stretch>
+            <a:fillRect/>
+          </a:stretch>
+        </p:blipFill>
+        <p:spPr bwMode="auto">
+          <a:xfrm>
+            <a:off x="3886200" y="3467100"/>
+            <a:ext cx="2563623" cy="1828800"/>
+          </a:xfrm>
+          <a:prstGeom prst="rect">
+            <a:avLst/>
+          </a:prstGeom>
+          <a:noFill/>
+          <a:ln>
+            <a:noFill/>
+          </a:ln>
+          <a:extLst>
+            <a:ext uri="{909E8E84-426E-40DD-AFC4-6F175D3DCCD1}">
+              <a14:hiddenFill xmlns:a14="http://schemas.microsoft.com/office/drawing/2010/main">
+                <a:solidFill>
+                  <a:schemeClr val="accent1"/>
+                </a:solidFill>
+              </a14:hiddenFill>
+            </a:ext>
+            <a:ext uri="{91240B29-F687-4F45-9708-019B960494DF}">
+              <a14:hiddenLine xmlns:a14="http://schemas.microsoft.com/office/drawing/2010/main" w="9525">
+                <a:solidFill>
+                  <a:schemeClr val="tx1"/>
+                </a:solidFill>
+                <a:miter lim="800000"/>
+                <a:headEnd/>
+                <a:tailEnd/>
+              </a14:hiddenLine>
+            </a:ext>
+          </a:extLst>
+        </p:spPr>
+      </p:pic>
+    </p:spTree>
+    <p:extLst>
+      <p:ext uri="{BB962C8B-B14F-4D97-AF65-F5344CB8AC3E}">
+        <p14:creationId xmlns:p14="http://schemas.microsoft.com/office/powerpoint/2010/main" val="549595788"/>
+      </p:ext>
+    </p:extLst>
+  </p:cSld>
+  <p:clrMapOvr>
+    <a:masterClrMapping/>
+  </p:clrMapOvr>
+</p:sld>
+</file>
+
 <file path=ppt/theme/theme1.xml><?xml version="1.0" encoding="utf-8"?>
 <a:theme xmlns:a="http://schemas.openxmlformats.org/drawingml/2006/main" name="Office Theme">
   <a:themeElements>
@@ -7941,4 +9717,289 @@
   <a:objectDefaults/>
   <a:extraClrSchemeLst/>
 </a:theme>
+</file>
+
+<file path=ppt/theme/theme2.xml><?xml version="1.0" encoding="utf-8"?>
+<a:theme xmlns:a="http://schemas.openxmlformats.org/drawingml/2006/main" name="Office Theme">
+  <a:themeElements>
+    <a:clrScheme name="Office">
+      <a:dk1>
+        <a:sysClr val="windowText" lastClr="000000"/>
+      </a:dk1>
+      <a:lt1>
+        <a:sysClr val="window" lastClr="FFFFFF"/>
+      </a:lt1>
+      <a:dk2>
+        <a:srgbClr val="1F497D"/>
+      </a:dk2>
+      <a:lt2>
+        <a:srgbClr val="EEECE1"/>
+      </a:lt2>
+      <a:accent1>
+        <a:srgbClr val="4F81BD"/>
+      </a:accent1>
+      <a:accent2>
+        <a:srgbClr val="C0504D"/>
+      </a:accent2>
+      <a:accent3>
+        <a:srgbClr val="9BBB59"/>
+      </a:accent3>
+      <a:accent4>
+        <a:srgbClr val="8064A2"/>
+      </a:accent4>
+      <a:accent5>
+        <a:srgbClr val="4BACC6"/>
+      </a:accent5>
+      <a:accent6>
+        <a:srgbClr val="F79646"/>
+      </a:accent6>
+      <a:hlink>
+        <a:srgbClr val="0000FF"/>
+      </a:hlink>
+      <a:folHlink>
+        <a:srgbClr val="800080"/>
+      </a:folHlink>
+    </a:clrScheme>
+    <a:fontScheme name="Office">
+      <a:majorFont>
+        <a:latin typeface="Calibri"/>
+        <a:ea typeface=""/>
+        <a:cs typeface=""/>
+        <a:font script="Jpan" typeface="ＭＳ Ｐゴシック"/>
+        <a:font script="Hang" typeface="맑은 고딕"/>
+        <a:font script="Hans" typeface="宋体"/>
+        <a:font script="Hant" typeface="新細明體"/>
+        <a:font script="Arab" typeface="Times New Roman"/>
+        <a:font script="Hebr" typeface="Times New Roman"/>
+        <a:font script="Thai" typeface="Angsana New"/>
+        <a:font script="Ethi" typeface="Nyala"/>
+        <a:font script="Beng" typeface="Vrinda"/>
+        <a:font script="Gujr" typeface="Shruti"/>
+        <a:font script="Khmr" typeface="MoolBoran"/>
+        <a:font script="Knda" typeface="Tunga"/>
+        <a:font script="Guru" typeface="Raavi"/>
+        <a:font script="Cans" typeface="Euphemia"/>
+        <a:font script="Cher" typeface="Plantagenet Cherokee"/>
+        <a:font script="Yiii" typeface="Microsoft Yi Baiti"/>
+        <a:font script="Tibt" typeface="Microsoft Himalaya"/>
+        <a:font script="Thaa" typeface="MV Boli"/>
+        <a:font script="Deva" typeface="Mangal"/>
+        <a:font script="Telu" typeface="Gautami"/>
+        <a:font script="Taml" typeface="Latha"/>
+        <a:font script="Syrc" typeface="Estrangelo Edessa"/>
+        <a:font script="Orya" typeface="Kalinga"/>
+        <a:font script="Mlym" typeface="Kartika"/>
+        <a:font script="Laoo" typeface="DokChampa"/>
+        <a:font script="Sinh" typeface="Iskoola Pota"/>
+        <a:font script="Mong" typeface="Mongolian Baiti"/>
+        <a:font script="Viet" typeface="Times New Roman"/>
+        <a:font script="Uigh" typeface="Microsoft Uighur"/>
+        <a:font script="Geor" typeface="Sylfaen"/>
+      </a:majorFont>
+      <a:minorFont>
+        <a:latin typeface="Calibri"/>
+        <a:ea typeface=""/>
+        <a:cs typeface=""/>
+        <a:font script="Jpan" typeface="ＭＳ Ｐゴシック"/>
+        <a:font script="Hang" typeface="맑은 고딕"/>
+        <a:font script="Hans" typeface="宋体"/>
+        <a:font script="Hant" typeface="新細明體"/>
+        <a:font script="Arab" typeface="Arial"/>
+        <a:font script="Hebr" typeface="Arial"/>
+        <a:font script="Thai" typeface="Cordia New"/>
+        <a:font script="Ethi" typeface="Nyala"/>
+        <a:font script="Beng" typeface="Vrinda"/>
+        <a:font script="Gujr" typeface="Shruti"/>
+        <a:font script="Khmr" typeface="DaunPenh"/>
+        <a:font script="Knda" typeface="Tunga"/>
+        <a:font script="Guru" typeface="Raavi"/>
+        <a:font script="Cans" typeface="Euphemia"/>
+        <a:font script="Cher" typeface="Plantagenet Cherokee"/>
+        <a:font script="Yiii" typeface="Microsoft Yi Baiti"/>
+        <a:font script="Tibt" typeface="Microsoft Himalaya"/>
+        <a:font script="Thaa" typeface="MV Boli"/>
+        <a:font script="Deva" typeface="Mangal"/>
+        <a:font script="Telu" typeface="Gautami"/>
+        <a:font script="Taml" typeface="Latha"/>
+        <a:font script="Syrc" typeface="Estrangelo Edessa"/>
+        <a:font script="Orya" typeface="Kalinga"/>
+        <a:font script="Mlym" typeface="Kartika"/>
+        <a:font script="Laoo" typeface="DokChampa"/>
+        <a:font script="Sinh" typeface="Iskoola Pota"/>
+        <a:font script="Mong" typeface="Mongolian Baiti"/>
+        <a:font script="Viet" typeface="Arial"/>
+        <a:font script="Uigh" typeface="Microsoft Uighur"/>
+        <a:font script="Geor" typeface="Sylfaen"/>
+      </a:minorFont>
+    </a:fontScheme>
+    <a:fmtScheme name="Office">
+      <a:fillStyleLst>
+        <a:solidFill>
+          <a:schemeClr val="phClr"/>
+        </a:solidFill>
+        <a:gradFill rotWithShape="1">
+          <a:gsLst>
+            <a:gs pos="0">
+              <a:schemeClr val="phClr">
+                <a:tint val="50000"/>
+                <a:satMod val="300000"/>
+              </a:schemeClr>
+            </a:gs>
+            <a:gs pos="35000">
+              <a:schemeClr val="phClr">
+                <a:tint val="37000"/>
+                <a:satMod val="300000"/>
+              </a:schemeClr>
+            </a:gs>
+            <a:gs pos="100000">
+              <a:schemeClr val="phClr">
+                <a:tint val="15000"/>
+                <a:satMod val="350000"/>
+              </a:schemeClr>
+            </a:gs>
+          </a:gsLst>
+          <a:lin ang="16200000" scaled="1"/>
+        </a:gradFill>
+        <a:gradFill rotWithShape="1">
+          <a:gsLst>
+            <a:gs pos="0">
+              <a:schemeClr val="phClr">
+                <a:shade val="51000"/>
+                <a:satMod val="130000"/>
+              </a:schemeClr>
+            </a:gs>
+            <a:gs pos="80000">
+              <a:schemeClr val="phClr">
+                <a:shade val="93000"/>
+                <a:satMod val="130000"/>
+              </a:schemeClr>
+            </a:gs>
+            <a:gs pos="100000">
+              <a:schemeClr val="phClr">
+                <a:shade val="94000"/>
+                <a:satMod val="135000"/>
+              </a:schemeClr>
+            </a:gs>
+          </a:gsLst>
+          <a:lin ang="16200000" scaled="0"/>
+        </a:gradFill>
+      </a:fillStyleLst>
+      <a:lnStyleLst>
+        <a:ln w="9525" cap="flat" cmpd="sng" algn="ctr">
+          <a:solidFill>
+            <a:schemeClr val="phClr">
+              <a:shade val="95000"/>
+              <a:satMod val="105000"/>
+            </a:schemeClr>
+          </a:solidFill>
+          <a:prstDash val="solid"/>
+        </a:ln>
+        <a:ln w="25400" cap="flat" cmpd="sng" algn="ctr">
+          <a:solidFill>
+            <a:schemeClr val="phClr"/>
+          </a:solidFill>
+          <a:prstDash val="solid"/>
+        </a:ln>
+        <a:ln w="38100" cap="flat" cmpd="sng" algn="ctr">
+          <a:solidFill>
+            <a:schemeClr val="phClr"/>
+          </a:solidFill>
+          <a:prstDash val="solid"/>
+        </a:ln>
+      </a:lnStyleLst>
+      <a:effectStyleLst>
+        <a:effectStyle>
+          <a:effectLst>
+            <a:outerShdw blurRad="40000" dist="20000" dir="5400000" rotWithShape="0">
+              <a:srgbClr val="000000">
+                <a:alpha val="38000"/>
+              </a:srgbClr>
+            </a:outerShdw>
+          </a:effectLst>
+        </a:effectStyle>
+        <a:effectStyle>
+          <a:effectLst>
+            <a:outerShdw blurRad="40000" dist="23000" dir="5400000" rotWithShape="0">
+              <a:srgbClr val="000000">
+                <a:alpha val="35000"/>
+              </a:srgbClr>
+            </a:outerShdw>
+          </a:effectLst>
+        </a:effectStyle>
+        <a:effectStyle>
+          <a:effectLst>
+            <a:outerShdw blurRad="40000" dist="23000" dir="5400000" rotWithShape="0">
+              <a:srgbClr val="000000">
+                <a:alpha val="35000"/>
+              </a:srgbClr>
+            </a:outerShdw>
+          </a:effectLst>
+          <a:scene3d>
+            <a:camera prst="orthographicFront">
+              <a:rot lat="0" lon="0" rev="0"/>
+            </a:camera>
+            <a:lightRig rig="threePt" dir="t">
+              <a:rot lat="0" lon="0" rev="1200000"/>
+            </a:lightRig>
+          </a:scene3d>
+          <a:sp3d>
+            <a:bevelT w="63500" h="25400"/>
+          </a:sp3d>
+        </a:effectStyle>
+      </a:effectStyleLst>
+      <a:bgFillStyleLst>
+        <a:solidFill>
+          <a:schemeClr val="phClr"/>
+        </a:solidFill>
+        <a:gradFill rotWithShape="1">
+          <a:gsLst>
+            <a:gs pos="0">
+              <a:schemeClr val="phClr">
+                <a:tint val="40000"/>
+                <a:satMod val="350000"/>
+              </a:schemeClr>
+            </a:gs>
+            <a:gs pos="40000">
+              <a:schemeClr val="phClr">
+                <a:tint val="45000"/>
+                <a:shade val="99000"/>
+                <a:satMod val="350000"/>
+              </a:schemeClr>
+            </a:gs>
+            <a:gs pos="100000">
+              <a:schemeClr val="phClr">
+                <a:shade val="20000"/>
+                <a:satMod val="255000"/>
+              </a:schemeClr>
+            </a:gs>
+          </a:gsLst>
+          <a:path path="circle">
+            <a:fillToRect l="50000" t="-80000" r="50000" b="180000"/>
+          </a:path>
+        </a:gradFill>
+        <a:gradFill rotWithShape="1">
+          <a:gsLst>
+            <a:gs pos="0">
+              <a:schemeClr val="phClr">
+                <a:tint val="80000"/>
+                <a:satMod val="300000"/>
+              </a:schemeClr>
+            </a:gs>
+            <a:gs pos="100000">
+              <a:schemeClr val="phClr">
+                <a:shade val="30000"/>
+                <a:satMod val="200000"/>
+              </a:schemeClr>
+            </a:gs>
+          </a:gsLst>
+          <a:path path="circle">
+            <a:fillToRect l="50000" t="50000" r="50000" b="50000"/>
+          </a:path>
+        </a:gradFill>
+      </a:bgFillStyleLst>
+    </a:fmtScheme>
+  </a:themeElements>
+  <a:objectDefaults/>
+  <a:extraClrSchemeLst/>
+</a:theme>
 </file>
--- a/paper/images/images.pptx
+++ b/paper/images/images.pptx
@@ -5,7 +5,7 @@
     <p:sldMasterId id="2147483648" r:id="rId1"/>
   </p:sldMasterIdLst>
   <p:notesMasterIdLst>
-    <p:notesMasterId r:id="rId8"/>
+    <p:notesMasterId r:id="rId7"/>
   </p:notesMasterIdLst>
   <p:sldIdLst>
     <p:sldId id="259" r:id="rId2"/>
@@ -13,7 +13,6 @@
     <p:sldId id="257" r:id="rId4"/>
     <p:sldId id="258" r:id="rId5"/>
     <p:sldId id="260" r:id="rId6"/>
-    <p:sldId id="261" r:id="rId7"/>
   </p:sldIdLst>
   <p:sldSz cx="9144000" cy="6858000" type="screen4x3"/>
   <p:notesSz cx="6858000" cy="9144000"/>
@@ -112,6 +111,21 @@
       </a:defRPr>
     </a:lvl9pPr>
   </p:defaultTextStyle>
+  <p:extLst>
+    <p:ext uri="{521415D9-36F7-43E2-AB2F-B90AF26B5E84}">
+      <p14:sectionLst xmlns:p14="http://schemas.microsoft.com/office/powerpoint/2010/main">
+        <p14:section name="Default Section" id="{A5EF5FA0-9438-4885-9240-FC9A9233F97F}">
+          <p14:sldIdLst>
+            <p14:sldId id="259"/>
+            <p14:sldId id="256"/>
+            <p14:sldId id="257"/>
+            <p14:sldId id="258"/>
+            <p14:sldId id="260"/>
+          </p14:sldIdLst>
+        </p14:section>
+      </p14:sectionLst>
+    </p:ext>
+  </p:extLst>
 </p:presentation>
 </file>
 
@@ -8114,143 +8128,1802 @@
           <a:chExt cx="0" cy="0"/>
         </a:xfrm>
       </p:grpSpPr>
-      <p:pic>
-        <p:nvPicPr>
-          <p:cNvPr id="1027" name="Picture 3"/>
-          <p:cNvPicPr>
-            <a:picLocks noChangeAspect="1" noChangeArrowheads="1"/>
-          </p:cNvPicPr>
-          <p:nvPr/>
-        </p:nvPicPr>
-        <p:blipFill rotWithShape="1">
-          <a:blip r:embed="rId3" cstate="print">
-            <a:extLst>
-              <a:ext uri="{28A0092B-C50C-407E-A947-70E740481C1C}">
-                <a14:useLocalDpi xmlns:a14="http://schemas.microsoft.com/office/drawing/2010/main" val="0"/>
-              </a:ext>
-            </a:extLst>
-          </a:blip>
-          <a:srcRect l="19425" r="2346"/>
-          <a:stretch/>
-        </p:blipFill>
-        <p:spPr bwMode="auto">
-          <a:xfrm>
-            <a:off x="2590800" y="3733800"/>
-            <a:ext cx="1784813" cy="1828800"/>
-          </a:xfrm>
-          <a:prstGeom prst="rect">
-            <a:avLst/>
-          </a:prstGeom>
-          <a:noFill/>
-          <a:ln>
-            <a:noFill/>
-          </a:ln>
-          <a:extLst>
-            <a:ext uri="{909E8E84-426E-40DD-AFC4-6F175D3DCCD1}">
-              <a14:hiddenFill xmlns:a14="http://schemas.microsoft.com/office/drawing/2010/main">
-                <a:solidFill>
-                  <a:schemeClr val="accent1"/>
-                </a:solidFill>
-              </a14:hiddenFill>
-            </a:ext>
-            <a:ext uri="{91240B29-F687-4F45-9708-019B960494DF}">
-              <a14:hiddenLine xmlns:a14="http://schemas.microsoft.com/office/drawing/2010/main" w="9525">
-                <a:solidFill>
-                  <a:schemeClr val="tx1"/>
-                </a:solidFill>
-                <a:miter lim="800000"/>
-                <a:headEnd/>
-                <a:tailEnd/>
-              </a14:hiddenLine>
-            </a:ext>
-          </a:extLst>
-        </p:spPr>
-      </p:pic>
       <p:grpSp>
         <p:nvGrpSpPr>
-          <p:cNvPr id="3" name="Group 2"/>
+          <p:cNvPr id="13" name="Group 12"/>
           <p:cNvGrpSpPr/>
           <p:nvPr/>
         </p:nvGrpSpPr>
         <p:grpSpPr>
           <a:xfrm>
-            <a:off x="533400" y="228600"/>
-            <a:ext cx="1614216" cy="1828800"/>
-            <a:chOff x="600075" y="228600"/>
-            <a:chExt cx="1614216" cy="1828800"/>
+            <a:off x="391846" y="218660"/>
+            <a:ext cx="7658900" cy="5605669"/>
+            <a:chOff x="391846" y="218660"/>
+            <a:chExt cx="7658900" cy="5605669"/>
           </a:xfrm>
         </p:grpSpPr>
-        <p:pic>
-          <p:nvPicPr>
-            <p:cNvPr id="1026" name="Picture 2"/>
-            <p:cNvPicPr>
-              <a:picLocks noChangeAspect="1" noChangeArrowheads="1"/>
-            </p:cNvPicPr>
+        <p:grpSp>
+          <p:nvGrpSpPr>
+            <p:cNvPr id="11" name="Group 10"/>
+            <p:cNvGrpSpPr/>
             <p:nvPr/>
-          </p:nvPicPr>
-          <p:blipFill rotWithShape="1">
-            <a:blip r:embed="rId4" cstate="print">
-              <a:extLst>
-                <a:ext uri="{28A0092B-C50C-407E-A947-70E740481C1C}">
-                  <a14:useLocalDpi xmlns:a14="http://schemas.microsoft.com/office/drawing/2010/main" val="0"/>
-                </a:ext>
-              </a:extLst>
-            </a:blip>
-            <a:srcRect l="18264" r="15878"/>
-            <a:stretch/>
-          </p:blipFill>
-          <p:spPr bwMode="auto">
+          </p:nvGrpSpPr>
+          <p:grpSpPr>
             <a:xfrm>
-              <a:off x="600075" y="228600"/>
-              <a:ext cx="1614216" cy="1828800"/>
+              <a:off x="391846" y="218660"/>
+              <a:ext cx="7658900" cy="5605669"/>
+              <a:chOff x="391846" y="218660"/>
+              <a:chExt cx="7658900" cy="5605669"/>
             </a:xfrm>
-            <a:prstGeom prst="rect">
-              <a:avLst/>
-            </a:prstGeom>
-            <a:noFill/>
-            <a:ln>
+          </p:grpSpPr>
+          <p:grpSp>
+            <p:nvGrpSpPr>
+              <p:cNvPr id="10" name="Group 9"/>
+              <p:cNvGrpSpPr/>
+              <p:nvPr/>
+            </p:nvGrpSpPr>
+            <p:grpSpPr>
+              <a:xfrm>
+                <a:off x="391846" y="218660"/>
+                <a:ext cx="7658900" cy="5605669"/>
+                <a:chOff x="391846" y="228600"/>
+                <a:chExt cx="7658900" cy="5605669"/>
+              </a:xfrm>
+            </p:grpSpPr>
+            <p:pic>
+              <p:nvPicPr>
+                <p:cNvPr id="59" name="Picture 2"/>
+                <p:cNvPicPr>
+                  <a:picLocks noChangeAspect="1" noChangeArrowheads="1"/>
+                </p:cNvPicPr>
+                <p:nvPr/>
+              </p:nvPicPr>
+              <p:blipFill rotWithShape="1">
+                <a:blip r:embed="rId3" cstate="print">
+                  <a:extLst>
+                    <a:ext uri="{28A0092B-C50C-407E-A947-70E740481C1C}">
+                      <a14:useLocalDpi xmlns:a14="http://schemas.microsoft.com/office/drawing/2010/main" val="0"/>
+                    </a:ext>
+                  </a:extLst>
+                </a:blip>
+                <a:srcRect l="43206" t="31250" r="10530" b="8968"/>
+                <a:stretch/>
+              </p:blipFill>
+              <p:spPr bwMode="auto">
+                <a:xfrm>
+                  <a:off x="6139142" y="3866322"/>
+                  <a:ext cx="1886990" cy="1828800"/>
+                </a:xfrm>
+                <a:prstGeom prst="rect">
+                  <a:avLst/>
+                </a:prstGeom>
+                <a:noFill/>
+                <a:ln>
+                  <a:noFill/>
+                </a:ln>
+                <a:extLst>
+                  <a:ext uri="{909E8E84-426E-40DD-AFC4-6F175D3DCCD1}">
+                    <a14:hiddenFill xmlns:a14="http://schemas.microsoft.com/office/drawing/2010/main">
+                      <a:solidFill>
+                        <a:schemeClr val="accent1"/>
+                      </a:solidFill>
+                    </a14:hiddenFill>
+                  </a:ext>
+                  <a:ext uri="{91240B29-F687-4F45-9708-019B960494DF}">
+                    <a14:hiddenLine xmlns:a14="http://schemas.microsoft.com/office/drawing/2010/main" w="9525">
+                      <a:solidFill>
+                        <a:schemeClr val="tx1"/>
+                      </a:solidFill>
+                      <a:miter lim="800000"/>
+                      <a:headEnd/>
+                      <a:tailEnd/>
+                    </a14:hiddenLine>
+                  </a:ext>
+                </a:extLst>
+              </p:spPr>
+            </p:pic>
+            <p:pic>
+              <p:nvPicPr>
+                <p:cNvPr id="58" name="Picture 2"/>
+                <p:cNvPicPr>
+                  <a:picLocks noChangeAspect="1" noChangeArrowheads="1"/>
+                </p:cNvPicPr>
+                <p:nvPr/>
+              </p:nvPicPr>
+              <p:blipFill rotWithShape="1">
+                <a:blip r:embed="rId4" cstate="print">
+                  <a:extLst>
+                    <a:ext uri="{28A0092B-C50C-407E-A947-70E740481C1C}">
+                      <a14:useLocalDpi xmlns:a14="http://schemas.microsoft.com/office/drawing/2010/main" val="0"/>
+                    </a:ext>
+                  </a:extLst>
+                </a:blip>
+                <a:srcRect l="41983" t="32610" r="12160" b="8424"/>
+                <a:stretch/>
+              </p:blipFill>
+              <p:spPr bwMode="auto">
+                <a:xfrm>
+                  <a:off x="4294614" y="3866322"/>
+                  <a:ext cx="1896221" cy="1828800"/>
+                </a:xfrm>
+                <a:prstGeom prst="rect">
+                  <a:avLst/>
+                </a:prstGeom>
+                <a:noFill/>
+                <a:ln>
+                  <a:noFill/>
+                </a:ln>
+                <a:extLst>
+                  <a:ext uri="{909E8E84-426E-40DD-AFC4-6F175D3DCCD1}">
+                    <a14:hiddenFill xmlns:a14="http://schemas.microsoft.com/office/drawing/2010/main">
+                      <a:solidFill>
+                        <a:schemeClr val="accent1"/>
+                      </a:solidFill>
+                    </a14:hiddenFill>
+                  </a:ext>
+                  <a:ext uri="{91240B29-F687-4F45-9708-019B960494DF}">
+                    <a14:hiddenLine xmlns:a14="http://schemas.microsoft.com/office/drawing/2010/main" w="9525">
+                      <a:solidFill>
+                        <a:schemeClr val="tx1"/>
+                      </a:solidFill>
+                      <a:miter lim="800000"/>
+                      <a:headEnd/>
+                      <a:tailEnd/>
+                    </a14:hiddenLine>
+                  </a:ext>
+                </a:extLst>
+              </p:spPr>
+            </p:pic>
+            <p:pic>
+              <p:nvPicPr>
+                <p:cNvPr id="57" name="Picture 2"/>
+                <p:cNvPicPr>
+                  <a:picLocks noChangeAspect="1" noChangeArrowheads="1"/>
+                </p:cNvPicPr>
+                <p:nvPr/>
+              </p:nvPicPr>
+              <p:blipFill rotWithShape="1">
+                <a:blip r:embed="rId5" cstate="print">
+                  <a:extLst>
+                    <a:ext uri="{28A0092B-C50C-407E-A947-70E740481C1C}">
+                      <a14:useLocalDpi xmlns:a14="http://schemas.microsoft.com/office/drawing/2010/main" val="0"/>
+                    </a:ext>
+                  </a:extLst>
+                </a:blip>
+                <a:srcRect l="41575" t="30707" r="13792" b="9240"/>
+                <a:stretch/>
+              </p:blipFill>
+              <p:spPr bwMode="auto">
+                <a:xfrm>
+                  <a:off x="2347688" y="3907209"/>
+                  <a:ext cx="1812250" cy="1828800"/>
+                </a:xfrm>
+                <a:prstGeom prst="rect">
+                  <a:avLst/>
+                </a:prstGeom>
+                <a:noFill/>
+                <a:ln>
+                  <a:noFill/>
+                </a:ln>
+                <a:extLst>
+                  <a:ext uri="{909E8E84-426E-40DD-AFC4-6F175D3DCCD1}">
+                    <a14:hiddenFill xmlns:a14="http://schemas.microsoft.com/office/drawing/2010/main">
+                      <a:solidFill>
+                        <a:schemeClr val="accent1"/>
+                      </a:solidFill>
+                    </a14:hiddenFill>
+                  </a:ext>
+                  <a:ext uri="{91240B29-F687-4F45-9708-019B960494DF}">
+                    <a14:hiddenLine xmlns:a14="http://schemas.microsoft.com/office/drawing/2010/main" w="9525">
+                      <a:solidFill>
+                        <a:schemeClr val="tx1"/>
+                      </a:solidFill>
+                      <a:miter lim="800000"/>
+                      <a:headEnd/>
+                      <a:tailEnd/>
+                    </a14:hiddenLine>
+                  </a:ext>
+                </a:extLst>
+              </p:spPr>
+            </p:pic>
+            <p:pic>
+              <p:nvPicPr>
+                <p:cNvPr id="56" name="Picture 3"/>
+                <p:cNvPicPr>
+                  <a:picLocks noChangeAspect="1" noChangeArrowheads="1"/>
+                </p:cNvPicPr>
+                <p:nvPr/>
+              </p:nvPicPr>
+              <p:blipFill rotWithShape="1">
+                <a:blip r:embed="rId6" cstate="print">
+                  <a:extLst>
+                    <a:ext uri="{28A0092B-C50C-407E-A947-70E740481C1C}">
+                      <a14:useLocalDpi xmlns:a14="http://schemas.microsoft.com/office/drawing/2010/main" val="0"/>
+                    </a:ext>
+                  </a:extLst>
+                </a:blip>
+                <a:srcRect l="45312" t="33288" r="9443" b="7201"/>
+                <a:stretch/>
+              </p:blipFill>
+              <p:spPr bwMode="auto">
+                <a:xfrm>
+                  <a:off x="431876" y="4005469"/>
+                  <a:ext cx="1853852" cy="1828800"/>
+                </a:xfrm>
+                <a:prstGeom prst="rect">
+                  <a:avLst/>
+                </a:prstGeom>
+                <a:noFill/>
+                <a:ln>
+                  <a:noFill/>
+                </a:ln>
+                <a:extLst>
+                  <a:ext uri="{909E8E84-426E-40DD-AFC4-6F175D3DCCD1}">
+                    <a14:hiddenFill xmlns:a14="http://schemas.microsoft.com/office/drawing/2010/main">
+                      <a:solidFill>
+                        <a:schemeClr val="accent1"/>
+                      </a:solidFill>
+                    </a14:hiddenFill>
+                  </a:ext>
+                  <a:ext uri="{91240B29-F687-4F45-9708-019B960494DF}">
+                    <a14:hiddenLine xmlns:a14="http://schemas.microsoft.com/office/drawing/2010/main" w="9525">
+                      <a:solidFill>
+                        <a:schemeClr val="tx1"/>
+                      </a:solidFill>
+                      <a:miter lim="800000"/>
+                      <a:headEnd/>
+                      <a:tailEnd/>
+                    </a14:hiddenLine>
+                  </a:ext>
+                </a:extLst>
+              </p:spPr>
+            </p:pic>
+            <p:pic>
+              <p:nvPicPr>
+                <p:cNvPr id="55" name="Picture 2"/>
+                <p:cNvPicPr>
+                  <a:picLocks noChangeAspect="1" noChangeArrowheads="1"/>
+                </p:cNvPicPr>
+                <p:nvPr/>
+              </p:nvPicPr>
+              <p:blipFill rotWithShape="1">
+                <a:blip r:embed="rId7" cstate="print">
+                  <a:extLst>
+                    <a:ext uri="{28A0092B-C50C-407E-A947-70E740481C1C}">
+                      <a14:useLocalDpi xmlns:a14="http://schemas.microsoft.com/office/drawing/2010/main" val="0"/>
+                    </a:ext>
+                  </a:extLst>
+                </a:blip>
+                <a:srcRect l="42595" t="31522" r="12568" b="8696"/>
+                <a:stretch/>
+              </p:blipFill>
+              <p:spPr bwMode="auto">
+                <a:xfrm>
+                  <a:off x="6179083" y="2107095"/>
+                  <a:ext cx="1828799" cy="1828800"/>
+                </a:xfrm>
+                <a:prstGeom prst="rect">
+                  <a:avLst/>
+                </a:prstGeom>
+                <a:noFill/>
+                <a:ln>
+                  <a:noFill/>
+                </a:ln>
+                <a:extLst>
+                  <a:ext uri="{909E8E84-426E-40DD-AFC4-6F175D3DCCD1}">
+                    <a14:hiddenFill xmlns:a14="http://schemas.microsoft.com/office/drawing/2010/main">
+                      <a:solidFill>
+                        <a:schemeClr val="accent1"/>
+                      </a:solidFill>
+                    </a14:hiddenFill>
+                  </a:ext>
+                  <a:ext uri="{91240B29-F687-4F45-9708-019B960494DF}">
+                    <a14:hiddenLine xmlns:a14="http://schemas.microsoft.com/office/drawing/2010/main" w="9525">
+                      <a:solidFill>
+                        <a:schemeClr val="tx1"/>
+                      </a:solidFill>
+                      <a:miter lim="800000"/>
+                      <a:headEnd/>
+                      <a:tailEnd/>
+                    </a14:hiddenLine>
+                  </a:ext>
+                </a:extLst>
+              </p:spPr>
+            </p:pic>
+            <p:pic>
+              <p:nvPicPr>
+                <p:cNvPr id="54" name="Picture 2"/>
+                <p:cNvPicPr>
+                  <a:picLocks noChangeAspect="1" noChangeArrowheads="1"/>
+                </p:cNvPicPr>
+                <p:nvPr/>
+              </p:nvPicPr>
+              <p:blipFill rotWithShape="1">
+                <a:blip r:embed="rId8" cstate="print">
+                  <a:extLst>
+                    <a:ext uri="{28A0092B-C50C-407E-A947-70E740481C1C}">
+                      <a14:useLocalDpi xmlns:a14="http://schemas.microsoft.com/office/drawing/2010/main" val="0"/>
+                    </a:ext>
+                  </a:extLst>
+                </a:blip>
+                <a:srcRect l="41575" t="33966" r="14199" b="6249"/>
+                <a:stretch/>
+              </p:blipFill>
+              <p:spPr bwMode="auto">
+                <a:xfrm>
+                  <a:off x="4294614" y="2037522"/>
+                  <a:ext cx="1803862" cy="1828800"/>
+                </a:xfrm>
+                <a:prstGeom prst="rect">
+                  <a:avLst/>
+                </a:prstGeom>
+                <a:noFill/>
+                <a:ln>
+                  <a:noFill/>
+                </a:ln>
+                <a:extLst>
+                  <a:ext uri="{909E8E84-426E-40DD-AFC4-6F175D3DCCD1}">
+                    <a14:hiddenFill xmlns:a14="http://schemas.microsoft.com/office/drawing/2010/main">
+                      <a:solidFill>
+                        <a:schemeClr val="accent1"/>
+                      </a:solidFill>
+                    </a14:hiddenFill>
+                  </a:ext>
+                  <a:ext uri="{91240B29-F687-4F45-9708-019B960494DF}">
+                    <a14:hiddenLine xmlns:a14="http://schemas.microsoft.com/office/drawing/2010/main" w="9525">
+                      <a:solidFill>
+                        <a:schemeClr val="tx1"/>
+                      </a:solidFill>
+                      <a:miter lim="800000"/>
+                      <a:headEnd/>
+                      <a:tailEnd/>
+                    </a14:hiddenLine>
+                  </a:ext>
+                </a:extLst>
+              </p:spPr>
+            </p:pic>
+            <p:pic>
+              <p:nvPicPr>
+                <p:cNvPr id="53" name="Picture 2"/>
+                <p:cNvPicPr>
+                  <a:picLocks noChangeAspect="1" noChangeArrowheads="1"/>
+                </p:cNvPicPr>
+                <p:nvPr/>
+              </p:nvPicPr>
+              <p:blipFill rotWithShape="1">
+                <a:blip r:embed="rId9" cstate="print">
+                  <a:extLst>
+                    <a:ext uri="{28A0092B-C50C-407E-A947-70E740481C1C}">
+                      <a14:useLocalDpi xmlns:a14="http://schemas.microsoft.com/office/drawing/2010/main" val="0"/>
+                    </a:ext>
+                  </a:extLst>
+                </a:blip>
+                <a:srcRect l="41780" t="30162" r="11549" b="10054"/>
+                <a:stretch/>
+              </p:blipFill>
+              <p:spPr bwMode="auto">
+                <a:xfrm>
+                  <a:off x="2360940" y="2057400"/>
+                  <a:ext cx="1903615" cy="1828800"/>
+                </a:xfrm>
+                <a:prstGeom prst="rect">
+                  <a:avLst/>
+                </a:prstGeom>
+                <a:noFill/>
+                <a:ln>
+                  <a:noFill/>
+                </a:ln>
+                <a:extLst>
+                  <a:ext uri="{909E8E84-426E-40DD-AFC4-6F175D3DCCD1}">
+                    <a14:hiddenFill xmlns:a14="http://schemas.microsoft.com/office/drawing/2010/main">
+                      <a:solidFill>
+                        <a:schemeClr val="accent1"/>
+                      </a:solidFill>
+                    </a14:hiddenFill>
+                  </a:ext>
+                  <a:ext uri="{91240B29-F687-4F45-9708-019B960494DF}">
+                    <a14:hiddenLine xmlns:a14="http://schemas.microsoft.com/office/drawing/2010/main" w="9525">
+                      <a:solidFill>
+                        <a:schemeClr val="tx1"/>
+                      </a:solidFill>
+                      <a:miter lim="800000"/>
+                      <a:headEnd/>
+                      <a:tailEnd/>
+                    </a14:hiddenLine>
+                  </a:ext>
+                </a:extLst>
+              </p:spPr>
+            </p:pic>
+            <p:pic>
+              <p:nvPicPr>
+                <p:cNvPr id="52" name="Picture 2"/>
+                <p:cNvPicPr>
+                  <a:picLocks noChangeAspect="1" noChangeArrowheads="1"/>
+                </p:cNvPicPr>
+                <p:nvPr/>
+              </p:nvPicPr>
+              <p:blipFill rotWithShape="1">
+                <a:blip r:embed="rId10" cstate="print">
+                  <a:extLst>
+                    <a:ext uri="{28A0092B-C50C-407E-A947-70E740481C1C}">
+                      <a14:useLocalDpi xmlns:a14="http://schemas.microsoft.com/office/drawing/2010/main" val="0"/>
+                    </a:ext>
+                  </a:extLst>
+                </a:blip>
+                <a:srcRect l="41644" t="31520" r="11889" b="9783"/>
+                <a:stretch/>
+              </p:blipFill>
+              <p:spPr bwMode="auto">
+                <a:xfrm>
+                  <a:off x="393602" y="2037522"/>
+                  <a:ext cx="1930400" cy="1828800"/>
+                </a:xfrm>
+                <a:prstGeom prst="rect">
+                  <a:avLst/>
+                </a:prstGeom>
+                <a:noFill/>
+                <a:ln>
+                  <a:noFill/>
+                </a:ln>
+                <a:extLst>
+                  <a:ext uri="{909E8E84-426E-40DD-AFC4-6F175D3DCCD1}">
+                    <a14:hiddenFill xmlns:a14="http://schemas.microsoft.com/office/drawing/2010/main">
+                      <a:solidFill>
+                        <a:schemeClr val="accent1"/>
+                      </a:solidFill>
+                    </a14:hiddenFill>
+                  </a:ext>
+                  <a:ext uri="{91240B29-F687-4F45-9708-019B960494DF}">
+                    <a14:hiddenLine xmlns:a14="http://schemas.microsoft.com/office/drawing/2010/main" w="9525">
+                      <a:solidFill>
+                        <a:schemeClr val="tx1"/>
+                      </a:solidFill>
+                      <a:miter lim="800000"/>
+                      <a:headEnd/>
+                      <a:tailEnd/>
+                    </a14:hiddenLine>
+                  </a:ext>
+                </a:extLst>
+              </p:spPr>
+            </p:pic>
+            <p:pic>
+              <p:nvPicPr>
+                <p:cNvPr id="51" name="Picture 2"/>
+                <p:cNvPicPr>
+                  <a:picLocks noChangeAspect="1" noChangeArrowheads="1"/>
+                </p:cNvPicPr>
+                <p:nvPr/>
+              </p:nvPicPr>
+              <p:blipFill rotWithShape="1">
+                <a:blip r:embed="rId11" cstate="print">
+                  <a:extLst>
+                    <a:ext uri="{28A0092B-C50C-407E-A947-70E740481C1C}">
+                      <a14:useLocalDpi xmlns:a14="http://schemas.microsoft.com/office/drawing/2010/main" val="0"/>
+                    </a:ext>
+                  </a:extLst>
+                </a:blip>
+                <a:srcRect l="44328" t="31520" r="11345" b="8424"/>
+                <a:stretch/>
+              </p:blipFill>
+              <p:spPr bwMode="auto">
+                <a:xfrm>
+                  <a:off x="6250909" y="228600"/>
+                  <a:ext cx="1799837" cy="1828800"/>
+                </a:xfrm>
+                <a:prstGeom prst="rect">
+                  <a:avLst/>
+                </a:prstGeom>
+                <a:noFill/>
+                <a:ln>
+                  <a:noFill/>
+                </a:ln>
+                <a:extLst>
+                  <a:ext uri="{909E8E84-426E-40DD-AFC4-6F175D3DCCD1}">
+                    <a14:hiddenFill xmlns:a14="http://schemas.microsoft.com/office/drawing/2010/main">
+                      <a:solidFill>
+                        <a:schemeClr val="accent1"/>
+                      </a:solidFill>
+                    </a14:hiddenFill>
+                  </a:ext>
+                  <a:ext uri="{91240B29-F687-4F45-9708-019B960494DF}">
+                    <a14:hiddenLine xmlns:a14="http://schemas.microsoft.com/office/drawing/2010/main" w="9525">
+                      <a:solidFill>
+                        <a:schemeClr val="tx1"/>
+                      </a:solidFill>
+                      <a:miter lim="800000"/>
+                      <a:headEnd/>
+                      <a:tailEnd/>
+                    </a14:hiddenLine>
+                  </a:ext>
+                </a:extLst>
+              </p:spPr>
+            </p:pic>
+            <p:pic>
+              <p:nvPicPr>
+                <p:cNvPr id="50" name="Picture 2"/>
+                <p:cNvPicPr>
+                  <a:picLocks noChangeAspect="1" noChangeArrowheads="1"/>
+                </p:cNvPicPr>
+                <p:nvPr/>
+              </p:nvPicPr>
+              <p:blipFill rotWithShape="1">
+                <a:blip r:embed="rId12" cstate="print">
+                  <a:extLst>
+                    <a:ext uri="{28A0092B-C50C-407E-A947-70E740481C1C}">
+                      <a14:useLocalDpi xmlns:a14="http://schemas.microsoft.com/office/drawing/2010/main" val="0"/>
+                    </a:ext>
+                  </a:extLst>
+                </a:blip>
+                <a:srcRect l="43614" t="32064" r="8696" b="6251"/>
+                <a:stretch/>
+              </p:blipFill>
+              <p:spPr bwMode="auto">
+                <a:xfrm>
+                  <a:off x="4253948" y="278295"/>
+                  <a:ext cx="1885194" cy="1828800"/>
+                </a:xfrm>
+                <a:prstGeom prst="rect">
+                  <a:avLst/>
+                </a:prstGeom>
+                <a:noFill/>
+                <a:ln>
+                  <a:noFill/>
+                </a:ln>
+                <a:extLst>
+                  <a:ext uri="{909E8E84-426E-40DD-AFC4-6F175D3DCCD1}">
+                    <a14:hiddenFill xmlns:a14="http://schemas.microsoft.com/office/drawing/2010/main">
+                      <a:solidFill>
+                        <a:schemeClr val="accent1"/>
+                      </a:solidFill>
+                    </a14:hiddenFill>
+                  </a:ext>
+                  <a:ext uri="{91240B29-F687-4F45-9708-019B960494DF}">
+                    <a14:hiddenLine xmlns:a14="http://schemas.microsoft.com/office/drawing/2010/main" w="9525">
+                      <a:solidFill>
+                        <a:schemeClr val="tx1"/>
+                      </a:solidFill>
+                      <a:miter lim="800000"/>
+                      <a:headEnd/>
+                      <a:tailEnd/>
+                    </a14:hiddenLine>
+                  </a:ext>
+                </a:extLst>
+              </p:spPr>
+            </p:pic>
+            <p:pic>
+              <p:nvPicPr>
+                <p:cNvPr id="49" name="Picture 2"/>
+                <p:cNvPicPr>
+                  <a:picLocks noChangeAspect="1" noChangeArrowheads="1"/>
+                </p:cNvPicPr>
+                <p:nvPr/>
+              </p:nvPicPr>
+              <p:blipFill rotWithShape="1">
+                <a:blip r:embed="rId13" cstate="print">
+                  <a:extLst>
+                    <a:ext uri="{28A0092B-C50C-407E-A947-70E740481C1C}">
+                      <a14:useLocalDpi xmlns:a14="http://schemas.microsoft.com/office/drawing/2010/main" val="0"/>
+                    </a:ext>
+                  </a:extLst>
+                </a:blip>
+                <a:srcRect l="44801" t="31289" r="6450" b="7802"/>
+                <a:stretch/>
+              </p:blipFill>
+              <p:spPr bwMode="auto">
+                <a:xfrm>
+                  <a:off x="2312925" y="228600"/>
+                  <a:ext cx="1951630" cy="1828800"/>
+                </a:xfrm>
+                <a:prstGeom prst="rect">
+                  <a:avLst/>
+                </a:prstGeom>
+                <a:noFill/>
+                <a:ln>
+                  <a:noFill/>
+                </a:ln>
+                <a:extLst>
+                  <a:ext uri="{909E8E84-426E-40DD-AFC4-6F175D3DCCD1}">
+                    <a14:hiddenFill xmlns:a14="http://schemas.microsoft.com/office/drawing/2010/main">
+                      <a:solidFill>
+                        <a:schemeClr val="accent1"/>
+                      </a:solidFill>
+                    </a14:hiddenFill>
+                  </a:ext>
+                  <a:ext uri="{91240B29-F687-4F45-9708-019B960494DF}">
+                    <a14:hiddenLine xmlns:a14="http://schemas.microsoft.com/office/drawing/2010/main" w="9525">
+                      <a:solidFill>
+                        <a:schemeClr val="tx1"/>
+                      </a:solidFill>
+                      <a:miter lim="800000"/>
+                      <a:headEnd/>
+                      <a:tailEnd/>
+                    </a14:hiddenLine>
+                  </a:ext>
+                </a:extLst>
+              </p:spPr>
+            </p:pic>
+            <p:pic>
+              <p:nvPicPr>
+                <p:cNvPr id="48" name="Picture 2"/>
+                <p:cNvPicPr>
+                  <a:picLocks noChangeAspect="1" noChangeArrowheads="1"/>
+                </p:cNvPicPr>
+                <p:nvPr/>
+              </p:nvPicPr>
+              <p:blipFill rotWithShape="1">
+                <a:blip r:embed="rId14">
+                  <a:extLst>
+                    <a:ext uri="{28A0092B-C50C-407E-A947-70E740481C1C}">
+                      <a14:useLocalDpi xmlns:a14="http://schemas.microsoft.com/office/drawing/2010/main" val="0"/>
+                    </a:ext>
+                  </a:extLst>
+                </a:blip>
+                <a:srcRect l="44659" t="30682" r="12045" b="12728"/>
+                <a:stretch/>
+              </p:blipFill>
+              <p:spPr bwMode="auto">
+                <a:xfrm>
+                  <a:off x="393602" y="228600"/>
+                  <a:ext cx="1865523" cy="1828800"/>
+                </a:xfrm>
+                <a:prstGeom prst="rect">
+                  <a:avLst/>
+                </a:prstGeom>
+                <a:noFill/>
+                <a:ln>
+                  <a:noFill/>
+                </a:ln>
+                <a:extLst>
+                  <a:ext uri="{909E8E84-426E-40DD-AFC4-6F175D3DCCD1}">
+                    <a14:hiddenFill xmlns:a14="http://schemas.microsoft.com/office/drawing/2010/main">
+                      <a:solidFill>
+                        <a:schemeClr val="accent1"/>
+                      </a:solidFill>
+                    </a14:hiddenFill>
+                  </a:ext>
+                  <a:ext uri="{91240B29-F687-4F45-9708-019B960494DF}">
+                    <a14:hiddenLine xmlns:a14="http://schemas.microsoft.com/office/drawing/2010/main" w="9525">
+                      <a:solidFill>
+                        <a:schemeClr val="tx1"/>
+                      </a:solidFill>
+                      <a:miter lim="800000"/>
+                      <a:headEnd/>
+                      <a:tailEnd/>
+                    </a14:hiddenLine>
+                  </a:ext>
+                </a:extLst>
+              </p:spPr>
+            </p:pic>
+            <p:grpSp>
+              <p:nvGrpSpPr>
+                <p:cNvPr id="6" name="Group 5"/>
+                <p:cNvGrpSpPr/>
+                <p:nvPr/>
+              </p:nvGrpSpPr>
+              <p:grpSpPr>
+                <a:xfrm>
+                  <a:off x="391846" y="228600"/>
+                  <a:ext cx="7658900" cy="5487531"/>
+                  <a:chOff x="391846" y="228600"/>
+                  <a:chExt cx="7658900" cy="5487531"/>
+                </a:xfrm>
+              </p:grpSpPr>
+              <p:sp>
+                <p:nvSpPr>
+                  <p:cNvPr id="16" name="Rectangle 15"/>
+                  <p:cNvSpPr/>
+                  <p:nvPr/>
+                </p:nvSpPr>
+                <p:spPr>
+                  <a:xfrm>
+                    <a:off x="4221715" y="228600"/>
+                    <a:ext cx="1914525" cy="1828800"/>
+                  </a:xfrm>
+                  <a:prstGeom prst="rect">
+                    <a:avLst/>
+                  </a:prstGeom>
+                  <a:noFill/>
+                  <a:ln w="3175">
+                    <a:solidFill>
+                      <a:schemeClr val="tx1">
+                        <a:lumMod val="50000"/>
+                        <a:lumOff val="50000"/>
+                      </a:schemeClr>
+                    </a:solidFill>
+                  </a:ln>
+                </p:spPr>
+                <p:style>
+                  <a:lnRef idx="2">
+                    <a:schemeClr val="accent1">
+                      <a:shade val="50000"/>
+                    </a:schemeClr>
+                  </a:lnRef>
+                  <a:fillRef idx="1">
+                    <a:schemeClr val="accent1"/>
+                  </a:fillRef>
+                  <a:effectRef idx="0">
+                    <a:schemeClr val="accent1"/>
+                  </a:effectRef>
+                  <a:fontRef idx="minor">
+                    <a:schemeClr val="lt1"/>
+                  </a:fontRef>
+                </p:style>
+                <p:txBody>
+                  <a:bodyPr rtlCol="0" anchor="ctr"/>
+                  <a:lstStyle/>
+                  <a:p>
+                    <a:pPr algn="ctr"/>
+                    <a:endParaRPr lang="en-US"/>
+                  </a:p>
+                </p:txBody>
+              </p:sp>
+              <p:sp>
+                <p:nvSpPr>
+                  <p:cNvPr id="28" name="Rectangle 27"/>
+                  <p:cNvSpPr/>
+                  <p:nvPr/>
+                </p:nvSpPr>
+                <p:spPr>
+                  <a:xfrm>
+                    <a:off x="6135374" y="228600"/>
+                    <a:ext cx="1914525" cy="1828800"/>
+                  </a:xfrm>
+                  <a:prstGeom prst="rect">
+                    <a:avLst/>
+                  </a:prstGeom>
+                  <a:noFill/>
+                  <a:ln w="3175">
+                    <a:solidFill>
+                      <a:schemeClr val="tx1">
+                        <a:lumMod val="50000"/>
+                        <a:lumOff val="50000"/>
+                      </a:schemeClr>
+                    </a:solidFill>
+                  </a:ln>
+                </p:spPr>
+                <p:style>
+                  <a:lnRef idx="2">
+                    <a:schemeClr val="accent1">
+                      <a:shade val="50000"/>
+                    </a:schemeClr>
+                  </a:lnRef>
+                  <a:fillRef idx="1">
+                    <a:schemeClr val="accent1"/>
+                  </a:fillRef>
+                  <a:effectRef idx="0">
+                    <a:schemeClr val="accent1"/>
+                  </a:effectRef>
+                  <a:fontRef idx="minor">
+                    <a:schemeClr val="lt1"/>
+                  </a:fontRef>
+                </p:style>
+                <p:txBody>
+                  <a:bodyPr rtlCol="0" anchor="ctr"/>
+                  <a:lstStyle/>
+                  <a:p>
+                    <a:pPr algn="ctr"/>
+                    <a:endParaRPr lang="en-US"/>
+                  </a:p>
+                </p:txBody>
+              </p:sp>
+              <p:sp>
+                <p:nvSpPr>
+                  <p:cNvPr id="29" name="Rectangle 28"/>
+                  <p:cNvSpPr/>
+                  <p:nvPr/>
+                </p:nvSpPr>
+                <p:spPr>
+                  <a:xfrm>
+                    <a:off x="2308202" y="228600"/>
+                    <a:ext cx="1914525" cy="1828800"/>
+                  </a:xfrm>
+                  <a:prstGeom prst="rect">
+                    <a:avLst/>
+                  </a:prstGeom>
+                  <a:noFill/>
+                  <a:ln w="3175">
+                    <a:solidFill>
+                      <a:schemeClr val="tx1">
+                        <a:lumMod val="50000"/>
+                        <a:lumOff val="50000"/>
+                      </a:schemeClr>
+                    </a:solidFill>
+                  </a:ln>
+                </p:spPr>
+                <p:style>
+                  <a:lnRef idx="2">
+                    <a:schemeClr val="accent1">
+                      <a:shade val="50000"/>
+                    </a:schemeClr>
+                  </a:lnRef>
+                  <a:fillRef idx="1">
+                    <a:schemeClr val="accent1"/>
+                  </a:fillRef>
+                  <a:effectRef idx="0">
+                    <a:schemeClr val="accent1"/>
+                  </a:effectRef>
+                  <a:fontRef idx="minor">
+                    <a:schemeClr val="lt1"/>
+                  </a:fontRef>
+                </p:style>
+                <p:txBody>
+                  <a:bodyPr rtlCol="0" anchor="ctr"/>
+                  <a:lstStyle/>
+                  <a:p>
+                    <a:pPr algn="ctr"/>
+                    <a:endParaRPr lang="en-US"/>
+                  </a:p>
+                </p:txBody>
+              </p:sp>
+              <p:sp>
+                <p:nvSpPr>
+                  <p:cNvPr id="30" name="Rectangle 29"/>
+                  <p:cNvSpPr/>
+                  <p:nvPr/>
+                </p:nvSpPr>
+                <p:spPr>
+                  <a:xfrm>
+                    <a:off x="393380" y="228600"/>
+                    <a:ext cx="1914525" cy="1828800"/>
+                  </a:xfrm>
+                  <a:prstGeom prst="rect">
+                    <a:avLst/>
+                  </a:prstGeom>
+                  <a:noFill/>
+                  <a:ln w="3175">
+                    <a:solidFill>
+                      <a:schemeClr val="tx1">
+                        <a:lumMod val="50000"/>
+                        <a:lumOff val="50000"/>
+                      </a:schemeClr>
+                    </a:solidFill>
+                  </a:ln>
+                </p:spPr>
+                <p:style>
+                  <a:lnRef idx="2">
+                    <a:schemeClr val="accent1">
+                      <a:shade val="50000"/>
+                    </a:schemeClr>
+                  </a:lnRef>
+                  <a:fillRef idx="1">
+                    <a:schemeClr val="accent1"/>
+                  </a:fillRef>
+                  <a:effectRef idx="0">
+                    <a:schemeClr val="accent1"/>
+                  </a:effectRef>
+                  <a:fontRef idx="minor">
+                    <a:schemeClr val="lt1"/>
+                  </a:fontRef>
+                </p:style>
+                <p:txBody>
+                  <a:bodyPr rtlCol="0" anchor="ctr"/>
+                  <a:lstStyle/>
+                  <a:p>
+                    <a:pPr algn="ctr"/>
+                    <a:endParaRPr lang="en-US"/>
+                  </a:p>
+                </p:txBody>
+              </p:sp>
+              <p:sp>
+                <p:nvSpPr>
+                  <p:cNvPr id="40" name="Rectangle 39"/>
+                  <p:cNvSpPr/>
+                  <p:nvPr/>
+                </p:nvSpPr>
+                <p:spPr>
+                  <a:xfrm>
+                    <a:off x="4221937" y="2057400"/>
+                    <a:ext cx="1914525" cy="1828800"/>
+                  </a:xfrm>
+                  <a:prstGeom prst="rect">
+                    <a:avLst/>
+                  </a:prstGeom>
+                  <a:noFill/>
+                  <a:ln w="3175">
+                    <a:solidFill>
+                      <a:schemeClr val="tx1">
+                        <a:lumMod val="50000"/>
+                        <a:lumOff val="50000"/>
+                      </a:schemeClr>
+                    </a:solidFill>
+                  </a:ln>
+                </p:spPr>
+                <p:style>
+                  <a:lnRef idx="2">
+                    <a:schemeClr val="accent1">
+                      <a:shade val="50000"/>
+                    </a:schemeClr>
+                  </a:lnRef>
+                  <a:fillRef idx="1">
+                    <a:schemeClr val="accent1"/>
+                  </a:fillRef>
+                  <a:effectRef idx="0">
+                    <a:schemeClr val="accent1"/>
+                  </a:effectRef>
+                  <a:fontRef idx="minor">
+                    <a:schemeClr val="lt1"/>
+                  </a:fontRef>
+                </p:style>
+                <p:txBody>
+                  <a:bodyPr rtlCol="0" anchor="ctr"/>
+                  <a:lstStyle/>
+                  <a:p>
+                    <a:pPr algn="ctr"/>
+                    <a:endParaRPr lang="en-US"/>
+                  </a:p>
+                </p:txBody>
+              </p:sp>
+              <p:sp>
+                <p:nvSpPr>
+                  <p:cNvPr id="41" name="Rectangle 40"/>
+                  <p:cNvSpPr/>
+                  <p:nvPr/>
+                </p:nvSpPr>
+                <p:spPr>
+                  <a:xfrm>
+                    <a:off x="6135596" y="2057400"/>
+                    <a:ext cx="1914525" cy="1828800"/>
+                  </a:xfrm>
+                  <a:prstGeom prst="rect">
+                    <a:avLst/>
+                  </a:prstGeom>
+                  <a:noFill/>
+                  <a:ln w="3175">
+                    <a:solidFill>
+                      <a:schemeClr val="tx1">
+                        <a:lumMod val="50000"/>
+                        <a:lumOff val="50000"/>
+                      </a:schemeClr>
+                    </a:solidFill>
+                  </a:ln>
+                </p:spPr>
+                <p:style>
+                  <a:lnRef idx="2">
+                    <a:schemeClr val="accent1">
+                      <a:shade val="50000"/>
+                    </a:schemeClr>
+                  </a:lnRef>
+                  <a:fillRef idx="1">
+                    <a:schemeClr val="accent1"/>
+                  </a:fillRef>
+                  <a:effectRef idx="0">
+                    <a:schemeClr val="accent1"/>
+                  </a:effectRef>
+                  <a:fontRef idx="minor">
+                    <a:schemeClr val="lt1"/>
+                  </a:fontRef>
+                </p:style>
+                <p:txBody>
+                  <a:bodyPr rtlCol="0" anchor="ctr"/>
+                  <a:lstStyle/>
+                  <a:p>
+                    <a:pPr algn="ctr"/>
+                    <a:endParaRPr lang="en-US"/>
+                  </a:p>
+                </p:txBody>
+              </p:sp>
+              <p:sp>
+                <p:nvSpPr>
+                  <p:cNvPr id="42" name="Rectangle 41"/>
+                  <p:cNvSpPr/>
+                  <p:nvPr/>
+                </p:nvSpPr>
+                <p:spPr>
+                  <a:xfrm>
+                    <a:off x="2308424" y="2057400"/>
+                    <a:ext cx="1914525" cy="1828800"/>
+                  </a:xfrm>
+                  <a:prstGeom prst="rect">
+                    <a:avLst/>
+                  </a:prstGeom>
+                  <a:noFill/>
+                  <a:ln w="3175">
+                    <a:solidFill>
+                      <a:schemeClr val="tx1">
+                        <a:lumMod val="50000"/>
+                        <a:lumOff val="50000"/>
+                      </a:schemeClr>
+                    </a:solidFill>
+                  </a:ln>
+                </p:spPr>
+                <p:style>
+                  <a:lnRef idx="2">
+                    <a:schemeClr val="accent1">
+                      <a:shade val="50000"/>
+                    </a:schemeClr>
+                  </a:lnRef>
+                  <a:fillRef idx="1">
+                    <a:schemeClr val="accent1"/>
+                  </a:fillRef>
+                  <a:effectRef idx="0">
+                    <a:schemeClr val="accent1"/>
+                  </a:effectRef>
+                  <a:fontRef idx="minor">
+                    <a:schemeClr val="lt1"/>
+                  </a:fontRef>
+                </p:style>
+                <p:txBody>
+                  <a:bodyPr rtlCol="0" anchor="ctr"/>
+                  <a:lstStyle/>
+                  <a:p>
+                    <a:pPr algn="ctr"/>
+                    <a:endParaRPr lang="en-US"/>
+                  </a:p>
+                </p:txBody>
+              </p:sp>
+              <p:sp>
+                <p:nvSpPr>
+                  <p:cNvPr id="43" name="Rectangle 42"/>
+                  <p:cNvSpPr/>
+                  <p:nvPr/>
+                </p:nvSpPr>
+                <p:spPr>
+                  <a:xfrm>
+                    <a:off x="393602" y="2057400"/>
+                    <a:ext cx="1914525" cy="1828800"/>
+                  </a:xfrm>
+                  <a:prstGeom prst="rect">
+                    <a:avLst/>
+                  </a:prstGeom>
+                  <a:noFill/>
+                  <a:ln w="3175">
+                    <a:solidFill>
+                      <a:schemeClr val="tx1">
+                        <a:lumMod val="50000"/>
+                        <a:lumOff val="50000"/>
+                      </a:schemeClr>
+                    </a:solidFill>
+                  </a:ln>
+                </p:spPr>
+                <p:style>
+                  <a:lnRef idx="2">
+                    <a:schemeClr val="accent1">
+                      <a:shade val="50000"/>
+                    </a:schemeClr>
+                  </a:lnRef>
+                  <a:fillRef idx="1">
+                    <a:schemeClr val="accent1"/>
+                  </a:fillRef>
+                  <a:effectRef idx="0">
+                    <a:schemeClr val="accent1"/>
+                  </a:effectRef>
+                  <a:fontRef idx="minor">
+                    <a:schemeClr val="lt1"/>
+                  </a:fontRef>
+                </p:style>
+                <p:txBody>
+                  <a:bodyPr rtlCol="0" anchor="ctr"/>
+                  <a:lstStyle/>
+                  <a:p>
+                    <a:pPr algn="ctr"/>
+                    <a:endParaRPr lang="en-US"/>
+                  </a:p>
+                </p:txBody>
+              </p:sp>
+              <p:sp>
+                <p:nvSpPr>
+                  <p:cNvPr id="44" name="Rectangle 43"/>
+                  <p:cNvSpPr/>
+                  <p:nvPr/>
+                </p:nvSpPr>
+                <p:spPr>
+                  <a:xfrm>
+                    <a:off x="4222562" y="3887331"/>
+                    <a:ext cx="1914525" cy="1828800"/>
+                  </a:xfrm>
+                  <a:prstGeom prst="rect">
+                    <a:avLst/>
+                  </a:prstGeom>
+                  <a:noFill/>
+                  <a:ln w="3175">
+                    <a:solidFill>
+                      <a:schemeClr val="tx1">
+                        <a:lumMod val="50000"/>
+                        <a:lumOff val="50000"/>
+                      </a:schemeClr>
+                    </a:solidFill>
+                  </a:ln>
+                </p:spPr>
+                <p:style>
+                  <a:lnRef idx="2">
+                    <a:schemeClr val="accent1">
+                      <a:shade val="50000"/>
+                    </a:schemeClr>
+                  </a:lnRef>
+                  <a:fillRef idx="1">
+                    <a:schemeClr val="accent1"/>
+                  </a:fillRef>
+                  <a:effectRef idx="0">
+                    <a:schemeClr val="accent1"/>
+                  </a:effectRef>
+                  <a:fontRef idx="minor">
+                    <a:schemeClr val="lt1"/>
+                  </a:fontRef>
+                </p:style>
+                <p:txBody>
+                  <a:bodyPr rtlCol="0" anchor="ctr"/>
+                  <a:lstStyle/>
+                  <a:p>
+                    <a:pPr algn="ctr"/>
+                    <a:endParaRPr lang="en-US"/>
+                  </a:p>
+                </p:txBody>
+              </p:sp>
+              <p:sp>
+                <p:nvSpPr>
+                  <p:cNvPr id="45" name="Rectangle 44"/>
+                  <p:cNvSpPr/>
+                  <p:nvPr/>
+                </p:nvSpPr>
+                <p:spPr>
+                  <a:xfrm>
+                    <a:off x="6136221" y="3887331"/>
+                    <a:ext cx="1914525" cy="1828800"/>
+                  </a:xfrm>
+                  <a:prstGeom prst="rect">
+                    <a:avLst/>
+                  </a:prstGeom>
+                  <a:noFill/>
+                  <a:ln w="3175">
+                    <a:solidFill>
+                      <a:schemeClr val="tx1">
+                        <a:lumMod val="50000"/>
+                        <a:lumOff val="50000"/>
+                      </a:schemeClr>
+                    </a:solidFill>
+                  </a:ln>
+                </p:spPr>
+                <p:style>
+                  <a:lnRef idx="2">
+                    <a:schemeClr val="accent1">
+                      <a:shade val="50000"/>
+                    </a:schemeClr>
+                  </a:lnRef>
+                  <a:fillRef idx="1">
+                    <a:schemeClr val="accent1"/>
+                  </a:fillRef>
+                  <a:effectRef idx="0">
+                    <a:schemeClr val="accent1"/>
+                  </a:effectRef>
+                  <a:fontRef idx="minor">
+                    <a:schemeClr val="lt1"/>
+                  </a:fontRef>
+                </p:style>
+                <p:txBody>
+                  <a:bodyPr rtlCol="0" anchor="ctr"/>
+                  <a:lstStyle/>
+                  <a:p>
+                    <a:pPr algn="ctr"/>
+                    <a:endParaRPr lang="en-US"/>
+                  </a:p>
+                </p:txBody>
+              </p:sp>
+              <p:sp>
+                <p:nvSpPr>
+                  <p:cNvPr id="46" name="Rectangle 45"/>
+                  <p:cNvSpPr/>
+                  <p:nvPr/>
+                </p:nvSpPr>
+                <p:spPr>
+                  <a:xfrm>
+                    <a:off x="2306668" y="3887331"/>
+                    <a:ext cx="1914525" cy="1828800"/>
+                  </a:xfrm>
+                  <a:prstGeom prst="rect">
+                    <a:avLst/>
+                  </a:prstGeom>
+                  <a:noFill/>
+                  <a:ln w="3175">
+                    <a:solidFill>
+                      <a:schemeClr val="tx1">
+                        <a:lumMod val="50000"/>
+                        <a:lumOff val="50000"/>
+                      </a:schemeClr>
+                    </a:solidFill>
+                  </a:ln>
+                </p:spPr>
+                <p:style>
+                  <a:lnRef idx="2">
+                    <a:schemeClr val="accent1">
+                      <a:shade val="50000"/>
+                    </a:schemeClr>
+                  </a:lnRef>
+                  <a:fillRef idx="1">
+                    <a:schemeClr val="accent1"/>
+                  </a:fillRef>
+                  <a:effectRef idx="0">
+                    <a:schemeClr val="accent1"/>
+                  </a:effectRef>
+                  <a:fontRef idx="minor">
+                    <a:schemeClr val="lt1"/>
+                  </a:fontRef>
+                </p:style>
+                <p:txBody>
+                  <a:bodyPr rtlCol="0" anchor="ctr"/>
+                  <a:lstStyle/>
+                  <a:p>
+                    <a:pPr algn="ctr"/>
+                    <a:endParaRPr lang="en-US"/>
+                  </a:p>
+                </p:txBody>
+              </p:sp>
+              <p:sp>
+                <p:nvSpPr>
+                  <p:cNvPr id="47" name="Rectangle 46"/>
+                  <p:cNvSpPr/>
+                  <p:nvPr/>
+                </p:nvSpPr>
+                <p:spPr>
+                  <a:xfrm>
+                    <a:off x="391846" y="3887331"/>
+                    <a:ext cx="1914525" cy="1828800"/>
+                  </a:xfrm>
+                  <a:prstGeom prst="rect">
+                    <a:avLst/>
+                  </a:prstGeom>
+                  <a:noFill/>
+                  <a:ln w="3175">
+                    <a:solidFill>
+                      <a:schemeClr val="tx1">
+                        <a:lumMod val="50000"/>
+                        <a:lumOff val="50000"/>
+                      </a:schemeClr>
+                    </a:solidFill>
+                  </a:ln>
+                </p:spPr>
+                <p:style>
+                  <a:lnRef idx="2">
+                    <a:schemeClr val="accent1">
+                      <a:shade val="50000"/>
+                    </a:schemeClr>
+                  </a:lnRef>
+                  <a:fillRef idx="1">
+                    <a:schemeClr val="accent1"/>
+                  </a:fillRef>
+                  <a:effectRef idx="0">
+                    <a:schemeClr val="accent1"/>
+                  </a:effectRef>
+                  <a:fontRef idx="minor">
+                    <a:schemeClr val="lt1"/>
+                  </a:fontRef>
+                </p:style>
+                <p:txBody>
+                  <a:bodyPr rtlCol="0" anchor="ctr"/>
+                  <a:lstStyle/>
+                  <a:p>
+                    <a:pPr algn="ctr"/>
+                    <a:endParaRPr lang="en-US"/>
+                  </a:p>
+                </p:txBody>
+              </p:sp>
+            </p:grpSp>
+          </p:grpSp>
+          <p:sp>
+            <p:nvSpPr>
+              <p:cNvPr id="60" name="Rectangle 59"/>
+              <p:cNvSpPr/>
+              <p:nvPr/>
+            </p:nvSpPr>
+            <p:spPr>
+              <a:xfrm>
+                <a:off x="719617" y="645316"/>
+                <a:ext cx="575783" cy="464348"/>
+              </a:xfrm>
+              <a:prstGeom prst="rect">
+                <a:avLst/>
+              </a:prstGeom>
               <a:noFill/>
-            </a:ln>
-            <a:extLst>
-              <a:ext uri="{909E8E84-426E-40DD-AFC4-6F175D3DCCD1}">
-                <a14:hiddenFill xmlns:a14="http://schemas.microsoft.com/office/drawing/2010/main">
-                  <a:solidFill>
-                    <a:schemeClr val="accent1"/>
-                  </a:solidFill>
-                </a14:hiddenFill>
-              </a:ext>
-              <a:ext uri="{91240B29-F687-4F45-9708-019B960494DF}">
-                <a14:hiddenLine xmlns:a14="http://schemas.microsoft.com/office/drawing/2010/main" w="9525">
-                  <a:solidFill>
-                    <a:schemeClr val="tx1"/>
-                  </a:solidFill>
-                  <a:miter lim="800000"/>
-                  <a:headEnd/>
-                  <a:tailEnd/>
-                </a14:hiddenLine>
-              </a:ext>
-            </a:extLst>
-          </p:spPr>
-        </p:pic>
+              <a:ln w="3175">
+                <a:solidFill>
+                  <a:srgbClr val="15537D"/>
+                </a:solidFill>
+              </a:ln>
+            </p:spPr>
+            <p:style>
+              <a:lnRef idx="2">
+                <a:schemeClr val="accent1">
+                  <a:shade val="50000"/>
+                </a:schemeClr>
+              </a:lnRef>
+              <a:fillRef idx="1">
+                <a:schemeClr val="accent1"/>
+              </a:fillRef>
+              <a:effectRef idx="0">
+                <a:schemeClr val="accent1"/>
+              </a:effectRef>
+              <a:fontRef idx="minor">
+                <a:schemeClr val="lt1"/>
+              </a:fontRef>
+            </p:style>
+            <p:txBody>
+              <a:bodyPr rtlCol="0" anchor="ctr"/>
+              <a:lstStyle/>
+              <a:p>
+                <a:pPr algn="ctr"/>
+                <a:endParaRPr lang="en-US"/>
+              </a:p>
+            </p:txBody>
+          </p:sp>
+          <p:sp>
+            <p:nvSpPr>
+              <p:cNvPr id="61" name="Rectangle 60"/>
+              <p:cNvSpPr/>
+              <p:nvPr/>
+            </p:nvSpPr>
+            <p:spPr>
+              <a:xfrm>
+                <a:off x="3813424" y="1256581"/>
+                <a:ext cx="384048" cy="667512"/>
+              </a:xfrm>
+              <a:prstGeom prst="rect">
+                <a:avLst/>
+              </a:prstGeom>
+              <a:noFill/>
+              <a:ln w="3175">
+                <a:solidFill>
+                  <a:srgbClr val="798BA2"/>
+                </a:solidFill>
+              </a:ln>
+            </p:spPr>
+            <p:style>
+              <a:lnRef idx="2">
+                <a:schemeClr val="accent1">
+                  <a:shade val="50000"/>
+                </a:schemeClr>
+              </a:lnRef>
+              <a:fillRef idx="1">
+                <a:schemeClr val="accent1"/>
+              </a:fillRef>
+              <a:effectRef idx="0">
+                <a:schemeClr val="accent1"/>
+              </a:effectRef>
+              <a:fontRef idx="minor">
+                <a:schemeClr val="lt1"/>
+              </a:fontRef>
+            </p:style>
+            <p:txBody>
+              <a:bodyPr rtlCol="0" anchor="ctr"/>
+              <a:lstStyle/>
+              <a:p>
+                <a:pPr algn="ctr"/>
+                <a:endParaRPr lang="en-US"/>
+              </a:p>
+            </p:txBody>
+          </p:sp>
+          <p:sp>
+            <p:nvSpPr>
+              <p:cNvPr id="62" name="Rectangle 61"/>
+              <p:cNvSpPr/>
+              <p:nvPr/>
+            </p:nvSpPr>
+            <p:spPr>
+              <a:xfrm>
+                <a:off x="4879240" y="278295"/>
+                <a:ext cx="457200" cy="594360"/>
+              </a:xfrm>
+              <a:prstGeom prst="rect">
+                <a:avLst/>
+              </a:prstGeom>
+              <a:noFill/>
+              <a:ln w="3175">
+                <a:solidFill>
+                  <a:srgbClr val="B25809"/>
+                </a:solidFill>
+              </a:ln>
+            </p:spPr>
+            <p:style>
+              <a:lnRef idx="2">
+                <a:schemeClr val="accent1">
+                  <a:shade val="50000"/>
+                </a:schemeClr>
+              </a:lnRef>
+              <a:fillRef idx="1">
+                <a:schemeClr val="accent1"/>
+              </a:fillRef>
+              <a:effectRef idx="0">
+                <a:schemeClr val="accent1"/>
+              </a:effectRef>
+              <a:fontRef idx="minor">
+                <a:schemeClr val="lt1"/>
+              </a:fontRef>
+            </p:style>
+            <p:txBody>
+              <a:bodyPr rtlCol="0" anchor="ctr"/>
+              <a:lstStyle/>
+              <a:p>
+                <a:pPr algn="ctr"/>
+                <a:endParaRPr lang="en-US"/>
+              </a:p>
+            </p:txBody>
+          </p:sp>
+          <p:sp>
+            <p:nvSpPr>
+              <p:cNvPr id="63" name="Rectangle 62"/>
+              <p:cNvSpPr/>
+              <p:nvPr/>
+            </p:nvSpPr>
+            <p:spPr>
+              <a:xfrm>
+                <a:off x="6410678" y="691954"/>
+                <a:ext cx="658368" cy="338328"/>
+              </a:xfrm>
+              <a:prstGeom prst="rect">
+                <a:avLst/>
+              </a:prstGeom>
+              <a:noFill/>
+              <a:ln w="3175">
+                <a:solidFill>
+                  <a:srgbClr val="B28254"/>
+                </a:solidFill>
+              </a:ln>
+            </p:spPr>
+            <p:style>
+              <a:lnRef idx="2">
+                <a:schemeClr val="accent1">
+                  <a:shade val="50000"/>
+                </a:schemeClr>
+              </a:lnRef>
+              <a:fillRef idx="1">
+                <a:schemeClr val="accent1"/>
+              </a:fillRef>
+              <a:effectRef idx="0">
+                <a:schemeClr val="accent1"/>
+              </a:effectRef>
+              <a:fontRef idx="minor">
+                <a:schemeClr val="lt1"/>
+              </a:fontRef>
+            </p:style>
+            <p:txBody>
+              <a:bodyPr rtlCol="0" anchor="ctr"/>
+              <a:lstStyle/>
+              <a:p>
+                <a:pPr algn="ctr"/>
+                <a:endParaRPr lang="en-US"/>
+              </a:p>
+            </p:txBody>
+          </p:sp>
+          <p:sp>
+            <p:nvSpPr>
+              <p:cNvPr id="64" name="Rectangle 63"/>
+              <p:cNvSpPr/>
+              <p:nvPr/>
+            </p:nvSpPr>
+            <p:spPr>
+              <a:xfrm>
+                <a:off x="1291305" y="2203107"/>
+                <a:ext cx="347472" cy="380983"/>
+              </a:xfrm>
+              <a:prstGeom prst="rect">
+                <a:avLst/>
+              </a:prstGeom>
+              <a:noFill/>
+              <a:ln w="3175">
+                <a:solidFill>
+                  <a:srgbClr val="1E701E"/>
+                </a:solidFill>
+              </a:ln>
+            </p:spPr>
+            <p:style>
+              <a:lnRef idx="2">
+                <a:schemeClr val="accent1">
+                  <a:shade val="50000"/>
+                </a:schemeClr>
+              </a:lnRef>
+              <a:fillRef idx="1">
+                <a:schemeClr val="accent1"/>
+              </a:fillRef>
+              <a:effectRef idx="0">
+                <a:schemeClr val="accent1"/>
+              </a:effectRef>
+              <a:fontRef idx="minor">
+                <a:schemeClr val="lt1"/>
+              </a:fontRef>
+            </p:style>
+            <p:txBody>
+              <a:bodyPr rtlCol="0" anchor="ctr"/>
+              <a:lstStyle/>
+              <a:p>
+                <a:pPr algn="ctr"/>
+                <a:endParaRPr lang="en-US"/>
+              </a:p>
+            </p:txBody>
+          </p:sp>
+          <p:sp>
+            <p:nvSpPr>
+              <p:cNvPr id="65" name="Rectangle 64"/>
+              <p:cNvSpPr/>
+              <p:nvPr/>
+            </p:nvSpPr>
+            <p:spPr>
+              <a:xfrm>
+                <a:off x="3471389" y="2373017"/>
+                <a:ext cx="475488" cy="400717"/>
+              </a:xfrm>
+              <a:prstGeom prst="rect">
+                <a:avLst/>
+              </a:prstGeom>
+              <a:noFill/>
+              <a:ln w="3175">
+                <a:solidFill>
+                  <a:srgbClr val="6A9C60"/>
+                </a:solidFill>
+              </a:ln>
+            </p:spPr>
+            <p:style>
+              <a:lnRef idx="2">
+                <a:schemeClr val="accent1">
+                  <a:shade val="50000"/>
+                </a:schemeClr>
+              </a:lnRef>
+              <a:fillRef idx="1">
+                <a:schemeClr val="accent1"/>
+              </a:fillRef>
+              <a:effectRef idx="0">
+                <a:schemeClr val="accent1"/>
+              </a:effectRef>
+              <a:fontRef idx="minor">
+                <a:schemeClr val="lt1"/>
+              </a:fontRef>
+            </p:style>
+            <p:txBody>
+              <a:bodyPr rtlCol="0" anchor="ctr"/>
+              <a:lstStyle/>
+              <a:p>
+                <a:pPr algn="ctr"/>
+                <a:endParaRPr lang="en-US"/>
+              </a:p>
+            </p:txBody>
+          </p:sp>
+          <p:sp>
+            <p:nvSpPr>
+              <p:cNvPr id="66" name="Rectangle 65"/>
+              <p:cNvSpPr/>
+              <p:nvPr/>
+            </p:nvSpPr>
+            <p:spPr>
+              <a:xfrm>
+                <a:off x="4901586" y="3228725"/>
+                <a:ext cx="429768" cy="475488"/>
+              </a:xfrm>
+              <a:prstGeom prst="rect">
+                <a:avLst/>
+              </a:prstGeom>
+              <a:noFill/>
+              <a:ln w="3175">
+                <a:solidFill>
+                  <a:srgbClr val="951B1C"/>
+                </a:solidFill>
+              </a:ln>
+            </p:spPr>
+            <p:style>
+              <a:lnRef idx="2">
+                <a:schemeClr val="accent1">
+                  <a:shade val="50000"/>
+                </a:schemeClr>
+              </a:lnRef>
+              <a:fillRef idx="1">
+                <a:schemeClr val="accent1"/>
+              </a:fillRef>
+              <a:effectRef idx="0">
+                <a:schemeClr val="accent1"/>
+              </a:effectRef>
+              <a:fontRef idx="minor">
+                <a:schemeClr val="lt1"/>
+              </a:fontRef>
+            </p:style>
+            <p:txBody>
+              <a:bodyPr rtlCol="0" anchor="ctr"/>
+              <a:lstStyle/>
+              <a:p>
+                <a:pPr algn="ctr"/>
+                <a:endParaRPr lang="en-US"/>
+              </a:p>
+            </p:txBody>
+          </p:sp>
+          <p:sp>
+            <p:nvSpPr>
+              <p:cNvPr id="67" name="Rectangle 66"/>
+              <p:cNvSpPr/>
+              <p:nvPr/>
+            </p:nvSpPr>
+            <p:spPr>
+              <a:xfrm>
+                <a:off x="6364659" y="2721043"/>
+                <a:ext cx="448056" cy="502920"/>
+              </a:xfrm>
+              <a:prstGeom prst="rect">
+                <a:avLst/>
+              </a:prstGeom>
+              <a:noFill/>
+              <a:ln w="3175">
+                <a:solidFill>
+                  <a:srgbClr val="B26A69"/>
+                </a:solidFill>
+              </a:ln>
+            </p:spPr>
+            <p:style>
+              <a:lnRef idx="2">
+                <a:schemeClr val="accent1">
+                  <a:shade val="50000"/>
+                </a:schemeClr>
+              </a:lnRef>
+              <a:fillRef idx="1">
+                <a:schemeClr val="accent1"/>
+              </a:fillRef>
+              <a:effectRef idx="0">
+                <a:schemeClr val="accent1"/>
+              </a:effectRef>
+              <a:fontRef idx="minor">
+                <a:schemeClr val="lt1"/>
+              </a:fontRef>
+            </p:style>
+            <p:txBody>
+              <a:bodyPr rtlCol="0" anchor="ctr"/>
+              <a:lstStyle/>
+              <a:p>
+                <a:pPr algn="ctr"/>
+                <a:endParaRPr lang="en-US"/>
+              </a:p>
+            </p:txBody>
+          </p:sp>
+          <p:sp>
+            <p:nvSpPr>
+              <p:cNvPr id="68" name="Rectangle 67"/>
+              <p:cNvSpPr/>
+              <p:nvPr/>
+            </p:nvSpPr>
+            <p:spPr>
+              <a:xfrm>
+                <a:off x="1533242" y="4570980"/>
+                <a:ext cx="320040" cy="547840"/>
+              </a:xfrm>
+              <a:prstGeom prst="rect">
+                <a:avLst/>
+              </a:prstGeom>
+              <a:noFill/>
+              <a:ln w="3175">
+                <a:solidFill>
+                  <a:srgbClr val="674884"/>
+                </a:solidFill>
+              </a:ln>
+            </p:spPr>
+            <p:style>
+              <a:lnRef idx="2">
+                <a:schemeClr val="accent1">
+                  <a:shade val="50000"/>
+                </a:schemeClr>
+              </a:lnRef>
+              <a:fillRef idx="1">
+                <a:schemeClr val="accent1"/>
+              </a:fillRef>
+              <a:effectRef idx="0">
+                <a:schemeClr val="accent1"/>
+              </a:effectRef>
+              <a:fontRef idx="minor">
+                <a:schemeClr val="lt1"/>
+              </a:fontRef>
+            </p:style>
+            <p:txBody>
+              <a:bodyPr rtlCol="0" anchor="ctr"/>
+              <a:lstStyle/>
+              <a:p>
+                <a:pPr algn="ctr"/>
+                <a:endParaRPr lang="en-US"/>
+              </a:p>
+            </p:txBody>
+          </p:sp>
+          <p:sp>
+            <p:nvSpPr>
+              <p:cNvPr id="69" name="Rectangle 68"/>
+              <p:cNvSpPr/>
+              <p:nvPr/>
+            </p:nvSpPr>
+            <p:spPr>
+              <a:xfrm>
+                <a:off x="2687774" y="4501959"/>
+                <a:ext cx="374904" cy="438912"/>
+              </a:xfrm>
+              <a:prstGeom prst="rect">
+                <a:avLst/>
+              </a:prstGeom>
+              <a:noFill/>
+              <a:ln w="3175">
+                <a:solidFill>
+                  <a:srgbClr val="897B95"/>
+                </a:solidFill>
+              </a:ln>
+            </p:spPr>
+            <p:style>
+              <a:lnRef idx="2">
+                <a:schemeClr val="accent1">
+                  <a:shade val="50000"/>
+                </a:schemeClr>
+              </a:lnRef>
+              <a:fillRef idx="1">
+                <a:schemeClr val="accent1"/>
+              </a:fillRef>
+              <a:effectRef idx="0">
+                <a:schemeClr val="accent1"/>
+              </a:effectRef>
+              <a:fontRef idx="minor">
+                <a:schemeClr val="lt1"/>
+              </a:fontRef>
+            </p:style>
+            <p:txBody>
+              <a:bodyPr rtlCol="0" anchor="ctr"/>
+              <a:lstStyle/>
+              <a:p>
+                <a:pPr algn="ctr"/>
+                <a:endParaRPr lang="en-US"/>
+              </a:p>
+            </p:txBody>
+          </p:sp>
+          <p:sp>
+            <p:nvSpPr>
+              <p:cNvPr id="70" name="Rectangle 69"/>
+              <p:cNvSpPr/>
+              <p:nvPr/>
+            </p:nvSpPr>
+            <p:spPr>
+              <a:xfrm>
+                <a:off x="4904406" y="4886630"/>
+                <a:ext cx="374904" cy="347405"/>
+              </a:xfrm>
+              <a:prstGeom prst="rect">
+                <a:avLst/>
+              </a:prstGeom>
+              <a:noFill/>
+              <a:ln w="3175">
+                <a:solidFill>
+                  <a:srgbClr val="623C34"/>
+                </a:solidFill>
+              </a:ln>
+            </p:spPr>
+            <p:style>
+              <a:lnRef idx="2">
+                <a:schemeClr val="accent1">
+                  <a:shade val="50000"/>
+                </a:schemeClr>
+              </a:lnRef>
+              <a:fillRef idx="1">
+                <a:schemeClr val="accent1"/>
+              </a:fillRef>
+              <a:effectRef idx="0">
+                <a:schemeClr val="accent1"/>
+              </a:effectRef>
+              <a:fontRef idx="minor">
+                <a:schemeClr val="lt1"/>
+              </a:fontRef>
+            </p:style>
+            <p:txBody>
+              <a:bodyPr rtlCol="0" anchor="ctr"/>
+              <a:lstStyle/>
+              <a:p>
+                <a:pPr algn="ctr"/>
+                <a:endParaRPr lang="en-US"/>
+              </a:p>
+            </p:txBody>
+          </p:sp>
+        </p:grpSp>
         <p:sp>
           <p:nvSpPr>
-            <p:cNvPr id="2" name="Rectangle 1"/>
+            <p:cNvPr id="71" name="Oval 70"/>
             <p:cNvSpPr/>
             <p:nvPr/>
           </p:nvSpPr>
           <p:spPr>
             <a:xfrm>
-              <a:off x="713549" y="779618"/>
-              <a:ext cx="640080" cy="384048"/>
+              <a:off x="427936" y="260887"/>
+              <a:ext cx="228600" cy="230369"/>
             </a:xfrm>
-            <a:prstGeom prst="rect">
+            <a:prstGeom prst="ellipse">
               <a:avLst/>
             </a:prstGeom>
-            <a:noFill/>
-            <a:ln w="3175">
-              <a:solidFill>
-                <a:srgbClr val="15537D"/>
-              </a:solidFill>
+            <a:solidFill>
+              <a:schemeClr val="accent2"/>
+            </a:solidFill>
+            <a:ln>
+              <a:noFill/>
             </a:ln>
           </p:spPr>
           <p:style>
@@ -8278,92 +9951,63 @@
             </a:p>
           </p:txBody>
         </p:sp>
-      </p:grpSp>
-      <p:grpSp>
-        <p:nvGrpSpPr>
-          <p:cNvPr id="4" name="Group 3"/>
-          <p:cNvGrpSpPr/>
-          <p:nvPr/>
-        </p:nvGrpSpPr>
-        <p:grpSpPr>
-          <a:xfrm>
-            <a:off x="2286000" y="228600"/>
-            <a:ext cx="1914525" cy="1828800"/>
-            <a:chOff x="3886200" y="228600"/>
-            <a:chExt cx="1914525" cy="1828800"/>
-          </a:xfrm>
-        </p:grpSpPr>
-        <p:pic>
-          <p:nvPicPr>
-            <p:cNvPr id="1028" name="Picture 4"/>
-            <p:cNvPicPr>
-              <a:picLocks noChangeAspect="1" noChangeArrowheads="1"/>
-            </p:cNvPicPr>
+        <p:sp>
+          <p:nvSpPr>
+            <p:cNvPr id="72" name="TextBox 71"/>
+            <p:cNvSpPr txBox="1"/>
             <p:nvPr/>
-          </p:nvPicPr>
-          <p:blipFill rotWithShape="1">
-            <a:blip r:embed="rId5" cstate="print">
-              <a:extLst>
-                <a:ext uri="{28A0092B-C50C-407E-A947-70E740481C1C}">
-                  <a14:useLocalDpi xmlns:a14="http://schemas.microsoft.com/office/drawing/2010/main" val="0"/>
-                </a:ext>
-              </a:extLst>
-            </a:blip>
-            <a:srcRect l="18166"/>
-            <a:stretch/>
-          </p:blipFill>
-          <p:spPr bwMode="auto">
+          </p:nvSpPr>
+          <p:spPr>
             <a:xfrm>
-              <a:off x="3886200" y="228600"/>
-              <a:ext cx="1914525" cy="1828800"/>
+              <a:off x="414489" y="222183"/>
+              <a:ext cx="228600" cy="307777"/>
             </a:xfrm>
             <a:prstGeom prst="rect">
               <a:avLst/>
             </a:prstGeom>
             <a:noFill/>
-            <a:ln>
-              <a:noFill/>
-            </a:ln>
-            <a:extLst>
-              <a:ext uri="{909E8E84-426E-40DD-AFC4-6F175D3DCCD1}">
-                <a14:hiddenFill xmlns:a14="http://schemas.microsoft.com/office/drawing/2010/main">
+          </p:spPr>
+          <p:txBody>
+            <a:bodyPr wrap="square" rtlCol="0">
+              <a:spAutoFit/>
+            </a:bodyPr>
+            <a:lstStyle/>
+            <a:p>
+              <a:r>
+                <a:rPr lang="en-US" sz="1400" dirty="0" smtClean="0">
                   <a:solidFill>
-                    <a:schemeClr val="accent1"/>
+                    <a:schemeClr val="bg1"/>
                   </a:solidFill>
-                </a14:hiddenFill>
-              </a:ext>
-              <a:ext uri="{91240B29-F687-4F45-9708-019B960494DF}">
-                <a14:hiddenLine xmlns:a14="http://schemas.microsoft.com/office/drawing/2010/main" w="9525">
-                  <a:solidFill>
-                    <a:schemeClr val="tx1"/>
-                  </a:solidFill>
-                  <a:miter lim="800000"/>
-                  <a:headEnd/>
-                  <a:tailEnd/>
-                </a14:hiddenLine>
-              </a:ext>
-            </a:extLst>
-          </p:spPr>
-        </p:pic>
+                </a:rPr>
+                <a:t>1</a:t>
+              </a:r>
+              <a:endParaRPr lang="en-US" sz="1400" dirty="0">
+                <a:solidFill>
+                  <a:schemeClr val="bg1"/>
+                </a:solidFill>
+              </a:endParaRPr>
+            </a:p>
+          </p:txBody>
+        </p:sp>
         <p:sp>
           <p:nvSpPr>
-            <p:cNvPr id="7" name="Rectangle 6"/>
+            <p:cNvPr id="73" name="Oval 72"/>
             <p:cNvSpPr/>
             <p:nvPr/>
           </p:nvSpPr>
           <p:spPr>
             <a:xfrm>
-              <a:off x="5360760" y="904876"/>
-              <a:ext cx="402429" cy="713232"/>
+              <a:off x="427936" y="2079369"/>
+              <a:ext cx="228600" cy="230369"/>
             </a:xfrm>
-            <a:prstGeom prst="rect">
+            <a:prstGeom prst="ellipse">
               <a:avLst/>
             </a:prstGeom>
-            <a:noFill/>
-            <a:ln w="3175">
-              <a:solidFill>
-                <a:srgbClr val="798BA2"/>
-              </a:solidFill>
+            <a:solidFill>
+              <a:schemeClr val="accent2"/>
+            </a:solidFill>
+            <a:ln>
+              <a:noFill/>
             </a:ln>
           </p:spPr>
           <p:style>
@@ -8391,144 +10035,63 @@
             </a:p>
           </p:txBody>
         </p:sp>
-      </p:grpSp>
-      <p:pic>
-        <p:nvPicPr>
-          <p:cNvPr id="1030" name="Picture 6"/>
-          <p:cNvPicPr>
-            <a:picLocks noChangeAspect="1" noChangeArrowheads="1"/>
-          </p:cNvPicPr>
-          <p:nvPr/>
-        </p:nvPicPr>
-        <p:blipFill rotWithShape="1">
-          <a:blip r:embed="rId6" cstate="print">
-            <a:extLst>
-              <a:ext uri="{28A0092B-C50C-407E-A947-70E740481C1C}">
-                <a14:useLocalDpi xmlns:a14="http://schemas.microsoft.com/office/drawing/2010/main" val="0"/>
-              </a:ext>
-            </a:extLst>
-          </a:blip>
-          <a:srcRect l="9418" r="13683"/>
-          <a:stretch/>
-        </p:blipFill>
-        <p:spPr bwMode="auto">
-          <a:xfrm>
-            <a:off x="6320109" y="3852292"/>
-            <a:ext cx="1769423" cy="1828800"/>
-          </a:xfrm>
-          <a:prstGeom prst="rect">
-            <a:avLst/>
-          </a:prstGeom>
-          <a:noFill/>
-          <a:ln>
-            <a:noFill/>
-          </a:ln>
-          <a:extLst>
-            <a:ext uri="{909E8E84-426E-40DD-AFC4-6F175D3DCCD1}">
-              <a14:hiddenFill xmlns:a14="http://schemas.microsoft.com/office/drawing/2010/main">
-                <a:solidFill>
-                  <a:schemeClr val="accent1"/>
-                </a:solidFill>
-              </a14:hiddenFill>
-            </a:ext>
-            <a:ext uri="{91240B29-F687-4F45-9708-019B960494DF}">
-              <a14:hiddenLine xmlns:a14="http://schemas.microsoft.com/office/drawing/2010/main" w="9525">
-                <a:solidFill>
-                  <a:schemeClr val="tx1"/>
-                </a:solidFill>
-                <a:miter lim="800000"/>
-                <a:headEnd/>
-                <a:tailEnd/>
-              </a14:hiddenLine>
-            </a:ext>
-          </a:extLst>
-        </p:spPr>
-      </p:pic>
-      <p:grpSp>
-        <p:nvGrpSpPr>
-          <p:cNvPr id="5" name="Group 4"/>
-          <p:cNvGrpSpPr/>
-          <p:nvPr/>
-        </p:nvGrpSpPr>
-        <p:grpSpPr>
-          <a:xfrm>
-            <a:off x="4343400" y="228600"/>
-            <a:ext cx="1828800" cy="1828800"/>
-            <a:chOff x="4697681" y="347092"/>
-            <a:chExt cx="1828800" cy="1828800"/>
-          </a:xfrm>
-        </p:grpSpPr>
-        <p:pic>
-          <p:nvPicPr>
-            <p:cNvPr id="1031" name="Picture 7"/>
-            <p:cNvPicPr>
-              <a:picLocks noChangeAspect="1" noChangeArrowheads="1"/>
-            </p:cNvPicPr>
+        <p:sp>
+          <p:nvSpPr>
+            <p:cNvPr id="74" name="TextBox 73"/>
+            <p:cNvSpPr txBox="1"/>
             <p:nvPr/>
-          </p:nvPicPr>
-          <p:blipFill rotWithShape="1">
-            <a:blip r:embed="rId7" cstate="print">
-              <a:extLst>
-                <a:ext uri="{28A0092B-C50C-407E-A947-70E740481C1C}">
-                  <a14:useLocalDpi xmlns:a14="http://schemas.microsoft.com/office/drawing/2010/main" val="0"/>
-                </a:ext>
-              </a:extLst>
-            </a:blip>
-            <a:srcRect l="12002" r="9068"/>
-            <a:stretch/>
-          </p:blipFill>
-          <p:spPr bwMode="auto">
+          </p:nvSpPr>
+          <p:spPr>
             <a:xfrm>
-              <a:off x="4697681" y="347092"/>
-              <a:ext cx="1828800" cy="1828800"/>
+              <a:off x="414489" y="2040665"/>
+              <a:ext cx="228600" cy="307777"/>
             </a:xfrm>
             <a:prstGeom prst="rect">
               <a:avLst/>
             </a:prstGeom>
             <a:noFill/>
-            <a:ln>
-              <a:noFill/>
-            </a:ln>
-            <a:extLst>
-              <a:ext uri="{909E8E84-426E-40DD-AFC4-6F175D3DCCD1}">
-                <a14:hiddenFill xmlns:a14="http://schemas.microsoft.com/office/drawing/2010/main">
+          </p:spPr>
+          <p:txBody>
+            <a:bodyPr wrap="square" rtlCol="0">
+              <a:spAutoFit/>
+            </a:bodyPr>
+            <a:lstStyle/>
+            <a:p>
+              <a:r>
+                <a:rPr lang="en-US" sz="1400" dirty="0">
                   <a:solidFill>
-                    <a:schemeClr val="accent1"/>
+                    <a:schemeClr val="bg1"/>
                   </a:solidFill>
-                </a14:hiddenFill>
-              </a:ext>
-              <a:ext uri="{91240B29-F687-4F45-9708-019B960494DF}">
-                <a14:hiddenLine xmlns:a14="http://schemas.microsoft.com/office/drawing/2010/main" w="9525">
-                  <a:solidFill>
-                    <a:schemeClr val="tx1"/>
-                  </a:solidFill>
-                  <a:miter lim="800000"/>
-                  <a:headEnd/>
-                  <a:tailEnd/>
-                </a14:hiddenLine>
-              </a:ext>
-            </a:extLst>
-          </p:spPr>
-        </p:pic>
+                </a:rPr>
+                <a:t>5</a:t>
+              </a:r>
+              <a:endParaRPr lang="en-US" sz="1400" dirty="0">
+                <a:solidFill>
+                  <a:schemeClr val="bg1"/>
+                </a:solidFill>
+              </a:endParaRPr>
+            </a:p>
+          </p:txBody>
+        </p:sp>
         <p:sp>
           <p:nvSpPr>
-            <p:cNvPr id="12" name="Rectangle 11"/>
+            <p:cNvPr id="75" name="Oval 74"/>
             <p:cNvSpPr/>
             <p:nvPr/>
           </p:nvSpPr>
           <p:spPr>
             <a:xfrm>
-              <a:off x="5979433" y="845343"/>
-              <a:ext cx="466344" cy="365760"/>
+              <a:off x="427936" y="3903606"/>
+              <a:ext cx="228600" cy="230369"/>
             </a:xfrm>
-            <a:prstGeom prst="rect">
+            <a:prstGeom prst="ellipse">
               <a:avLst/>
             </a:prstGeom>
-            <a:noFill/>
-            <a:ln w="3175">
-              <a:solidFill>
-                <a:srgbClr val="B25809"/>
-              </a:solidFill>
+            <a:solidFill>
+              <a:schemeClr val="accent2"/>
+            </a:solidFill>
+            <a:ln>
+              <a:noFill/>
             </a:ln>
           </p:spPr>
           <p:style>
@@ -8556,141 +10119,63 @@
             </a:p>
           </p:txBody>
         </p:sp>
-      </p:grpSp>
-      <p:sp>
-        <p:nvSpPr>
-          <p:cNvPr id="16" name="Rectangle 15"/>
-          <p:cNvSpPr/>
-          <p:nvPr/>
-        </p:nvSpPr>
-        <p:spPr>
-          <a:xfrm>
-            <a:off x="4221715" y="228600"/>
-            <a:ext cx="1914525" cy="1828800"/>
-          </a:xfrm>
-          <a:prstGeom prst="rect">
-            <a:avLst/>
-          </a:prstGeom>
-          <a:noFill/>
-          <a:ln w="3175">
-            <a:solidFill>
-              <a:schemeClr val="tx1">
-                <a:lumMod val="50000"/>
-                <a:lumOff val="50000"/>
-              </a:schemeClr>
-            </a:solidFill>
-          </a:ln>
-        </p:spPr>
-        <p:style>
-          <a:lnRef idx="2">
-            <a:schemeClr val="accent1">
-              <a:shade val="50000"/>
-            </a:schemeClr>
-          </a:lnRef>
-          <a:fillRef idx="1">
-            <a:schemeClr val="accent1"/>
-          </a:fillRef>
-          <a:effectRef idx="0">
-            <a:schemeClr val="accent1"/>
-          </a:effectRef>
-          <a:fontRef idx="minor">
-            <a:schemeClr val="lt1"/>
-          </a:fontRef>
-        </p:style>
-        <p:txBody>
-          <a:bodyPr rtlCol="0" anchor="ctr"/>
-          <a:lstStyle/>
-          <a:p>
-            <a:pPr algn="ctr"/>
-            <a:endParaRPr lang="en-US"/>
-          </a:p>
-        </p:txBody>
-      </p:sp>
-      <p:grpSp>
-        <p:nvGrpSpPr>
-          <p:cNvPr id="8" name="Group 7"/>
-          <p:cNvGrpSpPr/>
-          <p:nvPr/>
-        </p:nvGrpSpPr>
-        <p:grpSpPr>
-          <a:xfrm>
-            <a:off x="6172200" y="228600"/>
-            <a:ext cx="1754339" cy="1828800"/>
-            <a:chOff x="6172200" y="228600"/>
-            <a:chExt cx="1754339" cy="1828800"/>
-          </a:xfrm>
-        </p:grpSpPr>
-        <p:pic>
-          <p:nvPicPr>
-            <p:cNvPr id="1032" name="Picture 8"/>
-            <p:cNvPicPr>
-              <a:picLocks noChangeAspect="1" noChangeArrowheads="1"/>
-            </p:cNvPicPr>
+        <p:sp>
+          <p:nvSpPr>
+            <p:cNvPr id="76" name="TextBox 75"/>
+            <p:cNvSpPr txBox="1"/>
             <p:nvPr/>
-          </p:nvPicPr>
-          <p:blipFill rotWithShape="1">
-            <a:blip r:embed="rId8" cstate="print">
-              <a:extLst>
-                <a:ext uri="{28A0092B-C50C-407E-A947-70E740481C1C}">
-                  <a14:useLocalDpi xmlns:a14="http://schemas.microsoft.com/office/drawing/2010/main" val="0"/>
-                </a:ext>
-              </a:extLst>
-            </a:blip>
-            <a:srcRect l="11694" r="11724"/>
-            <a:stretch/>
-          </p:blipFill>
-          <p:spPr bwMode="auto">
+          </p:nvSpPr>
+          <p:spPr>
             <a:xfrm>
-              <a:off x="6172200" y="228600"/>
-              <a:ext cx="1754339" cy="1828800"/>
+              <a:off x="414489" y="3864902"/>
+              <a:ext cx="228600" cy="307777"/>
             </a:xfrm>
             <a:prstGeom prst="rect">
               <a:avLst/>
             </a:prstGeom>
             <a:noFill/>
-            <a:ln>
-              <a:noFill/>
-            </a:ln>
-            <a:extLst>
-              <a:ext uri="{909E8E84-426E-40DD-AFC4-6F175D3DCCD1}">
-                <a14:hiddenFill xmlns:a14="http://schemas.microsoft.com/office/drawing/2010/main">
+          </p:spPr>
+          <p:txBody>
+            <a:bodyPr wrap="square" rtlCol="0">
+              <a:spAutoFit/>
+            </a:bodyPr>
+            <a:lstStyle/>
+            <a:p>
+              <a:r>
+                <a:rPr lang="en-US" sz="1400" dirty="0">
                   <a:solidFill>
-                    <a:schemeClr val="accent1"/>
+                    <a:schemeClr val="bg1"/>
                   </a:solidFill>
-                </a14:hiddenFill>
-              </a:ext>
-              <a:ext uri="{91240B29-F687-4F45-9708-019B960494DF}">
-                <a14:hiddenLine xmlns:a14="http://schemas.microsoft.com/office/drawing/2010/main" w="9525">
-                  <a:solidFill>
-                    <a:schemeClr val="tx1"/>
-                  </a:solidFill>
-                  <a:miter lim="800000"/>
-                  <a:headEnd/>
-                  <a:tailEnd/>
-                </a14:hiddenLine>
-              </a:ext>
-            </a:extLst>
-          </p:spPr>
-        </p:pic>
+                </a:rPr>
+                <a:t>9</a:t>
+              </a:r>
+              <a:endParaRPr lang="en-US" sz="1400" dirty="0">
+                <a:solidFill>
+                  <a:schemeClr val="bg1"/>
+                </a:solidFill>
+              </a:endParaRPr>
+            </a:p>
+          </p:txBody>
+        </p:sp>
         <p:sp>
           <p:nvSpPr>
-            <p:cNvPr id="18" name="Rectangle 17"/>
+            <p:cNvPr id="77" name="Oval 76"/>
             <p:cNvSpPr/>
             <p:nvPr/>
           </p:nvSpPr>
           <p:spPr>
             <a:xfrm>
-              <a:off x="7415745" y="857134"/>
-              <a:ext cx="509055" cy="612648"/>
+              <a:off x="2349387" y="3903606"/>
+              <a:ext cx="228600" cy="230369"/>
             </a:xfrm>
-            <a:prstGeom prst="rect">
+            <a:prstGeom prst="ellipse">
               <a:avLst/>
             </a:prstGeom>
-            <a:noFill/>
-            <a:ln w="3175">
-              <a:solidFill>
-                <a:srgbClr val="B28254"/>
-              </a:solidFill>
+            <a:solidFill>
+              <a:schemeClr val="accent2"/>
+            </a:solidFill>
+            <a:ln>
+              <a:noFill/>
             </a:ln>
           </p:spPr>
           <p:style>
@@ -8718,92 +10203,63 @@
             </a:p>
           </p:txBody>
         </p:sp>
-      </p:grpSp>
-      <p:grpSp>
-        <p:nvGrpSpPr>
-          <p:cNvPr id="9" name="Group 8"/>
-          <p:cNvGrpSpPr/>
-          <p:nvPr/>
-        </p:nvGrpSpPr>
-        <p:grpSpPr>
-          <a:xfrm>
-            <a:off x="545909" y="2079648"/>
-            <a:ext cx="1741142" cy="1828800"/>
-            <a:chOff x="545909" y="2079648"/>
-            <a:chExt cx="1741142" cy="1828800"/>
-          </a:xfrm>
-        </p:grpSpPr>
-        <p:pic>
-          <p:nvPicPr>
-            <p:cNvPr id="1033" name="Picture 9"/>
-            <p:cNvPicPr>
-              <a:picLocks noChangeAspect="1" noChangeArrowheads="1"/>
-            </p:cNvPicPr>
+        <p:sp>
+          <p:nvSpPr>
+            <p:cNvPr id="78" name="TextBox 77"/>
+            <p:cNvSpPr txBox="1"/>
             <p:nvPr/>
-          </p:nvPicPr>
-          <p:blipFill rotWithShape="1">
-            <a:blip r:embed="rId9" cstate="print">
-              <a:extLst>
-                <a:ext uri="{28A0092B-C50C-407E-A947-70E740481C1C}">
-                  <a14:useLocalDpi xmlns:a14="http://schemas.microsoft.com/office/drawing/2010/main" val="0"/>
-                </a:ext>
-              </a:extLst>
-            </a:blip>
-            <a:srcRect l="14653" t="-746" r="14668" b="746"/>
-            <a:stretch/>
-          </p:blipFill>
-          <p:spPr bwMode="auto">
+          </p:nvSpPr>
+          <p:spPr>
             <a:xfrm>
-              <a:off x="545909" y="2079648"/>
-              <a:ext cx="1741142" cy="1828800"/>
+              <a:off x="2270214" y="3864902"/>
+              <a:ext cx="551224" cy="307777"/>
             </a:xfrm>
             <a:prstGeom prst="rect">
               <a:avLst/>
             </a:prstGeom>
             <a:noFill/>
-            <a:ln>
-              <a:noFill/>
-            </a:ln>
-            <a:extLst>
-              <a:ext uri="{909E8E84-426E-40DD-AFC4-6F175D3DCCD1}">
-                <a14:hiddenFill xmlns:a14="http://schemas.microsoft.com/office/drawing/2010/main">
+          </p:spPr>
+          <p:txBody>
+            <a:bodyPr wrap="square" rtlCol="0">
+              <a:spAutoFit/>
+            </a:bodyPr>
+            <a:lstStyle/>
+            <a:p>
+              <a:r>
+                <a:rPr lang="en-US" sz="1400" dirty="0" smtClean="0">
                   <a:solidFill>
-                    <a:schemeClr val="accent1"/>
+                    <a:schemeClr val="bg1"/>
                   </a:solidFill>
-                </a14:hiddenFill>
-              </a:ext>
-              <a:ext uri="{91240B29-F687-4F45-9708-019B960494DF}">
-                <a14:hiddenLine xmlns:a14="http://schemas.microsoft.com/office/drawing/2010/main" w="9525">
-                  <a:solidFill>
-                    <a:schemeClr val="tx1"/>
-                  </a:solidFill>
-                  <a:miter lim="800000"/>
-                  <a:headEnd/>
-                  <a:tailEnd/>
-                </a14:hiddenLine>
-              </a:ext>
-            </a:extLst>
-          </p:spPr>
-        </p:pic>
+                </a:rPr>
+                <a:t>10</a:t>
+              </a:r>
+              <a:endParaRPr lang="en-US" sz="1400" dirty="0">
+                <a:solidFill>
+                  <a:schemeClr val="bg1"/>
+                </a:solidFill>
+              </a:endParaRPr>
+            </a:p>
+          </p:txBody>
+        </p:sp>
         <p:sp>
           <p:nvSpPr>
-            <p:cNvPr id="23" name="Rectangle 22"/>
+            <p:cNvPr id="79" name="Oval 78"/>
             <p:cNvSpPr/>
             <p:nvPr/>
           </p:nvSpPr>
           <p:spPr>
             <a:xfrm>
-              <a:off x="1320523" y="2187583"/>
-              <a:ext cx="438912" cy="448056"/>
+              <a:off x="4256190" y="3903606"/>
+              <a:ext cx="228600" cy="230369"/>
             </a:xfrm>
-            <a:prstGeom prst="rect">
+            <a:prstGeom prst="ellipse">
               <a:avLst/>
             </a:prstGeom>
-            <a:noFill/>
-            <a:ln w="3175">
-              <a:solidFill>
-                <a:srgbClr val="1E701E"/>
-              </a:solidFill>
+            <a:solidFill>
+              <a:schemeClr val="accent2"/>
+            </a:solidFill>
+            <a:ln>
+              <a:noFill/>
             </a:ln>
           </p:spPr>
           <p:style>
@@ -8831,600 +10287,637 @@
             </a:p>
           </p:txBody>
         </p:sp>
+        <p:sp>
+          <p:nvSpPr>
+            <p:cNvPr id="80" name="TextBox 79"/>
+            <p:cNvSpPr txBox="1"/>
+            <p:nvPr/>
+          </p:nvSpPr>
+          <p:spPr>
+            <a:xfrm>
+              <a:off x="4202401" y="3864902"/>
+              <a:ext cx="431025" cy="307777"/>
+            </a:xfrm>
+            <a:prstGeom prst="rect">
+              <a:avLst/>
+            </a:prstGeom>
+            <a:noFill/>
+          </p:spPr>
+          <p:txBody>
+            <a:bodyPr wrap="square" rtlCol="0">
+              <a:spAutoFit/>
+            </a:bodyPr>
+            <a:lstStyle/>
+            <a:p>
+              <a:r>
+                <a:rPr lang="en-US" sz="1400" dirty="0" smtClean="0">
+                  <a:solidFill>
+                    <a:schemeClr val="bg1"/>
+                  </a:solidFill>
+                </a:rPr>
+                <a:t>11</a:t>
+              </a:r>
+              <a:endParaRPr lang="en-US" sz="1400" dirty="0">
+                <a:solidFill>
+                  <a:schemeClr val="bg1"/>
+                </a:solidFill>
+              </a:endParaRPr>
+            </a:p>
+          </p:txBody>
+        </p:sp>
+        <p:sp>
+          <p:nvSpPr>
+            <p:cNvPr id="81" name="Oval 80"/>
+            <p:cNvSpPr/>
+            <p:nvPr/>
+          </p:nvSpPr>
+          <p:spPr>
+            <a:xfrm>
+              <a:off x="6174414" y="3903606"/>
+              <a:ext cx="228600" cy="230369"/>
+            </a:xfrm>
+            <a:prstGeom prst="ellipse">
+              <a:avLst/>
+            </a:prstGeom>
+            <a:solidFill>
+              <a:schemeClr val="accent2"/>
+            </a:solidFill>
+            <a:ln>
+              <a:noFill/>
+            </a:ln>
+          </p:spPr>
+          <p:style>
+            <a:lnRef idx="2">
+              <a:schemeClr val="accent1">
+                <a:shade val="50000"/>
+              </a:schemeClr>
+            </a:lnRef>
+            <a:fillRef idx="1">
+              <a:schemeClr val="accent1"/>
+            </a:fillRef>
+            <a:effectRef idx="0">
+              <a:schemeClr val="accent1"/>
+            </a:effectRef>
+            <a:fontRef idx="minor">
+              <a:schemeClr val="lt1"/>
+            </a:fontRef>
+          </p:style>
+          <p:txBody>
+            <a:bodyPr rtlCol="0" anchor="ctr"/>
+            <a:lstStyle/>
+            <a:p>
+              <a:pPr algn="ctr"/>
+              <a:endParaRPr lang="en-US"/>
+            </a:p>
+          </p:txBody>
+        </p:sp>
+        <p:sp>
+          <p:nvSpPr>
+            <p:cNvPr id="82" name="TextBox 81"/>
+            <p:cNvSpPr txBox="1"/>
+            <p:nvPr/>
+          </p:nvSpPr>
+          <p:spPr>
+            <a:xfrm>
+              <a:off x="6093731" y="3864902"/>
+              <a:ext cx="414273" cy="307777"/>
+            </a:xfrm>
+            <a:prstGeom prst="rect">
+              <a:avLst/>
+            </a:prstGeom>
+            <a:noFill/>
+          </p:spPr>
+          <p:txBody>
+            <a:bodyPr wrap="square" rtlCol="0">
+              <a:spAutoFit/>
+            </a:bodyPr>
+            <a:lstStyle/>
+            <a:p>
+              <a:r>
+                <a:rPr lang="en-US" sz="1400" dirty="0" smtClean="0">
+                  <a:solidFill>
+                    <a:schemeClr val="bg1"/>
+                  </a:solidFill>
+                </a:rPr>
+                <a:t>12</a:t>
+              </a:r>
+              <a:endParaRPr lang="en-US" sz="1400" dirty="0">
+                <a:solidFill>
+                  <a:schemeClr val="bg1"/>
+                </a:solidFill>
+              </a:endParaRPr>
+            </a:p>
+          </p:txBody>
+        </p:sp>
+        <p:sp>
+          <p:nvSpPr>
+            <p:cNvPr id="83" name="Oval 82"/>
+            <p:cNvSpPr/>
+            <p:nvPr/>
+          </p:nvSpPr>
+          <p:spPr>
+            <a:xfrm>
+              <a:off x="6174414" y="2079369"/>
+              <a:ext cx="228600" cy="230369"/>
+            </a:xfrm>
+            <a:prstGeom prst="ellipse">
+              <a:avLst/>
+            </a:prstGeom>
+            <a:solidFill>
+              <a:schemeClr val="accent2"/>
+            </a:solidFill>
+            <a:ln>
+              <a:noFill/>
+            </a:ln>
+          </p:spPr>
+          <p:style>
+            <a:lnRef idx="2">
+              <a:schemeClr val="accent1">
+                <a:shade val="50000"/>
+              </a:schemeClr>
+            </a:lnRef>
+            <a:fillRef idx="1">
+              <a:schemeClr val="accent1"/>
+            </a:fillRef>
+            <a:effectRef idx="0">
+              <a:schemeClr val="accent1"/>
+            </a:effectRef>
+            <a:fontRef idx="minor">
+              <a:schemeClr val="lt1"/>
+            </a:fontRef>
+          </p:style>
+          <p:txBody>
+            <a:bodyPr rtlCol="0" anchor="ctr"/>
+            <a:lstStyle/>
+            <a:p>
+              <a:pPr algn="ctr"/>
+              <a:endParaRPr lang="en-US"/>
+            </a:p>
+          </p:txBody>
+        </p:sp>
+        <p:sp>
+          <p:nvSpPr>
+            <p:cNvPr id="84" name="TextBox 83"/>
+            <p:cNvSpPr txBox="1"/>
+            <p:nvPr/>
+          </p:nvSpPr>
+          <p:spPr>
+            <a:xfrm>
+              <a:off x="6160967" y="2040665"/>
+              <a:ext cx="228600" cy="307777"/>
+            </a:xfrm>
+            <a:prstGeom prst="rect">
+              <a:avLst/>
+            </a:prstGeom>
+            <a:noFill/>
+          </p:spPr>
+          <p:txBody>
+            <a:bodyPr wrap="square" rtlCol="0">
+              <a:spAutoFit/>
+            </a:bodyPr>
+            <a:lstStyle/>
+            <a:p>
+              <a:r>
+                <a:rPr lang="en-US" sz="1400" dirty="0">
+                  <a:solidFill>
+                    <a:schemeClr val="bg1"/>
+                  </a:solidFill>
+                </a:rPr>
+                <a:t>8</a:t>
+              </a:r>
+              <a:endParaRPr lang="en-US" sz="1400" dirty="0">
+                <a:solidFill>
+                  <a:schemeClr val="bg1"/>
+                </a:solidFill>
+              </a:endParaRPr>
+            </a:p>
+          </p:txBody>
+        </p:sp>
+        <p:sp>
+          <p:nvSpPr>
+            <p:cNvPr id="85" name="Oval 84"/>
+            <p:cNvSpPr/>
+            <p:nvPr/>
+          </p:nvSpPr>
+          <p:spPr>
+            <a:xfrm>
+              <a:off x="4256190" y="2079369"/>
+              <a:ext cx="228600" cy="230369"/>
+            </a:xfrm>
+            <a:prstGeom prst="ellipse">
+              <a:avLst/>
+            </a:prstGeom>
+            <a:solidFill>
+              <a:schemeClr val="accent2"/>
+            </a:solidFill>
+            <a:ln>
+              <a:noFill/>
+            </a:ln>
+          </p:spPr>
+          <p:style>
+            <a:lnRef idx="2">
+              <a:schemeClr val="accent1">
+                <a:shade val="50000"/>
+              </a:schemeClr>
+            </a:lnRef>
+            <a:fillRef idx="1">
+              <a:schemeClr val="accent1"/>
+            </a:fillRef>
+            <a:effectRef idx="0">
+              <a:schemeClr val="accent1"/>
+            </a:effectRef>
+            <a:fontRef idx="minor">
+              <a:schemeClr val="lt1"/>
+            </a:fontRef>
+          </p:style>
+          <p:txBody>
+            <a:bodyPr rtlCol="0" anchor="ctr"/>
+            <a:lstStyle/>
+            <a:p>
+              <a:pPr algn="ctr"/>
+              <a:endParaRPr lang="en-US"/>
+            </a:p>
+          </p:txBody>
+        </p:sp>
+        <p:sp>
+          <p:nvSpPr>
+            <p:cNvPr id="86" name="TextBox 85"/>
+            <p:cNvSpPr txBox="1"/>
+            <p:nvPr/>
+          </p:nvSpPr>
+          <p:spPr>
+            <a:xfrm>
+              <a:off x="4242743" y="2040665"/>
+              <a:ext cx="228600" cy="307777"/>
+            </a:xfrm>
+            <a:prstGeom prst="rect">
+              <a:avLst/>
+            </a:prstGeom>
+            <a:noFill/>
+          </p:spPr>
+          <p:txBody>
+            <a:bodyPr wrap="square" rtlCol="0">
+              <a:spAutoFit/>
+            </a:bodyPr>
+            <a:lstStyle/>
+            <a:p>
+              <a:r>
+                <a:rPr lang="en-US" sz="1400" dirty="0">
+                  <a:solidFill>
+                    <a:schemeClr val="bg1"/>
+                  </a:solidFill>
+                </a:rPr>
+                <a:t>7</a:t>
+              </a:r>
+              <a:endParaRPr lang="en-US" sz="1400" dirty="0">
+                <a:solidFill>
+                  <a:schemeClr val="bg1"/>
+                </a:solidFill>
+              </a:endParaRPr>
+            </a:p>
+          </p:txBody>
+        </p:sp>
+        <p:sp>
+          <p:nvSpPr>
+            <p:cNvPr id="87" name="Oval 86"/>
+            <p:cNvSpPr/>
+            <p:nvPr/>
+          </p:nvSpPr>
+          <p:spPr>
+            <a:xfrm>
+              <a:off x="2349387" y="2079369"/>
+              <a:ext cx="228600" cy="230369"/>
+            </a:xfrm>
+            <a:prstGeom prst="ellipse">
+              <a:avLst/>
+            </a:prstGeom>
+            <a:solidFill>
+              <a:schemeClr val="accent2"/>
+            </a:solidFill>
+            <a:ln>
+              <a:noFill/>
+            </a:ln>
+          </p:spPr>
+          <p:style>
+            <a:lnRef idx="2">
+              <a:schemeClr val="accent1">
+                <a:shade val="50000"/>
+              </a:schemeClr>
+            </a:lnRef>
+            <a:fillRef idx="1">
+              <a:schemeClr val="accent1"/>
+            </a:fillRef>
+            <a:effectRef idx="0">
+              <a:schemeClr val="accent1"/>
+            </a:effectRef>
+            <a:fontRef idx="minor">
+              <a:schemeClr val="lt1"/>
+            </a:fontRef>
+          </p:style>
+          <p:txBody>
+            <a:bodyPr rtlCol="0" anchor="ctr"/>
+            <a:lstStyle/>
+            <a:p>
+              <a:pPr algn="ctr"/>
+              <a:endParaRPr lang="en-US"/>
+            </a:p>
+          </p:txBody>
+        </p:sp>
+        <p:sp>
+          <p:nvSpPr>
+            <p:cNvPr id="88" name="TextBox 87"/>
+            <p:cNvSpPr txBox="1"/>
+            <p:nvPr/>
+          </p:nvSpPr>
+          <p:spPr>
+            <a:xfrm>
+              <a:off x="2335940" y="2040665"/>
+              <a:ext cx="228600" cy="307777"/>
+            </a:xfrm>
+            <a:prstGeom prst="rect">
+              <a:avLst/>
+            </a:prstGeom>
+            <a:noFill/>
+          </p:spPr>
+          <p:txBody>
+            <a:bodyPr wrap="square" rtlCol="0">
+              <a:spAutoFit/>
+            </a:bodyPr>
+            <a:lstStyle/>
+            <a:p>
+              <a:r>
+                <a:rPr lang="en-US" sz="1400" dirty="0">
+                  <a:solidFill>
+                    <a:schemeClr val="bg1"/>
+                  </a:solidFill>
+                </a:rPr>
+                <a:t>6</a:t>
+              </a:r>
+              <a:endParaRPr lang="en-US" sz="1400" dirty="0">
+                <a:solidFill>
+                  <a:schemeClr val="bg1"/>
+                </a:solidFill>
+              </a:endParaRPr>
+            </a:p>
+          </p:txBody>
+        </p:sp>
+        <p:sp>
+          <p:nvSpPr>
+            <p:cNvPr id="89" name="Oval 88"/>
+            <p:cNvSpPr/>
+            <p:nvPr/>
+          </p:nvSpPr>
+          <p:spPr>
+            <a:xfrm>
+              <a:off x="2349387" y="260887"/>
+              <a:ext cx="228600" cy="230369"/>
+            </a:xfrm>
+            <a:prstGeom prst="ellipse">
+              <a:avLst/>
+            </a:prstGeom>
+            <a:solidFill>
+              <a:schemeClr val="accent2"/>
+            </a:solidFill>
+            <a:ln>
+              <a:noFill/>
+            </a:ln>
+          </p:spPr>
+          <p:style>
+            <a:lnRef idx="2">
+              <a:schemeClr val="accent1">
+                <a:shade val="50000"/>
+              </a:schemeClr>
+            </a:lnRef>
+            <a:fillRef idx="1">
+              <a:schemeClr val="accent1"/>
+            </a:fillRef>
+            <a:effectRef idx="0">
+              <a:schemeClr val="accent1"/>
+            </a:effectRef>
+            <a:fontRef idx="minor">
+              <a:schemeClr val="lt1"/>
+            </a:fontRef>
+          </p:style>
+          <p:txBody>
+            <a:bodyPr rtlCol="0" anchor="ctr"/>
+            <a:lstStyle/>
+            <a:p>
+              <a:pPr algn="ctr"/>
+              <a:endParaRPr lang="en-US"/>
+            </a:p>
+          </p:txBody>
+        </p:sp>
+        <p:sp>
+          <p:nvSpPr>
+            <p:cNvPr id="90" name="TextBox 89"/>
+            <p:cNvSpPr txBox="1"/>
+            <p:nvPr/>
+          </p:nvSpPr>
+          <p:spPr>
+            <a:xfrm>
+              <a:off x="2335940" y="222183"/>
+              <a:ext cx="228600" cy="307777"/>
+            </a:xfrm>
+            <a:prstGeom prst="rect">
+              <a:avLst/>
+            </a:prstGeom>
+            <a:noFill/>
+          </p:spPr>
+          <p:txBody>
+            <a:bodyPr wrap="square" rtlCol="0">
+              <a:spAutoFit/>
+            </a:bodyPr>
+            <a:lstStyle/>
+            <a:p>
+              <a:r>
+                <a:rPr lang="en-US" sz="1400" dirty="0">
+                  <a:solidFill>
+                    <a:schemeClr val="bg1"/>
+                  </a:solidFill>
+                </a:rPr>
+                <a:t>2</a:t>
+              </a:r>
+              <a:endParaRPr lang="en-US" sz="1400" dirty="0">
+                <a:solidFill>
+                  <a:schemeClr val="bg1"/>
+                </a:solidFill>
+              </a:endParaRPr>
+            </a:p>
+          </p:txBody>
+        </p:sp>
+        <p:sp>
+          <p:nvSpPr>
+            <p:cNvPr id="91" name="Oval 90"/>
+            <p:cNvSpPr/>
+            <p:nvPr/>
+          </p:nvSpPr>
+          <p:spPr>
+            <a:xfrm>
+              <a:off x="4256190" y="260887"/>
+              <a:ext cx="228600" cy="230369"/>
+            </a:xfrm>
+            <a:prstGeom prst="ellipse">
+              <a:avLst/>
+            </a:prstGeom>
+            <a:solidFill>
+              <a:schemeClr val="accent2"/>
+            </a:solidFill>
+            <a:ln>
+              <a:noFill/>
+            </a:ln>
+          </p:spPr>
+          <p:style>
+            <a:lnRef idx="2">
+              <a:schemeClr val="accent1">
+                <a:shade val="50000"/>
+              </a:schemeClr>
+            </a:lnRef>
+            <a:fillRef idx="1">
+              <a:schemeClr val="accent1"/>
+            </a:fillRef>
+            <a:effectRef idx="0">
+              <a:schemeClr val="accent1"/>
+            </a:effectRef>
+            <a:fontRef idx="minor">
+              <a:schemeClr val="lt1"/>
+            </a:fontRef>
+          </p:style>
+          <p:txBody>
+            <a:bodyPr rtlCol="0" anchor="ctr"/>
+            <a:lstStyle/>
+            <a:p>
+              <a:pPr algn="ctr"/>
+              <a:endParaRPr lang="en-US"/>
+            </a:p>
+          </p:txBody>
+        </p:sp>
+        <p:sp>
+          <p:nvSpPr>
+            <p:cNvPr id="92" name="TextBox 91"/>
+            <p:cNvSpPr txBox="1"/>
+            <p:nvPr/>
+          </p:nvSpPr>
+          <p:spPr>
+            <a:xfrm>
+              <a:off x="4242743" y="222183"/>
+              <a:ext cx="228600" cy="307777"/>
+            </a:xfrm>
+            <a:prstGeom prst="rect">
+              <a:avLst/>
+            </a:prstGeom>
+            <a:noFill/>
+          </p:spPr>
+          <p:txBody>
+            <a:bodyPr wrap="square" rtlCol="0">
+              <a:spAutoFit/>
+            </a:bodyPr>
+            <a:lstStyle/>
+            <a:p>
+              <a:r>
+                <a:rPr lang="en-US" sz="1400" dirty="0">
+                  <a:solidFill>
+                    <a:schemeClr val="bg1"/>
+                  </a:solidFill>
+                </a:rPr>
+                <a:t>3</a:t>
+              </a:r>
+              <a:endParaRPr lang="en-US" sz="1400" dirty="0">
+                <a:solidFill>
+                  <a:schemeClr val="bg1"/>
+                </a:solidFill>
+              </a:endParaRPr>
+            </a:p>
+          </p:txBody>
+        </p:sp>
+        <p:sp>
+          <p:nvSpPr>
+            <p:cNvPr id="93" name="Oval 92"/>
+            <p:cNvSpPr/>
+            <p:nvPr/>
+          </p:nvSpPr>
+          <p:spPr>
+            <a:xfrm>
+              <a:off x="6174414" y="260887"/>
+              <a:ext cx="228600" cy="230369"/>
+            </a:xfrm>
+            <a:prstGeom prst="ellipse">
+              <a:avLst/>
+            </a:prstGeom>
+            <a:solidFill>
+              <a:schemeClr val="accent2"/>
+            </a:solidFill>
+            <a:ln>
+              <a:noFill/>
+            </a:ln>
+          </p:spPr>
+          <p:style>
+            <a:lnRef idx="2">
+              <a:schemeClr val="accent1">
+                <a:shade val="50000"/>
+              </a:schemeClr>
+            </a:lnRef>
+            <a:fillRef idx="1">
+              <a:schemeClr val="accent1"/>
+            </a:fillRef>
+            <a:effectRef idx="0">
+              <a:schemeClr val="accent1"/>
+            </a:effectRef>
+            <a:fontRef idx="minor">
+              <a:schemeClr val="lt1"/>
+            </a:fontRef>
+          </p:style>
+          <p:txBody>
+            <a:bodyPr rtlCol="0" anchor="ctr"/>
+            <a:lstStyle/>
+            <a:p>
+              <a:pPr algn="ctr"/>
+              <a:endParaRPr lang="en-US"/>
+            </a:p>
+          </p:txBody>
+        </p:sp>
+        <p:sp>
+          <p:nvSpPr>
+            <p:cNvPr id="94" name="TextBox 93"/>
+            <p:cNvSpPr txBox="1"/>
+            <p:nvPr/>
+          </p:nvSpPr>
+          <p:spPr>
+            <a:xfrm>
+              <a:off x="6160967" y="222183"/>
+              <a:ext cx="228600" cy="307777"/>
+            </a:xfrm>
+            <a:prstGeom prst="rect">
+              <a:avLst/>
+            </a:prstGeom>
+            <a:noFill/>
+          </p:spPr>
+          <p:txBody>
+            <a:bodyPr wrap="square" rtlCol="0">
+              <a:spAutoFit/>
+            </a:bodyPr>
+            <a:lstStyle/>
+            <a:p>
+              <a:r>
+                <a:rPr lang="en-US" sz="1400" dirty="0">
+                  <a:solidFill>
+                    <a:schemeClr val="bg1"/>
+                  </a:solidFill>
+                </a:rPr>
+                <a:t>4</a:t>
+              </a:r>
+              <a:endParaRPr lang="en-US" sz="1400" dirty="0">
+                <a:solidFill>
+                  <a:schemeClr val="bg1"/>
+                </a:solidFill>
+              </a:endParaRPr>
+            </a:p>
+          </p:txBody>
+        </p:sp>
       </p:grpSp>
-      <p:sp>
-        <p:nvSpPr>
-          <p:cNvPr id="28" name="Rectangle 27"/>
-          <p:cNvSpPr/>
-          <p:nvPr/>
-        </p:nvSpPr>
-        <p:spPr>
-          <a:xfrm>
-            <a:off x="6137755" y="228600"/>
-            <a:ext cx="1914525" cy="1828800"/>
-          </a:xfrm>
-          <a:prstGeom prst="rect">
-            <a:avLst/>
-          </a:prstGeom>
-          <a:noFill/>
-          <a:ln w="3175">
-            <a:solidFill>
-              <a:schemeClr val="tx1">
-                <a:lumMod val="50000"/>
-                <a:lumOff val="50000"/>
-              </a:schemeClr>
-            </a:solidFill>
-          </a:ln>
-        </p:spPr>
-        <p:style>
-          <a:lnRef idx="2">
-            <a:schemeClr val="accent1">
-              <a:shade val="50000"/>
-            </a:schemeClr>
-          </a:lnRef>
-          <a:fillRef idx="1">
-            <a:schemeClr val="accent1"/>
-          </a:fillRef>
-          <a:effectRef idx="0">
-            <a:schemeClr val="accent1"/>
-          </a:effectRef>
-          <a:fontRef idx="minor">
-            <a:schemeClr val="lt1"/>
-          </a:fontRef>
-        </p:style>
-        <p:txBody>
-          <a:bodyPr rtlCol="0" anchor="ctr"/>
-          <a:lstStyle/>
-          <a:p>
-            <a:pPr algn="ctr"/>
-            <a:endParaRPr lang="en-US"/>
-          </a:p>
-        </p:txBody>
-      </p:sp>
-      <p:sp>
-        <p:nvSpPr>
-          <p:cNvPr id="29" name="Rectangle 28"/>
-          <p:cNvSpPr/>
-          <p:nvPr/>
-        </p:nvSpPr>
-        <p:spPr>
-          <a:xfrm>
-            <a:off x="2308202" y="228835"/>
-            <a:ext cx="1914525" cy="1828800"/>
-          </a:xfrm>
-          <a:prstGeom prst="rect">
-            <a:avLst/>
-          </a:prstGeom>
-          <a:noFill/>
-          <a:ln w="3175">
-            <a:solidFill>
-              <a:schemeClr val="tx1">
-                <a:lumMod val="50000"/>
-                <a:lumOff val="50000"/>
-              </a:schemeClr>
-            </a:solidFill>
-          </a:ln>
-        </p:spPr>
-        <p:style>
-          <a:lnRef idx="2">
-            <a:schemeClr val="accent1">
-              <a:shade val="50000"/>
-            </a:schemeClr>
-          </a:lnRef>
-          <a:fillRef idx="1">
-            <a:schemeClr val="accent1"/>
-          </a:fillRef>
-          <a:effectRef idx="0">
-            <a:schemeClr val="accent1"/>
-          </a:effectRef>
-          <a:fontRef idx="minor">
-            <a:schemeClr val="lt1"/>
-          </a:fontRef>
-        </p:style>
-        <p:txBody>
-          <a:bodyPr rtlCol="0" anchor="ctr"/>
-          <a:lstStyle/>
-          <a:p>
-            <a:pPr algn="ctr"/>
-            <a:endParaRPr lang="en-US"/>
-          </a:p>
-        </p:txBody>
-      </p:sp>
-      <p:sp>
-        <p:nvSpPr>
-          <p:cNvPr id="30" name="Rectangle 29"/>
-          <p:cNvSpPr/>
-          <p:nvPr/>
-        </p:nvSpPr>
-        <p:spPr>
-          <a:xfrm>
-            <a:off x="393380" y="229702"/>
-            <a:ext cx="1914525" cy="1828800"/>
-          </a:xfrm>
-          <a:prstGeom prst="rect">
-            <a:avLst/>
-          </a:prstGeom>
-          <a:noFill/>
-          <a:ln w="3175">
-            <a:solidFill>
-              <a:schemeClr val="tx1">
-                <a:lumMod val="50000"/>
-                <a:lumOff val="50000"/>
-              </a:schemeClr>
-            </a:solidFill>
-          </a:ln>
-        </p:spPr>
-        <p:style>
-          <a:lnRef idx="2">
-            <a:schemeClr val="accent1">
-              <a:shade val="50000"/>
-            </a:schemeClr>
-          </a:lnRef>
-          <a:fillRef idx="1">
-            <a:schemeClr val="accent1"/>
-          </a:fillRef>
-          <a:effectRef idx="0">
-            <a:schemeClr val="accent1"/>
-          </a:effectRef>
-          <a:fontRef idx="minor">
-            <a:schemeClr val="lt1"/>
-          </a:fontRef>
-        </p:style>
-        <p:txBody>
-          <a:bodyPr rtlCol="0" anchor="ctr"/>
-          <a:lstStyle/>
-          <a:p>
-            <a:pPr algn="ctr"/>
-            <a:endParaRPr lang="en-US"/>
-          </a:p>
-        </p:txBody>
-      </p:sp>
-      <p:sp>
-        <p:nvSpPr>
-          <p:cNvPr id="31" name="Rectangle 30"/>
-          <p:cNvSpPr/>
-          <p:nvPr/>
-        </p:nvSpPr>
-        <p:spPr>
-          <a:xfrm>
-            <a:off x="392769" y="2058219"/>
-            <a:ext cx="1914525" cy="1828800"/>
-          </a:xfrm>
-          <a:prstGeom prst="rect">
-            <a:avLst/>
-          </a:prstGeom>
-          <a:noFill/>
-          <a:ln w="3175">
-            <a:solidFill>
-              <a:schemeClr val="tx1">
-                <a:lumMod val="50000"/>
-                <a:lumOff val="50000"/>
-              </a:schemeClr>
-            </a:solidFill>
-          </a:ln>
-        </p:spPr>
-        <p:style>
-          <a:lnRef idx="2">
-            <a:schemeClr val="accent1">
-              <a:shade val="50000"/>
-            </a:schemeClr>
-          </a:lnRef>
-          <a:fillRef idx="1">
-            <a:schemeClr val="accent1"/>
-          </a:fillRef>
-          <a:effectRef idx="0">
-            <a:schemeClr val="accent1"/>
-          </a:effectRef>
-          <a:fontRef idx="minor">
-            <a:schemeClr val="lt1"/>
-          </a:fontRef>
-        </p:style>
-        <p:txBody>
-          <a:bodyPr rtlCol="0" anchor="ctr"/>
-          <a:lstStyle/>
-          <a:p>
-            <a:pPr algn="ctr"/>
-            <a:endParaRPr lang="en-US"/>
-          </a:p>
-        </p:txBody>
-      </p:sp>
-      <p:sp>
-        <p:nvSpPr>
-          <p:cNvPr id="33" name="Rectangle 32"/>
-          <p:cNvSpPr/>
-          <p:nvPr/>
-        </p:nvSpPr>
-        <p:spPr>
-          <a:xfrm>
-            <a:off x="2308202" y="2058502"/>
-            <a:ext cx="1914525" cy="1828800"/>
-          </a:xfrm>
-          <a:prstGeom prst="rect">
-            <a:avLst/>
-          </a:prstGeom>
-          <a:noFill/>
-          <a:ln w="3175">
-            <a:solidFill>
-              <a:schemeClr val="tx1">
-                <a:lumMod val="50000"/>
-                <a:lumOff val="50000"/>
-              </a:schemeClr>
-            </a:solidFill>
-          </a:ln>
-        </p:spPr>
-        <p:style>
-          <a:lnRef idx="2">
-            <a:schemeClr val="accent1">
-              <a:shade val="50000"/>
-            </a:schemeClr>
-          </a:lnRef>
-          <a:fillRef idx="1">
-            <a:schemeClr val="accent1"/>
-          </a:fillRef>
-          <a:effectRef idx="0">
-            <a:schemeClr val="accent1"/>
-          </a:effectRef>
-          <a:fontRef idx="minor">
-            <a:schemeClr val="lt1"/>
-          </a:fontRef>
-        </p:style>
-        <p:txBody>
-          <a:bodyPr rtlCol="0" anchor="ctr"/>
-          <a:lstStyle/>
-          <a:p>
-            <a:pPr algn="ctr"/>
-            <a:endParaRPr lang="en-US"/>
-          </a:p>
-        </p:txBody>
-      </p:sp>
-      <p:sp>
-        <p:nvSpPr>
-          <p:cNvPr id="34" name="Rectangle 33"/>
-          <p:cNvSpPr/>
-          <p:nvPr/>
-        </p:nvSpPr>
-        <p:spPr>
-          <a:xfrm>
-            <a:off x="4221353" y="2058502"/>
-            <a:ext cx="1914525" cy="1828800"/>
-          </a:xfrm>
-          <a:prstGeom prst="rect">
-            <a:avLst/>
-          </a:prstGeom>
-          <a:noFill/>
-          <a:ln w="3175">
-            <a:solidFill>
-              <a:schemeClr val="tx1">
-                <a:lumMod val="50000"/>
-                <a:lumOff val="50000"/>
-              </a:schemeClr>
-            </a:solidFill>
-          </a:ln>
-        </p:spPr>
-        <p:style>
-          <a:lnRef idx="2">
-            <a:schemeClr val="accent1">
-              <a:shade val="50000"/>
-            </a:schemeClr>
-          </a:lnRef>
-          <a:fillRef idx="1">
-            <a:schemeClr val="accent1"/>
-          </a:fillRef>
-          <a:effectRef idx="0">
-            <a:schemeClr val="accent1"/>
-          </a:effectRef>
-          <a:fontRef idx="minor">
-            <a:schemeClr val="lt1"/>
-          </a:fontRef>
-        </p:style>
-        <p:txBody>
-          <a:bodyPr rtlCol="0" anchor="ctr"/>
-          <a:lstStyle/>
-          <a:p>
-            <a:pPr algn="ctr"/>
-            <a:endParaRPr lang="en-US"/>
-          </a:p>
-        </p:txBody>
-      </p:sp>
-      <p:sp>
-        <p:nvSpPr>
-          <p:cNvPr id="35" name="Rectangle 34"/>
-          <p:cNvSpPr/>
-          <p:nvPr/>
-        </p:nvSpPr>
-        <p:spPr>
-          <a:xfrm>
-            <a:off x="6136240" y="2056400"/>
-            <a:ext cx="1914525" cy="1828800"/>
-          </a:xfrm>
-          <a:prstGeom prst="rect">
-            <a:avLst/>
-          </a:prstGeom>
-          <a:noFill/>
-          <a:ln w="3175">
-            <a:solidFill>
-              <a:schemeClr val="tx1">
-                <a:lumMod val="50000"/>
-                <a:lumOff val="50000"/>
-              </a:schemeClr>
-            </a:solidFill>
-          </a:ln>
-        </p:spPr>
-        <p:style>
-          <a:lnRef idx="2">
-            <a:schemeClr val="accent1">
-              <a:shade val="50000"/>
-            </a:schemeClr>
-          </a:lnRef>
-          <a:fillRef idx="1">
-            <a:schemeClr val="accent1"/>
-          </a:fillRef>
-          <a:effectRef idx="0">
-            <a:schemeClr val="accent1"/>
-          </a:effectRef>
-          <a:fontRef idx="minor">
-            <a:schemeClr val="lt1"/>
-          </a:fontRef>
-        </p:style>
-        <p:txBody>
-          <a:bodyPr rtlCol="0" anchor="ctr"/>
-          <a:lstStyle/>
-          <a:p>
-            <a:pPr algn="ctr"/>
-            <a:endParaRPr lang="en-US"/>
-          </a:p>
-        </p:txBody>
-      </p:sp>
     </p:spTree>
     <p:extLst>
       <p:ext uri="{BB962C8B-B14F-4D97-AF65-F5344CB8AC3E}">
         <p14:creationId xmlns:p14="http://schemas.microsoft.com/office/powerpoint/2010/main" val="783073417"/>
-      </p:ext>
-    </p:extLst>
-  </p:cSld>
-  <p:clrMapOvr>
-    <a:masterClrMapping/>
-  </p:clrMapOvr>
-</p:sld>
-</file>
-
-<file path=ppt/slides/slide6.xml><?xml version="1.0" encoding="utf-8"?>
-<p:sld xmlns:a="http://schemas.openxmlformats.org/drawingml/2006/main" xmlns:r="http://schemas.openxmlformats.org/officeDocument/2006/relationships" xmlns:p="http://schemas.openxmlformats.org/presentationml/2006/main">
-  <p:cSld>
-    <p:spTree>
-      <p:nvGrpSpPr>
-        <p:cNvPr id="1" name=""/>
-        <p:cNvGrpSpPr/>
-        <p:nvPr/>
-      </p:nvGrpSpPr>
-      <p:grpSpPr>
-        <a:xfrm>
-          <a:off x="0" y="0"/>
-          <a:ext cx="0" cy="0"/>
-          <a:chOff x="0" y="0"/>
-          <a:chExt cx="0" cy="0"/>
-        </a:xfrm>
-      </p:grpSpPr>
-      <p:pic>
-        <p:nvPicPr>
-          <p:cNvPr id="2050" name="Picture 2"/>
-          <p:cNvPicPr>
-            <a:picLocks noChangeAspect="1" noChangeArrowheads="1"/>
-          </p:cNvPicPr>
-          <p:nvPr/>
-        </p:nvPicPr>
-        <p:blipFill>
-          <a:blip r:embed="rId2" cstate="print">
-            <a:extLst>
-              <a:ext uri="{28A0092B-C50C-407E-A947-70E740481C1C}">
-                <a14:useLocalDpi xmlns:a14="http://schemas.microsoft.com/office/drawing/2010/main" val="0"/>
-              </a:ext>
-            </a:extLst>
-          </a:blip>
-          <a:srcRect/>
-          <a:stretch>
-            <a:fillRect/>
-          </a:stretch>
-        </p:blipFill>
-        <p:spPr bwMode="auto">
-          <a:xfrm>
-            <a:off x="1595438" y="1309688"/>
-            <a:ext cx="2568539" cy="1828800"/>
-          </a:xfrm>
-          <a:prstGeom prst="rect">
-            <a:avLst/>
-          </a:prstGeom>
-          <a:noFill/>
-          <a:ln>
-            <a:noFill/>
-          </a:ln>
-          <a:extLst>
-            <a:ext uri="{909E8E84-426E-40DD-AFC4-6F175D3DCCD1}">
-              <a14:hiddenFill xmlns:a14="http://schemas.microsoft.com/office/drawing/2010/main">
-                <a:solidFill>
-                  <a:schemeClr val="accent1"/>
-                </a:solidFill>
-              </a14:hiddenFill>
-            </a:ext>
-            <a:ext uri="{91240B29-F687-4F45-9708-019B960494DF}">
-              <a14:hiddenLine xmlns:a14="http://schemas.microsoft.com/office/drawing/2010/main" w="9525">
-                <a:solidFill>
-                  <a:schemeClr val="tx1"/>
-                </a:solidFill>
-                <a:miter lim="800000"/>
-                <a:headEnd/>
-                <a:tailEnd/>
-              </a14:hiddenLine>
-            </a:ext>
-          </a:extLst>
-        </p:spPr>
-      </p:pic>
-      <p:pic>
-        <p:nvPicPr>
-          <p:cNvPr id="2051" name="Picture 3"/>
-          <p:cNvPicPr>
-            <a:picLocks noChangeAspect="1" noChangeArrowheads="1"/>
-          </p:cNvPicPr>
-          <p:nvPr/>
-        </p:nvPicPr>
-        <p:blipFill>
-          <a:blip r:embed="rId3" cstate="print">
-            <a:extLst>
-              <a:ext uri="{28A0092B-C50C-407E-A947-70E740481C1C}">
-                <a14:useLocalDpi xmlns:a14="http://schemas.microsoft.com/office/drawing/2010/main" val="0"/>
-              </a:ext>
-            </a:extLst>
-          </a:blip>
-          <a:srcRect/>
-          <a:stretch>
-            <a:fillRect/>
-          </a:stretch>
-        </p:blipFill>
-        <p:spPr bwMode="auto">
-          <a:xfrm>
-            <a:off x="3886200" y="1600200"/>
-            <a:ext cx="2573412" cy="1828800"/>
-          </a:xfrm>
-          <a:prstGeom prst="rect">
-            <a:avLst/>
-          </a:prstGeom>
-          <a:noFill/>
-          <a:ln>
-            <a:noFill/>
-          </a:ln>
-          <a:extLst>
-            <a:ext uri="{909E8E84-426E-40DD-AFC4-6F175D3DCCD1}">
-              <a14:hiddenFill xmlns:a14="http://schemas.microsoft.com/office/drawing/2010/main">
-                <a:solidFill>
-                  <a:schemeClr val="accent1"/>
-                </a:solidFill>
-              </a14:hiddenFill>
-            </a:ext>
-            <a:ext uri="{91240B29-F687-4F45-9708-019B960494DF}">
-              <a14:hiddenLine xmlns:a14="http://schemas.microsoft.com/office/drawing/2010/main" w="9525">
-                <a:solidFill>
-                  <a:schemeClr val="tx1"/>
-                </a:solidFill>
-                <a:miter lim="800000"/>
-                <a:headEnd/>
-                <a:tailEnd/>
-              </a14:hiddenLine>
-            </a:ext>
-          </a:extLst>
-        </p:spPr>
-      </p:pic>
-      <p:pic>
-        <p:nvPicPr>
-          <p:cNvPr id="2053" name="Picture 5"/>
-          <p:cNvPicPr>
-            <a:picLocks noChangeAspect="1" noChangeArrowheads="1"/>
-          </p:cNvPicPr>
-          <p:nvPr/>
-        </p:nvPicPr>
-        <p:blipFill>
-          <a:blip r:embed="rId4" cstate="print">
-            <a:extLst>
-              <a:ext uri="{28A0092B-C50C-407E-A947-70E740481C1C}">
-                <a14:useLocalDpi xmlns:a14="http://schemas.microsoft.com/office/drawing/2010/main" val="0"/>
-              </a:ext>
-            </a:extLst>
-          </a:blip>
-          <a:srcRect/>
-          <a:stretch>
-            <a:fillRect/>
-          </a:stretch>
-        </p:blipFill>
-        <p:spPr bwMode="auto">
-          <a:xfrm>
-            <a:off x="1752600" y="3581400"/>
-            <a:ext cx="2591837" cy="1828800"/>
-          </a:xfrm>
-          <a:prstGeom prst="rect">
-            <a:avLst/>
-          </a:prstGeom>
-          <a:noFill/>
-          <a:ln>
-            <a:noFill/>
-          </a:ln>
-          <a:extLst>
-            <a:ext uri="{909E8E84-426E-40DD-AFC4-6F175D3DCCD1}">
-              <a14:hiddenFill xmlns:a14="http://schemas.microsoft.com/office/drawing/2010/main">
-                <a:solidFill>
-                  <a:schemeClr val="accent1"/>
-                </a:solidFill>
-              </a14:hiddenFill>
-            </a:ext>
-            <a:ext uri="{91240B29-F687-4F45-9708-019B960494DF}">
-              <a14:hiddenLine xmlns:a14="http://schemas.microsoft.com/office/drawing/2010/main" w="9525">
-                <a:solidFill>
-                  <a:schemeClr val="tx1"/>
-                </a:solidFill>
-                <a:miter lim="800000"/>
-                <a:headEnd/>
-                <a:tailEnd/>
-              </a14:hiddenLine>
-            </a:ext>
-          </a:extLst>
-        </p:spPr>
-      </p:pic>
-      <p:pic>
-        <p:nvPicPr>
-          <p:cNvPr id="2054" name="Picture 6"/>
-          <p:cNvPicPr>
-            <a:picLocks noChangeAspect="1" noChangeArrowheads="1"/>
-          </p:cNvPicPr>
-          <p:nvPr/>
-        </p:nvPicPr>
-        <p:blipFill>
-          <a:blip r:embed="rId5" cstate="print">
-            <a:extLst>
-              <a:ext uri="{28A0092B-C50C-407E-A947-70E740481C1C}">
-                <a14:useLocalDpi xmlns:a14="http://schemas.microsoft.com/office/drawing/2010/main" val="0"/>
-              </a:ext>
-            </a:extLst>
-          </a:blip>
-          <a:srcRect/>
-          <a:stretch>
-            <a:fillRect/>
-          </a:stretch>
-        </p:blipFill>
-        <p:spPr bwMode="auto">
-          <a:xfrm>
-            <a:off x="3886200" y="3467100"/>
-            <a:ext cx="2563623" cy="1828800"/>
-          </a:xfrm>
-          <a:prstGeom prst="rect">
-            <a:avLst/>
-          </a:prstGeom>
-          <a:noFill/>
-          <a:ln>
-            <a:noFill/>
-          </a:ln>
-          <a:extLst>
-            <a:ext uri="{909E8E84-426E-40DD-AFC4-6F175D3DCCD1}">
-              <a14:hiddenFill xmlns:a14="http://schemas.microsoft.com/office/drawing/2010/main">
-                <a:solidFill>
-                  <a:schemeClr val="accent1"/>
-                </a:solidFill>
-              </a14:hiddenFill>
-            </a:ext>
-            <a:ext uri="{91240B29-F687-4F45-9708-019B960494DF}">
-              <a14:hiddenLine xmlns:a14="http://schemas.microsoft.com/office/drawing/2010/main" w="9525">
-                <a:solidFill>
-                  <a:schemeClr val="tx1"/>
-                </a:solidFill>
-                <a:miter lim="800000"/>
-                <a:headEnd/>
-                <a:tailEnd/>
-              </a14:hiddenLine>
-            </a:ext>
-          </a:extLst>
-        </p:spPr>
-      </p:pic>
-    </p:spTree>
-    <p:extLst>
-      <p:ext uri="{BB962C8B-B14F-4D97-AF65-F5344CB8AC3E}">
-        <p14:creationId xmlns:p14="http://schemas.microsoft.com/office/powerpoint/2010/main" val="549595788"/>
       </p:ext>
     </p:extLst>
   </p:cSld>

--- a/paper/images/images.pptx
+++ b/paper/images/images.pptx
@@ -5,14 +5,15 @@
     <p:sldMasterId id="2147483648" r:id="rId1"/>
   </p:sldMasterIdLst>
   <p:notesMasterIdLst>
-    <p:notesMasterId r:id="rId7"/>
+    <p:notesMasterId r:id="rId8"/>
   </p:notesMasterIdLst>
   <p:sldIdLst>
     <p:sldId id="259" r:id="rId2"/>
     <p:sldId id="256" r:id="rId3"/>
     <p:sldId id="257" r:id="rId4"/>
-    <p:sldId id="258" r:id="rId5"/>
-    <p:sldId id="260" r:id="rId6"/>
+    <p:sldId id="261" r:id="rId5"/>
+    <p:sldId id="258" r:id="rId6"/>
+    <p:sldId id="260" r:id="rId7"/>
   </p:sldIdLst>
   <p:sldSz cx="9144000" cy="6858000" type="screen4x3"/>
   <p:notesSz cx="6858000" cy="9144000"/>
@@ -119,6 +120,7 @@
             <p14:sldId id="259"/>
             <p14:sldId id="256"/>
             <p14:sldId id="257"/>
+            <p14:sldId id="261"/>
             <p14:sldId id="258"/>
             <p14:sldId id="260"/>
           </p14:sldIdLst>
@@ -544,7 +546,7 @@
           <a:p>
             <a:fld id="{3D91AC6F-76E5-488C-8CF5-8448FF75D1AD}" type="slidenum">
               <a:rPr lang="en-US" smtClean="0"/>
-              <a:t>5</a:t>
+              <a:t>6</a:t>
             </a:fld>
             <a:endParaRPr lang="en-US"/>
           </a:p>
@@ -7406,7 +7408,7 @@
       </p:grpSpPr>
       <p:pic>
         <p:nvPicPr>
-          <p:cNvPr id="1027" name="Picture 3"/>
+          <p:cNvPr id="1026" name="Picture 2" descr="C:\Users\Andee\Documents\GitHub\CreativeComponent\paper\images\graphdrag.png"/>
           <p:cNvPicPr>
             <a:picLocks noChangeAspect="1" noChangeArrowheads="1"/>
           </p:cNvPicPr>
@@ -7427,8 +7429,49 @@
         </p:blipFill>
         <p:spPr bwMode="auto">
           <a:xfrm>
-            <a:off x="10633" y="696433"/>
-            <a:ext cx="9144000" cy="3808303"/>
+            <a:off x="303213" y="628650"/>
+            <a:ext cx="8535987" cy="5600700"/>
+          </a:xfrm>
+          <a:prstGeom prst="rect">
+            <a:avLst/>
+          </a:prstGeom>
+          <a:noFill/>
+          <a:extLst>
+            <a:ext uri="{909E8E84-426E-40DD-AFC4-6F175D3DCCD1}">
+              <a14:hiddenFill xmlns:a14="http://schemas.microsoft.com/office/drawing/2010/main">
+                <a:solidFill>
+                  <a:srgbClr val="FFFFFF"/>
+                </a:solidFill>
+              </a14:hiddenFill>
+            </a:ext>
+          </a:extLst>
+        </p:spPr>
+      </p:pic>
+      <p:pic>
+        <p:nvPicPr>
+          <p:cNvPr id="1027" name="Picture 3"/>
+          <p:cNvPicPr>
+            <a:picLocks noChangeAspect="1" noChangeArrowheads="1"/>
+          </p:cNvPicPr>
+          <p:nvPr/>
+        </p:nvPicPr>
+        <p:blipFill>
+          <a:blip r:embed="rId3">
+            <a:extLst>
+              <a:ext uri="{28A0092B-C50C-407E-A947-70E740481C1C}">
+                <a14:useLocalDpi xmlns:a14="http://schemas.microsoft.com/office/drawing/2010/main" val="0"/>
+              </a:ext>
+            </a:extLst>
+          </a:blip>
+          <a:srcRect/>
+          <a:stretch>
+            <a:fillRect/>
+          </a:stretch>
+        </p:blipFill>
+        <p:spPr bwMode="auto">
+          <a:xfrm>
+            <a:off x="8033025" y="2050200"/>
+            <a:ext cx="571500" cy="485775"/>
           </a:xfrm>
           <a:prstGeom prst="rect">
             <a:avLst/>
@@ -7460,6 +7503,136 @@
       </p:pic>
       <p:sp>
         <p:nvSpPr>
+          <p:cNvPr id="6" name="Oval 5"/>
+          <p:cNvSpPr/>
+          <p:nvPr/>
+        </p:nvSpPr>
+        <p:spPr>
+          <a:xfrm>
+            <a:off x="8003642" y="1858176"/>
+            <a:ext cx="192024" cy="192024"/>
+          </a:xfrm>
+          <a:prstGeom prst="ellipse">
+            <a:avLst/>
+          </a:prstGeom>
+          <a:noFill/>
+          <a:ln w="38100">
+            <a:solidFill>
+              <a:schemeClr val="accent2"/>
+            </a:solidFill>
+          </a:ln>
+        </p:spPr>
+        <p:style>
+          <a:lnRef idx="2">
+            <a:schemeClr val="accent1">
+              <a:shade val="50000"/>
+            </a:schemeClr>
+          </a:lnRef>
+          <a:fillRef idx="1">
+            <a:schemeClr val="accent1"/>
+          </a:fillRef>
+          <a:effectRef idx="0">
+            <a:schemeClr val="accent1"/>
+          </a:effectRef>
+          <a:fontRef idx="minor">
+            <a:schemeClr val="lt1"/>
+          </a:fontRef>
+        </p:style>
+        <p:txBody>
+          <a:bodyPr rtlCol="0" anchor="ctr"/>
+          <a:lstStyle/>
+          <a:p>
+            <a:pPr algn="ctr"/>
+            <a:endParaRPr lang="en-US"/>
+          </a:p>
+        </p:txBody>
+      </p:sp>
+    </p:spTree>
+    <p:extLst>
+      <p:ext uri="{BB962C8B-B14F-4D97-AF65-F5344CB8AC3E}">
+        <p14:creationId xmlns:p14="http://schemas.microsoft.com/office/powerpoint/2010/main" val="2522856404"/>
+      </p:ext>
+    </p:extLst>
+  </p:cSld>
+  <p:clrMapOvr>
+    <a:masterClrMapping/>
+  </p:clrMapOvr>
+</p:sld>
+</file>
+
+<file path=ppt/slides/slide5.xml><?xml version="1.0" encoding="utf-8"?>
+<p:sld xmlns:a="http://schemas.openxmlformats.org/drawingml/2006/main" xmlns:r="http://schemas.openxmlformats.org/officeDocument/2006/relationships" xmlns:p="http://schemas.openxmlformats.org/presentationml/2006/main">
+  <p:cSld>
+    <p:spTree>
+      <p:nvGrpSpPr>
+        <p:cNvPr id="1" name=""/>
+        <p:cNvGrpSpPr/>
+        <p:nvPr/>
+      </p:nvGrpSpPr>
+      <p:grpSpPr>
+        <a:xfrm>
+          <a:off x="0" y="0"/>
+          <a:ext cx="0" cy="0"/>
+          <a:chOff x="0" y="0"/>
+          <a:chExt cx="0" cy="0"/>
+        </a:xfrm>
+      </p:grpSpPr>
+      <p:pic>
+        <p:nvPicPr>
+          <p:cNvPr id="1027" name="Picture 3"/>
+          <p:cNvPicPr>
+            <a:picLocks noChangeAspect="1" noChangeArrowheads="1"/>
+          </p:cNvPicPr>
+          <p:nvPr/>
+        </p:nvPicPr>
+        <p:blipFill>
+          <a:blip r:embed="rId2">
+            <a:extLst>
+              <a:ext uri="{28A0092B-C50C-407E-A947-70E740481C1C}">
+                <a14:useLocalDpi xmlns:a14="http://schemas.microsoft.com/office/drawing/2010/main" val="0"/>
+              </a:ext>
+            </a:extLst>
+          </a:blip>
+          <a:srcRect/>
+          <a:stretch>
+            <a:fillRect/>
+          </a:stretch>
+        </p:blipFill>
+        <p:spPr bwMode="auto">
+          <a:xfrm>
+            <a:off x="10633" y="696433"/>
+            <a:ext cx="9144000" cy="3808303"/>
+          </a:xfrm>
+          <a:prstGeom prst="rect">
+            <a:avLst/>
+          </a:prstGeom>
+          <a:noFill/>
+          <a:ln>
+            <a:noFill/>
+          </a:ln>
+          <a:extLst>
+            <a:ext uri="{909E8E84-426E-40DD-AFC4-6F175D3DCCD1}">
+              <a14:hiddenFill xmlns:a14="http://schemas.microsoft.com/office/drawing/2010/main">
+                <a:solidFill>
+                  <a:schemeClr val="accent1"/>
+                </a:solidFill>
+              </a14:hiddenFill>
+            </a:ext>
+            <a:ext uri="{91240B29-F687-4F45-9708-019B960494DF}">
+              <a14:hiddenLine xmlns:a14="http://schemas.microsoft.com/office/drawing/2010/main" w="9525">
+                <a:solidFill>
+                  <a:schemeClr val="tx1"/>
+                </a:solidFill>
+                <a:miter lim="800000"/>
+                <a:headEnd/>
+                <a:tailEnd/>
+              </a14:hiddenLine>
+            </a:ext>
+          </a:extLst>
+        </p:spPr>
+      </p:pic>
+      <p:sp>
+        <p:nvSpPr>
           <p:cNvPr id="2" name="Rectangle 1"/>
           <p:cNvSpPr/>
           <p:nvPr/>
@@ -8111,7 +8284,7 @@
 </p:sld>
 </file>
 
-<file path=ppt/slides/slide5.xml><?xml version="1.0" encoding="utf-8"?>
+<file path=ppt/slides/slide6.xml><?xml version="1.0" encoding="utf-8"?>
 <p:sld xmlns:a="http://schemas.openxmlformats.org/drawingml/2006/main" xmlns:r="http://schemas.openxmlformats.org/officeDocument/2006/relationships" xmlns:p="http://schemas.openxmlformats.org/presentationml/2006/main">
   <p:cSld>
     <p:spTree>
@@ -10065,11 +10238,6 @@
                 </a:rPr>
                 <a:t>5</a:t>
               </a:r>
-              <a:endParaRPr lang="en-US" sz="1400" dirty="0">
-                <a:solidFill>
-                  <a:schemeClr val="bg1"/>
-                </a:solidFill>
-              </a:endParaRPr>
             </a:p>
           </p:txBody>
         </p:sp>
@@ -10149,11 +10317,6 @@
                 </a:rPr>
                 <a:t>9</a:t>
               </a:r>
-              <a:endParaRPr lang="en-US" sz="1400" dirty="0">
-                <a:solidFill>
-                  <a:schemeClr val="bg1"/>
-                </a:solidFill>
-              </a:endParaRPr>
             </a:p>
           </p:txBody>
         </p:sp>
@@ -10485,11 +10648,6 @@
                 </a:rPr>
                 <a:t>8</a:t>
               </a:r>
-              <a:endParaRPr lang="en-US" sz="1400" dirty="0">
-                <a:solidFill>
-                  <a:schemeClr val="bg1"/>
-                </a:solidFill>
-              </a:endParaRPr>
             </a:p>
           </p:txBody>
         </p:sp>
@@ -10569,11 +10727,6 @@
                 </a:rPr>
                 <a:t>7</a:t>
               </a:r>
-              <a:endParaRPr lang="en-US" sz="1400" dirty="0">
-                <a:solidFill>
-                  <a:schemeClr val="bg1"/>
-                </a:solidFill>
-              </a:endParaRPr>
             </a:p>
           </p:txBody>
         </p:sp>
@@ -10653,11 +10806,6 @@
                 </a:rPr>
                 <a:t>6</a:t>
               </a:r>
-              <a:endParaRPr lang="en-US" sz="1400" dirty="0">
-                <a:solidFill>
-                  <a:schemeClr val="bg1"/>
-                </a:solidFill>
-              </a:endParaRPr>
             </a:p>
           </p:txBody>
         </p:sp>
@@ -10737,11 +10885,6 @@
                 </a:rPr>
                 <a:t>2</a:t>
               </a:r>
-              <a:endParaRPr lang="en-US" sz="1400" dirty="0">
-                <a:solidFill>
-                  <a:schemeClr val="bg1"/>
-                </a:solidFill>
-              </a:endParaRPr>
             </a:p>
           </p:txBody>
         </p:sp>
@@ -10821,11 +10964,6 @@
                 </a:rPr>
                 <a:t>3</a:t>
               </a:r>
-              <a:endParaRPr lang="en-US" sz="1400" dirty="0">
-                <a:solidFill>
-                  <a:schemeClr val="bg1"/>
-                </a:solidFill>
-              </a:endParaRPr>
             </a:p>
           </p:txBody>
         </p:sp>
@@ -10905,15 +11043,922 @@
                 </a:rPr>
                 <a:t>4</a:t>
               </a:r>
-              <a:endParaRPr lang="en-US" sz="1400" dirty="0">
-                <a:solidFill>
-                  <a:schemeClr val="bg1"/>
-                </a:solidFill>
-              </a:endParaRPr>
             </a:p>
           </p:txBody>
         </p:sp>
       </p:grpSp>
+      <p:sp>
+        <p:nvSpPr>
+          <p:cNvPr id="2" name="Rounded Rectangle 1"/>
+          <p:cNvSpPr/>
+          <p:nvPr/>
+        </p:nvSpPr>
+        <p:spPr>
+          <a:xfrm>
+            <a:off x="2805876" y="861118"/>
+            <a:ext cx="478296" cy="137160"/>
+          </a:xfrm>
+          <a:prstGeom prst="roundRect">
+            <a:avLst/>
+          </a:prstGeom>
+          <a:solidFill>
+            <a:schemeClr val="bg1">
+              <a:lumMod val="95000"/>
+            </a:schemeClr>
+          </a:solidFill>
+          <a:ln w="3175">
+            <a:solidFill>
+              <a:schemeClr val="tx1">
+                <a:lumMod val="65000"/>
+                <a:lumOff val="35000"/>
+              </a:schemeClr>
+            </a:solidFill>
+          </a:ln>
+          <a:effectLst/>
+        </p:spPr>
+        <p:style>
+          <a:lnRef idx="2">
+            <a:schemeClr val="accent1">
+              <a:shade val="50000"/>
+            </a:schemeClr>
+          </a:lnRef>
+          <a:fillRef idx="1">
+            <a:schemeClr val="accent1"/>
+          </a:fillRef>
+          <a:effectRef idx="0">
+            <a:schemeClr val="accent1"/>
+          </a:effectRef>
+          <a:fontRef idx="minor">
+            <a:schemeClr val="lt1"/>
+          </a:fontRef>
+        </p:style>
+        <p:txBody>
+          <a:bodyPr rtlCol="0" anchor="ctr"/>
+          <a:lstStyle/>
+          <a:p>
+            <a:pPr algn="ctr"/>
+            <a:r>
+              <a:rPr lang="en-US" sz="800" dirty="0" smtClean="0">
+                <a:solidFill>
+                  <a:schemeClr val="tx1">
+                    <a:lumMod val="65000"/>
+                    <a:lumOff val="35000"/>
+                  </a:schemeClr>
+                </a:solidFill>
+              </a:rPr>
+              <a:t>Big 10</a:t>
+            </a:r>
+            <a:endParaRPr lang="en-US" sz="800" dirty="0">
+              <a:solidFill>
+                <a:schemeClr val="tx1">
+                  <a:lumMod val="65000"/>
+                  <a:lumOff val="35000"/>
+                </a:schemeClr>
+              </a:solidFill>
+            </a:endParaRPr>
+          </a:p>
+        </p:txBody>
+      </p:sp>
+      <p:sp>
+        <p:nvSpPr>
+          <p:cNvPr id="95" name="Rounded Rectangle 94"/>
+          <p:cNvSpPr/>
+          <p:nvPr/>
+        </p:nvSpPr>
+        <p:spPr>
+          <a:xfrm>
+            <a:off x="5225383" y="1114822"/>
+            <a:ext cx="478296" cy="137160"/>
+          </a:xfrm>
+          <a:prstGeom prst="roundRect">
+            <a:avLst/>
+          </a:prstGeom>
+          <a:solidFill>
+            <a:schemeClr val="bg1">
+              <a:lumMod val="95000"/>
+            </a:schemeClr>
+          </a:solidFill>
+          <a:ln w="3175">
+            <a:solidFill>
+              <a:schemeClr val="tx1">
+                <a:lumMod val="65000"/>
+                <a:lumOff val="35000"/>
+              </a:schemeClr>
+            </a:solidFill>
+          </a:ln>
+          <a:effectLst/>
+        </p:spPr>
+        <p:style>
+          <a:lnRef idx="2">
+            <a:schemeClr val="accent1">
+              <a:shade val="50000"/>
+            </a:schemeClr>
+          </a:lnRef>
+          <a:fillRef idx="1">
+            <a:schemeClr val="accent1"/>
+          </a:fillRef>
+          <a:effectRef idx="0">
+            <a:schemeClr val="accent1"/>
+          </a:effectRef>
+          <a:fontRef idx="minor">
+            <a:schemeClr val="lt1"/>
+          </a:fontRef>
+        </p:style>
+        <p:txBody>
+          <a:bodyPr rtlCol="0" anchor="ctr"/>
+          <a:lstStyle/>
+          <a:p>
+            <a:pPr algn="ctr"/>
+            <a:r>
+              <a:rPr lang="en-US" sz="800" dirty="0" smtClean="0">
+                <a:solidFill>
+                  <a:schemeClr val="tx1">
+                    <a:lumMod val="65000"/>
+                    <a:lumOff val="35000"/>
+                  </a:schemeClr>
+                </a:solidFill>
+              </a:rPr>
+              <a:t>SEC</a:t>
+            </a:r>
+            <a:endParaRPr lang="en-US" sz="800" dirty="0">
+              <a:solidFill>
+                <a:schemeClr val="tx1">
+                  <a:lumMod val="65000"/>
+                  <a:lumOff val="35000"/>
+                </a:schemeClr>
+              </a:solidFill>
+            </a:endParaRPr>
+          </a:p>
+        </p:txBody>
+      </p:sp>
+      <p:sp>
+        <p:nvSpPr>
+          <p:cNvPr id="96" name="Rounded Rectangle 95"/>
+          <p:cNvSpPr/>
+          <p:nvPr/>
+        </p:nvSpPr>
+        <p:spPr>
+          <a:xfrm>
+            <a:off x="7021421" y="754438"/>
+            <a:ext cx="478296" cy="137160"/>
+          </a:xfrm>
+          <a:prstGeom prst="roundRect">
+            <a:avLst/>
+          </a:prstGeom>
+          <a:solidFill>
+            <a:schemeClr val="bg1">
+              <a:lumMod val="95000"/>
+            </a:schemeClr>
+          </a:solidFill>
+          <a:ln w="3175">
+            <a:solidFill>
+              <a:schemeClr val="tx1">
+                <a:lumMod val="65000"/>
+                <a:lumOff val="35000"/>
+              </a:schemeClr>
+            </a:solidFill>
+          </a:ln>
+          <a:effectLst/>
+        </p:spPr>
+        <p:style>
+          <a:lnRef idx="2">
+            <a:schemeClr val="accent1">
+              <a:shade val="50000"/>
+            </a:schemeClr>
+          </a:lnRef>
+          <a:fillRef idx="1">
+            <a:schemeClr val="accent1"/>
+          </a:fillRef>
+          <a:effectRef idx="0">
+            <a:schemeClr val="accent1"/>
+          </a:effectRef>
+          <a:fontRef idx="minor">
+            <a:schemeClr val="lt1"/>
+          </a:fontRef>
+        </p:style>
+        <p:txBody>
+          <a:bodyPr rtlCol="0" anchor="ctr"/>
+          <a:lstStyle/>
+          <a:p>
+            <a:pPr algn="ctr"/>
+            <a:r>
+              <a:rPr lang="en-US" sz="800" dirty="0" smtClean="0">
+                <a:solidFill>
+                  <a:schemeClr val="tx1">
+                    <a:lumMod val="65000"/>
+                    <a:lumOff val="35000"/>
+                  </a:schemeClr>
+                </a:solidFill>
+              </a:rPr>
+              <a:t>MAC</a:t>
+            </a:r>
+            <a:endParaRPr lang="en-US" sz="800" dirty="0">
+              <a:solidFill>
+                <a:schemeClr val="tx1">
+                  <a:lumMod val="65000"/>
+                  <a:lumOff val="35000"/>
+                </a:schemeClr>
+              </a:solidFill>
+            </a:endParaRPr>
+          </a:p>
+        </p:txBody>
+      </p:sp>
+      <p:sp>
+        <p:nvSpPr>
+          <p:cNvPr id="97" name="Rounded Rectangle 96"/>
+          <p:cNvSpPr/>
+          <p:nvPr/>
+        </p:nvSpPr>
+        <p:spPr>
+          <a:xfrm>
+            <a:off x="1014057" y="3253435"/>
+            <a:ext cx="586620" cy="137160"/>
+          </a:xfrm>
+          <a:prstGeom prst="roundRect">
+            <a:avLst/>
+          </a:prstGeom>
+          <a:solidFill>
+            <a:schemeClr val="bg1">
+              <a:lumMod val="95000"/>
+            </a:schemeClr>
+          </a:solidFill>
+          <a:ln w="3175">
+            <a:solidFill>
+              <a:schemeClr val="tx1">
+                <a:lumMod val="65000"/>
+                <a:lumOff val="35000"/>
+              </a:schemeClr>
+            </a:solidFill>
+          </a:ln>
+          <a:effectLst/>
+        </p:spPr>
+        <p:style>
+          <a:lnRef idx="2">
+            <a:schemeClr val="accent1">
+              <a:shade val="50000"/>
+            </a:schemeClr>
+          </a:lnRef>
+          <a:fillRef idx="1">
+            <a:schemeClr val="accent1"/>
+          </a:fillRef>
+          <a:effectRef idx="0">
+            <a:schemeClr val="accent1"/>
+          </a:effectRef>
+          <a:fontRef idx="minor">
+            <a:schemeClr val="lt1"/>
+          </a:fontRef>
+        </p:style>
+        <p:txBody>
+          <a:bodyPr rtlCol="0" anchor="ctr"/>
+          <a:lstStyle/>
+          <a:p>
+            <a:pPr algn="ctr"/>
+            <a:r>
+              <a:rPr lang="en-US" sz="800" dirty="0" smtClean="0">
+                <a:solidFill>
+                  <a:schemeClr val="tx1">
+                    <a:lumMod val="65000"/>
+                    <a:lumOff val="35000"/>
+                  </a:schemeClr>
+                </a:solidFill>
+              </a:rPr>
+              <a:t>Pac-10</a:t>
+            </a:r>
+            <a:endParaRPr lang="en-US" sz="800" dirty="0">
+              <a:solidFill>
+                <a:schemeClr val="tx1">
+                  <a:lumMod val="65000"/>
+                  <a:lumOff val="35000"/>
+                </a:schemeClr>
+              </a:solidFill>
+            </a:endParaRPr>
+          </a:p>
+        </p:txBody>
+      </p:sp>
+      <p:sp>
+        <p:nvSpPr>
+          <p:cNvPr id="99" name="Rounded Rectangle 98"/>
+          <p:cNvSpPr/>
+          <p:nvPr/>
+        </p:nvSpPr>
+        <p:spPr>
+          <a:xfrm>
+            <a:off x="3229744" y="2584090"/>
+            <a:ext cx="478296" cy="137160"/>
+          </a:xfrm>
+          <a:prstGeom prst="roundRect">
+            <a:avLst/>
+          </a:prstGeom>
+          <a:solidFill>
+            <a:schemeClr val="bg1">
+              <a:lumMod val="95000"/>
+            </a:schemeClr>
+          </a:solidFill>
+          <a:ln w="3175">
+            <a:solidFill>
+              <a:schemeClr val="tx1">
+                <a:lumMod val="65000"/>
+                <a:lumOff val="35000"/>
+              </a:schemeClr>
+            </a:solidFill>
+          </a:ln>
+          <a:effectLst/>
+        </p:spPr>
+        <p:style>
+          <a:lnRef idx="2">
+            <a:schemeClr val="accent1">
+              <a:shade val="50000"/>
+            </a:schemeClr>
+          </a:lnRef>
+          <a:fillRef idx="1">
+            <a:schemeClr val="accent1"/>
+          </a:fillRef>
+          <a:effectRef idx="0">
+            <a:schemeClr val="accent1"/>
+          </a:effectRef>
+          <a:fontRef idx="minor">
+            <a:schemeClr val="lt1"/>
+          </a:fontRef>
+        </p:style>
+        <p:txBody>
+          <a:bodyPr rtlCol="0" anchor="ctr"/>
+          <a:lstStyle/>
+          <a:p>
+            <a:pPr algn="ctr"/>
+            <a:r>
+              <a:rPr lang="en-US" sz="800" dirty="0" smtClean="0">
+                <a:solidFill>
+                  <a:schemeClr val="tx1">
+                    <a:lumMod val="65000"/>
+                    <a:lumOff val="35000"/>
+                  </a:schemeClr>
+                </a:solidFill>
+              </a:rPr>
+              <a:t>WAC</a:t>
+            </a:r>
+            <a:endParaRPr lang="en-US" sz="800" dirty="0">
+              <a:solidFill>
+                <a:schemeClr val="tx1">
+                  <a:lumMod val="65000"/>
+                  <a:lumOff val="35000"/>
+                </a:schemeClr>
+              </a:solidFill>
+            </a:endParaRPr>
+          </a:p>
+        </p:txBody>
+      </p:sp>
+      <p:sp>
+        <p:nvSpPr>
+          <p:cNvPr id="100" name="Rounded Rectangle 99"/>
+          <p:cNvSpPr/>
+          <p:nvPr/>
+        </p:nvSpPr>
+        <p:spPr>
+          <a:xfrm>
+            <a:off x="6853710" y="3329309"/>
+            <a:ext cx="478296" cy="137160"/>
+          </a:xfrm>
+          <a:prstGeom prst="roundRect">
+            <a:avLst/>
+          </a:prstGeom>
+          <a:solidFill>
+            <a:schemeClr val="bg1">
+              <a:lumMod val="95000"/>
+            </a:schemeClr>
+          </a:solidFill>
+          <a:ln w="3175">
+            <a:solidFill>
+              <a:schemeClr val="tx1">
+                <a:lumMod val="65000"/>
+                <a:lumOff val="35000"/>
+              </a:schemeClr>
+            </a:solidFill>
+          </a:ln>
+          <a:effectLst/>
+        </p:spPr>
+        <p:style>
+          <a:lnRef idx="2">
+            <a:schemeClr val="accent1">
+              <a:shade val="50000"/>
+            </a:schemeClr>
+          </a:lnRef>
+          <a:fillRef idx="1">
+            <a:schemeClr val="accent1"/>
+          </a:fillRef>
+          <a:effectRef idx="0">
+            <a:schemeClr val="accent1"/>
+          </a:effectRef>
+          <a:fontRef idx="minor">
+            <a:schemeClr val="lt1"/>
+          </a:fontRef>
+        </p:style>
+        <p:txBody>
+          <a:bodyPr rtlCol="0" anchor="ctr"/>
+          <a:lstStyle/>
+          <a:p>
+            <a:pPr algn="ctr"/>
+            <a:r>
+              <a:rPr lang="en-US" sz="800" dirty="0" smtClean="0">
+                <a:solidFill>
+                  <a:schemeClr val="tx1">
+                    <a:lumMod val="65000"/>
+                    <a:lumOff val="35000"/>
+                  </a:schemeClr>
+                </a:solidFill>
+              </a:rPr>
+              <a:t>Big 12</a:t>
+            </a:r>
+            <a:endParaRPr lang="en-US" sz="800" dirty="0">
+              <a:solidFill>
+                <a:schemeClr val="tx1">
+                  <a:lumMod val="65000"/>
+                  <a:lumOff val="35000"/>
+                </a:schemeClr>
+              </a:solidFill>
+            </a:endParaRPr>
+          </a:p>
+        </p:txBody>
+      </p:sp>
+      <p:sp>
+        <p:nvSpPr>
+          <p:cNvPr id="101" name="Rounded Rectangle 100"/>
+          <p:cNvSpPr/>
+          <p:nvPr/>
+        </p:nvSpPr>
+        <p:spPr>
+          <a:xfrm>
+            <a:off x="5041365" y="2446930"/>
+            <a:ext cx="586620" cy="137160"/>
+          </a:xfrm>
+          <a:prstGeom prst="roundRect">
+            <a:avLst/>
+          </a:prstGeom>
+          <a:solidFill>
+            <a:schemeClr val="bg1">
+              <a:lumMod val="95000"/>
+            </a:schemeClr>
+          </a:solidFill>
+          <a:ln w="3175">
+            <a:solidFill>
+              <a:schemeClr val="tx1">
+                <a:lumMod val="65000"/>
+                <a:lumOff val="35000"/>
+              </a:schemeClr>
+            </a:solidFill>
+          </a:ln>
+          <a:effectLst/>
+        </p:spPr>
+        <p:style>
+          <a:lnRef idx="2">
+            <a:schemeClr val="accent1">
+              <a:shade val="50000"/>
+            </a:schemeClr>
+          </a:lnRef>
+          <a:fillRef idx="1">
+            <a:schemeClr val="accent1"/>
+          </a:fillRef>
+          <a:effectRef idx="0">
+            <a:schemeClr val="accent1"/>
+          </a:effectRef>
+          <a:fontRef idx="minor">
+            <a:schemeClr val="lt1"/>
+          </a:fontRef>
+        </p:style>
+        <p:txBody>
+          <a:bodyPr rtlCol="0" anchor="ctr"/>
+          <a:lstStyle/>
+          <a:p>
+            <a:pPr algn="ctr"/>
+            <a:r>
+              <a:rPr lang="en-US" sz="800" dirty="0" smtClean="0">
+                <a:solidFill>
+                  <a:schemeClr val="tx1">
+                    <a:lumMod val="65000"/>
+                    <a:lumOff val="35000"/>
+                  </a:schemeClr>
+                </a:solidFill>
+              </a:rPr>
+              <a:t>Big East</a:t>
+            </a:r>
+            <a:endParaRPr lang="en-US" sz="800" dirty="0">
+              <a:solidFill>
+                <a:schemeClr val="tx1">
+                  <a:lumMod val="65000"/>
+                  <a:lumOff val="35000"/>
+                </a:schemeClr>
+              </a:solidFill>
+            </a:endParaRPr>
+          </a:p>
+        </p:txBody>
+      </p:sp>
+      <p:sp>
+        <p:nvSpPr>
+          <p:cNvPr id="102" name="Rounded Rectangle 101"/>
+          <p:cNvSpPr/>
+          <p:nvPr/>
+        </p:nvSpPr>
+        <p:spPr>
+          <a:xfrm>
+            <a:off x="733346" y="4389125"/>
+            <a:ext cx="497419" cy="137160"/>
+          </a:xfrm>
+          <a:prstGeom prst="roundRect">
+            <a:avLst/>
+          </a:prstGeom>
+          <a:solidFill>
+            <a:schemeClr val="bg1">
+              <a:lumMod val="95000"/>
+            </a:schemeClr>
+          </a:solidFill>
+          <a:ln w="3175">
+            <a:solidFill>
+              <a:schemeClr val="tx1">
+                <a:lumMod val="65000"/>
+                <a:lumOff val="35000"/>
+              </a:schemeClr>
+            </a:solidFill>
+          </a:ln>
+          <a:effectLst/>
+        </p:spPr>
+        <p:style>
+          <a:lnRef idx="2">
+            <a:schemeClr val="accent1">
+              <a:shade val="50000"/>
+            </a:schemeClr>
+          </a:lnRef>
+          <a:fillRef idx="1">
+            <a:schemeClr val="accent1"/>
+          </a:fillRef>
+          <a:effectRef idx="0">
+            <a:schemeClr val="accent1"/>
+          </a:effectRef>
+          <a:fontRef idx="minor">
+            <a:schemeClr val="lt1"/>
+          </a:fontRef>
+        </p:style>
+        <p:txBody>
+          <a:bodyPr rtlCol="0" anchor="ctr"/>
+          <a:lstStyle/>
+          <a:p>
+            <a:pPr algn="ctr"/>
+            <a:r>
+              <a:rPr lang="en-US" sz="800" dirty="0" smtClean="0">
+                <a:solidFill>
+                  <a:schemeClr val="tx1">
+                    <a:lumMod val="65000"/>
+                    <a:lumOff val="35000"/>
+                  </a:schemeClr>
+                </a:solidFill>
+              </a:rPr>
+              <a:t>C-USA</a:t>
+            </a:r>
+            <a:endParaRPr lang="en-US" sz="800" dirty="0">
+              <a:solidFill>
+                <a:schemeClr val="tx1">
+                  <a:lumMod val="65000"/>
+                  <a:lumOff val="35000"/>
+                </a:schemeClr>
+              </a:solidFill>
+            </a:endParaRPr>
+          </a:p>
+        </p:txBody>
+      </p:sp>
+      <p:sp>
+        <p:nvSpPr>
+          <p:cNvPr id="103" name="Rounded Rectangle 102"/>
+          <p:cNvSpPr/>
+          <p:nvPr/>
+        </p:nvSpPr>
+        <p:spPr>
+          <a:xfrm>
+            <a:off x="3174386" y="4934161"/>
+            <a:ext cx="478296" cy="137160"/>
+          </a:xfrm>
+          <a:prstGeom prst="roundRect">
+            <a:avLst/>
+          </a:prstGeom>
+          <a:solidFill>
+            <a:schemeClr val="bg1">
+              <a:lumMod val="95000"/>
+            </a:schemeClr>
+          </a:solidFill>
+          <a:ln w="3175">
+            <a:solidFill>
+              <a:schemeClr val="tx1">
+                <a:lumMod val="65000"/>
+                <a:lumOff val="35000"/>
+              </a:schemeClr>
+            </a:solidFill>
+          </a:ln>
+          <a:effectLst/>
+        </p:spPr>
+        <p:style>
+          <a:lnRef idx="2">
+            <a:schemeClr val="accent1">
+              <a:shade val="50000"/>
+            </a:schemeClr>
+          </a:lnRef>
+          <a:fillRef idx="1">
+            <a:schemeClr val="accent1"/>
+          </a:fillRef>
+          <a:effectRef idx="0">
+            <a:schemeClr val="accent1"/>
+          </a:effectRef>
+          <a:fontRef idx="minor">
+            <a:schemeClr val="lt1"/>
+          </a:fontRef>
+        </p:style>
+        <p:txBody>
+          <a:bodyPr rtlCol="0" anchor="ctr"/>
+          <a:lstStyle/>
+          <a:p>
+            <a:pPr algn="ctr"/>
+            <a:r>
+              <a:rPr lang="en-US" sz="800" dirty="0" smtClean="0">
+                <a:solidFill>
+                  <a:schemeClr val="tx1">
+                    <a:lumMod val="65000"/>
+                    <a:lumOff val="35000"/>
+                  </a:schemeClr>
+                </a:solidFill>
+              </a:rPr>
+              <a:t>ACC</a:t>
+            </a:r>
+            <a:endParaRPr lang="en-US" sz="800" dirty="0">
+              <a:solidFill>
+                <a:schemeClr val="tx1">
+                  <a:lumMod val="65000"/>
+                  <a:lumOff val="35000"/>
+                </a:schemeClr>
+              </a:solidFill>
+            </a:endParaRPr>
+          </a:p>
+        </p:txBody>
+      </p:sp>
+      <p:sp>
+        <p:nvSpPr>
+          <p:cNvPr id="104" name="Rounded Rectangle 103"/>
+          <p:cNvSpPr/>
+          <p:nvPr/>
+        </p:nvSpPr>
+        <p:spPr>
+          <a:xfrm>
+            <a:off x="4701241" y="3986129"/>
+            <a:ext cx="775275" cy="274320"/>
+          </a:xfrm>
+          <a:prstGeom prst="roundRect">
+            <a:avLst/>
+          </a:prstGeom>
+          <a:solidFill>
+            <a:schemeClr val="bg1">
+              <a:lumMod val="95000"/>
+            </a:schemeClr>
+          </a:solidFill>
+          <a:ln w="3175">
+            <a:solidFill>
+              <a:schemeClr val="tx1">
+                <a:lumMod val="65000"/>
+                <a:lumOff val="35000"/>
+              </a:schemeClr>
+            </a:solidFill>
+          </a:ln>
+          <a:effectLst/>
+        </p:spPr>
+        <p:style>
+          <a:lnRef idx="2">
+            <a:schemeClr val="accent1">
+              <a:shade val="50000"/>
+            </a:schemeClr>
+          </a:lnRef>
+          <a:fillRef idx="1">
+            <a:schemeClr val="accent1"/>
+          </a:fillRef>
+          <a:effectRef idx="0">
+            <a:schemeClr val="accent1"/>
+          </a:effectRef>
+          <a:fontRef idx="minor">
+            <a:schemeClr val="lt1"/>
+          </a:fontRef>
+        </p:style>
+        <p:txBody>
+          <a:bodyPr rtlCol="0" anchor="ctr"/>
+          <a:lstStyle/>
+          <a:p>
+            <a:pPr algn="ctr"/>
+            <a:r>
+              <a:rPr lang="en-US" sz="800" dirty="0" smtClean="0">
+                <a:solidFill>
+                  <a:schemeClr val="tx1">
+                    <a:lumMod val="65000"/>
+                    <a:lumOff val="35000"/>
+                  </a:schemeClr>
+                </a:solidFill>
+              </a:rPr>
+              <a:t>Mountain West</a:t>
+            </a:r>
+            <a:endParaRPr lang="en-US" sz="800" dirty="0">
+              <a:solidFill>
+                <a:schemeClr val="tx1">
+                  <a:lumMod val="65000"/>
+                  <a:lumOff val="35000"/>
+                </a:schemeClr>
+              </a:solidFill>
+            </a:endParaRPr>
+          </a:p>
+        </p:txBody>
+      </p:sp>
+      <p:cxnSp>
+        <p:nvCxnSpPr>
+          <p:cNvPr id="4" name="Straight Arrow Connector 3"/>
+          <p:cNvCxnSpPr/>
+          <p:nvPr/>
+        </p:nvCxnSpPr>
+        <p:spPr>
+          <a:xfrm flipH="1">
+            <a:off x="5131352" y="4260449"/>
+            <a:ext cx="63748" cy="435916"/>
+          </a:xfrm>
+          <a:prstGeom prst="straightConnector1">
+            <a:avLst/>
+          </a:prstGeom>
+          <a:ln w="3175">
+            <a:solidFill>
+              <a:schemeClr val="tx1">
+                <a:lumMod val="65000"/>
+                <a:lumOff val="35000"/>
+              </a:schemeClr>
+            </a:solidFill>
+            <a:headEnd type="none" w="med" len="med"/>
+            <a:tailEnd type="triangle" w="med" len="med"/>
+          </a:ln>
+        </p:spPr>
+        <p:style>
+          <a:lnRef idx="1">
+            <a:schemeClr val="accent1"/>
+          </a:lnRef>
+          <a:fillRef idx="0">
+            <a:schemeClr val="accent1"/>
+          </a:fillRef>
+          <a:effectRef idx="0">
+            <a:schemeClr val="accent1"/>
+          </a:effectRef>
+          <a:fontRef idx="minor">
+            <a:schemeClr val="tx1"/>
+          </a:fontRef>
+        </p:style>
+      </p:cxnSp>
+      <p:cxnSp>
+        <p:nvCxnSpPr>
+          <p:cNvPr id="105" name="Straight Arrow Connector 104"/>
+          <p:cNvCxnSpPr/>
+          <p:nvPr/>
+        </p:nvCxnSpPr>
+        <p:spPr>
+          <a:xfrm flipH="1">
+            <a:off x="1014057" y="4526409"/>
+            <a:ext cx="31875" cy="285260"/>
+          </a:xfrm>
+          <a:prstGeom prst="straightConnector1">
+            <a:avLst/>
+          </a:prstGeom>
+          <a:ln w="3175">
+            <a:solidFill>
+              <a:schemeClr val="tx1">
+                <a:lumMod val="65000"/>
+                <a:lumOff val="35000"/>
+              </a:schemeClr>
+            </a:solidFill>
+            <a:headEnd type="none" w="med" len="med"/>
+            <a:tailEnd type="triangle" w="med" len="med"/>
+          </a:ln>
+        </p:spPr>
+        <p:style>
+          <a:lnRef idx="1">
+            <a:schemeClr val="accent1"/>
+          </a:lnRef>
+          <a:fillRef idx="0">
+            <a:schemeClr val="accent1"/>
+          </a:fillRef>
+          <a:effectRef idx="0">
+            <a:schemeClr val="accent1"/>
+          </a:effectRef>
+          <a:fontRef idx="minor">
+            <a:schemeClr val="tx1"/>
+          </a:fontRef>
+        </p:style>
+      </p:cxnSp>
+      <p:sp>
+        <p:nvSpPr>
+          <p:cNvPr id="106" name="Rounded Rectangle 105"/>
+          <p:cNvSpPr/>
+          <p:nvPr/>
+        </p:nvSpPr>
+        <p:spPr>
+          <a:xfrm>
+            <a:off x="6578201" y="5157225"/>
+            <a:ext cx="586620" cy="137160"/>
+          </a:xfrm>
+          <a:prstGeom prst="roundRect">
+            <a:avLst/>
+          </a:prstGeom>
+          <a:solidFill>
+            <a:schemeClr val="bg1">
+              <a:lumMod val="95000"/>
+            </a:schemeClr>
+          </a:solidFill>
+          <a:ln w="3175">
+            <a:solidFill>
+              <a:schemeClr val="tx1">
+                <a:lumMod val="65000"/>
+                <a:lumOff val="35000"/>
+              </a:schemeClr>
+            </a:solidFill>
+          </a:ln>
+          <a:effectLst/>
+        </p:spPr>
+        <p:style>
+          <a:lnRef idx="2">
+            <a:schemeClr val="accent1">
+              <a:shade val="50000"/>
+            </a:schemeClr>
+          </a:lnRef>
+          <a:fillRef idx="1">
+            <a:schemeClr val="accent1"/>
+          </a:fillRef>
+          <a:effectRef idx="0">
+            <a:schemeClr val="accent1"/>
+          </a:effectRef>
+          <a:fontRef idx="minor">
+            <a:schemeClr val="lt1"/>
+          </a:fontRef>
+        </p:style>
+        <p:txBody>
+          <a:bodyPr rtlCol="0" anchor="ctr"/>
+          <a:lstStyle/>
+          <a:p>
+            <a:pPr algn="ctr"/>
+            <a:r>
+              <a:rPr lang="en-US" sz="800" dirty="0" smtClean="0">
+                <a:solidFill>
+                  <a:schemeClr val="tx1">
+                    <a:lumMod val="65000"/>
+                    <a:lumOff val="35000"/>
+                  </a:schemeClr>
+                </a:solidFill>
+              </a:rPr>
+              <a:t>Big West</a:t>
+            </a:r>
+            <a:endParaRPr lang="en-US" sz="800" dirty="0">
+              <a:solidFill>
+                <a:schemeClr val="tx1">
+                  <a:lumMod val="65000"/>
+                  <a:lumOff val="35000"/>
+                </a:schemeClr>
+              </a:solidFill>
+            </a:endParaRPr>
+          </a:p>
+        </p:txBody>
+      </p:sp>
+      <p:cxnSp>
+        <p:nvCxnSpPr>
+          <p:cNvPr id="107" name="Straight Arrow Connector 106"/>
+          <p:cNvCxnSpPr/>
+          <p:nvPr/>
+        </p:nvCxnSpPr>
+        <p:spPr>
+          <a:xfrm flipH="1" flipV="1">
+            <a:off x="6914567" y="4791791"/>
+            <a:ext cx="74955" cy="365434"/>
+          </a:xfrm>
+          <a:prstGeom prst="straightConnector1">
+            <a:avLst/>
+          </a:prstGeom>
+          <a:ln w="3175">
+            <a:solidFill>
+              <a:schemeClr val="tx1">
+                <a:lumMod val="65000"/>
+                <a:lumOff val="35000"/>
+              </a:schemeClr>
+            </a:solidFill>
+            <a:headEnd type="none" w="med" len="med"/>
+            <a:tailEnd type="triangle" w="med" len="med"/>
+          </a:ln>
+        </p:spPr>
+        <p:style>
+          <a:lnRef idx="1">
+            <a:schemeClr val="accent1"/>
+          </a:lnRef>
+          <a:fillRef idx="0">
+            <a:schemeClr val="accent1"/>
+          </a:fillRef>
+          <a:effectRef idx="0">
+            <a:schemeClr val="accent1"/>
+          </a:effectRef>
+          <a:fontRef idx="minor">
+            <a:schemeClr val="tx1"/>
+          </a:fontRef>
+        </p:style>
+      </p:cxnSp>
     </p:spTree>
     <p:extLst>
       <p:ext uri="{BB962C8B-B14F-4D97-AF65-F5344CB8AC3E}">

--- a/paper/images/images.pptx
+++ b/paper/images/images.pptx
@@ -8303,7 +8303,7 @@
       </p:grpSpPr>
       <p:grpSp>
         <p:nvGrpSpPr>
-          <p:cNvPr id="13" name="Group 12"/>
+          <p:cNvPr id="18" name="Group 17"/>
           <p:cNvGrpSpPr/>
           <p:nvPr/>
         </p:nvGrpSpPr>
@@ -8317,7 +8317,7 @@
         </p:grpSpPr>
         <p:grpSp>
           <p:nvGrpSpPr>
-            <p:cNvPr id="11" name="Group 10"/>
+            <p:cNvPr id="13" name="Group 12"/>
             <p:cNvGrpSpPr/>
             <p:nvPr/>
           </p:nvGrpSpPr>
@@ -8331,7 +8331,7 @@
           </p:grpSpPr>
           <p:grpSp>
             <p:nvGrpSpPr>
-              <p:cNvPr id="10" name="Group 9"/>
+              <p:cNvPr id="11" name="Group 10"/>
               <p:cNvGrpSpPr/>
               <p:nvPr/>
             </p:nvGrpSpPr>
@@ -8339,1257 +8339,1778 @@
               <a:xfrm>
                 <a:off x="391846" y="218660"/>
                 <a:ext cx="7658900" cy="5605669"/>
-                <a:chOff x="391846" y="228600"/>
+                <a:chOff x="391846" y="218660"/>
                 <a:chExt cx="7658900" cy="5605669"/>
               </a:xfrm>
             </p:grpSpPr>
-            <p:pic>
-              <p:nvPicPr>
-                <p:cNvPr id="59" name="Picture 2"/>
-                <p:cNvPicPr>
-                  <a:picLocks noChangeAspect="1" noChangeArrowheads="1"/>
-                </p:cNvPicPr>
+            <p:grpSp>
+              <p:nvGrpSpPr>
+                <p:cNvPr id="10" name="Group 9"/>
+                <p:cNvGrpSpPr/>
                 <p:nvPr/>
-              </p:nvPicPr>
-              <p:blipFill rotWithShape="1">
-                <a:blip r:embed="rId3" cstate="print">
+              </p:nvGrpSpPr>
+              <p:grpSpPr>
+                <a:xfrm>
+                  <a:off x="391846" y="218660"/>
+                  <a:ext cx="7658900" cy="5605669"/>
+                  <a:chOff x="391846" y="228600"/>
+                  <a:chExt cx="7658900" cy="5605669"/>
+                </a:xfrm>
+              </p:grpSpPr>
+              <p:pic>
+                <p:nvPicPr>
+                  <p:cNvPr id="59" name="Picture 2"/>
+                  <p:cNvPicPr>
+                    <a:picLocks noChangeAspect="1" noChangeArrowheads="1"/>
+                  </p:cNvPicPr>
+                  <p:nvPr/>
+                </p:nvPicPr>
+                <p:blipFill rotWithShape="1">
+                  <a:blip r:embed="rId3" cstate="print">
+                    <a:extLst>
+                      <a:ext uri="{28A0092B-C50C-407E-A947-70E740481C1C}">
+                        <a14:useLocalDpi xmlns:a14="http://schemas.microsoft.com/office/drawing/2010/main" val="0"/>
+                      </a:ext>
+                    </a:extLst>
+                  </a:blip>
+                  <a:srcRect l="43206" t="31250" r="10530" b="8968"/>
+                  <a:stretch/>
+                </p:blipFill>
+                <p:spPr bwMode="auto">
+                  <a:xfrm>
+                    <a:off x="6139142" y="3866322"/>
+                    <a:ext cx="1886990" cy="1828800"/>
+                  </a:xfrm>
+                  <a:prstGeom prst="rect">
+                    <a:avLst/>
+                  </a:prstGeom>
+                  <a:noFill/>
+                  <a:ln>
+                    <a:noFill/>
+                  </a:ln>
                   <a:extLst>
-                    <a:ext uri="{28A0092B-C50C-407E-A947-70E740481C1C}">
-                      <a14:useLocalDpi xmlns:a14="http://schemas.microsoft.com/office/drawing/2010/main" val="0"/>
+                    <a:ext uri="{909E8E84-426E-40DD-AFC4-6F175D3DCCD1}">
+                      <a14:hiddenFill xmlns:a14="http://schemas.microsoft.com/office/drawing/2010/main">
+                        <a:solidFill>
+                          <a:schemeClr val="accent1"/>
+                        </a:solidFill>
+                      </a14:hiddenFill>
+                    </a:ext>
+                    <a:ext uri="{91240B29-F687-4F45-9708-019B960494DF}">
+                      <a14:hiddenLine xmlns:a14="http://schemas.microsoft.com/office/drawing/2010/main" w="9525">
+                        <a:solidFill>
+                          <a:schemeClr val="tx1"/>
+                        </a:solidFill>
+                        <a:miter lim="800000"/>
+                        <a:headEnd/>
+                        <a:tailEnd/>
+                      </a14:hiddenLine>
                     </a:ext>
                   </a:extLst>
-                </a:blip>
-                <a:srcRect l="43206" t="31250" r="10530" b="8968"/>
-                <a:stretch/>
-              </p:blipFill>
-              <p:spPr bwMode="auto">
+                </p:spPr>
+              </p:pic>
+              <p:pic>
+                <p:nvPicPr>
+                  <p:cNvPr id="58" name="Picture 2"/>
+                  <p:cNvPicPr>
+                    <a:picLocks noChangeAspect="1" noChangeArrowheads="1"/>
+                  </p:cNvPicPr>
+                  <p:nvPr/>
+                </p:nvPicPr>
+                <p:blipFill rotWithShape="1">
+                  <a:blip r:embed="rId4" cstate="print">
+                    <a:extLst>
+                      <a:ext uri="{28A0092B-C50C-407E-A947-70E740481C1C}">
+                        <a14:useLocalDpi xmlns:a14="http://schemas.microsoft.com/office/drawing/2010/main" val="0"/>
+                      </a:ext>
+                    </a:extLst>
+                  </a:blip>
+                  <a:srcRect l="41983" t="32610" r="12160" b="8424"/>
+                  <a:stretch/>
+                </p:blipFill>
+                <p:spPr bwMode="auto">
+                  <a:xfrm>
+                    <a:off x="4294614" y="3866322"/>
+                    <a:ext cx="1896221" cy="1828800"/>
+                  </a:xfrm>
+                  <a:prstGeom prst="rect">
+                    <a:avLst/>
+                  </a:prstGeom>
+                  <a:noFill/>
+                  <a:ln>
+                    <a:noFill/>
+                  </a:ln>
+                  <a:extLst>
+                    <a:ext uri="{909E8E84-426E-40DD-AFC4-6F175D3DCCD1}">
+                      <a14:hiddenFill xmlns:a14="http://schemas.microsoft.com/office/drawing/2010/main">
+                        <a:solidFill>
+                          <a:schemeClr val="accent1"/>
+                        </a:solidFill>
+                      </a14:hiddenFill>
+                    </a:ext>
+                    <a:ext uri="{91240B29-F687-4F45-9708-019B960494DF}">
+                      <a14:hiddenLine xmlns:a14="http://schemas.microsoft.com/office/drawing/2010/main" w="9525">
+                        <a:solidFill>
+                          <a:schemeClr val="tx1"/>
+                        </a:solidFill>
+                        <a:miter lim="800000"/>
+                        <a:headEnd/>
+                        <a:tailEnd/>
+                      </a14:hiddenLine>
+                    </a:ext>
+                  </a:extLst>
+                </p:spPr>
+              </p:pic>
+              <p:pic>
+                <p:nvPicPr>
+                  <p:cNvPr id="57" name="Picture 2"/>
+                  <p:cNvPicPr>
+                    <a:picLocks noChangeAspect="1" noChangeArrowheads="1"/>
+                  </p:cNvPicPr>
+                  <p:nvPr/>
+                </p:nvPicPr>
+                <p:blipFill rotWithShape="1">
+                  <a:blip r:embed="rId5" cstate="print">
+                    <a:extLst>
+                      <a:ext uri="{28A0092B-C50C-407E-A947-70E740481C1C}">
+                        <a14:useLocalDpi xmlns:a14="http://schemas.microsoft.com/office/drawing/2010/main" val="0"/>
+                      </a:ext>
+                    </a:extLst>
+                  </a:blip>
+                  <a:srcRect l="41575" t="30707" r="13792" b="9240"/>
+                  <a:stretch/>
+                </p:blipFill>
+                <p:spPr bwMode="auto">
+                  <a:xfrm>
+                    <a:off x="2347688" y="3907209"/>
+                    <a:ext cx="1812250" cy="1828800"/>
+                  </a:xfrm>
+                  <a:prstGeom prst="rect">
+                    <a:avLst/>
+                  </a:prstGeom>
+                  <a:noFill/>
+                  <a:ln>
+                    <a:noFill/>
+                  </a:ln>
+                  <a:extLst>
+                    <a:ext uri="{909E8E84-426E-40DD-AFC4-6F175D3DCCD1}">
+                      <a14:hiddenFill xmlns:a14="http://schemas.microsoft.com/office/drawing/2010/main">
+                        <a:solidFill>
+                          <a:schemeClr val="accent1"/>
+                        </a:solidFill>
+                      </a14:hiddenFill>
+                    </a:ext>
+                    <a:ext uri="{91240B29-F687-4F45-9708-019B960494DF}">
+                      <a14:hiddenLine xmlns:a14="http://schemas.microsoft.com/office/drawing/2010/main" w="9525">
+                        <a:solidFill>
+                          <a:schemeClr val="tx1"/>
+                        </a:solidFill>
+                        <a:miter lim="800000"/>
+                        <a:headEnd/>
+                        <a:tailEnd/>
+                      </a14:hiddenLine>
+                    </a:ext>
+                  </a:extLst>
+                </p:spPr>
+              </p:pic>
+              <p:pic>
+                <p:nvPicPr>
+                  <p:cNvPr id="56" name="Picture 3"/>
+                  <p:cNvPicPr>
+                    <a:picLocks noChangeAspect="1" noChangeArrowheads="1"/>
+                  </p:cNvPicPr>
+                  <p:nvPr/>
+                </p:nvPicPr>
+                <p:blipFill rotWithShape="1">
+                  <a:blip r:embed="rId6" cstate="print">
+                    <a:extLst>
+                      <a:ext uri="{28A0092B-C50C-407E-A947-70E740481C1C}">
+                        <a14:useLocalDpi xmlns:a14="http://schemas.microsoft.com/office/drawing/2010/main" val="0"/>
+                      </a:ext>
+                    </a:extLst>
+                  </a:blip>
+                  <a:srcRect l="45312" t="33288" r="9443" b="7201"/>
+                  <a:stretch/>
+                </p:blipFill>
+                <p:spPr bwMode="auto">
+                  <a:xfrm>
+                    <a:off x="431876" y="4005469"/>
+                    <a:ext cx="1853852" cy="1828800"/>
+                  </a:xfrm>
+                  <a:prstGeom prst="rect">
+                    <a:avLst/>
+                  </a:prstGeom>
+                  <a:noFill/>
+                  <a:ln>
+                    <a:noFill/>
+                  </a:ln>
+                  <a:extLst>
+                    <a:ext uri="{909E8E84-426E-40DD-AFC4-6F175D3DCCD1}">
+                      <a14:hiddenFill xmlns:a14="http://schemas.microsoft.com/office/drawing/2010/main">
+                        <a:solidFill>
+                          <a:schemeClr val="accent1"/>
+                        </a:solidFill>
+                      </a14:hiddenFill>
+                    </a:ext>
+                    <a:ext uri="{91240B29-F687-4F45-9708-019B960494DF}">
+                      <a14:hiddenLine xmlns:a14="http://schemas.microsoft.com/office/drawing/2010/main" w="9525">
+                        <a:solidFill>
+                          <a:schemeClr val="tx1"/>
+                        </a:solidFill>
+                        <a:miter lim="800000"/>
+                        <a:headEnd/>
+                        <a:tailEnd/>
+                      </a14:hiddenLine>
+                    </a:ext>
+                  </a:extLst>
+                </p:spPr>
+              </p:pic>
+              <p:pic>
+                <p:nvPicPr>
+                  <p:cNvPr id="55" name="Picture 2"/>
+                  <p:cNvPicPr>
+                    <a:picLocks noChangeAspect="1" noChangeArrowheads="1"/>
+                  </p:cNvPicPr>
+                  <p:nvPr/>
+                </p:nvPicPr>
+                <p:blipFill rotWithShape="1">
+                  <a:blip r:embed="rId7" cstate="print">
+                    <a:extLst>
+                      <a:ext uri="{28A0092B-C50C-407E-A947-70E740481C1C}">
+                        <a14:useLocalDpi xmlns:a14="http://schemas.microsoft.com/office/drawing/2010/main" val="0"/>
+                      </a:ext>
+                    </a:extLst>
+                  </a:blip>
+                  <a:srcRect l="42595" t="31522" r="12568" b="8696"/>
+                  <a:stretch/>
+                </p:blipFill>
+                <p:spPr bwMode="auto">
+                  <a:xfrm>
+                    <a:off x="6179083" y="2107095"/>
+                    <a:ext cx="1828799" cy="1828800"/>
+                  </a:xfrm>
+                  <a:prstGeom prst="rect">
+                    <a:avLst/>
+                  </a:prstGeom>
+                  <a:noFill/>
+                  <a:ln>
+                    <a:noFill/>
+                  </a:ln>
+                  <a:extLst>
+                    <a:ext uri="{909E8E84-426E-40DD-AFC4-6F175D3DCCD1}">
+                      <a14:hiddenFill xmlns:a14="http://schemas.microsoft.com/office/drawing/2010/main">
+                        <a:solidFill>
+                          <a:schemeClr val="accent1"/>
+                        </a:solidFill>
+                      </a14:hiddenFill>
+                    </a:ext>
+                    <a:ext uri="{91240B29-F687-4F45-9708-019B960494DF}">
+                      <a14:hiddenLine xmlns:a14="http://schemas.microsoft.com/office/drawing/2010/main" w="9525">
+                        <a:solidFill>
+                          <a:schemeClr val="tx1"/>
+                        </a:solidFill>
+                        <a:miter lim="800000"/>
+                        <a:headEnd/>
+                        <a:tailEnd/>
+                      </a14:hiddenLine>
+                    </a:ext>
+                  </a:extLst>
+                </p:spPr>
+              </p:pic>
+              <p:pic>
+                <p:nvPicPr>
+                  <p:cNvPr id="54" name="Picture 2"/>
+                  <p:cNvPicPr>
+                    <a:picLocks noChangeAspect="1" noChangeArrowheads="1"/>
+                  </p:cNvPicPr>
+                  <p:nvPr/>
+                </p:nvPicPr>
+                <p:blipFill rotWithShape="1">
+                  <a:blip r:embed="rId8" cstate="print">
+                    <a:extLst>
+                      <a:ext uri="{28A0092B-C50C-407E-A947-70E740481C1C}">
+                        <a14:useLocalDpi xmlns:a14="http://schemas.microsoft.com/office/drawing/2010/main" val="0"/>
+                      </a:ext>
+                    </a:extLst>
+                  </a:blip>
+                  <a:srcRect l="41575" t="33966" r="14199" b="6249"/>
+                  <a:stretch/>
+                </p:blipFill>
+                <p:spPr bwMode="auto">
+                  <a:xfrm>
+                    <a:off x="4294614" y="2037522"/>
+                    <a:ext cx="1803862" cy="1828800"/>
+                  </a:xfrm>
+                  <a:prstGeom prst="rect">
+                    <a:avLst/>
+                  </a:prstGeom>
+                  <a:noFill/>
+                  <a:ln>
+                    <a:noFill/>
+                  </a:ln>
+                  <a:extLst>
+                    <a:ext uri="{909E8E84-426E-40DD-AFC4-6F175D3DCCD1}">
+                      <a14:hiddenFill xmlns:a14="http://schemas.microsoft.com/office/drawing/2010/main">
+                        <a:solidFill>
+                          <a:schemeClr val="accent1"/>
+                        </a:solidFill>
+                      </a14:hiddenFill>
+                    </a:ext>
+                    <a:ext uri="{91240B29-F687-4F45-9708-019B960494DF}">
+                      <a14:hiddenLine xmlns:a14="http://schemas.microsoft.com/office/drawing/2010/main" w="9525">
+                        <a:solidFill>
+                          <a:schemeClr val="tx1"/>
+                        </a:solidFill>
+                        <a:miter lim="800000"/>
+                        <a:headEnd/>
+                        <a:tailEnd/>
+                      </a14:hiddenLine>
+                    </a:ext>
+                  </a:extLst>
+                </p:spPr>
+              </p:pic>
+              <p:pic>
+                <p:nvPicPr>
+                  <p:cNvPr id="53" name="Picture 2"/>
+                  <p:cNvPicPr>
+                    <a:picLocks noChangeAspect="1" noChangeArrowheads="1"/>
+                  </p:cNvPicPr>
+                  <p:nvPr/>
+                </p:nvPicPr>
+                <p:blipFill rotWithShape="1">
+                  <a:blip r:embed="rId9" cstate="print">
+                    <a:extLst>
+                      <a:ext uri="{28A0092B-C50C-407E-A947-70E740481C1C}">
+                        <a14:useLocalDpi xmlns:a14="http://schemas.microsoft.com/office/drawing/2010/main" val="0"/>
+                      </a:ext>
+                    </a:extLst>
+                  </a:blip>
+                  <a:srcRect l="41780" t="30162" r="11549" b="10054"/>
+                  <a:stretch/>
+                </p:blipFill>
+                <p:spPr bwMode="auto">
+                  <a:xfrm>
+                    <a:off x="2360940" y="2057400"/>
+                    <a:ext cx="1903615" cy="1828800"/>
+                  </a:xfrm>
+                  <a:prstGeom prst="rect">
+                    <a:avLst/>
+                  </a:prstGeom>
+                  <a:noFill/>
+                  <a:ln>
+                    <a:noFill/>
+                  </a:ln>
+                  <a:extLst>
+                    <a:ext uri="{909E8E84-426E-40DD-AFC4-6F175D3DCCD1}">
+                      <a14:hiddenFill xmlns:a14="http://schemas.microsoft.com/office/drawing/2010/main">
+                        <a:solidFill>
+                          <a:schemeClr val="accent1"/>
+                        </a:solidFill>
+                      </a14:hiddenFill>
+                    </a:ext>
+                    <a:ext uri="{91240B29-F687-4F45-9708-019B960494DF}">
+                      <a14:hiddenLine xmlns:a14="http://schemas.microsoft.com/office/drawing/2010/main" w="9525">
+                        <a:solidFill>
+                          <a:schemeClr val="tx1"/>
+                        </a:solidFill>
+                        <a:miter lim="800000"/>
+                        <a:headEnd/>
+                        <a:tailEnd/>
+                      </a14:hiddenLine>
+                    </a:ext>
+                  </a:extLst>
+                </p:spPr>
+              </p:pic>
+              <p:pic>
+                <p:nvPicPr>
+                  <p:cNvPr id="52" name="Picture 2"/>
+                  <p:cNvPicPr>
+                    <a:picLocks noChangeAspect="1" noChangeArrowheads="1"/>
+                  </p:cNvPicPr>
+                  <p:nvPr/>
+                </p:nvPicPr>
+                <p:blipFill rotWithShape="1">
+                  <a:blip r:embed="rId10" cstate="print">
+                    <a:extLst>
+                      <a:ext uri="{28A0092B-C50C-407E-A947-70E740481C1C}">
+                        <a14:useLocalDpi xmlns:a14="http://schemas.microsoft.com/office/drawing/2010/main" val="0"/>
+                      </a:ext>
+                    </a:extLst>
+                  </a:blip>
+                  <a:srcRect l="41644" t="31520" r="11889" b="9783"/>
+                  <a:stretch/>
+                </p:blipFill>
+                <p:spPr bwMode="auto">
+                  <a:xfrm>
+                    <a:off x="393602" y="2037522"/>
+                    <a:ext cx="1930400" cy="1828800"/>
+                  </a:xfrm>
+                  <a:prstGeom prst="rect">
+                    <a:avLst/>
+                  </a:prstGeom>
+                  <a:noFill/>
+                  <a:ln>
+                    <a:noFill/>
+                  </a:ln>
+                  <a:extLst>
+                    <a:ext uri="{909E8E84-426E-40DD-AFC4-6F175D3DCCD1}">
+                      <a14:hiddenFill xmlns:a14="http://schemas.microsoft.com/office/drawing/2010/main">
+                        <a:solidFill>
+                          <a:schemeClr val="accent1"/>
+                        </a:solidFill>
+                      </a14:hiddenFill>
+                    </a:ext>
+                    <a:ext uri="{91240B29-F687-4F45-9708-019B960494DF}">
+                      <a14:hiddenLine xmlns:a14="http://schemas.microsoft.com/office/drawing/2010/main" w="9525">
+                        <a:solidFill>
+                          <a:schemeClr val="tx1"/>
+                        </a:solidFill>
+                        <a:miter lim="800000"/>
+                        <a:headEnd/>
+                        <a:tailEnd/>
+                      </a14:hiddenLine>
+                    </a:ext>
+                  </a:extLst>
+                </p:spPr>
+              </p:pic>
+              <p:pic>
+                <p:nvPicPr>
+                  <p:cNvPr id="51" name="Picture 2"/>
+                  <p:cNvPicPr>
+                    <a:picLocks noChangeAspect="1" noChangeArrowheads="1"/>
+                  </p:cNvPicPr>
+                  <p:nvPr/>
+                </p:nvPicPr>
+                <p:blipFill rotWithShape="1">
+                  <a:blip r:embed="rId11" cstate="print">
+                    <a:extLst>
+                      <a:ext uri="{28A0092B-C50C-407E-A947-70E740481C1C}">
+                        <a14:useLocalDpi xmlns:a14="http://schemas.microsoft.com/office/drawing/2010/main" val="0"/>
+                      </a:ext>
+                    </a:extLst>
+                  </a:blip>
+                  <a:srcRect l="44328" t="31520" r="11345" b="8424"/>
+                  <a:stretch/>
+                </p:blipFill>
+                <p:spPr bwMode="auto">
+                  <a:xfrm>
+                    <a:off x="6250909" y="228600"/>
+                    <a:ext cx="1799837" cy="1828800"/>
+                  </a:xfrm>
+                  <a:prstGeom prst="rect">
+                    <a:avLst/>
+                  </a:prstGeom>
+                  <a:noFill/>
+                  <a:ln>
+                    <a:noFill/>
+                  </a:ln>
+                  <a:extLst>
+                    <a:ext uri="{909E8E84-426E-40DD-AFC4-6F175D3DCCD1}">
+                      <a14:hiddenFill xmlns:a14="http://schemas.microsoft.com/office/drawing/2010/main">
+                        <a:solidFill>
+                          <a:schemeClr val="accent1"/>
+                        </a:solidFill>
+                      </a14:hiddenFill>
+                    </a:ext>
+                    <a:ext uri="{91240B29-F687-4F45-9708-019B960494DF}">
+                      <a14:hiddenLine xmlns:a14="http://schemas.microsoft.com/office/drawing/2010/main" w="9525">
+                        <a:solidFill>
+                          <a:schemeClr val="tx1"/>
+                        </a:solidFill>
+                        <a:miter lim="800000"/>
+                        <a:headEnd/>
+                        <a:tailEnd/>
+                      </a14:hiddenLine>
+                    </a:ext>
+                  </a:extLst>
+                </p:spPr>
+              </p:pic>
+              <p:pic>
+                <p:nvPicPr>
+                  <p:cNvPr id="50" name="Picture 2"/>
+                  <p:cNvPicPr>
+                    <a:picLocks noChangeAspect="1" noChangeArrowheads="1"/>
+                  </p:cNvPicPr>
+                  <p:nvPr/>
+                </p:nvPicPr>
+                <p:blipFill rotWithShape="1">
+                  <a:blip r:embed="rId12" cstate="print">
+                    <a:extLst>
+                      <a:ext uri="{28A0092B-C50C-407E-A947-70E740481C1C}">
+                        <a14:useLocalDpi xmlns:a14="http://schemas.microsoft.com/office/drawing/2010/main" val="0"/>
+                      </a:ext>
+                    </a:extLst>
+                  </a:blip>
+                  <a:srcRect l="43614" t="32064" r="8696" b="6251"/>
+                  <a:stretch/>
+                </p:blipFill>
+                <p:spPr bwMode="auto">
+                  <a:xfrm>
+                    <a:off x="4253948" y="278295"/>
+                    <a:ext cx="1885194" cy="1828800"/>
+                  </a:xfrm>
+                  <a:prstGeom prst="rect">
+                    <a:avLst/>
+                  </a:prstGeom>
+                  <a:noFill/>
+                  <a:ln>
+                    <a:noFill/>
+                  </a:ln>
+                  <a:extLst>
+                    <a:ext uri="{909E8E84-426E-40DD-AFC4-6F175D3DCCD1}">
+                      <a14:hiddenFill xmlns:a14="http://schemas.microsoft.com/office/drawing/2010/main">
+                        <a:solidFill>
+                          <a:schemeClr val="accent1"/>
+                        </a:solidFill>
+                      </a14:hiddenFill>
+                    </a:ext>
+                    <a:ext uri="{91240B29-F687-4F45-9708-019B960494DF}">
+                      <a14:hiddenLine xmlns:a14="http://schemas.microsoft.com/office/drawing/2010/main" w="9525">
+                        <a:solidFill>
+                          <a:schemeClr val="tx1"/>
+                        </a:solidFill>
+                        <a:miter lim="800000"/>
+                        <a:headEnd/>
+                        <a:tailEnd/>
+                      </a14:hiddenLine>
+                    </a:ext>
+                  </a:extLst>
+                </p:spPr>
+              </p:pic>
+              <p:pic>
+                <p:nvPicPr>
+                  <p:cNvPr id="49" name="Picture 2"/>
+                  <p:cNvPicPr>
+                    <a:picLocks noChangeAspect="1" noChangeArrowheads="1"/>
+                  </p:cNvPicPr>
+                  <p:nvPr/>
+                </p:nvPicPr>
+                <p:blipFill rotWithShape="1">
+                  <a:blip r:embed="rId13" cstate="print">
+                    <a:extLst>
+                      <a:ext uri="{28A0092B-C50C-407E-A947-70E740481C1C}">
+                        <a14:useLocalDpi xmlns:a14="http://schemas.microsoft.com/office/drawing/2010/main" val="0"/>
+                      </a:ext>
+                    </a:extLst>
+                  </a:blip>
+                  <a:srcRect l="44801" t="31289" r="6450" b="7802"/>
+                  <a:stretch/>
+                </p:blipFill>
+                <p:spPr bwMode="auto">
+                  <a:xfrm>
+                    <a:off x="2312925" y="228600"/>
+                    <a:ext cx="1951630" cy="1828800"/>
+                  </a:xfrm>
+                  <a:prstGeom prst="rect">
+                    <a:avLst/>
+                  </a:prstGeom>
+                  <a:noFill/>
+                  <a:ln>
+                    <a:noFill/>
+                  </a:ln>
+                  <a:extLst>
+                    <a:ext uri="{909E8E84-426E-40DD-AFC4-6F175D3DCCD1}">
+                      <a14:hiddenFill xmlns:a14="http://schemas.microsoft.com/office/drawing/2010/main">
+                        <a:solidFill>
+                          <a:schemeClr val="accent1"/>
+                        </a:solidFill>
+                      </a14:hiddenFill>
+                    </a:ext>
+                    <a:ext uri="{91240B29-F687-4F45-9708-019B960494DF}">
+                      <a14:hiddenLine xmlns:a14="http://schemas.microsoft.com/office/drawing/2010/main" w="9525">
+                        <a:solidFill>
+                          <a:schemeClr val="tx1"/>
+                        </a:solidFill>
+                        <a:miter lim="800000"/>
+                        <a:headEnd/>
+                        <a:tailEnd/>
+                      </a14:hiddenLine>
+                    </a:ext>
+                  </a:extLst>
+                </p:spPr>
+              </p:pic>
+              <p:pic>
+                <p:nvPicPr>
+                  <p:cNvPr id="48" name="Picture 2"/>
+                  <p:cNvPicPr>
+                    <a:picLocks noChangeAspect="1" noChangeArrowheads="1"/>
+                  </p:cNvPicPr>
+                  <p:nvPr/>
+                </p:nvPicPr>
+                <p:blipFill rotWithShape="1">
+                  <a:blip r:embed="rId14">
+                    <a:extLst>
+                      <a:ext uri="{28A0092B-C50C-407E-A947-70E740481C1C}">
+                        <a14:useLocalDpi xmlns:a14="http://schemas.microsoft.com/office/drawing/2010/main" val="0"/>
+                      </a:ext>
+                    </a:extLst>
+                  </a:blip>
+                  <a:srcRect l="44659" t="30682" r="12045" b="12728"/>
+                  <a:stretch/>
+                </p:blipFill>
+                <p:spPr bwMode="auto">
+                  <a:xfrm>
+                    <a:off x="393602" y="228600"/>
+                    <a:ext cx="1865523" cy="1828800"/>
+                  </a:xfrm>
+                  <a:prstGeom prst="rect">
+                    <a:avLst/>
+                  </a:prstGeom>
+                  <a:noFill/>
+                  <a:ln>
+                    <a:noFill/>
+                  </a:ln>
+                  <a:extLst>
+                    <a:ext uri="{909E8E84-426E-40DD-AFC4-6F175D3DCCD1}">
+                      <a14:hiddenFill xmlns:a14="http://schemas.microsoft.com/office/drawing/2010/main">
+                        <a:solidFill>
+                          <a:schemeClr val="accent1"/>
+                        </a:solidFill>
+                      </a14:hiddenFill>
+                    </a:ext>
+                    <a:ext uri="{91240B29-F687-4F45-9708-019B960494DF}">
+                      <a14:hiddenLine xmlns:a14="http://schemas.microsoft.com/office/drawing/2010/main" w="9525">
+                        <a:solidFill>
+                          <a:schemeClr val="tx1"/>
+                        </a:solidFill>
+                        <a:miter lim="800000"/>
+                        <a:headEnd/>
+                        <a:tailEnd/>
+                      </a14:hiddenLine>
+                    </a:ext>
+                  </a:extLst>
+                </p:spPr>
+              </p:pic>
+              <p:grpSp>
+                <p:nvGrpSpPr>
+                  <p:cNvPr id="6" name="Group 5"/>
+                  <p:cNvGrpSpPr/>
+                  <p:nvPr/>
+                </p:nvGrpSpPr>
+                <p:grpSpPr>
+                  <a:xfrm>
+                    <a:off x="391846" y="228600"/>
+                    <a:ext cx="7658900" cy="5487531"/>
+                    <a:chOff x="391846" y="228600"/>
+                    <a:chExt cx="7658900" cy="5487531"/>
+                  </a:xfrm>
+                </p:grpSpPr>
+                <p:sp>
+                  <p:nvSpPr>
+                    <p:cNvPr id="16" name="Rectangle 15"/>
+                    <p:cNvSpPr/>
+                    <p:nvPr/>
+                  </p:nvSpPr>
+                  <p:spPr>
+                    <a:xfrm>
+                      <a:off x="4221715" y="228600"/>
+                      <a:ext cx="1914525" cy="1828800"/>
+                    </a:xfrm>
+                    <a:prstGeom prst="rect">
+                      <a:avLst/>
+                    </a:prstGeom>
+                    <a:noFill/>
+                    <a:ln w="3175">
+                      <a:solidFill>
+                        <a:schemeClr val="tx1">
+                          <a:lumMod val="50000"/>
+                          <a:lumOff val="50000"/>
+                        </a:schemeClr>
+                      </a:solidFill>
+                    </a:ln>
+                  </p:spPr>
+                  <p:style>
+                    <a:lnRef idx="2">
+                      <a:schemeClr val="accent1">
+                        <a:shade val="50000"/>
+                      </a:schemeClr>
+                    </a:lnRef>
+                    <a:fillRef idx="1">
+                      <a:schemeClr val="accent1"/>
+                    </a:fillRef>
+                    <a:effectRef idx="0">
+                      <a:schemeClr val="accent1"/>
+                    </a:effectRef>
+                    <a:fontRef idx="minor">
+                      <a:schemeClr val="lt1"/>
+                    </a:fontRef>
+                  </p:style>
+                  <p:txBody>
+                    <a:bodyPr rtlCol="0" anchor="ctr"/>
+                    <a:lstStyle/>
+                    <a:p>
+                      <a:pPr algn="ctr"/>
+                      <a:endParaRPr lang="en-US"/>
+                    </a:p>
+                  </p:txBody>
+                </p:sp>
+                <p:sp>
+                  <p:nvSpPr>
+                    <p:cNvPr id="28" name="Rectangle 27"/>
+                    <p:cNvSpPr/>
+                    <p:nvPr/>
+                  </p:nvSpPr>
+                  <p:spPr>
+                    <a:xfrm>
+                      <a:off x="6135374" y="228600"/>
+                      <a:ext cx="1914525" cy="1828800"/>
+                    </a:xfrm>
+                    <a:prstGeom prst="rect">
+                      <a:avLst/>
+                    </a:prstGeom>
+                    <a:noFill/>
+                    <a:ln w="3175">
+                      <a:solidFill>
+                        <a:schemeClr val="tx1">
+                          <a:lumMod val="50000"/>
+                          <a:lumOff val="50000"/>
+                        </a:schemeClr>
+                      </a:solidFill>
+                    </a:ln>
+                  </p:spPr>
+                  <p:style>
+                    <a:lnRef idx="2">
+                      <a:schemeClr val="accent1">
+                        <a:shade val="50000"/>
+                      </a:schemeClr>
+                    </a:lnRef>
+                    <a:fillRef idx="1">
+                      <a:schemeClr val="accent1"/>
+                    </a:fillRef>
+                    <a:effectRef idx="0">
+                      <a:schemeClr val="accent1"/>
+                    </a:effectRef>
+                    <a:fontRef idx="minor">
+                      <a:schemeClr val="lt1"/>
+                    </a:fontRef>
+                  </p:style>
+                  <p:txBody>
+                    <a:bodyPr rtlCol="0" anchor="ctr"/>
+                    <a:lstStyle/>
+                    <a:p>
+                      <a:pPr algn="ctr"/>
+                      <a:endParaRPr lang="en-US"/>
+                    </a:p>
+                  </p:txBody>
+                </p:sp>
+                <p:sp>
+                  <p:nvSpPr>
+                    <p:cNvPr id="29" name="Rectangle 28"/>
+                    <p:cNvSpPr/>
+                    <p:nvPr/>
+                  </p:nvSpPr>
+                  <p:spPr>
+                    <a:xfrm>
+                      <a:off x="2308202" y="228600"/>
+                      <a:ext cx="1914525" cy="1828800"/>
+                    </a:xfrm>
+                    <a:prstGeom prst="rect">
+                      <a:avLst/>
+                    </a:prstGeom>
+                    <a:noFill/>
+                    <a:ln w="3175">
+                      <a:solidFill>
+                        <a:schemeClr val="tx1">
+                          <a:lumMod val="50000"/>
+                          <a:lumOff val="50000"/>
+                        </a:schemeClr>
+                      </a:solidFill>
+                    </a:ln>
+                  </p:spPr>
+                  <p:style>
+                    <a:lnRef idx="2">
+                      <a:schemeClr val="accent1">
+                        <a:shade val="50000"/>
+                      </a:schemeClr>
+                    </a:lnRef>
+                    <a:fillRef idx="1">
+                      <a:schemeClr val="accent1"/>
+                    </a:fillRef>
+                    <a:effectRef idx="0">
+                      <a:schemeClr val="accent1"/>
+                    </a:effectRef>
+                    <a:fontRef idx="minor">
+                      <a:schemeClr val="lt1"/>
+                    </a:fontRef>
+                  </p:style>
+                  <p:txBody>
+                    <a:bodyPr rtlCol="0" anchor="ctr"/>
+                    <a:lstStyle/>
+                    <a:p>
+                      <a:pPr algn="ctr"/>
+                      <a:endParaRPr lang="en-US"/>
+                    </a:p>
+                  </p:txBody>
+                </p:sp>
+                <p:sp>
+                  <p:nvSpPr>
+                    <p:cNvPr id="30" name="Rectangle 29"/>
+                    <p:cNvSpPr/>
+                    <p:nvPr/>
+                  </p:nvSpPr>
+                  <p:spPr>
+                    <a:xfrm>
+                      <a:off x="393380" y="228600"/>
+                      <a:ext cx="1914525" cy="1828800"/>
+                    </a:xfrm>
+                    <a:prstGeom prst="rect">
+                      <a:avLst/>
+                    </a:prstGeom>
+                    <a:noFill/>
+                    <a:ln w="3175">
+                      <a:solidFill>
+                        <a:schemeClr val="tx1">
+                          <a:lumMod val="50000"/>
+                          <a:lumOff val="50000"/>
+                        </a:schemeClr>
+                      </a:solidFill>
+                    </a:ln>
+                  </p:spPr>
+                  <p:style>
+                    <a:lnRef idx="2">
+                      <a:schemeClr val="accent1">
+                        <a:shade val="50000"/>
+                      </a:schemeClr>
+                    </a:lnRef>
+                    <a:fillRef idx="1">
+                      <a:schemeClr val="accent1"/>
+                    </a:fillRef>
+                    <a:effectRef idx="0">
+                      <a:schemeClr val="accent1"/>
+                    </a:effectRef>
+                    <a:fontRef idx="minor">
+                      <a:schemeClr val="lt1"/>
+                    </a:fontRef>
+                  </p:style>
+                  <p:txBody>
+                    <a:bodyPr rtlCol="0" anchor="ctr"/>
+                    <a:lstStyle/>
+                    <a:p>
+                      <a:pPr algn="ctr"/>
+                      <a:endParaRPr lang="en-US"/>
+                    </a:p>
+                  </p:txBody>
+                </p:sp>
+                <p:sp>
+                  <p:nvSpPr>
+                    <p:cNvPr id="40" name="Rectangle 39"/>
+                    <p:cNvSpPr/>
+                    <p:nvPr/>
+                  </p:nvSpPr>
+                  <p:spPr>
+                    <a:xfrm>
+                      <a:off x="4221937" y="2057400"/>
+                      <a:ext cx="1914525" cy="1828800"/>
+                    </a:xfrm>
+                    <a:prstGeom prst="rect">
+                      <a:avLst/>
+                    </a:prstGeom>
+                    <a:noFill/>
+                    <a:ln w="3175">
+                      <a:solidFill>
+                        <a:schemeClr val="tx1">
+                          <a:lumMod val="50000"/>
+                          <a:lumOff val="50000"/>
+                        </a:schemeClr>
+                      </a:solidFill>
+                    </a:ln>
+                  </p:spPr>
+                  <p:style>
+                    <a:lnRef idx="2">
+                      <a:schemeClr val="accent1">
+                        <a:shade val="50000"/>
+                      </a:schemeClr>
+                    </a:lnRef>
+                    <a:fillRef idx="1">
+                      <a:schemeClr val="accent1"/>
+                    </a:fillRef>
+                    <a:effectRef idx="0">
+                      <a:schemeClr val="accent1"/>
+                    </a:effectRef>
+                    <a:fontRef idx="minor">
+                      <a:schemeClr val="lt1"/>
+                    </a:fontRef>
+                  </p:style>
+                  <p:txBody>
+                    <a:bodyPr rtlCol="0" anchor="ctr"/>
+                    <a:lstStyle/>
+                    <a:p>
+                      <a:pPr algn="ctr"/>
+                      <a:endParaRPr lang="en-US"/>
+                    </a:p>
+                  </p:txBody>
+                </p:sp>
+                <p:sp>
+                  <p:nvSpPr>
+                    <p:cNvPr id="41" name="Rectangle 40"/>
+                    <p:cNvSpPr/>
+                    <p:nvPr/>
+                  </p:nvSpPr>
+                  <p:spPr>
+                    <a:xfrm>
+                      <a:off x="6135596" y="2057400"/>
+                      <a:ext cx="1914525" cy="1828800"/>
+                    </a:xfrm>
+                    <a:prstGeom prst="rect">
+                      <a:avLst/>
+                    </a:prstGeom>
+                    <a:noFill/>
+                    <a:ln w="3175">
+                      <a:solidFill>
+                        <a:schemeClr val="tx1">
+                          <a:lumMod val="50000"/>
+                          <a:lumOff val="50000"/>
+                        </a:schemeClr>
+                      </a:solidFill>
+                    </a:ln>
+                  </p:spPr>
+                  <p:style>
+                    <a:lnRef idx="2">
+                      <a:schemeClr val="accent1">
+                        <a:shade val="50000"/>
+                      </a:schemeClr>
+                    </a:lnRef>
+                    <a:fillRef idx="1">
+                      <a:schemeClr val="accent1"/>
+                    </a:fillRef>
+                    <a:effectRef idx="0">
+                      <a:schemeClr val="accent1"/>
+                    </a:effectRef>
+                    <a:fontRef idx="minor">
+                      <a:schemeClr val="lt1"/>
+                    </a:fontRef>
+                  </p:style>
+                  <p:txBody>
+                    <a:bodyPr rtlCol="0" anchor="ctr"/>
+                    <a:lstStyle/>
+                    <a:p>
+                      <a:pPr algn="ctr"/>
+                      <a:endParaRPr lang="en-US"/>
+                    </a:p>
+                  </p:txBody>
+                </p:sp>
+                <p:sp>
+                  <p:nvSpPr>
+                    <p:cNvPr id="42" name="Rectangle 41"/>
+                    <p:cNvSpPr/>
+                    <p:nvPr/>
+                  </p:nvSpPr>
+                  <p:spPr>
+                    <a:xfrm>
+                      <a:off x="2308424" y="2057400"/>
+                      <a:ext cx="1914525" cy="1828800"/>
+                    </a:xfrm>
+                    <a:prstGeom prst="rect">
+                      <a:avLst/>
+                    </a:prstGeom>
+                    <a:noFill/>
+                    <a:ln w="3175">
+                      <a:solidFill>
+                        <a:schemeClr val="tx1">
+                          <a:lumMod val="50000"/>
+                          <a:lumOff val="50000"/>
+                        </a:schemeClr>
+                      </a:solidFill>
+                    </a:ln>
+                  </p:spPr>
+                  <p:style>
+                    <a:lnRef idx="2">
+                      <a:schemeClr val="accent1">
+                        <a:shade val="50000"/>
+                      </a:schemeClr>
+                    </a:lnRef>
+                    <a:fillRef idx="1">
+                      <a:schemeClr val="accent1"/>
+                    </a:fillRef>
+                    <a:effectRef idx="0">
+                      <a:schemeClr val="accent1"/>
+                    </a:effectRef>
+                    <a:fontRef idx="minor">
+                      <a:schemeClr val="lt1"/>
+                    </a:fontRef>
+                  </p:style>
+                  <p:txBody>
+                    <a:bodyPr rtlCol="0" anchor="ctr"/>
+                    <a:lstStyle/>
+                    <a:p>
+                      <a:pPr algn="ctr"/>
+                      <a:endParaRPr lang="en-US"/>
+                    </a:p>
+                  </p:txBody>
+                </p:sp>
+                <p:sp>
+                  <p:nvSpPr>
+                    <p:cNvPr id="43" name="Rectangle 42"/>
+                    <p:cNvSpPr/>
+                    <p:nvPr/>
+                  </p:nvSpPr>
+                  <p:spPr>
+                    <a:xfrm>
+                      <a:off x="393602" y="2057400"/>
+                      <a:ext cx="1914525" cy="1828800"/>
+                    </a:xfrm>
+                    <a:prstGeom prst="rect">
+                      <a:avLst/>
+                    </a:prstGeom>
+                    <a:noFill/>
+                    <a:ln w="3175">
+                      <a:solidFill>
+                        <a:schemeClr val="tx1">
+                          <a:lumMod val="50000"/>
+                          <a:lumOff val="50000"/>
+                        </a:schemeClr>
+                      </a:solidFill>
+                    </a:ln>
+                  </p:spPr>
+                  <p:style>
+                    <a:lnRef idx="2">
+                      <a:schemeClr val="accent1">
+                        <a:shade val="50000"/>
+                      </a:schemeClr>
+                    </a:lnRef>
+                    <a:fillRef idx="1">
+                      <a:schemeClr val="accent1"/>
+                    </a:fillRef>
+                    <a:effectRef idx="0">
+                      <a:schemeClr val="accent1"/>
+                    </a:effectRef>
+                    <a:fontRef idx="minor">
+                      <a:schemeClr val="lt1"/>
+                    </a:fontRef>
+                  </p:style>
+                  <p:txBody>
+                    <a:bodyPr rtlCol="0" anchor="ctr"/>
+                    <a:lstStyle/>
+                    <a:p>
+                      <a:pPr algn="ctr"/>
+                      <a:endParaRPr lang="en-US"/>
+                    </a:p>
+                  </p:txBody>
+                </p:sp>
+                <p:sp>
+                  <p:nvSpPr>
+                    <p:cNvPr id="44" name="Rectangle 43"/>
+                    <p:cNvSpPr/>
+                    <p:nvPr/>
+                  </p:nvSpPr>
+                  <p:spPr>
+                    <a:xfrm>
+                      <a:off x="4222562" y="3887331"/>
+                      <a:ext cx="1914525" cy="1828800"/>
+                    </a:xfrm>
+                    <a:prstGeom prst="rect">
+                      <a:avLst/>
+                    </a:prstGeom>
+                    <a:noFill/>
+                    <a:ln w="3175">
+                      <a:solidFill>
+                        <a:schemeClr val="tx1">
+                          <a:lumMod val="50000"/>
+                          <a:lumOff val="50000"/>
+                        </a:schemeClr>
+                      </a:solidFill>
+                    </a:ln>
+                  </p:spPr>
+                  <p:style>
+                    <a:lnRef idx="2">
+                      <a:schemeClr val="accent1">
+                        <a:shade val="50000"/>
+                      </a:schemeClr>
+                    </a:lnRef>
+                    <a:fillRef idx="1">
+                      <a:schemeClr val="accent1"/>
+                    </a:fillRef>
+                    <a:effectRef idx="0">
+                      <a:schemeClr val="accent1"/>
+                    </a:effectRef>
+                    <a:fontRef idx="minor">
+                      <a:schemeClr val="lt1"/>
+                    </a:fontRef>
+                  </p:style>
+                  <p:txBody>
+                    <a:bodyPr rtlCol="0" anchor="ctr"/>
+                    <a:lstStyle/>
+                    <a:p>
+                      <a:pPr algn="ctr"/>
+                      <a:endParaRPr lang="en-US"/>
+                    </a:p>
+                  </p:txBody>
+                </p:sp>
+                <p:sp>
+                  <p:nvSpPr>
+                    <p:cNvPr id="45" name="Rectangle 44"/>
+                    <p:cNvSpPr/>
+                    <p:nvPr/>
+                  </p:nvSpPr>
+                  <p:spPr>
+                    <a:xfrm>
+                      <a:off x="6136221" y="3887331"/>
+                      <a:ext cx="1914525" cy="1828800"/>
+                    </a:xfrm>
+                    <a:prstGeom prst="rect">
+                      <a:avLst/>
+                    </a:prstGeom>
+                    <a:noFill/>
+                    <a:ln w="3175">
+                      <a:solidFill>
+                        <a:schemeClr val="tx1">
+                          <a:lumMod val="50000"/>
+                          <a:lumOff val="50000"/>
+                        </a:schemeClr>
+                      </a:solidFill>
+                    </a:ln>
+                  </p:spPr>
+                  <p:style>
+                    <a:lnRef idx="2">
+                      <a:schemeClr val="accent1">
+                        <a:shade val="50000"/>
+                      </a:schemeClr>
+                    </a:lnRef>
+                    <a:fillRef idx="1">
+                      <a:schemeClr val="accent1"/>
+                    </a:fillRef>
+                    <a:effectRef idx="0">
+                      <a:schemeClr val="accent1"/>
+                    </a:effectRef>
+                    <a:fontRef idx="minor">
+                      <a:schemeClr val="lt1"/>
+                    </a:fontRef>
+                  </p:style>
+                  <p:txBody>
+                    <a:bodyPr rtlCol="0" anchor="ctr"/>
+                    <a:lstStyle/>
+                    <a:p>
+                      <a:pPr algn="ctr"/>
+                      <a:endParaRPr lang="en-US"/>
+                    </a:p>
+                  </p:txBody>
+                </p:sp>
+                <p:sp>
+                  <p:nvSpPr>
+                    <p:cNvPr id="46" name="Rectangle 45"/>
+                    <p:cNvSpPr/>
+                    <p:nvPr/>
+                  </p:nvSpPr>
+                  <p:spPr>
+                    <a:xfrm>
+                      <a:off x="2306668" y="3887331"/>
+                      <a:ext cx="1914525" cy="1828800"/>
+                    </a:xfrm>
+                    <a:prstGeom prst="rect">
+                      <a:avLst/>
+                    </a:prstGeom>
+                    <a:noFill/>
+                    <a:ln w="3175">
+                      <a:solidFill>
+                        <a:schemeClr val="tx1">
+                          <a:lumMod val="50000"/>
+                          <a:lumOff val="50000"/>
+                        </a:schemeClr>
+                      </a:solidFill>
+                    </a:ln>
+                  </p:spPr>
+                  <p:style>
+                    <a:lnRef idx="2">
+                      <a:schemeClr val="accent1">
+                        <a:shade val="50000"/>
+                      </a:schemeClr>
+                    </a:lnRef>
+                    <a:fillRef idx="1">
+                      <a:schemeClr val="accent1"/>
+                    </a:fillRef>
+                    <a:effectRef idx="0">
+                      <a:schemeClr val="accent1"/>
+                    </a:effectRef>
+                    <a:fontRef idx="minor">
+                      <a:schemeClr val="lt1"/>
+                    </a:fontRef>
+                  </p:style>
+                  <p:txBody>
+                    <a:bodyPr rtlCol="0" anchor="ctr"/>
+                    <a:lstStyle/>
+                    <a:p>
+                      <a:pPr algn="ctr"/>
+                      <a:endParaRPr lang="en-US"/>
+                    </a:p>
+                  </p:txBody>
+                </p:sp>
+                <p:sp>
+                  <p:nvSpPr>
+                    <p:cNvPr id="47" name="Rectangle 46"/>
+                    <p:cNvSpPr/>
+                    <p:nvPr/>
+                  </p:nvSpPr>
+                  <p:spPr>
+                    <a:xfrm>
+                      <a:off x="391846" y="3887331"/>
+                      <a:ext cx="1914525" cy="1828800"/>
+                    </a:xfrm>
+                    <a:prstGeom prst="rect">
+                      <a:avLst/>
+                    </a:prstGeom>
+                    <a:noFill/>
+                    <a:ln w="3175">
+                      <a:solidFill>
+                        <a:schemeClr val="tx1">
+                          <a:lumMod val="50000"/>
+                          <a:lumOff val="50000"/>
+                        </a:schemeClr>
+                      </a:solidFill>
+                    </a:ln>
+                  </p:spPr>
+                  <p:style>
+                    <a:lnRef idx="2">
+                      <a:schemeClr val="accent1">
+                        <a:shade val="50000"/>
+                      </a:schemeClr>
+                    </a:lnRef>
+                    <a:fillRef idx="1">
+                      <a:schemeClr val="accent1"/>
+                    </a:fillRef>
+                    <a:effectRef idx="0">
+                      <a:schemeClr val="accent1"/>
+                    </a:effectRef>
+                    <a:fontRef idx="minor">
+                      <a:schemeClr val="lt1"/>
+                    </a:fontRef>
+                  </p:style>
+                  <p:txBody>
+                    <a:bodyPr rtlCol="0" anchor="ctr"/>
+                    <a:lstStyle/>
+                    <a:p>
+                      <a:pPr algn="ctr"/>
+                      <a:endParaRPr lang="en-US"/>
+                    </a:p>
+                  </p:txBody>
+                </p:sp>
+              </p:grpSp>
+            </p:grpSp>
+            <p:sp>
+              <p:nvSpPr>
+                <p:cNvPr id="60" name="Rectangle 59"/>
+                <p:cNvSpPr/>
+                <p:nvPr/>
+              </p:nvSpPr>
+              <p:spPr>
                 <a:xfrm>
-                  <a:off x="6139142" y="3866322"/>
-                  <a:ext cx="1886990" cy="1828800"/>
+                  <a:off x="719617" y="645316"/>
+                  <a:ext cx="575783" cy="464348"/>
                 </a:xfrm>
                 <a:prstGeom prst="rect">
                   <a:avLst/>
                 </a:prstGeom>
                 <a:noFill/>
-                <a:ln>
-                  <a:noFill/>
+                <a:ln w="3175">
+                  <a:solidFill>
+                    <a:srgbClr val="15537D"/>
+                  </a:solidFill>
                 </a:ln>
-                <a:extLst>
-                  <a:ext uri="{909E8E84-426E-40DD-AFC4-6F175D3DCCD1}">
-                    <a14:hiddenFill xmlns:a14="http://schemas.microsoft.com/office/drawing/2010/main">
-                      <a:solidFill>
-                        <a:schemeClr val="accent1"/>
-                      </a:solidFill>
-                    </a14:hiddenFill>
-                  </a:ext>
-                  <a:ext uri="{91240B29-F687-4F45-9708-019B960494DF}">
-                    <a14:hiddenLine xmlns:a14="http://schemas.microsoft.com/office/drawing/2010/main" w="9525">
-                      <a:solidFill>
-                        <a:schemeClr val="tx1"/>
-                      </a:solidFill>
-                      <a:miter lim="800000"/>
-                      <a:headEnd/>
-                      <a:tailEnd/>
-                    </a14:hiddenLine>
-                  </a:ext>
-                </a:extLst>
               </p:spPr>
-            </p:pic>
-            <p:pic>
-              <p:nvPicPr>
-                <p:cNvPr id="58" name="Picture 2"/>
-                <p:cNvPicPr>
-                  <a:picLocks noChangeAspect="1" noChangeArrowheads="1"/>
-                </p:cNvPicPr>
+              <p:style>
+                <a:lnRef idx="2">
+                  <a:schemeClr val="accent1">
+                    <a:shade val="50000"/>
+                  </a:schemeClr>
+                </a:lnRef>
+                <a:fillRef idx="1">
+                  <a:schemeClr val="accent1"/>
+                </a:fillRef>
+                <a:effectRef idx="0">
+                  <a:schemeClr val="accent1"/>
+                </a:effectRef>
+                <a:fontRef idx="minor">
+                  <a:schemeClr val="lt1"/>
+                </a:fontRef>
+              </p:style>
+              <p:txBody>
+                <a:bodyPr rtlCol="0" anchor="ctr"/>
+                <a:lstStyle/>
+                <a:p>
+                  <a:pPr algn="ctr"/>
+                  <a:endParaRPr lang="en-US"/>
+                </a:p>
+              </p:txBody>
+            </p:sp>
+            <p:sp>
+              <p:nvSpPr>
+                <p:cNvPr id="61" name="Rectangle 60"/>
+                <p:cNvSpPr/>
                 <p:nvPr/>
-              </p:nvPicPr>
-              <p:blipFill rotWithShape="1">
-                <a:blip r:embed="rId4" cstate="print">
-                  <a:extLst>
-                    <a:ext uri="{28A0092B-C50C-407E-A947-70E740481C1C}">
-                      <a14:useLocalDpi xmlns:a14="http://schemas.microsoft.com/office/drawing/2010/main" val="0"/>
-                    </a:ext>
-                  </a:extLst>
-                </a:blip>
-                <a:srcRect l="41983" t="32610" r="12160" b="8424"/>
-                <a:stretch/>
-              </p:blipFill>
-              <p:spPr bwMode="auto">
+              </p:nvSpPr>
+              <p:spPr>
                 <a:xfrm>
-                  <a:off x="4294614" y="3866322"/>
-                  <a:ext cx="1896221" cy="1828800"/>
+                  <a:off x="3813424" y="1256581"/>
+                  <a:ext cx="384048" cy="667512"/>
                 </a:xfrm>
                 <a:prstGeom prst="rect">
                   <a:avLst/>
                 </a:prstGeom>
                 <a:noFill/>
-                <a:ln>
-                  <a:noFill/>
+                <a:ln w="3175">
+                  <a:solidFill>
+                    <a:srgbClr val="798BA2"/>
+                  </a:solidFill>
                 </a:ln>
-                <a:extLst>
-                  <a:ext uri="{909E8E84-426E-40DD-AFC4-6F175D3DCCD1}">
-                    <a14:hiddenFill xmlns:a14="http://schemas.microsoft.com/office/drawing/2010/main">
-                      <a:solidFill>
-                        <a:schemeClr val="accent1"/>
-                      </a:solidFill>
-                    </a14:hiddenFill>
-                  </a:ext>
-                  <a:ext uri="{91240B29-F687-4F45-9708-019B960494DF}">
-                    <a14:hiddenLine xmlns:a14="http://schemas.microsoft.com/office/drawing/2010/main" w="9525">
-                      <a:solidFill>
-                        <a:schemeClr val="tx1"/>
-                      </a:solidFill>
-                      <a:miter lim="800000"/>
-                      <a:headEnd/>
-                      <a:tailEnd/>
-                    </a14:hiddenLine>
-                  </a:ext>
-                </a:extLst>
               </p:spPr>
-            </p:pic>
-            <p:pic>
-              <p:nvPicPr>
-                <p:cNvPr id="57" name="Picture 2"/>
-                <p:cNvPicPr>
-                  <a:picLocks noChangeAspect="1" noChangeArrowheads="1"/>
-                </p:cNvPicPr>
+              <p:style>
+                <a:lnRef idx="2">
+                  <a:schemeClr val="accent1">
+                    <a:shade val="50000"/>
+                  </a:schemeClr>
+                </a:lnRef>
+                <a:fillRef idx="1">
+                  <a:schemeClr val="accent1"/>
+                </a:fillRef>
+                <a:effectRef idx="0">
+                  <a:schemeClr val="accent1"/>
+                </a:effectRef>
+                <a:fontRef idx="minor">
+                  <a:schemeClr val="lt1"/>
+                </a:fontRef>
+              </p:style>
+              <p:txBody>
+                <a:bodyPr rtlCol="0" anchor="ctr"/>
+                <a:lstStyle/>
+                <a:p>
+                  <a:pPr algn="ctr"/>
+                  <a:endParaRPr lang="en-US"/>
+                </a:p>
+              </p:txBody>
+            </p:sp>
+            <p:sp>
+              <p:nvSpPr>
+                <p:cNvPr id="62" name="Rectangle 61"/>
+                <p:cNvSpPr/>
                 <p:nvPr/>
-              </p:nvPicPr>
-              <p:blipFill rotWithShape="1">
-                <a:blip r:embed="rId5" cstate="print">
-                  <a:extLst>
-                    <a:ext uri="{28A0092B-C50C-407E-A947-70E740481C1C}">
-                      <a14:useLocalDpi xmlns:a14="http://schemas.microsoft.com/office/drawing/2010/main" val="0"/>
-                    </a:ext>
-                  </a:extLst>
-                </a:blip>
-                <a:srcRect l="41575" t="30707" r="13792" b="9240"/>
-                <a:stretch/>
-              </p:blipFill>
-              <p:spPr bwMode="auto">
+              </p:nvSpPr>
+              <p:spPr>
                 <a:xfrm>
-                  <a:off x="2347688" y="3907209"/>
-                  <a:ext cx="1812250" cy="1828800"/>
+                  <a:off x="4879240" y="278295"/>
+                  <a:ext cx="457200" cy="594360"/>
                 </a:xfrm>
                 <a:prstGeom prst="rect">
                   <a:avLst/>
                 </a:prstGeom>
                 <a:noFill/>
-                <a:ln>
-                  <a:noFill/>
+                <a:ln w="3175">
+                  <a:solidFill>
+                    <a:srgbClr val="B25809"/>
+                  </a:solidFill>
                 </a:ln>
-                <a:extLst>
-                  <a:ext uri="{909E8E84-426E-40DD-AFC4-6F175D3DCCD1}">
-                    <a14:hiddenFill xmlns:a14="http://schemas.microsoft.com/office/drawing/2010/main">
-                      <a:solidFill>
-                        <a:schemeClr val="accent1"/>
-                      </a:solidFill>
-                    </a14:hiddenFill>
-                  </a:ext>
-                  <a:ext uri="{91240B29-F687-4F45-9708-019B960494DF}">
-                    <a14:hiddenLine xmlns:a14="http://schemas.microsoft.com/office/drawing/2010/main" w="9525">
-                      <a:solidFill>
-                        <a:schemeClr val="tx1"/>
-                      </a:solidFill>
-                      <a:miter lim="800000"/>
-                      <a:headEnd/>
-                      <a:tailEnd/>
-                    </a14:hiddenLine>
-                  </a:ext>
-                </a:extLst>
               </p:spPr>
-            </p:pic>
-            <p:pic>
-              <p:nvPicPr>
-                <p:cNvPr id="56" name="Picture 3"/>
-                <p:cNvPicPr>
-                  <a:picLocks noChangeAspect="1" noChangeArrowheads="1"/>
-                </p:cNvPicPr>
+              <p:style>
+                <a:lnRef idx="2">
+                  <a:schemeClr val="accent1">
+                    <a:shade val="50000"/>
+                  </a:schemeClr>
+                </a:lnRef>
+                <a:fillRef idx="1">
+                  <a:schemeClr val="accent1"/>
+                </a:fillRef>
+                <a:effectRef idx="0">
+                  <a:schemeClr val="accent1"/>
+                </a:effectRef>
+                <a:fontRef idx="minor">
+                  <a:schemeClr val="lt1"/>
+                </a:fontRef>
+              </p:style>
+              <p:txBody>
+                <a:bodyPr rtlCol="0" anchor="ctr"/>
+                <a:lstStyle/>
+                <a:p>
+                  <a:pPr algn="ctr"/>
+                  <a:endParaRPr lang="en-US"/>
+                </a:p>
+              </p:txBody>
+            </p:sp>
+            <p:sp>
+              <p:nvSpPr>
+                <p:cNvPr id="63" name="Rectangle 62"/>
+                <p:cNvSpPr/>
                 <p:nvPr/>
-              </p:nvPicPr>
-              <p:blipFill rotWithShape="1">
-                <a:blip r:embed="rId6" cstate="print">
-                  <a:extLst>
-                    <a:ext uri="{28A0092B-C50C-407E-A947-70E740481C1C}">
-                      <a14:useLocalDpi xmlns:a14="http://schemas.microsoft.com/office/drawing/2010/main" val="0"/>
-                    </a:ext>
-                  </a:extLst>
-                </a:blip>
-                <a:srcRect l="45312" t="33288" r="9443" b="7201"/>
-                <a:stretch/>
-              </p:blipFill>
-              <p:spPr bwMode="auto">
+              </p:nvSpPr>
+              <p:spPr>
                 <a:xfrm>
-                  <a:off x="431876" y="4005469"/>
-                  <a:ext cx="1853852" cy="1828800"/>
+                  <a:off x="6410678" y="691954"/>
+                  <a:ext cx="658368" cy="338328"/>
                 </a:xfrm>
                 <a:prstGeom prst="rect">
                   <a:avLst/>
                 </a:prstGeom>
                 <a:noFill/>
-                <a:ln>
-                  <a:noFill/>
+                <a:ln w="3175">
+                  <a:solidFill>
+                    <a:srgbClr val="B28254"/>
+                  </a:solidFill>
                 </a:ln>
-                <a:extLst>
-                  <a:ext uri="{909E8E84-426E-40DD-AFC4-6F175D3DCCD1}">
-                    <a14:hiddenFill xmlns:a14="http://schemas.microsoft.com/office/drawing/2010/main">
-                      <a:solidFill>
-                        <a:schemeClr val="accent1"/>
-                      </a:solidFill>
-                    </a14:hiddenFill>
-                  </a:ext>
-                  <a:ext uri="{91240B29-F687-4F45-9708-019B960494DF}">
-                    <a14:hiddenLine xmlns:a14="http://schemas.microsoft.com/office/drawing/2010/main" w="9525">
-                      <a:solidFill>
-                        <a:schemeClr val="tx1"/>
-                      </a:solidFill>
-                      <a:miter lim="800000"/>
-                      <a:headEnd/>
-                      <a:tailEnd/>
-                    </a14:hiddenLine>
-                  </a:ext>
-                </a:extLst>
               </p:spPr>
-            </p:pic>
-            <p:pic>
-              <p:nvPicPr>
-                <p:cNvPr id="55" name="Picture 2"/>
-                <p:cNvPicPr>
-                  <a:picLocks noChangeAspect="1" noChangeArrowheads="1"/>
-                </p:cNvPicPr>
+              <p:style>
+                <a:lnRef idx="2">
+                  <a:schemeClr val="accent1">
+                    <a:shade val="50000"/>
+                  </a:schemeClr>
+                </a:lnRef>
+                <a:fillRef idx="1">
+                  <a:schemeClr val="accent1"/>
+                </a:fillRef>
+                <a:effectRef idx="0">
+                  <a:schemeClr val="accent1"/>
+                </a:effectRef>
+                <a:fontRef idx="minor">
+                  <a:schemeClr val="lt1"/>
+                </a:fontRef>
+              </p:style>
+              <p:txBody>
+                <a:bodyPr rtlCol="0" anchor="ctr"/>
+                <a:lstStyle/>
+                <a:p>
+                  <a:pPr algn="ctr"/>
+                  <a:endParaRPr lang="en-US"/>
+                </a:p>
+              </p:txBody>
+            </p:sp>
+            <p:sp>
+              <p:nvSpPr>
+                <p:cNvPr id="64" name="Rectangle 63"/>
+                <p:cNvSpPr/>
                 <p:nvPr/>
-              </p:nvPicPr>
-              <p:blipFill rotWithShape="1">
-                <a:blip r:embed="rId7" cstate="print">
-                  <a:extLst>
-                    <a:ext uri="{28A0092B-C50C-407E-A947-70E740481C1C}">
-                      <a14:useLocalDpi xmlns:a14="http://schemas.microsoft.com/office/drawing/2010/main" val="0"/>
-                    </a:ext>
-                  </a:extLst>
-                </a:blip>
-                <a:srcRect l="42595" t="31522" r="12568" b="8696"/>
-                <a:stretch/>
-              </p:blipFill>
-              <p:spPr bwMode="auto">
+              </p:nvSpPr>
+              <p:spPr>
                 <a:xfrm>
-                  <a:off x="6179083" y="2107095"/>
-                  <a:ext cx="1828799" cy="1828800"/>
+                  <a:off x="1291305" y="2203107"/>
+                  <a:ext cx="347472" cy="380983"/>
                 </a:xfrm>
                 <a:prstGeom prst="rect">
                   <a:avLst/>
                 </a:prstGeom>
                 <a:noFill/>
-                <a:ln>
-                  <a:noFill/>
+                <a:ln w="3175">
+                  <a:solidFill>
+                    <a:srgbClr val="1E701E"/>
+                  </a:solidFill>
                 </a:ln>
-                <a:extLst>
-                  <a:ext uri="{909E8E84-426E-40DD-AFC4-6F175D3DCCD1}">
-                    <a14:hiddenFill xmlns:a14="http://schemas.microsoft.com/office/drawing/2010/main">
-                      <a:solidFill>
-                        <a:schemeClr val="accent1"/>
-                      </a:solidFill>
-                    </a14:hiddenFill>
-                  </a:ext>
-                  <a:ext uri="{91240B29-F687-4F45-9708-019B960494DF}">
-                    <a14:hiddenLine xmlns:a14="http://schemas.microsoft.com/office/drawing/2010/main" w="9525">
-                      <a:solidFill>
-                        <a:schemeClr val="tx1"/>
-                      </a:solidFill>
-                      <a:miter lim="800000"/>
-                      <a:headEnd/>
-                      <a:tailEnd/>
-                    </a14:hiddenLine>
-                  </a:ext>
-                </a:extLst>
               </p:spPr>
-            </p:pic>
-            <p:pic>
-              <p:nvPicPr>
-                <p:cNvPr id="54" name="Picture 2"/>
-                <p:cNvPicPr>
-                  <a:picLocks noChangeAspect="1" noChangeArrowheads="1"/>
-                </p:cNvPicPr>
+              <p:style>
+                <a:lnRef idx="2">
+                  <a:schemeClr val="accent1">
+                    <a:shade val="50000"/>
+                  </a:schemeClr>
+                </a:lnRef>
+                <a:fillRef idx="1">
+                  <a:schemeClr val="accent1"/>
+                </a:fillRef>
+                <a:effectRef idx="0">
+                  <a:schemeClr val="accent1"/>
+                </a:effectRef>
+                <a:fontRef idx="minor">
+                  <a:schemeClr val="lt1"/>
+                </a:fontRef>
+              </p:style>
+              <p:txBody>
+                <a:bodyPr rtlCol="0" anchor="ctr"/>
+                <a:lstStyle/>
+                <a:p>
+                  <a:pPr algn="ctr"/>
+                  <a:endParaRPr lang="en-US"/>
+                </a:p>
+              </p:txBody>
+            </p:sp>
+            <p:sp>
+              <p:nvSpPr>
+                <p:cNvPr id="65" name="Rectangle 64"/>
+                <p:cNvSpPr/>
                 <p:nvPr/>
-              </p:nvPicPr>
-              <p:blipFill rotWithShape="1">
-                <a:blip r:embed="rId8" cstate="print">
-                  <a:extLst>
-                    <a:ext uri="{28A0092B-C50C-407E-A947-70E740481C1C}">
-                      <a14:useLocalDpi xmlns:a14="http://schemas.microsoft.com/office/drawing/2010/main" val="0"/>
-                    </a:ext>
-                  </a:extLst>
-                </a:blip>
-                <a:srcRect l="41575" t="33966" r="14199" b="6249"/>
-                <a:stretch/>
-              </p:blipFill>
-              <p:spPr bwMode="auto">
+              </p:nvSpPr>
+              <p:spPr>
                 <a:xfrm>
-                  <a:off x="4294614" y="2037522"/>
-                  <a:ext cx="1803862" cy="1828800"/>
+                  <a:off x="3471389" y="2373017"/>
+                  <a:ext cx="475488" cy="400717"/>
                 </a:xfrm>
                 <a:prstGeom prst="rect">
                   <a:avLst/>
                 </a:prstGeom>
                 <a:noFill/>
-                <a:ln>
-                  <a:noFill/>
+                <a:ln w="3175">
+                  <a:solidFill>
+                    <a:srgbClr val="6A9C60"/>
+                  </a:solidFill>
                 </a:ln>
-                <a:extLst>
-                  <a:ext uri="{909E8E84-426E-40DD-AFC4-6F175D3DCCD1}">
-                    <a14:hiddenFill xmlns:a14="http://schemas.microsoft.com/office/drawing/2010/main">
-                      <a:solidFill>
-                        <a:schemeClr val="accent1"/>
-                      </a:solidFill>
-                    </a14:hiddenFill>
-                  </a:ext>
-                  <a:ext uri="{91240B29-F687-4F45-9708-019B960494DF}">
-                    <a14:hiddenLine xmlns:a14="http://schemas.microsoft.com/office/drawing/2010/main" w="9525">
-                      <a:solidFill>
-                        <a:schemeClr val="tx1"/>
-                      </a:solidFill>
-                      <a:miter lim="800000"/>
-                      <a:headEnd/>
-                      <a:tailEnd/>
-                    </a14:hiddenLine>
-                  </a:ext>
-                </a:extLst>
               </p:spPr>
-            </p:pic>
-            <p:pic>
-              <p:nvPicPr>
-                <p:cNvPr id="53" name="Picture 2"/>
-                <p:cNvPicPr>
-                  <a:picLocks noChangeAspect="1" noChangeArrowheads="1"/>
-                </p:cNvPicPr>
+              <p:style>
+                <a:lnRef idx="2">
+                  <a:schemeClr val="accent1">
+                    <a:shade val="50000"/>
+                  </a:schemeClr>
+                </a:lnRef>
+                <a:fillRef idx="1">
+                  <a:schemeClr val="accent1"/>
+                </a:fillRef>
+                <a:effectRef idx="0">
+                  <a:schemeClr val="accent1"/>
+                </a:effectRef>
+                <a:fontRef idx="minor">
+                  <a:schemeClr val="lt1"/>
+                </a:fontRef>
+              </p:style>
+              <p:txBody>
+                <a:bodyPr rtlCol="0" anchor="ctr"/>
+                <a:lstStyle/>
+                <a:p>
+                  <a:pPr algn="ctr"/>
+                  <a:endParaRPr lang="en-US"/>
+                </a:p>
+              </p:txBody>
+            </p:sp>
+            <p:sp>
+              <p:nvSpPr>
+                <p:cNvPr id="66" name="Rectangle 65"/>
+                <p:cNvSpPr/>
                 <p:nvPr/>
-              </p:nvPicPr>
-              <p:blipFill rotWithShape="1">
-                <a:blip r:embed="rId9" cstate="print">
-                  <a:extLst>
-                    <a:ext uri="{28A0092B-C50C-407E-A947-70E740481C1C}">
-                      <a14:useLocalDpi xmlns:a14="http://schemas.microsoft.com/office/drawing/2010/main" val="0"/>
-                    </a:ext>
-                  </a:extLst>
-                </a:blip>
-                <a:srcRect l="41780" t="30162" r="11549" b="10054"/>
-                <a:stretch/>
-              </p:blipFill>
-              <p:spPr bwMode="auto">
+              </p:nvSpPr>
+              <p:spPr>
                 <a:xfrm>
-                  <a:off x="2360940" y="2057400"/>
-                  <a:ext cx="1903615" cy="1828800"/>
+                  <a:off x="4901586" y="3228725"/>
+                  <a:ext cx="429768" cy="475488"/>
                 </a:xfrm>
                 <a:prstGeom prst="rect">
                   <a:avLst/>
                 </a:prstGeom>
                 <a:noFill/>
-                <a:ln>
-                  <a:noFill/>
+                <a:ln w="3175">
+                  <a:solidFill>
+                    <a:srgbClr val="951B1C"/>
+                  </a:solidFill>
                 </a:ln>
-                <a:extLst>
-                  <a:ext uri="{909E8E84-426E-40DD-AFC4-6F175D3DCCD1}">
-                    <a14:hiddenFill xmlns:a14="http://schemas.microsoft.com/office/drawing/2010/main">
-                      <a:solidFill>
-                        <a:schemeClr val="accent1"/>
-                      </a:solidFill>
-                    </a14:hiddenFill>
-                  </a:ext>
-                  <a:ext uri="{91240B29-F687-4F45-9708-019B960494DF}">
-                    <a14:hiddenLine xmlns:a14="http://schemas.microsoft.com/office/drawing/2010/main" w="9525">
-                      <a:solidFill>
-                        <a:schemeClr val="tx1"/>
-                      </a:solidFill>
-                      <a:miter lim="800000"/>
-                      <a:headEnd/>
-                      <a:tailEnd/>
-                    </a14:hiddenLine>
-                  </a:ext>
-                </a:extLst>
               </p:spPr>
-            </p:pic>
-            <p:pic>
-              <p:nvPicPr>
-                <p:cNvPr id="52" name="Picture 2"/>
-                <p:cNvPicPr>
-                  <a:picLocks noChangeAspect="1" noChangeArrowheads="1"/>
-                </p:cNvPicPr>
+              <p:style>
+                <a:lnRef idx="2">
+                  <a:schemeClr val="accent1">
+                    <a:shade val="50000"/>
+                  </a:schemeClr>
+                </a:lnRef>
+                <a:fillRef idx="1">
+                  <a:schemeClr val="accent1"/>
+                </a:fillRef>
+                <a:effectRef idx="0">
+                  <a:schemeClr val="accent1"/>
+                </a:effectRef>
+                <a:fontRef idx="minor">
+                  <a:schemeClr val="lt1"/>
+                </a:fontRef>
+              </p:style>
+              <p:txBody>
+                <a:bodyPr rtlCol="0" anchor="ctr"/>
+                <a:lstStyle/>
+                <a:p>
+                  <a:pPr algn="ctr"/>
+                  <a:endParaRPr lang="en-US"/>
+                </a:p>
+              </p:txBody>
+            </p:sp>
+            <p:sp>
+              <p:nvSpPr>
+                <p:cNvPr id="67" name="Rectangle 66"/>
+                <p:cNvSpPr/>
                 <p:nvPr/>
-              </p:nvPicPr>
-              <p:blipFill rotWithShape="1">
-                <a:blip r:embed="rId10" cstate="print">
-                  <a:extLst>
-                    <a:ext uri="{28A0092B-C50C-407E-A947-70E740481C1C}">
-                      <a14:useLocalDpi xmlns:a14="http://schemas.microsoft.com/office/drawing/2010/main" val="0"/>
-                    </a:ext>
-                  </a:extLst>
-                </a:blip>
-                <a:srcRect l="41644" t="31520" r="11889" b="9783"/>
-                <a:stretch/>
-              </p:blipFill>
-              <p:spPr bwMode="auto">
+              </p:nvSpPr>
+              <p:spPr>
                 <a:xfrm>
-                  <a:off x="393602" y="2037522"/>
-                  <a:ext cx="1930400" cy="1828800"/>
+                  <a:off x="6364659" y="2721043"/>
+                  <a:ext cx="448056" cy="502920"/>
                 </a:xfrm>
                 <a:prstGeom prst="rect">
                   <a:avLst/>
                 </a:prstGeom>
                 <a:noFill/>
-                <a:ln>
-                  <a:noFill/>
+                <a:ln w="3175">
+                  <a:solidFill>
+                    <a:srgbClr val="B26A69"/>
+                  </a:solidFill>
                 </a:ln>
-                <a:extLst>
-                  <a:ext uri="{909E8E84-426E-40DD-AFC4-6F175D3DCCD1}">
-                    <a14:hiddenFill xmlns:a14="http://schemas.microsoft.com/office/drawing/2010/main">
-                      <a:solidFill>
-                        <a:schemeClr val="accent1"/>
-                      </a:solidFill>
-                    </a14:hiddenFill>
-                  </a:ext>
-                  <a:ext uri="{91240B29-F687-4F45-9708-019B960494DF}">
-                    <a14:hiddenLine xmlns:a14="http://schemas.microsoft.com/office/drawing/2010/main" w="9525">
-                      <a:solidFill>
-                        <a:schemeClr val="tx1"/>
-                      </a:solidFill>
-                      <a:miter lim="800000"/>
-                      <a:headEnd/>
-                      <a:tailEnd/>
-                    </a14:hiddenLine>
-                  </a:ext>
-                </a:extLst>
               </p:spPr>
-            </p:pic>
-            <p:pic>
-              <p:nvPicPr>
-                <p:cNvPr id="51" name="Picture 2"/>
-                <p:cNvPicPr>
-                  <a:picLocks noChangeAspect="1" noChangeArrowheads="1"/>
-                </p:cNvPicPr>
+              <p:style>
+                <a:lnRef idx="2">
+                  <a:schemeClr val="accent1">
+                    <a:shade val="50000"/>
+                  </a:schemeClr>
+                </a:lnRef>
+                <a:fillRef idx="1">
+                  <a:schemeClr val="accent1"/>
+                </a:fillRef>
+                <a:effectRef idx="0">
+                  <a:schemeClr val="accent1"/>
+                </a:effectRef>
+                <a:fontRef idx="minor">
+                  <a:schemeClr val="lt1"/>
+                </a:fontRef>
+              </p:style>
+              <p:txBody>
+                <a:bodyPr rtlCol="0" anchor="ctr"/>
+                <a:lstStyle/>
+                <a:p>
+                  <a:pPr algn="ctr"/>
+                  <a:endParaRPr lang="en-US"/>
+                </a:p>
+              </p:txBody>
+            </p:sp>
+            <p:sp>
+              <p:nvSpPr>
+                <p:cNvPr id="68" name="Rectangle 67"/>
+                <p:cNvSpPr/>
                 <p:nvPr/>
-              </p:nvPicPr>
-              <p:blipFill rotWithShape="1">
-                <a:blip r:embed="rId11" cstate="print">
-                  <a:extLst>
-                    <a:ext uri="{28A0092B-C50C-407E-A947-70E740481C1C}">
-                      <a14:useLocalDpi xmlns:a14="http://schemas.microsoft.com/office/drawing/2010/main" val="0"/>
-                    </a:ext>
-                  </a:extLst>
-                </a:blip>
-                <a:srcRect l="44328" t="31520" r="11345" b="8424"/>
-                <a:stretch/>
-              </p:blipFill>
-              <p:spPr bwMode="auto">
+              </p:nvSpPr>
+              <p:spPr>
                 <a:xfrm>
-                  <a:off x="6250909" y="228600"/>
-                  <a:ext cx="1799837" cy="1828800"/>
+                  <a:off x="1533242" y="4570980"/>
+                  <a:ext cx="320040" cy="547840"/>
                 </a:xfrm>
                 <a:prstGeom prst="rect">
                   <a:avLst/>
                 </a:prstGeom>
                 <a:noFill/>
-                <a:ln>
-                  <a:noFill/>
+                <a:ln w="3175">
+                  <a:solidFill>
+                    <a:srgbClr val="674884"/>
+                  </a:solidFill>
                 </a:ln>
-                <a:extLst>
-                  <a:ext uri="{909E8E84-426E-40DD-AFC4-6F175D3DCCD1}">
-                    <a14:hiddenFill xmlns:a14="http://schemas.microsoft.com/office/drawing/2010/main">
-                      <a:solidFill>
-                        <a:schemeClr val="accent1"/>
-                      </a:solidFill>
-                    </a14:hiddenFill>
-                  </a:ext>
-                  <a:ext uri="{91240B29-F687-4F45-9708-019B960494DF}">
-                    <a14:hiddenLine xmlns:a14="http://schemas.microsoft.com/office/drawing/2010/main" w="9525">
-                      <a:solidFill>
-                        <a:schemeClr val="tx1"/>
-                      </a:solidFill>
-                      <a:miter lim="800000"/>
-                      <a:headEnd/>
-                      <a:tailEnd/>
-                    </a14:hiddenLine>
-                  </a:ext>
-                </a:extLst>
               </p:spPr>
-            </p:pic>
-            <p:pic>
-              <p:nvPicPr>
-                <p:cNvPr id="50" name="Picture 2"/>
-                <p:cNvPicPr>
-                  <a:picLocks noChangeAspect="1" noChangeArrowheads="1"/>
-                </p:cNvPicPr>
+              <p:style>
+                <a:lnRef idx="2">
+                  <a:schemeClr val="accent1">
+                    <a:shade val="50000"/>
+                  </a:schemeClr>
+                </a:lnRef>
+                <a:fillRef idx="1">
+                  <a:schemeClr val="accent1"/>
+                </a:fillRef>
+                <a:effectRef idx="0">
+                  <a:schemeClr val="accent1"/>
+                </a:effectRef>
+                <a:fontRef idx="minor">
+                  <a:schemeClr val="lt1"/>
+                </a:fontRef>
+              </p:style>
+              <p:txBody>
+                <a:bodyPr rtlCol="0" anchor="ctr"/>
+                <a:lstStyle/>
+                <a:p>
+                  <a:pPr algn="ctr"/>
+                  <a:endParaRPr lang="en-US"/>
+                </a:p>
+              </p:txBody>
+            </p:sp>
+            <p:sp>
+              <p:nvSpPr>
+                <p:cNvPr id="69" name="Rectangle 68"/>
+                <p:cNvSpPr/>
                 <p:nvPr/>
-              </p:nvPicPr>
-              <p:blipFill rotWithShape="1">
-                <a:blip r:embed="rId12" cstate="print">
-                  <a:extLst>
-                    <a:ext uri="{28A0092B-C50C-407E-A947-70E740481C1C}">
-                      <a14:useLocalDpi xmlns:a14="http://schemas.microsoft.com/office/drawing/2010/main" val="0"/>
-                    </a:ext>
-                  </a:extLst>
-                </a:blip>
-                <a:srcRect l="43614" t="32064" r="8696" b="6251"/>
-                <a:stretch/>
-              </p:blipFill>
-              <p:spPr bwMode="auto">
+              </p:nvSpPr>
+              <p:spPr>
                 <a:xfrm>
-                  <a:off x="4253948" y="278295"/>
-                  <a:ext cx="1885194" cy="1828800"/>
+                  <a:off x="2687774" y="4501959"/>
+                  <a:ext cx="374904" cy="438912"/>
                 </a:xfrm>
                 <a:prstGeom prst="rect">
                   <a:avLst/>
                 </a:prstGeom>
                 <a:noFill/>
-                <a:ln>
-                  <a:noFill/>
+                <a:ln w="3175">
+                  <a:solidFill>
+                    <a:srgbClr val="897B95"/>
+                  </a:solidFill>
                 </a:ln>
-                <a:extLst>
-                  <a:ext uri="{909E8E84-426E-40DD-AFC4-6F175D3DCCD1}">
-                    <a14:hiddenFill xmlns:a14="http://schemas.microsoft.com/office/drawing/2010/main">
-                      <a:solidFill>
-                        <a:schemeClr val="accent1"/>
-                      </a:solidFill>
-                    </a14:hiddenFill>
-                  </a:ext>
-                  <a:ext uri="{91240B29-F687-4F45-9708-019B960494DF}">
-                    <a14:hiddenLine xmlns:a14="http://schemas.microsoft.com/office/drawing/2010/main" w="9525">
-                      <a:solidFill>
-                        <a:schemeClr val="tx1"/>
-                      </a:solidFill>
-                      <a:miter lim="800000"/>
-                      <a:headEnd/>
-                      <a:tailEnd/>
-                    </a14:hiddenLine>
-                  </a:ext>
-                </a:extLst>
               </p:spPr>
-            </p:pic>
-            <p:pic>
-              <p:nvPicPr>
-                <p:cNvPr id="49" name="Picture 2"/>
-                <p:cNvPicPr>
-                  <a:picLocks noChangeAspect="1" noChangeArrowheads="1"/>
-                </p:cNvPicPr>
+              <p:style>
+                <a:lnRef idx="2">
+                  <a:schemeClr val="accent1">
+                    <a:shade val="50000"/>
+                  </a:schemeClr>
+                </a:lnRef>
+                <a:fillRef idx="1">
+                  <a:schemeClr val="accent1"/>
+                </a:fillRef>
+                <a:effectRef idx="0">
+                  <a:schemeClr val="accent1"/>
+                </a:effectRef>
+                <a:fontRef idx="minor">
+                  <a:schemeClr val="lt1"/>
+                </a:fontRef>
+              </p:style>
+              <p:txBody>
+                <a:bodyPr rtlCol="0" anchor="ctr"/>
+                <a:lstStyle/>
+                <a:p>
+                  <a:pPr algn="ctr"/>
+                  <a:endParaRPr lang="en-US"/>
+                </a:p>
+              </p:txBody>
+            </p:sp>
+            <p:sp>
+              <p:nvSpPr>
+                <p:cNvPr id="70" name="Rectangle 69"/>
+                <p:cNvSpPr/>
                 <p:nvPr/>
-              </p:nvPicPr>
-              <p:blipFill rotWithShape="1">
-                <a:blip r:embed="rId13" cstate="print">
-                  <a:extLst>
-                    <a:ext uri="{28A0092B-C50C-407E-A947-70E740481C1C}">
-                      <a14:useLocalDpi xmlns:a14="http://schemas.microsoft.com/office/drawing/2010/main" val="0"/>
-                    </a:ext>
-                  </a:extLst>
-                </a:blip>
-                <a:srcRect l="44801" t="31289" r="6450" b="7802"/>
-                <a:stretch/>
-              </p:blipFill>
-              <p:spPr bwMode="auto">
+              </p:nvSpPr>
+              <p:spPr>
                 <a:xfrm>
-                  <a:off x="2312925" y="228600"/>
-                  <a:ext cx="1951630" cy="1828800"/>
+                  <a:off x="4904406" y="4886630"/>
+                  <a:ext cx="374904" cy="347405"/>
                 </a:xfrm>
                 <a:prstGeom prst="rect">
                   <a:avLst/>
                 </a:prstGeom>
                 <a:noFill/>
-                <a:ln>
-                  <a:noFill/>
+                <a:ln w="3175">
+                  <a:solidFill>
+                    <a:srgbClr val="623C34"/>
+                  </a:solidFill>
                 </a:ln>
-                <a:extLst>
-                  <a:ext uri="{909E8E84-426E-40DD-AFC4-6F175D3DCCD1}">
-                    <a14:hiddenFill xmlns:a14="http://schemas.microsoft.com/office/drawing/2010/main">
-                      <a:solidFill>
-                        <a:schemeClr val="accent1"/>
-                      </a:solidFill>
-                    </a14:hiddenFill>
-                  </a:ext>
-                  <a:ext uri="{91240B29-F687-4F45-9708-019B960494DF}">
-                    <a14:hiddenLine xmlns:a14="http://schemas.microsoft.com/office/drawing/2010/main" w="9525">
-                      <a:solidFill>
-                        <a:schemeClr val="tx1"/>
-                      </a:solidFill>
-                      <a:miter lim="800000"/>
-                      <a:headEnd/>
-                      <a:tailEnd/>
-                    </a14:hiddenLine>
-                  </a:ext>
-                </a:extLst>
               </p:spPr>
-            </p:pic>
-            <p:pic>
-              <p:nvPicPr>
-                <p:cNvPr id="48" name="Picture 2"/>
-                <p:cNvPicPr>
-                  <a:picLocks noChangeAspect="1" noChangeArrowheads="1"/>
-                </p:cNvPicPr>
-                <p:nvPr/>
-              </p:nvPicPr>
-              <p:blipFill rotWithShape="1">
-                <a:blip r:embed="rId14">
-                  <a:extLst>
-                    <a:ext uri="{28A0092B-C50C-407E-A947-70E740481C1C}">
-                      <a14:useLocalDpi xmlns:a14="http://schemas.microsoft.com/office/drawing/2010/main" val="0"/>
-                    </a:ext>
-                  </a:extLst>
-                </a:blip>
-                <a:srcRect l="44659" t="30682" r="12045" b="12728"/>
-                <a:stretch/>
-              </p:blipFill>
-              <p:spPr bwMode="auto">
-                <a:xfrm>
-                  <a:off x="393602" y="228600"/>
-                  <a:ext cx="1865523" cy="1828800"/>
-                </a:xfrm>
-                <a:prstGeom prst="rect">
-                  <a:avLst/>
-                </a:prstGeom>
-                <a:noFill/>
-                <a:ln>
-                  <a:noFill/>
-                </a:ln>
-                <a:extLst>
-                  <a:ext uri="{909E8E84-426E-40DD-AFC4-6F175D3DCCD1}">
-                    <a14:hiddenFill xmlns:a14="http://schemas.microsoft.com/office/drawing/2010/main">
-                      <a:solidFill>
-                        <a:schemeClr val="accent1"/>
-                      </a:solidFill>
-                    </a14:hiddenFill>
-                  </a:ext>
-                  <a:ext uri="{91240B29-F687-4F45-9708-019B960494DF}">
-                    <a14:hiddenLine xmlns:a14="http://schemas.microsoft.com/office/drawing/2010/main" w="9525">
-                      <a:solidFill>
-                        <a:schemeClr val="tx1"/>
-                      </a:solidFill>
-                      <a:miter lim="800000"/>
-                      <a:headEnd/>
-                      <a:tailEnd/>
-                    </a14:hiddenLine>
-                  </a:ext>
-                </a:extLst>
-              </p:spPr>
-            </p:pic>
-            <p:grpSp>
-              <p:nvGrpSpPr>
-                <p:cNvPr id="6" name="Group 5"/>
-                <p:cNvGrpSpPr/>
-                <p:nvPr/>
-              </p:nvGrpSpPr>
-              <p:grpSpPr>
-                <a:xfrm>
-                  <a:off x="391846" y="228600"/>
-                  <a:ext cx="7658900" cy="5487531"/>
-                  <a:chOff x="391846" y="228600"/>
-                  <a:chExt cx="7658900" cy="5487531"/>
-                </a:xfrm>
-              </p:grpSpPr>
-              <p:sp>
-                <p:nvSpPr>
-                  <p:cNvPr id="16" name="Rectangle 15"/>
-                  <p:cNvSpPr/>
-                  <p:nvPr/>
-                </p:nvSpPr>
-                <p:spPr>
-                  <a:xfrm>
-                    <a:off x="4221715" y="228600"/>
-                    <a:ext cx="1914525" cy="1828800"/>
-                  </a:xfrm>
-                  <a:prstGeom prst="rect">
-                    <a:avLst/>
-                  </a:prstGeom>
-                  <a:noFill/>
-                  <a:ln w="3175">
-                    <a:solidFill>
-                      <a:schemeClr val="tx1">
-                        <a:lumMod val="50000"/>
-                        <a:lumOff val="50000"/>
-                      </a:schemeClr>
-                    </a:solidFill>
-                  </a:ln>
-                </p:spPr>
-                <p:style>
-                  <a:lnRef idx="2">
-                    <a:schemeClr val="accent1">
-                      <a:shade val="50000"/>
-                    </a:schemeClr>
-                  </a:lnRef>
-                  <a:fillRef idx="1">
-                    <a:schemeClr val="accent1"/>
-                  </a:fillRef>
-                  <a:effectRef idx="0">
-                    <a:schemeClr val="accent1"/>
-                  </a:effectRef>
-                  <a:fontRef idx="minor">
-                    <a:schemeClr val="lt1"/>
-                  </a:fontRef>
-                </p:style>
-                <p:txBody>
-                  <a:bodyPr rtlCol="0" anchor="ctr"/>
-                  <a:lstStyle/>
-                  <a:p>
-                    <a:pPr algn="ctr"/>
-                    <a:endParaRPr lang="en-US"/>
-                  </a:p>
-                </p:txBody>
-              </p:sp>
-              <p:sp>
-                <p:nvSpPr>
-                  <p:cNvPr id="28" name="Rectangle 27"/>
-                  <p:cNvSpPr/>
-                  <p:nvPr/>
-                </p:nvSpPr>
-                <p:spPr>
-                  <a:xfrm>
-                    <a:off x="6135374" y="228600"/>
-                    <a:ext cx="1914525" cy="1828800"/>
-                  </a:xfrm>
-                  <a:prstGeom prst="rect">
-                    <a:avLst/>
-                  </a:prstGeom>
-                  <a:noFill/>
-                  <a:ln w="3175">
-                    <a:solidFill>
-                      <a:schemeClr val="tx1">
-                        <a:lumMod val="50000"/>
-                        <a:lumOff val="50000"/>
-                      </a:schemeClr>
-                    </a:solidFill>
-                  </a:ln>
-                </p:spPr>
-                <p:style>
-                  <a:lnRef idx="2">
-                    <a:schemeClr val="accent1">
-                      <a:shade val="50000"/>
-                    </a:schemeClr>
-                  </a:lnRef>
-                  <a:fillRef idx="1">
-                    <a:schemeClr val="accent1"/>
-                  </a:fillRef>
-                  <a:effectRef idx="0">
-                    <a:schemeClr val="accent1"/>
-                  </a:effectRef>
-                  <a:fontRef idx="minor">
-                    <a:schemeClr val="lt1"/>
-                  </a:fontRef>
-                </p:style>
-                <p:txBody>
-                  <a:bodyPr rtlCol="0" anchor="ctr"/>
-                  <a:lstStyle/>
-                  <a:p>
-                    <a:pPr algn="ctr"/>
-                    <a:endParaRPr lang="en-US"/>
-                  </a:p>
-                </p:txBody>
-              </p:sp>
-              <p:sp>
-                <p:nvSpPr>
-                  <p:cNvPr id="29" name="Rectangle 28"/>
-                  <p:cNvSpPr/>
-                  <p:nvPr/>
-                </p:nvSpPr>
-                <p:spPr>
-                  <a:xfrm>
-                    <a:off x="2308202" y="228600"/>
-                    <a:ext cx="1914525" cy="1828800"/>
-                  </a:xfrm>
-                  <a:prstGeom prst="rect">
-                    <a:avLst/>
-                  </a:prstGeom>
-                  <a:noFill/>
-                  <a:ln w="3175">
-                    <a:solidFill>
-                      <a:schemeClr val="tx1">
-                        <a:lumMod val="50000"/>
-                        <a:lumOff val="50000"/>
-                      </a:schemeClr>
-                    </a:solidFill>
-                  </a:ln>
-                </p:spPr>
-                <p:style>
-                  <a:lnRef idx="2">
-                    <a:schemeClr val="accent1">
-                      <a:shade val="50000"/>
-                    </a:schemeClr>
-                  </a:lnRef>
-                  <a:fillRef idx="1">
-                    <a:schemeClr val="accent1"/>
-                  </a:fillRef>
-                  <a:effectRef idx="0">
-                    <a:schemeClr val="accent1"/>
-                  </a:effectRef>
-                  <a:fontRef idx="minor">
-                    <a:schemeClr val="lt1"/>
-                  </a:fontRef>
-                </p:style>
-                <p:txBody>
-                  <a:bodyPr rtlCol="0" anchor="ctr"/>
-                  <a:lstStyle/>
-                  <a:p>
-                    <a:pPr algn="ctr"/>
-                    <a:endParaRPr lang="en-US"/>
-                  </a:p>
-                </p:txBody>
-              </p:sp>
-              <p:sp>
-                <p:nvSpPr>
-                  <p:cNvPr id="30" name="Rectangle 29"/>
-                  <p:cNvSpPr/>
-                  <p:nvPr/>
-                </p:nvSpPr>
-                <p:spPr>
-                  <a:xfrm>
-                    <a:off x="393380" y="228600"/>
-                    <a:ext cx="1914525" cy="1828800"/>
-                  </a:xfrm>
-                  <a:prstGeom prst="rect">
-                    <a:avLst/>
-                  </a:prstGeom>
-                  <a:noFill/>
-                  <a:ln w="3175">
-                    <a:solidFill>
-                      <a:schemeClr val="tx1">
-                        <a:lumMod val="50000"/>
-                        <a:lumOff val="50000"/>
-                      </a:schemeClr>
-                    </a:solidFill>
-                  </a:ln>
-                </p:spPr>
-                <p:style>
-                  <a:lnRef idx="2">
-                    <a:schemeClr val="accent1">
-                      <a:shade val="50000"/>
-                    </a:schemeClr>
-                  </a:lnRef>
-                  <a:fillRef idx="1">
-                    <a:schemeClr val="accent1"/>
-                  </a:fillRef>
-                  <a:effectRef idx="0">
-                    <a:schemeClr val="accent1"/>
-                  </a:effectRef>
-                  <a:fontRef idx="minor">
-                    <a:schemeClr val="lt1"/>
-                  </a:fontRef>
-                </p:style>
-                <p:txBody>
-                  <a:bodyPr rtlCol="0" anchor="ctr"/>
-                  <a:lstStyle/>
-                  <a:p>
-                    <a:pPr algn="ctr"/>
-                    <a:endParaRPr lang="en-US"/>
-                  </a:p>
-                </p:txBody>
-              </p:sp>
-              <p:sp>
-                <p:nvSpPr>
-                  <p:cNvPr id="40" name="Rectangle 39"/>
-                  <p:cNvSpPr/>
-                  <p:nvPr/>
-                </p:nvSpPr>
-                <p:spPr>
-                  <a:xfrm>
-                    <a:off x="4221937" y="2057400"/>
-                    <a:ext cx="1914525" cy="1828800"/>
-                  </a:xfrm>
-                  <a:prstGeom prst="rect">
-                    <a:avLst/>
-                  </a:prstGeom>
-                  <a:noFill/>
-                  <a:ln w="3175">
-                    <a:solidFill>
-                      <a:schemeClr val="tx1">
-                        <a:lumMod val="50000"/>
-                        <a:lumOff val="50000"/>
-                      </a:schemeClr>
-                    </a:solidFill>
-                  </a:ln>
-                </p:spPr>
-                <p:style>
-                  <a:lnRef idx="2">
-                    <a:schemeClr val="accent1">
-                      <a:shade val="50000"/>
-                    </a:schemeClr>
-                  </a:lnRef>
-                  <a:fillRef idx="1">
-                    <a:schemeClr val="accent1"/>
-                  </a:fillRef>
-                  <a:effectRef idx="0">
-                    <a:schemeClr val="accent1"/>
-                  </a:effectRef>
-                  <a:fontRef idx="minor">
-                    <a:schemeClr val="lt1"/>
-                  </a:fontRef>
-                </p:style>
-                <p:txBody>
-                  <a:bodyPr rtlCol="0" anchor="ctr"/>
-                  <a:lstStyle/>
-                  <a:p>
-                    <a:pPr algn="ctr"/>
-                    <a:endParaRPr lang="en-US"/>
-                  </a:p>
-                </p:txBody>
-              </p:sp>
-              <p:sp>
-                <p:nvSpPr>
-                  <p:cNvPr id="41" name="Rectangle 40"/>
-                  <p:cNvSpPr/>
-                  <p:nvPr/>
-                </p:nvSpPr>
-                <p:spPr>
-                  <a:xfrm>
-                    <a:off x="6135596" y="2057400"/>
-                    <a:ext cx="1914525" cy="1828800"/>
-                  </a:xfrm>
-                  <a:prstGeom prst="rect">
-                    <a:avLst/>
-                  </a:prstGeom>
-                  <a:noFill/>
-                  <a:ln w="3175">
-                    <a:solidFill>
-                      <a:schemeClr val="tx1">
-                        <a:lumMod val="50000"/>
-                        <a:lumOff val="50000"/>
-                      </a:schemeClr>
-                    </a:solidFill>
-                  </a:ln>
-                </p:spPr>
-                <p:style>
-                  <a:lnRef idx="2">
-                    <a:schemeClr val="accent1">
-                      <a:shade val="50000"/>
-                    </a:schemeClr>
-                  </a:lnRef>
-                  <a:fillRef idx="1">
-                    <a:schemeClr val="accent1"/>
-                  </a:fillRef>
-                  <a:effectRef idx="0">
-                    <a:schemeClr val="accent1"/>
-                  </a:effectRef>
-                  <a:fontRef idx="minor">
-                    <a:schemeClr val="lt1"/>
-                  </a:fontRef>
-                </p:style>
-                <p:txBody>
-                  <a:bodyPr rtlCol="0" anchor="ctr"/>
-                  <a:lstStyle/>
-                  <a:p>
-                    <a:pPr algn="ctr"/>
-                    <a:endParaRPr lang="en-US"/>
-                  </a:p>
-                </p:txBody>
-              </p:sp>
-              <p:sp>
-                <p:nvSpPr>
-                  <p:cNvPr id="42" name="Rectangle 41"/>
-                  <p:cNvSpPr/>
-                  <p:nvPr/>
-                </p:nvSpPr>
-                <p:spPr>
-                  <a:xfrm>
-                    <a:off x="2308424" y="2057400"/>
-                    <a:ext cx="1914525" cy="1828800"/>
-                  </a:xfrm>
-                  <a:prstGeom prst="rect">
-                    <a:avLst/>
-                  </a:prstGeom>
-                  <a:noFill/>
-                  <a:ln w="3175">
-                    <a:solidFill>
-                      <a:schemeClr val="tx1">
-                        <a:lumMod val="50000"/>
-                        <a:lumOff val="50000"/>
-                      </a:schemeClr>
-                    </a:solidFill>
-                  </a:ln>
-                </p:spPr>
-                <p:style>
-                  <a:lnRef idx="2">
-                    <a:schemeClr val="accent1">
-                      <a:shade val="50000"/>
-                    </a:schemeClr>
-                  </a:lnRef>
-                  <a:fillRef idx="1">
-                    <a:schemeClr val="accent1"/>
-                  </a:fillRef>
-                  <a:effectRef idx="0">
-                    <a:schemeClr val="accent1"/>
-                  </a:effectRef>
-                  <a:fontRef idx="minor">
-                    <a:schemeClr val="lt1"/>
-                  </a:fontRef>
-                </p:style>
-                <p:txBody>
-                  <a:bodyPr rtlCol="0" anchor="ctr"/>
-                  <a:lstStyle/>
-                  <a:p>
-                    <a:pPr algn="ctr"/>
-                    <a:endParaRPr lang="en-US"/>
-                  </a:p>
-                </p:txBody>
-              </p:sp>
-              <p:sp>
-                <p:nvSpPr>
-                  <p:cNvPr id="43" name="Rectangle 42"/>
-                  <p:cNvSpPr/>
-                  <p:nvPr/>
-                </p:nvSpPr>
-                <p:spPr>
-                  <a:xfrm>
-                    <a:off x="393602" y="2057400"/>
-                    <a:ext cx="1914525" cy="1828800"/>
-                  </a:xfrm>
-                  <a:prstGeom prst="rect">
-                    <a:avLst/>
-                  </a:prstGeom>
-                  <a:noFill/>
-                  <a:ln w="3175">
-                    <a:solidFill>
-                      <a:schemeClr val="tx1">
-                        <a:lumMod val="50000"/>
-                        <a:lumOff val="50000"/>
-                      </a:schemeClr>
-                    </a:solidFill>
-                  </a:ln>
-                </p:spPr>
-                <p:style>
-                  <a:lnRef idx="2">
-                    <a:schemeClr val="accent1">
-                      <a:shade val="50000"/>
-                    </a:schemeClr>
-                  </a:lnRef>
-                  <a:fillRef idx="1">
-                    <a:schemeClr val="accent1"/>
-                  </a:fillRef>
-                  <a:effectRef idx="0">
-                    <a:schemeClr val="accent1"/>
-                  </a:effectRef>
-                  <a:fontRef idx="minor">
-                    <a:schemeClr val="lt1"/>
-                  </a:fontRef>
-                </p:style>
-                <p:txBody>
-                  <a:bodyPr rtlCol="0" anchor="ctr"/>
-                  <a:lstStyle/>
-                  <a:p>
-                    <a:pPr algn="ctr"/>
-                    <a:endParaRPr lang="en-US"/>
-                  </a:p>
-                </p:txBody>
-              </p:sp>
-              <p:sp>
-                <p:nvSpPr>
-                  <p:cNvPr id="44" name="Rectangle 43"/>
-                  <p:cNvSpPr/>
-                  <p:nvPr/>
-                </p:nvSpPr>
-                <p:spPr>
-                  <a:xfrm>
-                    <a:off x="4222562" y="3887331"/>
-                    <a:ext cx="1914525" cy="1828800"/>
-                  </a:xfrm>
-                  <a:prstGeom prst="rect">
-                    <a:avLst/>
-                  </a:prstGeom>
-                  <a:noFill/>
-                  <a:ln w="3175">
-                    <a:solidFill>
-                      <a:schemeClr val="tx1">
-                        <a:lumMod val="50000"/>
-                        <a:lumOff val="50000"/>
-                      </a:schemeClr>
-                    </a:solidFill>
-                  </a:ln>
-                </p:spPr>
-                <p:style>
-                  <a:lnRef idx="2">
-                    <a:schemeClr val="accent1">
-                      <a:shade val="50000"/>
-                    </a:schemeClr>
-                  </a:lnRef>
-                  <a:fillRef idx="1">
-                    <a:schemeClr val="accent1"/>
-                  </a:fillRef>
-                  <a:effectRef idx="0">
-                    <a:schemeClr val="accent1"/>
-                  </a:effectRef>
-                  <a:fontRef idx="minor">
-                    <a:schemeClr val="lt1"/>
-                  </a:fontRef>
-                </p:style>
-                <p:txBody>
-                  <a:bodyPr rtlCol="0" anchor="ctr"/>
-                  <a:lstStyle/>
-                  <a:p>
-                    <a:pPr algn="ctr"/>
-                    <a:endParaRPr lang="en-US"/>
-                  </a:p>
-                </p:txBody>
-              </p:sp>
-              <p:sp>
-                <p:nvSpPr>
-                  <p:cNvPr id="45" name="Rectangle 44"/>
-                  <p:cNvSpPr/>
-                  <p:nvPr/>
-                </p:nvSpPr>
-                <p:spPr>
-                  <a:xfrm>
-                    <a:off x="6136221" y="3887331"/>
-                    <a:ext cx="1914525" cy="1828800"/>
-                  </a:xfrm>
-                  <a:prstGeom prst="rect">
-                    <a:avLst/>
-                  </a:prstGeom>
-                  <a:noFill/>
-                  <a:ln w="3175">
-                    <a:solidFill>
-                      <a:schemeClr val="tx1">
-                        <a:lumMod val="50000"/>
-                        <a:lumOff val="50000"/>
-                      </a:schemeClr>
-                    </a:solidFill>
-                  </a:ln>
-                </p:spPr>
-                <p:style>
-                  <a:lnRef idx="2">
-                    <a:schemeClr val="accent1">
-                      <a:shade val="50000"/>
-                    </a:schemeClr>
-                  </a:lnRef>
-                  <a:fillRef idx="1">
-                    <a:schemeClr val="accent1"/>
-                  </a:fillRef>
-                  <a:effectRef idx="0">
-                    <a:schemeClr val="accent1"/>
-                  </a:effectRef>
-                  <a:fontRef idx="minor">
-                    <a:schemeClr val="lt1"/>
-                  </a:fontRef>
-                </p:style>
-                <p:txBody>
-                  <a:bodyPr rtlCol="0" anchor="ctr"/>
-                  <a:lstStyle/>
-                  <a:p>
-                    <a:pPr algn="ctr"/>
-                    <a:endParaRPr lang="en-US"/>
-                  </a:p>
-                </p:txBody>
-              </p:sp>
-              <p:sp>
-                <p:nvSpPr>
-                  <p:cNvPr id="46" name="Rectangle 45"/>
-                  <p:cNvSpPr/>
-                  <p:nvPr/>
-                </p:nvSpPr>
-                <p:spPr>
-                  <a:xfrm>
-                    <a:off x="2306668" y="3887331"/>
-                    <a:ext cx="1914525" cy="1828800"/>
-                  </a:xfrm>
-                  <a:prstGeom prst="rect">
-                    <a:avLst/>
-                  </a:prstGeom>
-                  <a:noFill/>
-                  <a:ln w="3175">
-                    <a:solidFill>
-                      <a:schemeClr val="tx1">
-                        <a:lumMod val="50000"/>
-                        <a:lumOff val="50000"/>
-                      </a:schemeClr>
-                    </a:solidFill>
-                  </a:ln>
-                </p:spPr>
-                <p:style>
-                  <a:lnRef idx="2">
-                    <a:schemeClr val="accent1">
-                      <a:shade val="50000"/>
-                    </a:schemeClr>
-                  </a:lnRef>
-                  <a:fillRef idx="1">
-                    <a:schemeClr val="accent1"/>
-                  </a:fillRef>
-                  <a:effectRef idx="0">
-                    <a:schemeClr val="accent1"/>
-                  </a:effectRef>
-                  <a:fontRef idx="minor">
-                    <a:schemeClr val="lt1"/>
-                  </a:fontRef>
-                </p:style>
-                <p:txBody>
-                  <a:bodyPr rtlCol="0" anchor="ctr"/>
-                  <a:lstStyle/>
-                  <a:p>
-                    <a:pPr algn="ctr"/>
-                    <a:endParaRPr lang="en-US"/>
-                  </a:p>
-                </p:txBody>
-              </p:sp>
-              <p:sp>
-                <p:nvSpPr>
-                  <p:cNvPr id="47" name="Rectangle 46"/>
-                  <p:cNvSpPr/>
-                  <p:nvPr/>
-                </p:nvSpPr>
-                <p:spPr>
-                  <a:xfrm>
-                    <a:off x="391846" y="3887331"/>
-                    <a:ext cx="1914525" cy="1828800"/>
-                  </a:xfrm>
-                  <a:prstGeom prst="rect">
-                    <a:avLst/>
-                  </a:prstGeom>
-                  <a:noFill/>
-                  <a:ln w="3175">
-                    <a:solidFill>
-                      <a:schemeClr val="tx1">
-                        <a:lumMod val="50000"/>
-                        <a:lumOff val="50000"/>
-                      </a:schemeClr>
-                    </a:solidFill>
-                  </a:ln>
-                </p:spPr>
-                <p:style>
-                  <a:lnRef idx="2">
-                    <a:schemeClr val="accent1">
-                      <a:shade val="50000"/>
-                    </a:schemeClr>
-                  </a:lnRef>
-                  <a:fillRef idx="1">
-                    <a:schemeClr val="accent1"/>
-                  </a:fillRef>
-                  <a:effectRef idx="0">
-                    <a:schemeClr val="accent1"/>
-                  </a:effectRef>
-                  <a:fontRef idx="minor">
-                    <a:schemeClr val="lt1"/>
-                  </a:fontRef>
-                </p:style>
-                <p:txBody>
-                  <a:bodyPr rtlCol="0" anchor="ctr"/>
-                  <a:lstStyle/>
-                  <a:p>
-                    <a:pPr algn="ctr"/>
-                    <a:endParaRPr lang="en-US"/>
-                  </a:p>
-                </p:txBody>
-              </p:sp>
-            </p:grpSp>
+              <p:style>
+                <a:lnRef idx="2">
+                  <a:schemeClr val="accent1">
+                    <a:shade val="50000"/>
+                  </a:schemeClr>
+                </a:lnRef>
+                <a:fillRef idx="1">
+                  <a:schemeClr val="accent1"/>
+                </a:fillRef>
+                <a:effectRef idx="0">
+                  <a:schemeClr val="accent1"/>
+                </a:effectRef>
+                <a:fontRef idx="minor">
+                  <a:schemeClr val="lt1"/>
+                </a:fontRef>
+              </p:style>
+              <p:txBody>
+                <a:bodyPr rtlCol="0" anchor="ctr"/>
+                <a:lstStyle/>
+                <a:p>
+                  <a:pPr algn="ctr"/>
+                  <a:endParaRPr lang="en-US"/>
+                </a:p>
+              </p:txBody>
+            </p:sp>
           </p:grpSp>
           <p:sp>
             <p:nvSpPr>
-              <p:cNvPr id="60" name="Rectangle 59"/>
+              <p:cNvPr id="71" name="Oval 70"/>
               <p:cNvSpPr/>
               <p:nvPr/>
             </p:nvSpPr>
             <p:spPr>
               <a:xfrm>
-                <a:off x="719617" y="645316"/>
-                <a:ext cx="575783" cy="464348"/>
+                <a:off x="427936" y="260887"/>
+                <a:ext cx="228600" cy="230369"/>
               </a:xfrm>
-              <a:prstGeom prst="rect">
+              <a:prstGeom prst="ellipse">
                 <a:avLst/>
               </a:prstGeom>
-              <a:noFill/>
-              <a:ln w="3175">
-                <a:solidFill>
-                  <a:srgbClr val="15537D"/>
-                </a:solidFill>
+              <a:solidFill>
+                <a:schemeClr val="accent2"/>
+              </a:solidFill>
+              <a:ln>
+                <a:noFill/>
               </a:ln>
             </p:spPr>
             <p:style>
@@ -9619,23 +10140,61 @@
           </p:sp>
           <p:sp>
             <p:nvSpPr>
-              <p:cNvPr id="61" name="Rectangle 60"/>
+              <p:cNvPr id="72" name="TextBox 71"/>
+              <p:cNvSpPr txBox="1"/>
+              <p:nvPr/>
+            </p:nvSpPr>
+            <p:spPr>
+              <a:xfrm>
+                <a:off x="414489" y="222183"/>
+                <a:ext cx="228600" cy="307777"/>
+              </a:xfrm>
+              <a:prstGeom prst="rect">
+                <a:avLst/>
+              </a:prstGeom>
+              <a:noFill/>
+            </p:spPr>
+            <p:txBody>
+              <a:bodyPr wrap="square" rtlCol="0">
+                <a:spAutoFit/>
+              </a:bodyPr>
+              <a:lstStyle/>
+              <a:p>
+                <a:r>
+                  <a:rPr lang="en-US" sz="1400" dirty="0" smtClean="0">
+                    <a:solidFill>
+                      <a:schemeClr val="bg1"/>
+                    </a:solidFill>
+                  </a:rPr>
+                  <a:t>1</a:t>
+                </a:r>
+                <a:endParaRPr lang="en-US" sz="1400" dirty="0">
+                  <a:solidFill>
+                    <a:schemeClr val="bg1"/>
+                  </a:solidFill>
+                </a:endParaRPr>
+              </a:p>
+            </p:txBody>
+          </p:sp>
+          <p:sp>
+            <p:nvSpPr>
+              <p:cNvPr id="73" name="Oval 72"/>
               <p:cNvSpPr/>
               <p:nvPr/>
             </p:nvSpPr>
             <p:spPr>
               <a:xfrm>
-                <a:off x="3813424" y="1256581"/>
-                <a:ext cx="384048" cy="667512"/>
+                <a:off x="427936" y="2079369"/>
+                <a:ext cx="228600" cy="230369"/>
               </a:xfrm>
-              <a:prstGeom prst="rect">
+              <a:prstGeom prst="ellipse">
                 <a:avLst/>
               </a:prstGeom>
-              <a:noFill/>
-              <a:ln w="3175">
-                <a:solidFill>
-                  <a:srgbClr val="798BA2"/>
-                </a:solidFill>
+              <a:solidFill>
+                <a:schemeClr val="accent2"/>
+              </a:solidFill>
+              <a:ln>
+                <a:noFill/>
               </a:ln>
             </p:spPr>
             <p:style>
@@ -9665,23 +10224,56 @@
           </p:sp>
           <p:sp>
             <p:nvSpPr>
-              <p:cNvPr id="62" name="Rectangle 61"/>
+              <p:cNvPr id="74" name="TextBox 73"/>
+              <p:cNvSpPr txBox="1"/>
+              <p:nvPr/>
+            </p:nvSpPr>
+            <p:spPr>
+              <a:xfrm>
+                <a:off x="414489" y="2040665"/>
+                <a:ext cx="228600" cy="307777"/>
+              </a:xfrm>
+              <a:prstGeom prst="rect">
+                <a:avLst/>
+              </a:prstGeom>
+              <a:noFill/>
+            </p:spPr>
+            <p:txBody>
+              <a:bodyPr wrap="square" rtlCol="0">
+                <a:spAutoFit/>
+              </a:bodyPr>
+              <a:lstStyle/>
+              <a:p>
+                <a:r>
+                  <a:rPr lang="en-US" sz="1400" dirty="0">
+                    <a:solidFill>
+                      <a:schemeClr val="bg1"/>
+                    </a:solidFill>
+                  </a:rPr>
+                  <a:t>5</a:t>
+                </a:r>
+              </a:p>
+            </p:txBody>
+          </p:sp>
+          <p:sp>
+            <p:nvSpPr>
+              <p:cNvPr id="75" name="Oval 74"/>
               <p:cNvSpPr/>
               <p:nvPr/>
             </p:nvSpPr>
             <p:spPr>
               <a:xfrm>
-                <a:off x="4879240" y="278295"/>
-                <a:ext cx="457200" cy="594360"/>
+                <a:off x="427936" y="3903606"/>
+                <a:ext cx="228600" cy="230369"/>
               </a:xfrm>
-              <a:prstGeom prst="rect">
+              <a:prstGeom prst="ellipse">
                 <a:avLst/>
               </a:prstGeom>
-              <a:noFill/>
-              <a:ln w="3175">
-                <a:solidFill>
-                  <a:srgbClr val="B25809"/>
-                </a:solidFill>
+              <a:solidFill>
+                <a:schemeClr val="accent2"/>
+              </a:solidFill>
+              <a:ln>
+                <a:noFill/>
               </a:ln>
             </p:spPr>
             <p:style>
@@ -9711,23 +10303,56 @@
           </p:sp>
           <p:sp>
             <p:nvSpPr>
-              <p:cNvPr id="63" name="Rectangle 62"/>
+              <p:cNvPr id="76" name="TextBox 75"/>
+              <p:cNvSpPr txBox="1"/>
+              <p:nvPr/>
+            </p:nvSpPr>
+            <p:spPr>
+              <a:xfrm>
+                <a:off x="414489" y="3864902"/>
+                <a:ext cx="228600" cy="307777"/>
+              </a:xfrm>
+              <a:prstGeom prst="rect">
+                <a:avLst/>
+              </a:prstGeom>
+              <a:noFill/>
+            </p:spPr>
+            <p:txBody>
+              <a:bodyPr wrap="square" rtlCol="0">
+                <a:spAutoFit/>
+              </a:bodyPr>
+              <a:lstStyle/>
+              <a:p>
+                <a:r>
+                  <a:rPr lang="en-US" sz="1400" dirty="0">
+                    <a:solidFill>
+                      <a:schemeClr val="bg1"/>
+                    </a:solidFill>
+                  </a:rPr>
+                  <a:t>9</a:t>
+                </a:r>
+              </a:p>
+            </p:txBody>
+          </p:sp>
+          <p:sp>
+            <p:nvSpPr>
+              <p:cNvPr id="77" name="Oval 76"/>
               <p:cNvSpPr/>
               <p:nvPr/>
             </p:nvSpPr>
             <p:spPr>
               <a:xfrm>
-                <a:off x="6410678" y="691954"/>
-                <a:ext cx="658368" cy="338328"/>
+                <a:off x="2349387" y="3903606"/>
+                <a:ext cx="228600" cy="230369"/>
               </a:xfrm>
-              <a:prstGeom prst="rect">
+              <a:prstGeom prst="ellipse">
                 <a:avLst/>
               </a:prstGeom>
-              <a:noFill/>
-              <a:ln w="3175">
-                <a:solidFill>
-                  <a:srgbClr val="B28254"/>
-                </a:solidFill>
+              <a:solidFill>
+                <a:schemeClr val="accent2"/>
+              </a:solidFill>
+              <a:ln>
+                <a:noFill/>
               </a:ln>
             </p:spPr>
             <p:style>
@@ -9757,23 +10382,61 @@
           </p:sp>
           <p:sp>
             <p:nvSpPr>
-              <p:cNvPr id="64" name="Rectangle 63"/>
+              <p:cNvPr id="78" name="TextBox 77"/>
+              <p:cNvSpPr txBox="1"/>
+              <p:nvPr/>
+            </p:nvSpPr>
+            <p:spPr>
+              <a:xfrm>
+                <a:off x="2270214" y="3864902"/>
+                <a:ext cx="551224" cy="307777"/>
+              </a:xfrm>
+              <a:prstGeom prst="rect">
+                <a:avLst/>
+              </a:prstGeom>
+              <a:noFill/>
+            </p:spPr>
+            <p:txBody>
+              <a:bodyPr wrap="square" rtlCol="0">
+                <a:spAutoFit/>
+              </a:bodyPr>
+              <a:lstStyle/>
+              <a:p>
+                <a:r>
+                  <a:rPr lang="en-US" sz="1400" dirty="0" smtClean="0">
+                    <a:solidFill>
+                      <a:schemeClr val="bg1"/>
+                    </a:solidFill>
+                  </a:rPr>
+                  <a:t>10</a:t>
+                </a:r>
+                <a:endParaRPr lang="en-US" sz="1400" dirty="0">
+                  <a:solidFill>
+                    <a:schemeClr val="bg1"/>
+                  </a:solidFill>
+                </a:endParaRPr>
+              </a:p>
+            </p:txBody>
+          </p:sp>
+          <p:sp>
+            <p:nvSpPr>
+              <p:cNvPr id="79" name="Oval 78"/>
               <p:cNvSpPr/>
               <p:nvPr/>
             </p:nvSpPr>
             <p:spPr>
               <a:xfrm>
-                <a:off x="1291305" y="2203107"/>
-                <a:ext cx="347472" cy="380983"/>
+                <a:off x="4256190" y="3903606"/>
+                <a:ext cx="228600" cy="230369"/>
               </a:xfrm>
-              <a:prstGeom prst="rect">
+              <a:prstGeom prst="ellipse">
                 <a:avLst/>
               </a:prstGeom>
-              <a:noFill/>
-              <a:ln w="3175">
-                <a:solidFill>
-                  <a:srgbClr val="1E701E"/>
-                </a:solidFill>
+              <a:solidFill>
+                <a:schemeClr val="accent2"/>
+              </a:solidFill>
+              <a:ln>
+                <a:noFill/>
               </a:ln>
             </p:spPr>
             <p:style>
@@ -9803,23 +10466,61 @@
           </p:sp>
           <p:sp>
             <p:nvSpPr>
-              <p:cNvPr id="65" name="Rectangle 64"/>
+              <p:cNvPr id="80" name="TextBox 79"/>
+              <p:cNvSpPr txBox="1"/>
+              <p:nvPr/>
+            </p:nvSpPr>
+            <p:spPr>
+              <a:xfrm>
+                <a:off x="4202401" y="3864902"/>
+                <a:ext cx="431025" cy="307777"/>
+              </a:xfrm>
+              <a:prstGeom prst="rect">
+                <a:avLst/>
+              </a:prstGeom>
+              <a:noFill/>
+            </p:spPr>
+            <p:txBody>
+              <a:bodyPr wrap="square" rtlCol="0">
+                <a:spAutoFit/>
+              </a:bodyPr>
+              <a:lstStyle/>
+              <a:p>
+                <a:r>
+                  <a:rPr lang="en-US" sz="1400" dirty="0" smtClean="0">
+                    <a:solidFill>
+                      <a:schemeClr val="bg1"/>
+                    </a:solidFill>
+                  </a:rPr>
+                  <a:t>11</a:t>
+                </a:r>
+                <a:endParaRPr lang="en-US" sz="1400" dirty="0">
+                  <a:solidFill>
+                    <a:schemeClr val="bg1"/>
+                  </a:solidFill>
+                </a:endParaRPr>
+              </a:p>
+            </p:txBody>
+          </p:sp>
+          <p:sp>
+            <p:nvSpPr>
+              <p:cNvPr id="81" name="Oval 80"/>
               <p:cNvSpPr/>
               <p:nvPr/>
             </p:nvSpPr>
             <p:spPr>
               <a:xfrm>
-                <a:off x="3471389" y="2373017"/>
-                <a:ext cx="475488" cy="400717"/>
+                <a:off x="6174414" y="3903606"/>
+                <a:ext cx="228600" cy="230369"/>
               </a:xfrm>
-              <a:prstGeom prst="rect">
+              <a:prstGeom prst="ellipse">
                 <a:avLst/>
               </a:prstGeom>
-              <a:noFill/>
-              <a:ln w="3175">
-                <a:solidFill>
-                  <a:srgbClr val="6A9C60"/>
-                </a:solidFill>
+              <a:solidFill>
+                <a:schemeClr val="accent2"/>
+              </a:solidFill>
+              <a:ln>
+                <a:noFill/>
               </a:ln>
             </p:spPr>
             <p:style>
@@ -9849,23 +10550,61 @@
           </p:sp>
           <p:sp>
             <p:nvSpPr>
-              <p:cNvPr id="66" name="Rectangle 65"/>
+              <p:cNvPr id="82" name="TextBox 81"/>
+              <p:cNvSpPr txBox="1"/>
+              <p:nvPr/>
+            </p:nvSpPr>
+            <p:spPr>
+              <a:xfrm>
+                <a:off x="6093731" y="3864902"/>
+                <a:ext cx="414273" cy="307777"/>
+              </a:xfrm>
+              <a:prstGeom prst="rect">
+                <a:avLst/>
+              </a:prstGeom>
+              <a:noFill/>
+            </p:spPr>
+            <p:txBody>
+              <a:bodyPr wrap="square" rtlCol="0">
+                <a:spAutoFit/>
+              </a:bodyPr>
+              <a:lstStyle/>
+              <a:p>
+                <a:r>
+                  <a:rPr lang="en-US" sz="1400" dirty="0" smtClean="0">
+                    <a:solidFill>
+                      <a:schemeClr val="bg1"/>
+                    </a:solidFill>
+                  </a:rPr>
+                  <a:t>12</a:t>
+                </a:r>
+                <a:endParaRPr lang="en-US" sz="1400" dirty="0">
+                  <a:solidFill>
+                    <a:schemeClr val="bg1"/>
+                  </a:solidFill>
+                </a:endParaRPr>
+              </a:p>
+            </p:txBody>
+          </p:sp>
+          <p:sp>
+            <p:nvSpPr>
+              <p:cNvPr id="83" name="Oval 82"/>
               <p:cNvSpPr/>
               <p:nvPr/>
             </p:nvSpPr>
             <p:spPr>
               <a:xfrm>
-                <a:off x="4901586" y="3228725"/>
-                <a:ext cx="429768" cy="475488"/>
+                <a:off x="6174414" y="2079369"/>
+                <a:ext cx="228600" cy="230369"/>
               </a:xfrm>
-              <a:prstGeom prst="rect">
+              <a:prstGeom prst="ellipse">
                 <a:avLst/>
               </a:prstGeom>
-              <a:noFill/>
-              <a:ln w="3175">
-                <a:solidFill>
-                  <a:srgbClr val="951B1C"/>
-                </a:solidFill>
+              <a:solidFill>
+                <a:schemeClr val="accent2"/>
+              </a:solidFill>
+              <a:ln>
+                <a:noFill/>
               </a:ln>
             </p:spPr>
             <p:style>
@@ -9895,23 +10634,56 @@
           </p:sp>
           <p:sp>
             <p:nvSpPr>
-              <p:cNvPr id="67" name="Rectangle 66"/>
+              <p:cNvPr id="84" name="TextBox 83"/>
+              <p:cNvSpPr txBox="1"/>
+              <p:nvPr/>
+            </p:nvSpPr>
+            <p:spPr>
+              <a:xfrm>
+                <a:off x="6160967" y="2040665"/>
+                <a:ext cx="228600" cy="307777"/>
+              </a:xfrm>
+              <a:prstGeom prst="rect">
+                <a:avLst/>
+              </a:prstGeom>
+              <a:noFill/>
+            </p:spPr>
+            <p:txBody>
+              <a:bodyPr wrap="square" rtlCol="0">
+                <a:spAutoFit/>
+              </a:bodyPr>
+              <a:lstStyle/>
+              <a:p>
+                <a:r>
+                  <a:rPr lang="en-US" sz="1400" dirty="0">
+                    <a:solidFill>
+                      <a:schemeClr val="bg1"/>
+                    </a:solidFill>
+                  </a:rPr>
+                  <a:t>8</a:t>
+                </a:r>
+              </a:p>
+            </p:txBody>
+          </p:sp>
+          <p:sp>
+            <p:nvSpPr>
+              <p:cNvPr id="85" name="Oval 84"/>
               <p:cNvSpPr/>
               <p:nvPr/>
             </p:nvSpPr>
             <p:spPr>
               <a:xfrm>
-                <a:off x="6364659" y="2721043"/>
-                <a:ext cx="448056" cy="502920"/>
+                <a:off x="4256190" y="2079369"/>
+                <a:ext cx="228600" cy="230369"/>
               </a:xfrm>
-              <a:prstGeom prst="rect">
+              <a:prstGeom prst="ellipse">
                 <a:avLst/>
               </a:prstGeom>
-              <a:noFill/>
-              <a:ln w="3175">
-                <a:solidFill>
-                  <a:srgbClr val="B26A69"/>
-                </a:solidFill>
+              <a:solidFill>
+                <a:schemeClr val="accent2"/>
+              </a:solidFill>
+              <a:ln>
+                <a:noFill/>
               </a:ln>
             </p:spPr>
             <p:style>
@@ -9941,23 +10713,56 @@
           </p:sp>
           <p:sp>
             <p:nvSpPr>
-              <p:cNvPr id="68" name="Rectangle 67"/>
+              <p:cNvPr id="86" name="TextBox 85"/>
+              <p:cNvSpPr txBox="1"/>
+              <p:nvPr/>
+            </p:nvSpPr>
+            <p:spPr>
+              <a:xfrm>
+                <a:off x="4242743" y="2040665"/>
+                <a:ext cx="228600" cy="307777"/>
+              </a:xfrm>
+              <a:prstGeom prst="rect">
+                <a:avLst/>
+              </a:prstGeom>
+              <a:noFill/>
+            </p:spPr>
+            <p:txBody>
+              <a:bodyPr wrap="square" rtlCol="0">
+                <a:spAutoFit/>
+              </a:bodyPr>
+              <a:lstStyle/>
+              <a:p>
+                <a:r>
+                  <a:rPr lang="en-US" sz="1400" dirty="0">
+                    <a:solidFill>
+                      <a:schemeClr val="bg1"/>
+                    </a:solidFill>
+                  </a:rPr>
+                  <a:t>7</a:t>
+                </a:r>
+              </a:p>
+            </p:txBody>
+          </p:sp>
+          <p:sp>
+            <p:nvSpPr>
+              <p:cNvPr id="87" name="Oval 86"/>
               <p:cNvSpPr/>
               <p:nvPr/>
             </p:nvSpPr>
             <p:spPr>
               <a:xfrm>
-                <a:off x="1533242" y="4570980"/>
-                <a:ext cx="320040" cy="547840"/>
+                <a:off x="2349387" y="2079369"/>
+                <a:ext cx="228600" cy="230369"/>
               </a:xfrm>
-              <a:prstGeom prst="rect">
+              <a:prstGeom prst="ellipse">
                 <a:avLst/>
               </a:prstGeom>
-              <a:noFill/>
-              <a:ln w="3175">
-                <a:solidFill>
-                  <a:srgbClr val="674884"/>
-                </a:solidFill>
+              <a:solidFill>
+                <a:schemeClr val="accent2"/>
+              </a:solidFill>
+              <a:ln>
+                <a:noFill/>
               </a:ln>
             </p:spPr>
             <p:style>
@@ -9987,23 +10792,56 @@
           </p:sp>
           <p:sp>
             <p:nvSpPr>
-              <p:cNvPr id="69" name="Rectangle 68"/>
+              <p:cNvPr id="88" name="TextBox 87"/>
+              <p:cNvSpPr txBox="1"/>
+              <p:nvPr/>
+            </p:nvSpPr>
+            <p:spPr>
+              <a:xfrm>
+                <a:off x="2335940" y="2040665"/>
+                <a:ext cx="228600" cy="307777"/>
+              </a:xfrm>
+              <a:prstGeom prst="rect">
+                <a:avLst/>
+              </a:prstGeom>
+              <a:noFill/>
+            </p:spPr>
+            <p:txBody>
+              <a:bodyPr wrap="square" rtlCol="0">
+                <a:spAutoFit/>
+              </a:bodyPr>
+              <a:lstStyle/>
+              <a:p>
+                <a:r>
+                  <a:rPr lang="en-US" sz="1400" dirty="0">
+                    <a:solidFill>
+                      <a:schemeClr val="bg1"/>
+                    </a:solidFill>
+                  </a:rPr>
+                  <a:t>6</a:t>
+                </a:r>
+              </a:p>
+            </p:txBody>
+          </p:sp>
+          <p:sp>
+            <p:nvSpPr>
+              <p:cNvPr id="89" name="Oval 88"/>
               <p:cNvSpPr/>
               <p:nvPr/>
             </p:nvSpPr>
             <p:spPr>
               <a:xfrm>
-                <a:off x="2687774" y="4501959"/>
-                <a:ext cx="374904" cy="438912"/>
+                <a:off x="2349387" y="260887"/>
+                <a:ext cx="228600" cy="230369"/>
               </a:xfrm>
-              <a:prstGeom prst="rect">
+              <a:prstGeom prst="ellipse">
                 <a:avLst/>
               </a:prstGeom>
-              <a:noFill/>
-              <a:ln w="3175">
-                <a:solidFill>
-                  <a:srgbClr val="897B95"/>
-                </a:solidFill>
+              <a:solidFill>
+                <a:schemeClr val="accent2"/>
+              </a:solidFill>
+              <a:ln>
+                <a:noFill/>
               </a:ln>
             </p:spPr>
             <p:style>
@@ -10033,23 +10871,56 @@
           </p:sp>
           <p:sp>
             <p:nvSpPr>
-              <p:cNvPr id="70" name="Rectangle 69"/>
+              <p:cNvPr id="90" name="TextBox 89"/>
+              <p:cNvSpPr txBox="1"/>
+              <p:nvPr/>
+            </p:nvSpPr>
+            <p:spPr>
+              <a:xfrm>
+                <a:off x="2335940" y="222183"/>
+                <a:ext cx="228600" cy="307777"/>
+              </a:xfrm>
+              <a:prstGeom prst="rect">
+                <a:avLst/>
+              </a:prstGeom>
+              <a:noFill/>
+            </p:spPr>
+            <p:txBody>
+              <a:bodyPr wrap="square" rtlCol="0">
+                <a:spAutoFit/>
+              </a:bodyPr>
+              <a:lstStyle/>
+              <a:p>
+                <a:r>
+                  <a:rPr lang="en-US" sz="1400" dirty="0">
+                    <a:solidFill>
+                      <a:schemeClr val="bg1"/>
+                    </a:solidFill>
+                  </a:rPr>
+                  <a:t>2</a:t>
+                </a:r>
+              </a:p>
+            </p:txBody>
+          </p:sp>
+          <p:sp>
+            <p:nvSpPr>
+              <p:cNvPr id="91" name="Oval 90"/>
               <p:cNvSpPr/>
               <p:nvPr/>
             </p:nvSpPr>
             <p:spPr>
               <a:xfrm>
-                <a:off x="4904406" y="4886630"/>
-                <a:ext cx="374904" cy="347405"/>
+                <a:off x="4256190" y="260887"/>
+                <a:ext cx="228600" cy="230369"/>
               </a:xfrm>
-              <a:prstGeom prst="rect">
+              <a:prstGeom prst="ellipse">
                 <a:avLst/>
               </a:prstGeom>
-              <a:noFill/>
-              <a:ln w="3175">
-                <a:solidFill>
-                  <a:srgbClr val="623C34"/>
-                </a:solidFill>
+              <a:solidFill>
+                <a:schemeClr val="accent2"/>
+              </a:solidFill>
+              <a:ln>
+                <a:noFill/>
               </a:ln>
             </p:spPr>
             <p:style>
@@ -10077,27 +10948,147 @@
               </a:p>
             </p:txBody>
           </p:sp>
+          <p:sp>
+            <p:nvSpPr>
+              <p:cNvPr id="92" name="TextBox 91"/>
+              <p:cNvSpPr txBox="1"/>
+              <p:nvPr/>
+            </p:nvSpPr>
+            <p:spPr>
+              <a:xfrm>
+                <a:off x="4242743" y="222183"/>
+                <a:ext cx="228600" cy="307777"/>
+              </a:xfrm>
+              <a:prstGeom prst="rect">
+                <a:avLst/>
+              </a:prstGeom>
+              <a:noFill/>
+            </p:spPr>
+            <p:txBody>
+              <a:bodyPr wrap="square" rtlCol="0">
+                <a:spAutoFit/>
+              </a:bodyPr>
+              <a:lstStyle/>
+              <a:p>
+                <a:r>
+                  <a:rPr lang="en-US" sz="1400" dirty="0">
+                    <a:solidFill>
+                      <a:schemeClr val="bg1"/>
+                    </a:solidFill>
+                  </a:rPr>
+                  <a:t>3</a:t>
+                </a:r>
+              </a:p>
+            </p:txBody>
+          </p:sp>
+          <p:sp>
+            <p:nvSpPr>
+              <p:cNvPr id="93" name="Oval 92"/>
+              <p:cNvSpPr/>
+              <p:nvPr/>
+            </p:nvSpPr>
+            <p:spPr>
+              <a:xfrm>
+                <a:off x="6174414" y="260887"/>
+                <a:ext cx="228600" cy="230369"/>
+              </a:xfrm>
+              <a:prstGeom prst="ellipse">
+                <a:avLst/>
+              </a:prstGeom>
+              <a:solidFill>
+                <a:schemeClr val="accent2"/>
+              </a:solidFill>
+              <a:ln>
+                <a:noFill/>
+              </a:ln>
+            </p:spPr>
+            <p:style>
+              <a:lnRef idx="2">
+                <a:schemeClr val="accent1">
+                  <a:shade val="50000"/>
+                </a:schemeClr>
+              </a:lnRef>
+              <a:fillRef idx="1">
+                <a:schemeClr val="accent1"/>
+              </a:fillRef>
+              <a:effectRef idx="0">
+                <a:schemeClr val="accent1"/>
+              </a:effectRef>
+              <a:fontRef idx="minor">
+                <a:schemeClr val="lt1"/>
+              </a:fontRef>
+            </p:style>
+            <p:txBody>
+              <a:bodyPr rtlCol="0" anchor="ctr"/>
+              <a:lstStyle/>
+              <a:p>
+                <a:pPr algn="ctr"/>
+                <a:endParaRPr lang="en-US"/>
+              </a:p>
+            </p:txBody>
+          </p:sp>
+          <p:sp>
+            <p:nvSpPr>
+              <p:cNvPr id="94" name="TextBox 93"/>
+              <p:cNvSpPr txBox="1"/>
+              <p:nvPr/>
+            </p:nvSpPr>
+            <p:spPr>
+              <a:xfrm>
+                <a:off x="6160967" y="222183"/>
+                <a:ext cx="228600" cy="307777"/>
+              </a:xfrm>
+              <a:prstGeom prst="rect">
+                <a:avLst/>
+              </a:prstGeom>
+              <a:noFill/>
+            </p:spPr>
+            <p:txBody>
+              <a:bodyPr wrap="square" rtlCol="0">
+                <a:spAutoFit/>
+              </a:bodyPr>
+              <a:lstStyle/>
+              <a:p>
+                <a:r>
+                  <a:rPr lang="en-US" sz="1400" dirty="0">
+                    <a:solidFill>
+                      <a:schemeClr val="bg1"/>
+                    </a:solidFill>
+                  </a:rPr>
+                  <a:t>4</a:t>
+                </a:r>
+              </a:p>
+            </p:txBody>
+          </p:sp>
         </p:grpSp>
         <p:sp>
           <p:nvSpPr>
-            <p:cNvPr id="71" name="Oval 70"/>
+            <p:cNvPr id="2" name="Rounded Rectangle 1"/>
             <p:cNvSpPr/>
             <p:nvPr/>
           </p:nvSpPr>
           <p:spPr>
             <a:xfrm>
-              <a:off x="427936" y="260887"/>
-              <a:ext cx="228600" cy="230369"/>
+              <a:off x="2805876" y="861118"/>
+              <a:ext cx="478296" cy="137160"/>
             </a:xfrm>
-            <a:prstGeom prst="ellipse">
+            <a:prstGeom prst="roundRect">
               <a:avLst/>
             </a:prstGeom>
             <a:solidFill>
-              <a:schemeClr val="accent2"/>
+              <a:schemeClr val="bg1">
+                <a:lumMod val="95000"/>
+              </a:schemeClr>
             </a:solidFill>
-            <a:ln>
-              <a:noFill/>
+            <a:ln w="3175">
+              <a:solidFill>
+                <a:schemeClr val="tx1">
+                  <a:lumMod val="65000"/>
+                  <a:lumOff val="35000"/>
+                </a:schemeClr>
+              </a:solidFill>
             </a:ln>
+            <a:effectLst/>
           </p:spPr>
           <p:style>
             <a:lnRef idx="2">
@@ -10120,43 +11111,23 @@
             <a:lstStyle/>
             <a:p>
               <a:pPr algn="ctr"/>
-              <a:endParaRPr lang="en-US"/>
-            </a:p>
-          </p:txBody>
-        </p:sp>
-        <p:sp>
-          <p:nvSpPr>
-            <p:cNvPr id="72" name="TextBox 71"/>
-            <p:cNvSpPr txBox="1"/>
-            <p:nvPr/>
-          </p:nvSpPr>
-          <p:spPr>
-            <a:xfrm>
-              <a:off x="414489" y="222183"/>
-              <a:ext cx="228600" cy="307777"/>
-            </a:xfrm>
-            <a:prstGeom prst="rect">
-              <a:avLst/>
-            </a:prstGeom>
-            <a:noFill/>
-          </p:spPr>
-          <p:txBody>
-            <a:bodyPr wrap="square" rtlCol="0">
-              <a:spAutoFit/>
-            </a:bodyPr>
-            <a:lstStyle/>
-            <a:p>
               <a:r>
-                <a:rPr lang="en-US" sz="1400" dirty="0" smtClean="0">
+                <a:rPr lang="en-US" sz="800" dirty="0" smtClean="0">
                   <a:solidFill>
-                    <a:schemeClr val="bg1"/>
+                    <a:schemeClr val="tx1">
+                      <a:lumMod val="65000"/>
+                      <a:lumOff val="35000"/>
+                    </a:schemeClr>
                   </a:solidFill>
                 </a:rPr>
-                <a:t>1</a:t>
+                <a:t>Big 10</a:t>
               </a:r>
-              <a:endParaRPr lang="en-US" sz="1400" dirty="0">
+              <a:endParaRPr lang="en-US" sz="800" dirty="0">
                 <a:solidFill>
-                  <a:schemeClr val="bg1"/>
+                  <a:schemeClr val="tx1">
+                    <a:lumMod val="65000"/>
+                    <a:lumOff val="35000"/>
+                  </a:schemeClr>
                 </a:solidFill>
               </a:endParaRPr>
             </a:p>
@@ -10164,24 +11135,32 @@
         </p:sp>
         <p:sp>
           <p:nvSpPr>
-            <p:cNvPr id="73" name="Oval 72"/>
+            <p:cNvPr id="95" name="Rounded Rectangle 94"/>
             <p:cNvSpPr/>
             <p:nvPr/>
           </p:nvSpPr>
           <p:spPr>
             <a:xfrm>
-              <a:off x="427936" y="2079369"/>
-              <a:ext cx="228600" cy="230369"/>
+              <a:off x="5225383" y="1114822"/>
+              <a:ext cx="478296" cy="137160"/>
             </a:xfrm>
-            <a:prstGeom prst="ellipse">
+            <a:prstGeom prst="roundRect">
               <a:avLst/>
             </a:prstGeom>
             <a:solidFill>
-              <a:schemeClr val="accent2"/>
+              <a:schemeClr val="bg1">
+                <a:lumMod val="95000"/>
+              </a:schemeClr>
             </a:solidFill>
-            <a:ln>
-              <a:noFill/>
+            <a:ln w="3175">
+              <a:solidFill>
+                <a:schemeClr val="tx1">
+                  <a:lumMod val="65000"/>
+                  <a:lumOff val="35000"/>
+                </a:schemeClr>
+              </a:solidFill>
             </a:ln>
+            <a:effectLst/>
           </p:spPr>
           <p:style>
             <a:lnRef idx="2">
@@ -10204,63 +11183,56 @@
             <a:lstStyle/>
             <a:p>
               <a:pPr algn="ctr"/>
-              <a:endParaRPr lang="en-US"/>
+              <a:r>
+                <a:rPr lang="en-US" sz="800" dirty="0" smtClean="0">
+                  <a:solidFill>
+                    <a:schemeClr val="tx1">
+                      <a:lumMod val="65000"/>
+                      <a:lumOff val="35000"/>
+                    </a:schemeClr>
+                  </a:solidFill>
+                </a:rPr>
+                <a:t>SEC</a:t>
+              </a:r>
+              <a:endParaRPr lang="en-US" sz="800" dirty="0">
+                <a:solidFill>
+                  <a:schemeClr val="tx1">
+                    <a:lumMod val="65000"/>
+                    <a:lumOff val="35000"/>
+                  </a:schemeClr>
+                </a:solidFill>
+              </a:endParaRPr>
             </a:p>
           </p:txBody>
         </p:sp>
         <p:sp>
           <p:nvSpPr>
-            <p:cNvPr id="74" name="TextBox 73"/>
-            <p:cNvSpPr txBox="1"/>
-            <p:nvPr/>
-          </p:nvSpPr>
-          <p:spPr>
-            <a:xfrm>
-              <a:off x="414489" y="2040665"/>
-              <a:ext cx="228600" cy="307777"/>
-            </a:xfrm>
-            <a:prstGeom prst="rect">
-              <a:avLst/>
-            </a:prstGeom>
-            <a:noFill/>
-          </p:spPr>
-          <p:txBody>
-            <a:bodyPr wrap="square" rtlCol="0">
-              <a:spAutoFit/>
-            </a:bodyPr>
-            <a:lstStyle/>
-            <a:p>
-              <a:r>
-                <a:rPr lang="en-US" sz="1400" dirty="0">
-                  <a:solidFill>
-                    <a:schemeClr val="bg1"/>
-                  </a:solidFill>
-                </a:rPr>
-                <a:t>5</a:t>
-              </a:r>
-            </a:p>
-          </p:txBody>
-        </p:sp>
-        <p:sp>
-          <p:nvSpPr>
-            <p:cNvPr id="75" name="Oval 74"/>
+            <p:cNvPr id="96" name="Rounded Rectangle 95"/>
             <p:cNvSpPr/>
             <p:nvPr/>
           </p:nvSpPr>
           <p:spPr>
             <a:xfrm>
-              <a:off x="427936" y="3903606"/>
-              <a:ext cx="228600" cy="230369"/>
+              <a:off x="7021421" y="754438"/>
+              <a:ext cx="478296" cy="137160"/>
             </a:xfrm>
-            <a:prstGeom prst="ellipse">
+            <a:prstGeom prst="roundRect">
               <a:avLst/>
             </a:prstGeom>
             <a:solidFill>
-              <a:schemeClr val="accent2"/>
+              <a:schemeClr val="bg1">
+                <a:lumMod val="95000"/>
+              </a:schemeClr>
             </a:solidFill>
-            <a:ln>
-              <a:noFill/>
+            <a:ln w="3175">
+              <a:solidFill>
+                <a:schemeClr val="tx1">
+                  <a:lumMod val="65000"/>
+                  <a:lumOff val="35000"/>
+                </a:schemeClr>
+              </a:solidFill>
             </a:ln>
+            <a:effectLst/>
           </p:spPr>
           <p:style>
             <a:lnRef idx="2">
@@ -10283,63 +11255,56 @@
             <a:lstStyle/>
             <a:p>
               <a:pPr algn="ctr"/>
-              <a:endParaRPr lang="en-US"/>
+              <a:r>
+                <a:rPr lang="en-US" sz="800" dirty="0" smtClean="0">
+                  <a:solidFill>
+                    <a:schemeClr val="tx1">
+                      <a:lumMod val="65000"/>
+                      <a:lumOff val="35000"/>
+                    </a:schemeClr>
+                  </a:solidFill>
+                </a:rPr>
+                <a:t>MAC</a:t>
+              </a:r>
+              <a:endParaRPr lang="en-US" sz="800" dirty="0">
+                <a:solidFill>
+                  <a:schemeClr val="tx1">
+                    <a:lumMod val="65000"/>
+                    <a:lumOff val="35000"/>
+                  </a:schemeClr>
+                </a:solidFill>
+              </a:endParaRPr>
             </a:p>
           </p:txBody>
         </p:sp>
         <p:sp>
           <p:nvSpPr>
-            <p:cNvPr id="76" name="TextBox 75"/>
-            <p:cNvSpPr txBox="1"/>
-            <p:nvPr/>
-          </p:nvSpPr>
-          <p:spPr>
-            <a:xfrm>
-              <a:off x="414489" y="3864902"/>
-              <a:ext cx="228600" cy="307777"/>
-            </a:xfrm>
-            <a:prstGeom prst="rect">
-              <a:avLst/>
-            </a:prstGeom>
-            <a:noFill/>
-          </p:spPr>
-          <p:txBody>
-            <a:bodyPr wrap="square" rtlCol="0">
-              <a:spAutoFit/>
-            </a:bodyPr>
-            <a:lstStyle/>
-            <a:p>
-              <a:r>
-                <a:rPr lang="en-US" sz="1400" dirty="0">
-                  <a:solidFill>
-                    <a:schemeClr val="bg1"/>
-                  </a:solidFill>
-                </a:rPr>
-                <a:t>9</a:t>
-              </a:r>
-            </a:p>
-          </p:txBody>
-        </p:sp>
-        <p:sp>
-          <p:nvSpPr>
-            <p:cNvPr id="77" name="Oval 76"/>
+            <p:cNvPr id="97" name="Rounded Rectangle 96"/>
             <p:cNvSpPr/>
             <p:nvPr/>
           </p:nvSpPr>
           <p:spPr>
             <a:xfrm>
-              <a:off x="2349387" y="3903606"/>
-              <a:ext cx="228600" cy="230369"/>
+              <a:off x="1014057" y="3253435"/>
+              <a:ext cx="586620" cy="137160"/>
             </a:xfrm>
-            <a:prstGeom prst="ellipse">
+            <a:prstGeom prst="roundRect">
               <a:avLst/>
             </a:prstGeom>
             <a:solidFill>
-              <a:schemeClr val="accent2"/>
+              <a:schemeClr val="bg1">
+                <a:lumMod val="95000"/>
+              </a:schemeClr>
             </a:solidFill>
-            <a:ln>
-              <a:noFill/>
+            <a:ln w="3175">
+              <a:solidFill>
+                <a:schemeClr val="tx1">
+                  <a:lumMod val="65000"/>
+                  <a:lumOff val="35000"/>
+                </a:schemeClr>
+              </a:solidFill>
             </a:ln>
+            <a:effectLst/>
           </p:spPr>
           <p:style>
             <a:lnRef idx="2">
@@ -10362,43 +11327,23 @@
             <a:lstStyle/>
             <a:p>
               <a:pPr algn="ctr"/>
-              <a:endParaRPr lang="en-US"/>
-            </a:p>
-          </p:txBody>
-        </p:sp>
-        <p:sp>
-          <p:nvSpPr>
-            <p:cNvPr id="78" name="TextBox 77"/>
-            <p:cNvSpPr txBox="1"/>
-            <p:nvPr/>
-          </p:nvSpPr>
-          <p:spPr>
-            <a:xfrm>
-              <a:off x="2270214" y="3864902"/>
-              <a:ext cx="551224" cy="307777"/>
-            </a:xfrm>
-            <a:prstGeom prst="rect">
-              <a:avLst/>
-            </a:prstGeom>
-            <a:noFill/>
-          </p:spPr>
-          <p:txBody>
-            <a:bodyPr wrap="square" rtlCol="0">
-              <a:spAutoFit/>
-            </a:bodyPr>
-            <a:lstStyle/>
-            <a:p>
               <a:r>
-                <a:rPr lang="en-US" sz="1400" dirty="0" smtClean="0">
+                <a:rPr lang="en-US" sz="800" dirty="0" smtClean="0">
                   <a:solidFill>
-                    <a:schemeClr val="bg1"/>
+                    <a:schemeClr val="tx1">
+                      <a:lumMod val="65000"/>
+                      <a:lumOff val="35000"/>
+                    </a:schemeClr>
                   </a:solidFill>
                 </a:rPr>
-                <a:t>10</a:t>
+                <a:t>Pac-10</a:t>
               </a:r>
-              <a:endParaRPr lang="en-US" sz="1400" dirty="0">
+              <a:endParaRPr lang="en-US" sz="800" dirty="0">
                 <a:solidFill>
-                  <a:schemeClr val="bg1"/>
+                  <a:schemeClr val="tx1">
+                    <a:lumMod val="65000"/>
+                    <a:lumOff val="35000"/>
+                  </a:schemeClr>
                 </a:solidFill>
               </a:endParaRPr>
             </a:p>
@@ -10406,24 +11351,32 @@
         </p:sp>
         <p:sp>
           <p:nvSpPr>
-            <p:cNvPr id="79" name="Oval 78"/>
+            <p:cNvPr id="99" name="Rounded Rectangle 98"/>
             <p:cNvSpPr/>
             <p:nvPr/>
           </p:nvSpPr>
           <p:spPr>
             <a:xfrm>
-              <a:off x="4256190" y="3903606"/>
-              <a:ext cx="228600" cy="230369"/>
+              <a:off x="3229744" y="2584090"/>
+              <a:ext cx="478296" cy="137160"/>
             </a:xfrm>
-            <a:prstGeom prst="ellipse">
+            <a:prstGeom prst="roundRect">
               <a:avLst/>
             </a:prstGeom>
             <a:solidFill>
-              <a:schemeClr val="accent2"/>
+              <a:schemeClr val="bg1">
+                <a:lumMod val="95000"/>
+              </a:schemeClr>
             </a:solidFill>
-            <a:ln>
-              <a:noFill/>
+            <a:ln w="3175">
+              <a:solidFill>
+                <a:schemeClr val="tx1">
+                  <a:lumMod val="65000"/>
+                  <a:lumOff val="35000"/>
+                </a:schemeClr>
+              </a:solidFill>
             </a:ln>
+            <a:effectLst/>
           </p:spPr>
           <p:style>
             <a:lnRef idx="2">
@@ -10446,43 +11399,23 @@
             <a:lstStyle/>
             <a:p>
               <a:pPr algn="ctr"/>
-              <a:endParaRPr lang="en-US"/>
-            </a:p>
-          </p:txBody>
-        </p:sp>
-        <p:sp>
-          <p:nvSpPr>
-            <p:cNvPr id="80" name="TextBox 79"/>
-            <p:cNvSpPr txBox="1"/>
-            <p:nvPr/>
-          </p:nvSpPr>
-          <p:spPr>
-            <a:xfrm>
-              <a:off x="4202401" y="3864902"/>
-              <a:ext cx="431025" cy="307777"/>
-            </a:xfrm>
-            <a:prstGeom prst="rect">
-              <a:avLst/>
-            </a:prstGeom>
-            <a:noFill/>
-          </p:spPr>
-          <p:txBody>
-            <a:bodyPr wrap="square" rtlCol="0">
-              <a:spAutoFit/>
-            </a:bodyPr>
-            <a:lstStyle/>
-            <a:p>
               <a:r>
-                <a:rPr lang="en-US" sz="1400" dirty="0" smtClean="0">
+                <a:rPr lang="en-US" sz="800" dirty="0" smtClean="0">
                   <a:solidFill>
-                    <a:schemeClr val="bg1"/>
+                    <a:schemeClr val="tx1">
+                      <a:lumMod val="65000"/>
+                      <a:lumOff val="35000"/>
+                    </a:schemeClr>
                   </a:solidFill>
                 </a:rPr>
-                <a:t>11</a:t>
+                <a:t>WAC</a:t>
               </a:r>
-              <a:endParaRPr lang="en-US" sz="1400" dirty="0">
+              <a:endParaRPr lang="en-US" sz="800" dirty="0">
                 <a:solidFill>
-                  <a:schemeClr val="bg1"/>
+                  <a:schemeClr val="tx1">
+                    <a:lumMod val="65000"/>
+                    <a:lumOff val="35000"/>
+                  </a:schemeClr>
                 </a:solidFill>
               </a:endParaRPr>
             </a:p>
@@ -10490,24 +11423,32 @@
         </p:sp>
         <p:sp>
           <p:nvSpPr>
-            <p:cNvPr id="81" name="Oval 80"/>
+            <p:cNvPr id="100" name="Rounded Rectangle 99"/>
             <p:cNvSpPr/>
             <p:nvPr/>
           </p:nvSpPr>
           <p:spPr>
             <a:xfrm>
-              <a:off x="6174414" y="3903606"/>
-              <a:ext cx="228600" cy="230369"/>
+              <a:off x="6853710" y="3329309"/>
+              <a:ext cx="478296" cy="137160"/>
             </a:xfrm>
-            <a:prstGeom prst="ellipse">
+            <a:prstGeom prst="roundRect">
               <a:avLst/>
             </a:prstGeom>
             <a:solidFill>
-              <a:schemeClr val="accent2"/>
+              <a:schemeClr val="bg1">
+                <a:lumMod val="95000"/>
+              </a:schemeClr>
             </a:solidFill>
-            <a:ln>
-              <a:noFill/>
+            <a:ln w="3175">
+              <a:solidFill>
+                <a:schemeClr val="tx1">
+                  <a:lumMod val="65000"/>
+                  <a:lumOff val="35000"/>
+                </a:schemeClr>
+              </a:solidFill>
             </a:ln>
+            <a:effectLst/>
           </p:spPr>
           <p:style>
             <a:lnRef idx="2">
@@ -10530,43 +11471,23 @@
             <a:lstStyle/>
             <a:p>
               <a:pPr algn="ctr"/>
-              <a:endParaRPr lang="en-US"/>
-            </a:p>
-          </p:txBody>
-        </p:sp>
-        <p:sp>
-          <p:nvSpPr>
-            <p:cNvPr id="82" name="TextBox 81"/>
-            <p:cNvSpPr txBox="1"/>
-            <p:nvPr/>
-          </p:nvSpPr>
-          <p:spPr>
-            <a:xfrm>
-              <a:off x="6093731" y="3864902"/>
-              <a:ext cx="414273" cy="307777"/>
-            </a:xfrm>
-            <a:prstGeom prst="rect">
-              <a:avLst/>
-            </a:prstGeom>
-            <a:noFill/>
-          </p:spPr>
-          <p:txBody>
-            <a:bodyPr wrap="square" rtlCol="0">
-              <a:spAutoFit/>
-            </a:bodyPr>
-            <a:lstStyle/>
-            <a:p>
               <a:r>
-                <a:rPr lang="en-US" sz="1400" dirty="0" smtClean="0">
+                <a:rPr lang="en-US" sz="800" dirty="0" smtClean="0">
                   <a:solidFill>
-                    <a:schemeClr val="bg1"/>
+                    <a:schemeClr val="tx1">
+                      <a:lumMod val="65000"/>
+                      <a:lumOff val="35000"/>
+                    </a:schemeClr>
                   </a:solidFill>
                 </a:rPr>
-                <a:t>12</a:t>
+                <a:t>Big 12</a:t>
               </a:r>
-              <a:endParaRPr lang="en-US" sz="1400" dirty="0">
+              <a:endParaRPr lang="en-US" sz="800" dirty="0">
                 <a:solidFill>
-                  <a:schemeClr val="bg1"/>
+                  <a:schemeClr val="tx1">
+                    <a:lumMod val="65000"/>
+                    <a:lumOff val="35000"/>
+                  </a:schemeClr>
                 </a:solidFill>
               </a:endParaRPr>
             </a:p>
@@ -10574,24 +11495,32 @@
         </p:sp>
         <p:sp>
           <p:nvSpPr>
-            <p:cNvPr id="83" name="Oval 82"/>
+            <p:cNvPr id="101" name="Rounded Rectangle 100"/>
             <p:cNvSpPr/>
             <p:nvPr/>
           </p:nvSpPr>
           <p:spPr>
             <a:xfrm>
-              <a:off x="6174414" y="2079369"/>
-              <a:ext cx="228600" cy="230369"/>
+              <a:off x="5041365" y="2446930"/>
+              <a:ext cx="586620" cy="137160"/>
             </a:xfrm>
-            <a:prstGeom prst="ellipse">
+            <a:prstGeom prst="roundRect">
               <a:avLst/>
             </a:prstGeom>
             <a:solidFill>
-              <a:schemeClr val="accent2"/>
+              <a:schemeClr val="bg1">
+                <a:lumMod val="95000"/>
+              </a:schemeClr>
             </a:solidFill>
-            <a:ln>
-              <a:noFill/>
+            <a:ln w="3175">
+              <a:solidFill>
+                <a:schemeClr val="tx1">
+                  <a:lumMod val="65000"/>
+                  <a:lumOff val="35000"/>
+                </a:schemeClr>
+              </a:solidFill>
             </a:ln>
+            <a:effectLst/>
           </p:spPr>
           <p:style>
             <a:lnRef idx="2">
@@ -10614,63 +11543,56 @@
             <a:lstStyle/>
             <a:p>
               <a:pPr algn="ctr"/>
-              <a:endParaRPr lang="en-US"/>
+              <a:r>
+                <a:rPr lang="en-US" sz="800" dirty="0" smtClean="0">
+                  <a:solidFill>
+                    <a:schemeClr val="tx1">
+                      <a:lumMod val="65000"/>
+                      <a:lumOff val="35000"/>
+                    </a:schemeClr>
+                  </a:solidFill>
+                </a:rPr>
+                <a:t>Big East</a:t>
+              </a:r>
+              <a:endParaRPr lang="en-US" sz="800" dirty="0">
+                <a:solidFill>
+                  <a:schemeClr val="tx1">
+                    <a:lumMod val="65000"/>
+                    <a:lumOff val="35000"/>
+                  </a:schemeClr>
+                </a:solidFill>
+              </a:endParaRPr>
             </a:p>
           </p:txBody>
         </p:sp>
         <p:sp>
           <p:nvSpPr>
-            <p:cNvPr id="84" name="TextBox 83"/>
-            <p:cNvSpPr txBox="1"/>
-            <p:nvPr/>
-          </p:nvSpPr>
-          <p:spPr>
-            <a:xfrm>
-              <a:off x="6160967" y="2040665"/>
-              <a:ext cx="228600" cy="307777"/>
-            </a:xfrm>
-            <a:prstGeom prst="rect">
-              <a:avLst/>
-            </a:prstGeom>
-            <a:noFill/>
-          </p:spPr>
-          <p:txBody>
-            <a:bodyPr wrap="square" rtlCol="0">
-              <a:spAutoFit/>
-            </a:bodyPr>
-            <a:lstStyle/>
-            <a:p>
-              <a:r>
-                <a:rPr lang="en-US" sz="1400" dirty="0">
-                  <a:solidFill>
-                    <a:schemeClr val="bg1"/>
-                  </a:solidFill>
-                </a:rPr>
-                <a:t>8</a:t>
-              </a:r>
-            </a:p>
-          </p:txBody>
-        </p:sp>
-        <p:sp>
-          <p:nvSpPr>
-            <p:cNvPr id="85" name="Oval 84"/>
+            <p:cNvPr id="102" name="Rounded Rectangle 101"/>
             <p:cNvSpPr/>
             <p:nvPr/>
           </p:nvSpPr>
           <p:spPr>
             <a:xfrm>
-              <a:off x="4256190" y="2079369"/>
-              <a:ext cx="228600" cy="230369"/>
+              <a:off x="733346" y="4389125"/>
+              <a:ext cx="497419" cy="137160"/>
             </a:xfrm>
-            <a:prstGeom prst="ellipse">
+            <a:prstGeom prst="roundRect">
               <a:avLst/>
             </a:prstGeom>
             <a:solidFill>
-              <a:schemeClr val="accent2"/>
+              <a:schemeClr val="bg1">
+                <a:lumMod val="95000"/>
+              </a:schemeClr>
             </a:solidFill>
-            <a:ln>
-              <a:noFill/>
+            <a:ln w="3175">
+              <a:solidFill>
+                <a:schemeClr val="tx1">
+                  <a:lumMod val="65000"/>
+                  <a:lumOff val="35000"/>
+                </a:schemeClr>
+              </a:solidFill>
             </a:ln>
+            <a:effectLst/>
           </p:spPr>
           <p:style>
             <a:lnRef idx="2">
@@ -10693,63 +11615,56 @@
             <a:lstStyle/>
             <a:p>
               <a:pPr algn="ctr"/>
-              <a:endParaRPr lang="en-US"/>
+              <a:r>
+                <a:rPr lang="en-US" sz="800" dirty="0" smtClean="0">
+                  <a:solidFill>
+                    <a:schemeClr val="tx1">
+                      <a:lumMod val="65000"/>
+                      <a:lumOff val="35000"/>
+                    </a:schemeClr>
+                  </a:solidFill>
+                </a:rPr>
+                <a:t>C-USA</a:t>
+              </a:r>
+              <a:endParaRPr lang="en-US" sz="800" dirty="0">
+                <a:solidFill>
+                  <a:schemeClr val="tx1">
+                    <a:lumMod val="65000"/>
+                    <a:lumOff val="35000"/>
+                  </a:schemeClr>
+                </a:solidFill>
+              </a:endParaRPr>
             </a:p>
           </p:txBody>
         </p:sp>
         <p:sp>
           <p:nvSpPr>
-            <p:cNvPr id="86" name="TextBox 85"/>
-            <p:cNvSpPr txBox="1"/>
-            <p:nvPr/>
-          </p:nvSpPr>
-          <p:spPr>
-            <a:xfrm>
-              <a:off x="4242743" y="2040665"/>
-              <a:ext cx="228600" cy="307777"/>
-            </a:xfrm>
-            <a:prstGeom prst="rect">
-              <a:avLst/>
-            </a:prstGeom>
-            <a:noFill/>
-          </p:spPr>
-          <p:txBody>
-            <a:bodyPr wrap="square" rtlCol="0">
-              <a:spAutoFit/>
-            </a:bodyPr>
-            <a:lstStyle/>
-            <a:p>
-              <a:r>
-                <a:rPr lang="en-US" sz="1400" dirty="0">
-                  <a:solidFill>
-                    <a:schemeClr val="bg1"/>
-                  </a:solidFill>
-                </a:rPr>
-                <a:t>7</a:t>
-              </a:r>
-            </a:p>
-          </p:txBody>
-        </p:sp>
-        <p:sp>
-          <p:nvSpPr>
-            <p:cNvPr id="87" name="Oval 86"/>
+            <p:cNvPr id="103" name="Rounded Rectangle 102"/>
             <p:cNvSpPr/>
             <p:nvPr/>
           </p:nvSpPr>
           <p:spPr>
             <a:xfrm>
-              <a:off x="2349387" y="2079369"/>
-              <a:ext cx="228600" cy="230369"/>
+              <a:off x="3174386" y="4934161"/>
+              <a:ext cx="478296" cy="137160"/>
             </a:xfrm>
-            <a:prstGeom prst="ellipse">
+            <a:prstGeom prst="roundRect">
               <a:avLst/>
             </a:prstGeom>
             <a:solidFill>
-              <a:schemeClr val="accent2"/>
+              <a:schemeClr val="bg1">
+                <a:lumMod val="95000"/>
+              </a:schemeClr>
             </a:solidFill>
-            <a:ln>
-              <a:noFill/>
+            <a:ln w="3175">
+              <a:solidFill>
+                <a:schemeClr val="tx1">
+                  <a:lumMod val="65000"/>
+                  <a:lumOff val="35000"/>
+                </a:schemeClr>
+              </a:solidFill>
             </a:ln>
+            <a:effectLst/>
           </p:spPr>
           <p:style>
             <a:lnRef idx="2">
@@ -10772,63 +11687,56 @@
             <a:lstStyle/>
             <a:p>
               <a:pPr algn="ctr"/>
-              <a:endParaRPr lang="en-US"/>
+              <a:r>
+                <a:rPr lang="en-US" sz="800" dirty="0" smtClean="0">
+                  <a:solidFill>
+                    <a:schemeClr val="tx1">
+                      <a:lumMod val="65000"/>
+                      <a:lumOff val="35000"/>
+                    </a:schemeClr>
+                  </a:solidFill>
+                </a:rPr>
+                <a:t>ACC</a:t>
+              </a:r>
+              <a:endParaRPr lang="en-US" sz="800" dirty="0">
+                <a:solidFill>
+                  <a:schemeClr val="tx1">
+                    <a:lumMod val="65000"/>
+                    <a:lumOff val="35000"/>
+                  </a:schemeClr>
+                </a:solidFill>
+              </a:endParaRPr>
             </a:p>
           </p:txBody>
         </p:sp>
         <p:sp>
           <p:nvSpPr>
-            <p:cNvPr id="88" name="TextBox 87"/>
-            <p:cNvSpPr txBox="1"/>
-            <p:nvPr/>
-          </p:nvSpPr>
-          <p:spPr>
-            <a:xfrm>
-              <a:off x="2335940" y="2040665"/>
-              <a:ext cx="228600" cy="307777"/>
-            </a:xfrm>
-            <a:prstGeom prst="rect">
-              <a:avLst/>
-            </a:prstGeom>
-            <a:noFill/>
-          </p:spPr>
-          <p:txBody>
-            <a:bodyPr wrap="square" rtlCol="0">
-              <a:spAutoFit/>
-            </a:bodyPr>
-            <a:lstStyle/>
-            <a:p>
-              <a:r>
-                <a:rPr lang="en-US" sz="1400" dirty="0">
-                  <a:solidFill>
-                    <a:schemeClr val="bg1"/>
-                  </a:solidFill>
-                </a:rPr>
-                <a:t>6</a:t>
-              </a:r>
-            </a:p>
-          </p:txBody>
-        </p:sp>
-        <p:sp>
-          <p:nvSpPr>
-            <p:cNvPr id="89" name="Oval 88"/>
+            <p:cNvPr id="104" name="Rounded Rectangle 103"/>
             <p:cNvSpPr/>
             <p:nvPr/>
           </p:nvSpPr>
           <p:spPr>
             <a:xfrm>
-              <a:off x="2349387" y="260887"/>
-              <a:ext cx="228600" cy="230369"/>
+              <a:off x="4701241" y="3986129"/>
+              <a:ext cx="775275" cy="274320"/>
             </a:xfrm>
-            <a:prstGeom prst="ellipse">
+            <a:prstGeom prst="roundRect">
               <a:avLst/>
             </a:prstGeom>
             <a:solidFill>
-              <a:schemeClr val="accent2"/>
+              <a:schemeClr val="bg1">
+                <a:lumMod val="95000"/>
+              </a:schemeClr>
             </a:solidFill>
-            <a:ln>
-              <a:noFill/>
+            <a:ln w="3175">
+              <a:solidFill>
+                <a:schemeClr val="tx1">
+                  <a:lumMod val="65000"/>
+                  <a:lumOff val="35000"/>
+                </a:schemeClr>
+              </a:solidFill>
             </a:ln>
+            <a:effectLst/>
           </p:spPr>
           <p:style>
             <a:lnRef idx="2">
@@ -10851,63 +11759,136 @@
             <a:lstStyle/>
             <a:p>
               <a:pPr algn="ctr"/>
-              <a:endParaRPr lang="en-US"/>
+              <a:r>
+                <a:rPr lang="en-US" sz="800" dirty="0" smtClean="0">
+                  <a:solidFill>
+                    <a:schemeClr val="tx1">
+                      <a:lumMod val="65000"/>
+                      <a:lumOff val="35000"/>
+                    </a:schemeClr>
+                  </a:solidFill>
+                </a:rPr>
+                <a:t>Mountain West</a:t>
+              </a:r>
+              <a:endParaRPr lang="en-US" sz="800" dirty="0">
+                <a:solidFill>
+                  <a:schemeClr val="tx1">
+                    <a:lumMod val="65000"/>
+                    <a:lumOff val="35000"/>
+                  </a:schemeClr>
+                </a:solidFill>
+              </a:endParaRPr>
             </a:p>
           </p:txBody>
         </p:sp>
+        <p:cxnSp>
+          <p:nvCxnSpPr>
+            <p:cNvPr id="4" name="Straight Arrow Connector 3"/>
+            <p:cNvCxnSpPr/>
+            <p:nvPr/>
+          </p:nvCxnSpPr>
+          <p:spPr>
+            <a:xfrm flipH="1">
+              <a:off x="5131352" y="4260449"/>
+              <a:ext cx="63748" cy="435916"/>
+            </a:xfrm>
+            <a:prstGeom prst="straightConnector1">
+              <a:avLst/>
+            </a:prstGeom>
+            <a:ln w="3175">
+              <a:solidFill>
+                <a:schemeClr val="tx1">
+                  <a:lumMod val="65000"/>
+                  <a:lumOff val="35000"/>
+                </a:schemeClr>
+              </a:solidFill>
+              <a:headEnd type="none" w="med" len="med"/>
+              <a:tailEnd type="triangle" w="med" len="med"/>
+            </a:ln>
+          </p:spPr>
+          <p:style>
+            <a:lnRef idx="1">
+              <a:schemeClr val="accent1"/>
+            </a:lnRef>
+            <a:fillRef idx="0">
+              <a:schemeClr val="accent1"/>
+            </a:fillRef>
+            <a:effectRef idx="0">
+              <a:schemeClr val="accent1"/>
+            </a:effectRef>
+            <a:fontRef idx="minor">
+              <a:schemeClr val="tx1"/>
+            </a:fontRef>
+          </p:style>
+        </p:cxnSp>
+        <p:cxnSp>
+          <p:nvCxnSpPr>
+            <p:cNvPr id="105" name="Straight Arrow Connector 104"/>
+            <p:cNvCxnSpPr/>
+            <p:nvPr/>
+          </p:nvCxnSpPr>
+          <p:spPr>
+            <a:xfrm flipH="1">
+              <a:off x="1014057" y="4526409"/>
+              <a:ext cx="31875" cy="285260"/>
+            </a:xfrm>
+            <a:prstGeom prst="straightConnector1">
+              <a:avLst/>
+            </a:prstGeom>
+            <a:ln w="3175">
+              <a:solidFill>
+                <a:schemeClr val="tx1">
+                  <a:lumMod val="65000"/>
+                  <a:lumOff val="35000"/>
+                </a:schemeClr>
+              </a:solidFill>
+              <a:headEnd type="none" w="med" len="med"/>
+              <a:tailEnd type="triangle" w="med" len="med"/>
+            </a:ln>
+          </p:spPr>
+          <p:style>
+            <a:lnRef idx="1">
+              <a:schemeClr val="accent1"/>
+            </a:lnRef>
+            <a:fillRef idx="0">
+              <a:schemeClr val="accent1"/>
+            </a:fillRef>
+            <a:effectRef idx="0">
+              <a:schemeClr val="accent1"/>
+            </a:effectRef>
+            <a:fontRef idx="minor">
+              <a:schemeClr val="tx1"/>
+            </a:fontRef>
+          </p:style>
+        </p:cxnSp>
         <p:sp>
           <p:nvSpPr>
-            <p:cNvPr id="90" name="TextBox 89"/>
-            <p:cNvSpPr txBox="1"/>
-            <p:nvPr/>
-          </p:nvSpPr>
-          <p:spPr>
-            <a:xfrm>
-              <a:off x="2335940" y="222183"/>
-              <a:ext cx="228600" cy="307777"/>
-            </a:xfrm>
-            <a:prstGeom prst="rect">
-              <a:avLst/>
-            </a:prstGeom>
-            <a:noFill/>
-          </p:spPr>
-          <p:txBody>
-            <a:bodyPr wrap="square" rtlCol="0">
-              <a:spAutoFit/>
-            </a:bodyPr>
-            <a:lstStyle/>
-            <a:p>
-              <a:r>
-                <a:rPr lang="en-US" sz="1400" dirty="0">
-                  <a:solidFill>
-                    <a:schemeClr val="bg1"/>
-                  </a:solidFill>
-                </a:rPr>
-                <a:t>2</a:t>
-              </a:r>
-            </a:p>
-          </p:txBody>
-        </p:sp>
-        <p:sp>
-          <p:nvSpPr>
-            <p:cNvPr id="91" name="Oval 90"/>
+            <p:cNvPr id="106" name="Rounded Rectangle 105"/>
             <p:cNvSpPr/>
             <p:nvPr/>
           </p:nvSpPr>
           <p:spPr>
             <a:xfrm>
-              <a:off x="4256190" y="260887"/>
-              <a:ext cx="228600" cy="230369"/>
+              <a:off x="6578201" y="5157225"/>
+              <a:ext cx="586620" cy="137160"/>
             </a:xfrm>
-            <a:prstGeom prst="ellipse">
+            <a:prstGeom prst="roundRect">
               <a:avLst/>
             </a:prstGeom>
             <a:solidFill>
-              <a:schemeClr val="accent2"/>
+              <a:schemeClr val="bg1">
+                <a:lumMod val="95000"/>
+              </a:schemeClr>
             </a:solidFill>
-            <a:ln>
-              <a:noFill/>
+            <a:ln w="3175">
+              <a:solidFill>
+                <a:schemeClr val="tx1">
+                  <a:lumMod val="65000"/>
+                  <a:lumOff val="35000"/>
+                </a:schemeClr>
+              </a:solidFill>
             </a:ln>
+            <a:effectLst/>
           </p:spPr>
           <p:style>
             <a:lnRef idx="2">
@@ -10930,1035 +11911,69 @@
             <a:lstStyle/>
             <a:p>
               <a:pPr algn="ctr"/>
-              <a:endParaRPr lang="en-US"/>
+              <a:r>
+                <a:rPr lang="en-US" sz="800" dirty="0" smtClean="0">
+                  <a:solidFill>
+                    <a:schemeClr val="tx1">
+                      <a:lumMod val="65000"/>
+                      <a:lumOff val="35000"/>
+                    </a:schemeClr>
+                  </a:solidFill>
+                </a:rPr>
+                <a:t>Big West</a:t>
+              </a:r>
+              <a:endParaRPr lang="en-US" sz="800" dirty="0">
+                <a:solidFill>
+                  <a:schemeClr val="tx1">
+                    <a:lumMod val="65000"/>
+                    <a:lumOff val="35000"/>
+                  </a:schemeClr>
+                </a:solidFill>
+              </a:endParaRPr>
             </a:p>
           </p:txBody>
         </p:sp>
-        <p:sp>
-          <p:nvSpPr>
-            <p:cNvPr id="92" name="TextBox 91"/>
-            <p:cNvSpPr txBox="1"/>
+        <p:cxnSp>
+          <p:nvCxnSpPr>
+            <p:cNvPr id="107" name="Straight Arrow Connector 106"/>
+            <p:cNvCxnSpPr/>
             <p:nvPr/>
-          </p:nvSpPr>
+          </p:nvCxnSpPr>
           <p:spPr>
-            <a:xfrm>
-              <a:off x="4242743" y="222183"/>
-              <a:ext cx="228600" cy="307777"/>
+            <a:xfrm flipH="1" flipV="1">
+              <a:off x="6914567" y="4791791"/>
+              <a:ext cx="74955" cy="365434"/>
             </a:xfrm>
-            <a:prstGeom prst="rect">
+            <a:prstGeom prst="straightConnector1">
               <a:avLst/>
             </a:prstGeom>
-            <a:noFill/>
-          </p:spPr>
-          <p:txBody>
-            <a:bodyPr wrap="square" rtlCol="0">
-              <a:spAutoFit/>
-            </a:bodyPr>
-            <a:lstStyle/>
-            <a:p>
-              <a:r>
-                <a:rPr lang="en-US" sz="1400" dirty="0">
-                  <a:solidFill>
-                    <a:schemeClr val="bg1"/>
-                  </a:solidFill>
-                </a:rPr>
-                <a:t>3</a:t>
-              </a:r>
-            </a:p>
-          </p:txBody>
-        </p:sp>
-        <p:sp>
-          <p:nvSpPr>
-            <p:cNvPr id="93" name="Oval 92"/>
-            <p:cNvSpPr/>
-            <p:nvPr/>
-          </p:nvSpPr>
-          <p:spPr>
-            <a:xfrm>
-              <a:off x="6174414" y="260887"/>
-              <a:ext cx="228600" cy="230369"/>
-            </a:xfrm>
-            <a:prstGeom prst="ellipse">
-              <a:avLst/>
-            </a:prstGeom>
-            <a:solidFill>
-              <a:schemeClr val="accent2"/>
-            </a:solidFill>
-            <a:ln>
-              <a:noFill/>
+            <a:ln w="3175">
+              <a:solidFill>
+                <a:schemeClr val="tx1">
+                  <a:lumMod val="65000"/>
+                  <a:lumOff val="35000"/>
+                </a:schemeClr>
+              </a:solidFill>
+              <a:headEnd type="none" w="med" len="med"/>
+              <a:tailEnd type="triangle" w="med" len="med"/>
             </a:ln>
           </p:spPr>
           <p:style>
-            <a:lnRef idx="2">
-              <a:schemeClr val="accent1">
-                <a:shade val="50000"/>
-              </a:schemeClr>
+            <a:lnRef idx="1">
+              <a:schemeClr val="accent1"/>
             </a:lnRef>
-            <a:fillRef idx="1">
+            <a:fillRef idx="0">
               <a:schemeClr val="accent1"/>
             </a:fillRef>
             <a:effectRef idx="0">
               <a:schemeClr val="accent1"/>
             </a:effectRef>
             <a:fontRef idx="minor">
-              <a:schemeClr val="lt1"/>
+              <a:schemeClr val="tx1"/>
             </a:fontRef>
           </p:style>
-          <p:txBody>
-            <a:bodyPr rtlCol="0" anchor="ctr"/>
-            <a:lstStyle/>
-            <a:p>
-              <a:pPr algn="ctr"/>
-              <a:endParaRPr lang="en-US"/>
-            </a:p>
-          </p:txBody>
-        </p:sp>
-        <p:sp>
-          <p:nvSpPr>
-            <p:cNvPr id="94" name="TextBox 93"/>
-            <p:cNvSpPr txBox="1"/>
-            <p:nvPr/>
-          </p:nvSpPr>
-          <p:spPr>
-            <a:xfrm>
-              <a:off x="6160967" y="222183"/>
-              <a:ext cx="228600" cy="307777"/>
-            </a:xfrm>
-            <a:prstGeom prst="rect">
-              <a:avLst/>
-            </a:prstGeom>
-            <a:noFill/>
-          </p:spPr>
-          <p:txBody>
-            <a:bodyPr wrap="square" rtlCol="0">
-              <a:spAutoFit/>
-            </a:bodyPr>
-            <a:lstStyle/>
-            <a:p>
-              <a:r>
-                <a:rPr lang="en-US" sz="1400" dirty="0">
-                  <a:solidFill>
-                    <a:schemeClr val="bg1"/>
-                  </a:solidFill>
-                </a:rPr>
-                <a:t>4</a:t>
-              </a:r>
-            </a:p>
-          </p:txBody>
-        </p:sp>
+        </p:cxnSp>
       </p:grpSp>
-      <p:sp>
-        <p:nvSpPr>
-          <p:cNvPr id="2" name="Rounded Rectangle 1"/>
-          <p:cNvSpPr/>
-          <p:nvPr/>
-        </p:nvSpPr>
-        <p:spPr>
-          <a:xfrm>
-            <a:off x="2805876" y="861118"/>
-            <a:ext cx="478296" cy="137160"/>
-          </a:xfrm>
-          <a:prstGeom prst="roundRect">
-            <a:avLst/>
-          </a:prstGeom>
-          <a:solidFill>
-            <a:schemeClr val="bg1">
-              <a:lumMod val="95000"/>
-            </a:schemeClr>
-          </a:solidFill>
-          <a:ln w="3175">
-            <a:solidFill>
-              <a:schemeClr val="tx1">
-                <a:lumMod val="65000"/>
-                <a:lumOff val="35000"/>
-              </a:schemeClr>
-            </a:solidFill>
-          </a:ln>
-          <a:effectLst/>
-        </p:spPr>
-        <p:style>
-          <a:lnRef idx="2">
-            <a:schemeClr val="accent1">
-              <a:shade val="50000"/>
-            </a:schemeClr>
-          </a:lnRef>
-          <a:fillRef idx="1">
-            <a:schemeClr val="accent1"/>
-          </a:fillRef>
-          <a:effectRef idx="0">
-            <a:schemeClr val="accent1"/>
-          </a:effectRef>
-          <a:fontRef idx="minor">
-            <a:schemeClr val="lt1"/>
-          </a:fontRef>
-        </p:style>
-        <p:txBody>
-          <a:bodyPr rtlCol="0" anchor="ctr"/>
-          <a:lstStyle/>
-          <a:p>
-            <a:pPr algn="ctr"/>
-            <a:r>
-              <a:rPr lang="en-US" sz="800" dirty="0" smtClean="0">
-                <a:solidFill>
-                  <a:schemeClr val="tx1">
-                    <a:lumMod val="65000"/>
-                    <a:lumOff val="35000"/>
-                  </a:schemeClr>
-                </a:solidFill>
-              </a:rPr>
-              <a:t>Big 10</a:t>
-            </a:r>
-            <a:endParaRPr lang="en-US" sz="800" dirty="0">
-              <a:solidFill>
-                <a:schemeClr val="tx1">
-                  <a:lumMod val="65000"/>
-                  <a:lumOff val="35000"/>
-                </a:schemeClr>
-              </a:solidFill>
-            </a:endParaRPr>
-          </a:p>
-        </p:txBody>
-      </p:sp>
-      <p:sp>
-        <p:nvSpPr>
-          <p:cNvPr id="95" name="Rounded Rectangle 94"/>
-          <p:cNvSpPr/>
-          <p:nvPr/>
-        </p:nvSpPr>
-        <p:spPr>
-          <a:xfrm>
-            <a:off x="5225383" y="1114822"/>
-            <a:ext cx="478296" cy="137160"/>
-          </a:xfrm>
-          <a:prstGeom prst="roundRect">
-            <a:avLst/>
-          </a:prstGeom>
-          <a:solidFill>
-            <a:schemeClr val="bg1">
-              <a:lumMod val="95000"/>
-            </a:schemeClr>
-          </a:solidFill>
-          <a:ln w="3175">
-            <a:solidFill>
-              <a:schemeClr val="tx1">
-                <a:lumMod val="65000"/>
-                <a:lumOff val="35000"/>
-              </a:schemeClr>
-            </a:solidFill>
-          </a:ln>
-          <a:effectLst/>
-        </p:spPr>
-        <p:style>
-          <a:lnRef idx="2">
-            <a:schemeClr val="accent1">
-              <a:shade val="50000"/>
-            </a:schemeClr>
-          </a:lnRef>
-          <a:fillRef idx="1">
-            <a:schemeClr val="accent1"/>
-          </a:fillRef>
-          <a:effectRef idx="0">
-            <a:schemeClr val="accent1"/>
-          </a:effectRef>
-          <a:fontRef idx="minor">
-            <a:schemeClr val="lt1"/>
-          </a:fontRef>
-        </p:style>
-        <p:txBody>
-          <a:bodyPr rtlCol="0" anchor="ctr"/>
-          <a:lstStyle/>
-          <a:p>
-            <a:pPr algn="ctr"/>
-            <a:r>
-              <a:rPr lang="en-US" sz="800" dirty="0" smtClean="0">
-                <a:solidFill>
-                  <a:schemeClr val="tx1">
-                    <a:lumMod val="65000"/>
-                    <a:lumOff val="35000"/>
-                  </a:schemeClr>
-                </a:solidFill>
-              </a:rPr>
-              <a:t>SEC</a:t>
-            </a:r>
-            <a:endParaRPr lang="en-US" sz="800" dirty="0">
-              <a:solidFill>
-                <a:schemeClr val="tx1">
-                  <a:lumMod val="65000"/>
-                  <a:lumOff val="35000"/>
-                </a:schemeClr>
-              </a:solidFill>
-            </a:endParaRPr>
-          </a:p>
-        </p:txBody>
-      </p:sp>
-      <p:sp>
-        <p:nvSpPr>
-          <p:cNvPr id="96" name="Rounded Rectangle 95"/>
-          <p:cNvSpPr/>
-          <p:nvPr/>
-        </p:nvSpPr>
-        <p:spPr>
-          <a:xfrm>
-            <a:off x="7021421" y="754438"/>
-            <a:ext cx="478296" cy="137160"/>
-          </a:xfrm>
-          <a:prstGeom prst="roundRect">
-            <a:avLst/>
-          </a:prstGeom>
-          <a:solidFill>
-            <a:schemeClr val="bg1">
-              <a:lumMod val="95000"/>
-            </a:schemeClr>
-          </a:solidFill>
-          <a:ln w="3175">
-            <a:solidFill>
-              <a:schemeClr val="tx1">
-                <a:lumMod val="65000"/>
-                <a:lumOff val="35000"/>
-              </a:schemeClr>
-            </a:solidFill>
-          </a:ln>
-          <a:effectLst/>
-        </p:spPr>
-        <p:style>
-          <a:lnRef idx="2">
-            <a:schemeClr val="accent1">
-              <a:shade val="50000"/>
-            </a:schemeClr>
-          </a:lnRef>
-          <a:fillRef idx="1">
-            <a:schemeClr val="accent1"/>
-          </a:fillRef>
-          <a:effectRef idx="0">
-            <a:schemeClr val="accent1"/>
-          </a:effectRef>
-          <a:fontRef idx="minor">
-            <a:schemeClr val="lt1"/>
-          </a:fontRef>
-        </p:style>
-        <p:txBody>
-          <a:bodyPr rtlCol="0" anchor="ctr"/>
-          <a:lstStyle/>
-          <a:p>
-            <a:pPr algn="ctr"/>
-            <a:r>
-              <a:rPr lang="en-US" sz="800" dirty="0" smtClean="0">
-                <a:solidFill>
-                  <a:schemeClr val="tx1">
-                    <a:lumMod val="65000"/>
-                    <a:lumOff val="35000"/>
-                  </a:schemeClr>
-                </a:solidFill>
-              </a:rPr>
-              <a:t>MAC</a:t>
-            </a:r>
-            <a:endParaRPr lang="en-US" sz="800" dirty="0">
-              <a:solidFill>
-                <a:schemeClr val="tx1">
-                  <a:lumMod val="65000"/>
-                  <a:lumOff val="35000"/>
-                </a:schemeClr>
-              </a:solidFill>
-            </a:endParaRPr>
-          </a:p>
-        </p:txBody>
-      </p:sp>
-      <p:sp>
-        <p:nvSpPr>
-          <p:cNvPr id="97" name="Rounded Rectangle 96"/>
-          <p:cNvSpPr/>
-          <p:nvPr/>
-        </p:nvSpPr>
-        <p:spPr>
-          <a:xfrm>
-            <a:off x="1014057" y="3253435"/>
-            <a:ext cx="586620" cy="137160"/>
-          </a:xfrm>
-          <a:prstGeom prst="roundRect">
-            <a:avLst/>
-          </a:prstGeom>
-          <a:solidFill>
-            <a:schemeClr val="bg1">
-              <a:lumMod val="95000"/>
-            </a:schemeClr>
-          </a:solidFill>
-          <a:ln w="3175">
-            <a:solidFill>
-              <a:schemeClr val="tx1">
-                <a:lumMod val="65000"/>
-                <a:lumOff val="35000"/>
-              </a:schemeClr>
-            </a:solidFill>
-          </a:ln>
-          <a:effectLst/>
-        </p:spPr>
-        <p:style>
-          <a:lnRef idx="2">
-            <a:schemeClr val="accent1">
-              <a:shade val="50000"/>
-            </a:schemeClr>
-          </a:lnRef>
-          <a:fillRef idx="1">
-            <a:schemeClr val="accent1"/>
-          </a:fillRef>
-          <a:effectRef idx="0">
-            <a:schemeClr val="accent1"/>
-          </a:effectRef>
-          <a:fontRef idx="minor">
-            <a:schemeClr val="lt1"/>
-          </a:fontRef>
-        </p:style>
-        <p:txBody>
-          <a:bodyPr rtlCol="0" anchor="ctr"/>
-          <a:lstStyle/>
-          <a:p>
-            <a:pPr algn="ctr"/>
-            <a:r>
-              <a:rPr lang="en-US" sz="800" dirty="0" smtClean="0">
-                <a:solidFill>
-                  <a:schemeClr val="tx1">
-                    <a:lumMod val="65000"/>
-                    <a:lumOff val="35000"/>
-                  </a:schemeClr>
-                </a:solidFill>
-              </a:rPr>
-              <a:t>Pac-10</a:t>
-            </a:r>
-            <a:endParaRPr lang="en-US" sz="800" dirty="0">
-              <a:solidFill>
-                <a:schemeClr val="tx1">
-                  <a:lumMod val="65000"/>
-                  <a:lumOff val="35000"/>
-                </a:schemeClr>
-              </a:solidFill>
-            </a:endParaRPr>
-          </a:p>
-        </p:txBody>
-      </p:sp>
-      <p:sp>
-        <p:nvSpPr>
-          <p:cNvPr id="99" name="Rounded Rectangle 98"/>
-          <p:cNvSpPr/>
-          <p:nvPr/>
-        </p:nvSpPr>
-        <p:spPr>
-          <a:xfrm>
-            <a:off x="3229744" y="2584090"/>
-            <a:ext cx="478296" cy="137160"/>
-          </a:xfrm>
-          <a:prstGeom prst="roundRect">
-            <a:avLst/>
-          </a:prstGeom>
-          <a:solidFill>
-            <a:schemeClr val="bg1">
-              <a:lumMod val="95000"/>
-            </a:schemeClr>
-          </a:solidFill>
-          <a:ln w="3175">
-            <a:solidFill>
-              <a:schemeClr val="tx1">
-                <a:lumMod val="65000"/>
-                <a:lumOff val="35000"/>
-              </a:schemeClr>
-            </a:solidFill>
-          </a:ln>
-          <a:effectLst/>
-        </p:spPr>
-        <p:style>
-          <a:lnRef idx="2">
-            <a:schemeClr val="accent1">
-              <a:shade val="50000"/>
-            </a:schemeClr>
-          </a:lnRef>
-          <a:fillRef idx="1">
-            <a:schemeClr val="accent1"/>
-          </a:fillRef>
-          <a:effectRef idx="0">
-            <a:schemeClr val="accent1"/>
-          </a:effectRef>
-          <a:fontRef idx="minor">
-            <a:schemeClr val="lt1"/>
-          </a:fontRef>
-        </p:style>
-        <p:txBody>
-          <a:bodyPr rtlCol="0" anchor="ctr"/>
-          <a:lstStyle/>
-          <a:p>
-            <a:pPr algn="ctr"/>
-            <a:r>
-              <a:rPr lang="en-US" sz="800" dirty="0" smtClean="0">
-                <a:solidFill>
-                  <a:schemeClr val="tx1">
-                    <a:lumMod val="65000"/>
-                    <a:lumOff val="35000"/>
-                  </a:schemeClr>
-                </a:solidFill>
-              </a:rPr>
-              <a:t>WAC</a:t>
-            </a:r>
-            <a:endParaRPr lang="en-US" sz="800" dirty="0">
-              <a:solidFill>
-                <a:schemeClr val="tx1">
-                  <a:lumMod val="65000"/>
-                  <a:lumOff val="35000"/>
-                </a:schemeClr>
-              </a:solidFill>
-            </a:endParaRPr>
-          </a:p>
-        </p:txBody>
-      </p:sp>
-      <p:sp>
-        <p:nvSpPr>
-          <p:cNvPr id="100" name="Rounded Rectangle 99"/>
-          <p:cNvSpPr/>
-          <p:nvPr/>
-        </p:nvSpPr>
-        <p:spPr>
-          <a:xfrm>
-            <a:off x="6853710" y="3329309"/>
-            <a:ext cx="478296" cy="137160"/>
-          </a:xfrm>
-          <a:prstGeom prst="roundRect">
-            <a:avLst/>
-          </a:prstGeom>
-          <a:solidFill>
-            <a:schemeClr val="bg1">
-              <a:lumMod val="95000"/>
-            </a:schemeClr>
-          </a:solidFill>
-          <a:ln w="3175">
-            <a:solidFill>
-              <a:schemeClr val="tx1">
-                <a:lumMod val="65000"/>
-                <a:lumOff val="35000"/>
-              </a:schemeClr>
-            </a:solidFill>
-          </a:ln>
-          <a:effectLst/>
-        </p:spPr>
-        <p:style>
-          <a:lnRef idx="2">
-            <a:schemeClr val="accent1">
-              <a:shade val="50000"/>
-            </a:schemeClr>
-          </a:lnRef>
-          <a:fillRef idx="1">
-            <a:schemeClr val="accent1"/>
-          </a:fillRef>
-          <a:effectRef idx="0">
-            <a:schemeClr val="accent1"/>
-          </a:effectRef>
-          <a:fontRef idx="minor">
-            <a:schemeClr val="lt1"/>
-          </a:fontRef>
-        </p:style>
-        <p:txBody>
-          <a:bodyPr rtlCol="0" anchor="ctr"/>
-          <a:lstStyle/>
-          <a:p>
-            <a:pPr algn="ctr"/>
-            <a:r>
-              <a:rPr lang="en-US" sz="800" dirty="0" smtClean="0">
-                <a:solidFill>
-                  <a:schemeClr val="tx1">
-                    <a:lumMod val="65000"/>
-                    <a:lumOff val="35000"/>
-                  </a:schemeClr>
-                </a:solidFill>
-              </a:rPr>
-              <a:t>Big 12</a:t>
-            </a:r>
-            <a:endParaRPr lang="en-US" sz="800" dirty="0">
-              <a:solidFill>
-                <a:schemeClr val="tx1">
-                  <a:lumMod val="65000"/>
-                  <a:lumOff val="35000"/>
-                </a:schemeClr>
-              </a:solidFill>
-            </a:endParaRPr>
-          </a:p>
-        </p:txBody>
-      </p:sp>
-      <p:sp>
-        <p:nvSpPr>
-          <p:cNvPr id="101" name="Rounded Rectangle 100"/>
-          <p:cNvSpPr/>
-          <p:nvPr/>
-        </p:nvSpPr>
-        <p:spPr>
-          <a:xfrm>
-            <a:off x="5041365" y="2446930"/>
-            <a:ext cx="586620" cy="137160"/>
-          </a:xfrm>
-          <a:prstGeom prst="roundRect">
-            <a:avLst/>
-          </a:prstGeom>
-          <a:solidFill>
-            <a:schemeClr val="bg1">
-              <a:lumMod val="95000"/>
-            </a:schemeClr>
-          </a:solidFill>
-          <a:ln w="3175">
-            <a:solidFill>
-              <a:schemeClr val="tx1">
-                <a:lumMod val="65000"/>
-                <a:lumOff val="35000"/>
-              </a:schemeClr>
-            </a:solidFill>
-          </a:ln>
-          <a:effectLst/>
-        </p:spPr>
-        <p:style>
-          <a:lnRef idx="2">
-            <a:schemeClr val="accent1">
-              <a:shade val="50000"/>
-            </a:schemeClr>
-          </a:lnRef>
-          <a:fillRef idx="1">
-            <a:schemeClr val="accent1"/>
-          </a:fillRef>
-          <a:effectRef idx="0">
-            <a:schemeClr val="accent1"/>
-          </a:effectRef>
-          <a:fontRef idx="minor">
-            <a:schemeClr val="lt1"/>
-          </a:fontRef>
-        </p:style>
-        <p:txBody>
-          <a:bodyPr rtlCol="0" anchor="ctr"/>
-          <a:lstStyle/>
-          <a:p>
-            <a:pPr algn="ctr"/>
-            <a:r>
-              <a:rPr lang="en-US" sz="800" dirty="0" smtClean="0">
-                <a:solidFill>
-                  <a:schemeClr val="tx1">
-                    <a:lumMod val="65000"/>
-                    <a:lumOff val="35000"/>
-                  </a:schemeClr>
-                </a:solidFill>
-              </a:rPr>
-              <a:t>Big East</a:t>
-            </a:r>
-            <a:endParaRPr lang="en-US" sz="800" dirty="0">
-              <a:solidFill>
-                <a:schemeClr val="tx1">
-                  <a:lumMod val="65000"/>
-                  <a:lumOff val="35000"/>
-                </a:schemeClr>
-              </a:solidFill>
-            </a:endParaRPr>
-          </a:p>
-        </p:txBody>
-      </p:sp>
-      <p:sp>
-        <p:nvSpPr>
-          <p:cNvPr id="102" name="Rounded Rectangle 101"/>
-          <p:cNvSpPr/>
-          <p:nvPr/>
-        </p:nvSpPr>
-        <p:spPr>
-          <a:xfrm>
-            <a:off x="733346" y="4389125"/>
-            <a:ext cx="497419" cy="137160"/>
-          </a:xfrm>
-          <a:prstGeom prst="roundRect">
-            <a:avLst/>
-          </a:prstGeom>
-          <a:solidFill>
-            <a:schemeClr val="bg1">
-              <a:lumMod val="95000"/>
-            </a:schemeClr>
-          </a:solidFill>
-          <a:ln w="3175">
-            <a:solidFill>
-              <a:schemeClr val="tx1">
-                <a:lumMod val="65000"/>
-                <a:lumOff val="35000"/>
-              </a:schemeClr>
-            </a:solidFill>
-          </a:ln>
-          <a:effectLst/>
-        </p:spPr>
-        <p:style>
-          <a:lnRef idx="2">
-            <a:schemeClr val="accent1">
-              <a:shade val="50000"/>
-            </a:schemeClr>
-          </a:lnRef>
-          <a:fillRef idx="1">
-            <a:schemeClr val="accent1"/>
-          </a:fillRef>
-          <a:effectRef idx="0">
-            <a:schemeClr val="accent1"/>
-          </a:effectRef>
-          <a:fontRef idx="minor">
-            <a:schemeClr val="lt1"/>
-          </a:fontRef>
-        </p:style>
-        <p:txBody>
-          <a:bodyPr rtlCol="0" anchor="ctr"/>
-          <a:lstStyle/>
-          <a:p>
-            <a:pPr algn="ctr"/>
-            <a:r>
-              <a:rPr lang="en-US" sz="800" dirty="0" smtClean="0">
-                <a:solidFill>
-                  <a:schemeClr val="tx1">
-                    <a:lumMod val="65000"/>
-                    <a:lumOff val="35000"/>
-                  </a:schemeClr>
-                </a:solidFill>
-              </a:rPr>
-              <a:t>C-USA</a:t>
-            </a:r>
-            <a:endParaRPr lang="en-US" sz="800" dirty="0">
-              <a:solidFill>
-                <a:schemeClr val="tx1">
-                  <a:lumMod val="65000"/>
-                  <a:lumOff val="35000"/>
-                </a:schemeClr>
-              </a:solidFill>
-            </a:endParaRPr>
-          </a:p>
-        </p:txBody>
-      </p:sp>
-      <p:sp>
-        <p:nvSpPr>
-          <p:cNvPr id="103" name="Rounded Rectangle 102"/>
-          <p:cNvSpPr/>
-          <p:nvPr/>
-        </p:nvSpPr>
-        <p:spPr>
-          <a:xfrm>
-            <a:off x="3174386" y="4934161"/>
-            <a:ext cx="478296" cy="137160"/>
-          </a:xfrm>
-          <a:prstGeom prst="roundRect">
-            <a:avLst/>
-          </a:prstGeom>
-          <a:solidFill>
-            <a:schemeClr val="bg1">
-              <a:lumMod val="95000"/>
-            </a:schemeClr>
-          </a:solidFill>
-          <a:ln w="3175">
-            <a:solidFill>
-              <a:schemeClr val="tx1">
-                <a:lumMod val="65000"/>
-                <a:lumOff val="35000"/>
-              </a:schemeClr>
-            </a:solidFill>
-          </a:ln>
-          <a:effectLst/>
-        </p:spPr>
-        <p:style>
-          <a:lnRef idx="2">
-            <a:schemeClr val="accent1">
-              <a:shade val="50000"/>
-            </a:schemeClr>
-          </a:lnRef>
-          <a:fillRef idx="1">
-            <a:schemeClr val="accent1"/>
-          </a:fillRef>
-          <a:effectRef idx="0">
-            <a:schemeClr val="accent1"/>
-          </a:effectRef>
-          <a:fontRef idx="minor">
-            <a:schemeClr val="lt1"/>
-          </a:fontRef>
-        </p:style>
-        <p:txBody>
-          <a:bodyPr rtlCol="0" anchor="ctr"/>
-          <a:lstStyle/>
-          <a:p>
-            <a:pPr algn="ctr"/>
-            <a:r>
-              <a:rPr lang="en-US" sz="800" dirty="0" smtClean="0">
-                <a:solidFill>
-                  <a:schemeClr val="tx1">
-                    <a:lumMod val="65000"/>
-                    <a:lumOff val="35000"/>
-                  </a:schemeClr>
-                </a:solidFill>
-              </a:rPr>
-              <a:t>ACC</a:t>
-            </a:r>
-            <a:endParaRPr lang="en-US" sz="800" dirty="0">
-              <a:solidFill>
-                <a:schemeClr val="tx1">
-                  <a:lumMod val="65000"/>
-                  <a:lumOff val="35000"/>
-                </a:schemeClr>
-              </a:solidFill>
-            </a:endParaRPr>
-          </a:p>
-        </p:txBody>
-      </p:sp>
-      <p:sp>
-        <p:nvSpPr>
-          <p:cNvPr id="104" name="Rounded Rectangle 103"/>
-          <p:cNvSpPr/>
-          <p:nvPr/>
-        </p:nvSpPr>
-        <p:spPr>
-          <a:xfrm>
-            <a:off x="4701241" y="3986129"/>
-            <a:ext cx="775275" cy="274320"/>
-          </a:xfrm>
-          <a:prstGeom prst="roundRect">
-            <a:avLst/>
-          </a:prstGeom>
-          <a:solidFill>
-            <a:schemeClr val="bg1">
-              <a:lumMod val="95000"/>
-            </a:schemeClr>
-          </a:solidFill>
-          <a:ln w="3175">
-            <a:solidFill>
-              <a:schemeClr val="tx1">
-                <a:lumMod val="65000"/>
-                <a:lumOff val="35000"/>
-              </a:schemeClr>
-            </a:solidFill>
-          </a:ln>
-          <a:effectLst/>
-        </p:spPr>
-        <p:style>
-          <a:lnRef idx="2">
-            <a:schemeClr val="accent1">
-              <a:shade val="50000"/>
-            </a:schemeClr>
-          </a:lnRef>
-          <a:fillRef idx="1">
-            <a:schemeClr val="accent1"/>
-          </a:fillRef>
-          <a:effectRef idx="0">
-            <a:schemeClr val="accent1"/>
-          </a:effectRef>
-          <a:fontRef idx="minor">
-            <a:schemeClr val="lt1"/>
-          </a:fontRef>
-        </p:style>
-        <p:txBody>
-          <a:bodyPr rtlCol="0" anchor="ctr"/>
-          <a:lstStyle/>
-          <a:p>
-            <a:pPr algn="ctr"/>
-            <a:r>
-              <a:rPr lang="en-US" sz="800" dirty="0" smtClean="0">
-                <a:solidFill>
-                  <a:schemeClr val="tx1">
-                    <a:lumMod val="65000"/>
-                    <a:lumOff val="35000"/>
-                  </a:schemeClr>
-                </a:solidFill>
-              </a:rPr>
-              <a:t>Mountain West</a:t>
-            </a:r>
-            <a:endParaRPr lang="en-US" sz="800" dirty="0">
-              <a:solidFill>
-                <a:schemeClr val="tx1">
-                  <a:lumMod val="65000"/>
-                  <a:lumOff val="35000"/>
-                </a:schemeClr>
-              </a:solidFill>
-            </a:endParaRPr>
-          </a:p>
-        </p:txBody>
-      </p:sp>
-      <p:cxnSp>
-        <p:nvCxnSpPr>
-          <p:cNvPr id="4" name="Straight Arrow Connector 3"/>
-          <p:cNvCxnSpPr/>
-          <p:nvPr/>
-        </p:nvCxnSpPr>
-        <p:spPr>
-          <a:xfrm flipH="1">
-            <a:off x="5131352" y="4260449"/>
-            <a:ext cx="63748" cy="435916"/>
-          </a:xfrm>
-          <a:prstGeom prst="straightConnector1">
-            <a:avLst/>
-          </a:prstGeom>
-          <a:ln w="3175">
-            <a:solidFill>
-              <a:schemeClr val="tx1">
-                <a:lumMod val="65000"/>
-                <a:lumOff val="35000"/>
-              </a:schemeClr>
-            </a:solidFill>
-            <a:headEnd type="none" w="med" len="med"/>
-            <a:tailEnd type="triangle" w="med" len="med"/>
-          </a:ln>
-        </p:spPr>
-        <p:style>
-          <a:lnRef idx="1">
-            <a:schemeClr val="accent1"/>
-          </a:lnRef>
-          <a:fillRef idx="0">
-            <a:schemeClr val="accent1"/>
-          </a:fillRef>
-          <a:effectRef idx="0">
-            <a:schemeClr val="accent1"/>
-          </a:effectRef>
-          <a:fontRef idx="minor">
-            <a:schemeClr val="tx1"/>
-          </a:fontRef>
-        </p:style>
-      </p:cxnSp>
-      <p:cxnSp>
-        <p:nvCxnSpPr>
-          <p:cNvPr id="105" name="Straight Arrow Connector 104"/>
-          <p:cNvCxnSpPr/>
-          <p:nvPr/>
-        </p:nvCxnSpPr>
-        <p:spPr>
-          <a:xfrm flipH="1">
-            <a:off x="1014057" y="4526409"/>
-            <a:ext cx="31875" cy="285260"/>
-          </a:xfrm>
-          <a:prstGeom prst="straightConnector1">
-            <a:avLst/>
-          </a:prstGeom>
-          <a:ln w="3175">
-            <a:solidFill>
-              <a:schemeClr val="tx1">
-                <a:lumMod val="65000"/>
-                <a:lumOff val="35000"/>
-              </a:schemeClr>
-            </a:solidFill>
-            <a:headEnd type="none" w="med" len="med"/>
-            <a:tailEnd type="triangle" w="med" len="med"/>
-          </a:ln>
-        </p:spPr>
-        <p:style>
-          <a:lnRef idx="1">
-            <a:schemeClr val="accent1"/>
-          </a:lnRef>
-          <a:fillRef idx="0">
-            <a:schemeClr val="accent1"/>
-          </a:fillRef>
-          <a:effectRef idx="0">
-            <a:schemeClr val="accent1"/>
-          </a:effectRef>
-          <a:fontRef idx="minor">
-            <a:schemeClr val="tx1"/>
-          </a:fontRef>
-        </p:style>
-      </p:cxnSp>
-      <p:sp>
-        <p:nvSpPr>
-          <p:cNvPr id="106" name="Rounded Rectangle 105"/>
-          <p:cNvSpPr/>
-          <p:nvPr/>
-        </p:nvSpPr>
-        <p:spPr>
-          <a:xfrm>
-            <a:off x="6578201" y="5157225"/>
-            <a:ext cx="586620" cy="137160"/>
-          </a:xfrm>
-          <a:prstGeom prst="roundRect">
-            <a:avLst/>
-          </a:prstGeom>
-          <a:solidFill>
-            <a:schemeClr val="bg1">
-              <a:lumMod val="95000"/>
-            </a:schemeClr>
-          </a:solidFill>
-          <a:ln w="3175">
-            <a:solidFill>
-              <a:schemeClr val="tx1">
-                <a:lumMod val="65000"/>
-                <a:lumOff val="35000"/>
-              </a:schemeClr>
-            </a:solidFill>
-          </a:ln>
-          <a:effectLst/>
-        </p:spPr>
-        <p:style>
-          <a:lnRef idx="2">
-            <a:schemeClr val="accent1">
-              <a:shade val="50000"/>
-            </a:schemeClr>
-          </a:lnRef>
-          <a:fillRef idx="1">
-            <a:schemeClr val="accent1"/>
-          </a:fillRef>
-          <a:effectRef idx="0">
-            <a:schemeClr val="accent1"/>
-          </a:effectRef>
-          <a:fontRef idx="minor">
-            <a:schemeClr val="lt1"/>
-          </a:fontRef>
-        </p:style>
-        <p:txBody>
-          <a:bodyPr rtlCol="0" anchor="ctr"/>
-          <a:lstStyle/>
-          <a:p>
-            <a:pPr algn="ctr"/>
-            <a:r>
-              <a:rPr lang="en-US" sz="800" dirty="0" smtClean="0">
-                <a:solidFill>
-                  <a:schemeClr val="tx1">
-                    <a:lumMod val="65000"/>
-                    <a:lumOff val="35000"/>
-                  </a:schemeClr>
-                </a:solidFill>
-              </a:rPr>
-              <a:t>Big West</a:t>
-            </a:r>
-            <a:endParaRPr lang="en-US" sz="800" dirty="0">
-              <a:solidFill>
-                <a:schemeClr val="tx1">
-                  <a:lumMod val="65000"/>
-                  <a:lumOff val="35000"/>
-                </a:schemeClr>
-              </a:solidFill>
-            </a:endParaRPr>
-          </a:p>
-        </p:txBody>
-      </p:sp>
-      <p:cxnSp>
-        <p:nvCxnSpPr>
-          <p:cNvPr id="107" name="Straight Arrow Connector 106"/>
-          <p:cNvCxnSpPr/>
-          <p:nvPr/>
-        </p:nvCxnSpPr>
-        <p:spPr>
-          <a:xfrm flipH="1" flipV="1">
-            <a:off x="6914567" y="4791791"/>
-            <a:ext cx="74955" cy="365434"/>
-          </a:xfrm>
-          <a:prstGeom prst="straightConnector1">
-            <a:avLst/>
-          </a:prstGeom>
-          <a:ln w="3175">
-            <a:solidFill>
-              <a:schemeClr val="tx1">
-                <a:lumMod val="65000"/>
-                <a:lumOff val="35000"/>
-              </a:schemeClr>
-            </a:solidFill>
-            <a:headEnd type="none" w="med" len="med"/>
-            <a:tailEnd type="triangle" w="med" len="med"/>
-          </a:ln>
-        </p:spPr>
-        <p:style>
-          <a:lnRef idx="1">
-            <a:schemeClr val="accent1"/>
-          </a:lnRef>
-          <a:fillRef idx="0">
-            <a:schemeClr val="accent1"/>
-          </a:fillRef>
-          <a:effectRef idx="0">
-            <a:schemeClr val="accent1"/>
-          </a:effectRef>
-          <a:fontRef idx="minor">
-            <a:schemeClr val="tx1"/>
-          </a:fontRef>
-        </p:style>
-      </p:cxnSp>
     </p:spTree>
     <p:extLst>
       <p:ext uri="{BB962C8B-B14F-4D97-AF65-F5344CB8AC3E}">

--- a/paper/images/images.pptx
+++ b/paper/images/images.pptx
@@ -5,7 +5,7 @@
     <p:sldMasterId id="2147483648" r:id="rId1"/>
   </p:sldMasterIdLst>
   <p:notesMasterIdLst>
-    <p:notesMasterId r:id="rId8"/>
+    <p:notesMasterId r:id="rId9"/>
   </p:notesMasterIdLst>
   <p:sldIdLst>
     <p:sldId id="259" r:id="rId2"/>
@@ -14,6 +14,7 @@
     <p:sldId id="261" r:id="rId5"/>
     <p:sldId id="258" r:id="rId6"/>
     <p:sldId id="260" r:id="rId7"/>
+    <p:sldId id="262" r:id="rId8"/>
   </p:sldIdLst>
   <p:sldSz cx="9144000" cy="6858000" type="screen4x3"/>
   <p:notesSz cx="6858000" cy="9144000"/>
@@ -123,6 +124,7 @@
             <p14:sldId id="261"/>
             <p14:sldId id="258"/>
             <p14:sldId id="260"/>
+            <p14:sldId id="262"/>
           </p14:sldIdLst>
         </p14:section>
       </p14:sectionLst>
@@ -213,7 +215,7 @@
           <a:p>
             <a:fld id="{48B7223B-A512-4D2E-9578-3B4356B815F6}" type="datetimeFigureOut">
               <a:rPr lang="en-US" smtClean="0"/>
-              <a:t>11/17/2013</a:t>
+              <a:t>2/9/2014</a:t>
             </a:fld>
             <a:endParaRPr lang="en-US"/>
           </a:p>
@@ -508,7 +510,12 @@
             <p:ph type="sldImg"/>
           </p:nvPr>
         </p:nvSpPr>
-        <p:spPr/>
+        <p:spPr>
+          <a:xfrm>
+            <a:off x="1143000" y="685800"/>
+            <a:ext cx="4572000" cy="3429000"/>
+          </a:xfrm>
+        </p:spPr>
       </p:sp>
       <p:sp>
         <p:nvSpPr>
@@ -594,7 +601,7 @@
         </p:nvSpPr>
         <p:spPr>
           <a:xfrm>
-            <a:off x="685800" y="2130425"/>
+            <a:off x="685800" y="2130426"/>
             <a:ext cx="7772400" cy="1470025"/>
           </a:xfrm>
         </p:spPr>
@@ -746,7 +753,7 @@
           <a:p>
             <a:fld id="{554C80B5-1734-4FC9-8F72-0C7543F7E92B}" type="datetimeFigureOut">
               <a:rPr lang="en-US" smtClean="0"/>
-              <a:t>11/17/2013</a:t>
+              <a:t>2/9/2014</a:t>
             </a:fld>
             <a:endParaRPr lang="en-US"/>
           </a:p>
@@ -916,7 +923,7 @@
           <a:p>
             <a:fld id="{554C80B5-1734-4FC9-8F72-0C7543F7E92B}" type="datetimeFigureOut">
               <a:rPr lang="en-US" smtClean="0"/>
-              <a:t>11/17/2013</a:t>
+              <a:t>2/9/2014</a:t>
             </a:fld>
             <a:endParaRPr lang="en-US"/>
           </a:p>
@@ -1006,7 +1013,7 @@
         </p:nvSpPr>
         <p:spPr>
           <a:xfrm>
-            <a:off x="6629400" y="274638"/>
+            <a:off x="6629400" y="274639"/>
             <a:ext cx="2057400" cy="5851525"/>
           </a:xfrm>
         </p:spPr>
@@ -1034,7 +1041,7 @@
         </p:nvSpPr>
         <p:spPr>
           <a:xfrm>
-            <a:off x="457200" y="274638"/>
+            <a:off x="457200" y="274639"/>
             <a:ext cx="6019800" cy="5851525"/>
           </a:xfrm>
         </p:spPr>
@@ -1096,7 +1103,7 @@
           <a:p>
             <a:fld id="{554C80B5-1734-4FC9-8F72-0C7543F7E92B}" type="datetimeFigureOut">
               <a:rPr lang="en-US" smtClean="0"/>
-              <a:t>11/17/2013</a:t>
+              <a:t>2/9/2014</a:t>
             </a:fld>
             <a:endParaRPr lang="en-US"/>
           </a:p>
@@ -1266,7 +1273,7 @@
           <a:p>
             <a:fld id="{554C80B5-1734-4FC9-8F72-0C7543F7E92B}" type="datetimeFigureOut">
               <a:rPr lang="en-US" smtClean="0"/>
-              <a:t>11/17/2013</a:t>
+              <a:t>2/9/2014</a:t>
             </a:fld>
             <a:endParaRPr lang="en-US"/>
           </a:p>
@@ -1356,7 +1363,7 @@
         </p:nvSpPr>
         <p:spPr>
           <a:xfrm>
-            <a:off x="722313" y="4406900"/>
+            <a:off x="722313" y="4406901"/>
             <a:ext cx="7772400" cy="1362075"/>
           </a:xfrm>
         </p:spPr>
@@ -1512,7 +1519,7 @@
           <a:p>
             <a:fld id="{554C80B5-1734-4FC9-8F72-0C7543F7E92B}" type="datetimeFigureOut">
               <a:rPr lang="en-US" smtClean="0"/>
-              <a:t>11/17/2013</a:t>
+              <a:t>2/9/2014</a:t>
             </a:fld>
             <a:endParaRPr lang="en-US"/>
           </a:p>
@@ -1625,7 +1632,7 @@
         </p:nvSpPr>
         <p:spPr>
           <a:xfrm>
-            <a:off x="457200" y="1600200"/>
+            <a:off x="457200" y="1600201"/>
             <a:ext cx="4038600" cy="4525963"/>
           </a:xfrm>
         </p:spPr>
@@ -1710,7 +1717,7 @@
         </p:nvSpPr>
         <p:spPr>
           <a:xfrm>
-            <a:off x="4648200" y="1600200"/>
+            <a:off x="4648200" y="1600201"/>
             <a:ext cx="4038600" cy="4525963"/>
           </a:xfrm>
         </p:spPr>
@@ -1800,7 +1807,7 @@
           <a:p>
             <a:fld id="{554C80B5-1734-4FC9-8F72-0C7543F7E92B}" type="datetimeFigureOut">
               <a:rPr lang="en-US" smtClean="0"/>
-              <a:t>11/17/2013</a:t>
+              <a:t>2/9/2014</a:t>
             </a:fld>
             <a:endParaRPr lang="en-US"/>
           </a:p>
@@ -2067,7 +2074,7 @@
         </p:nvSpPr>
         <p:spPr>
           <a:xfrm>
-            <a:off x="4645025" y="1535113"/>
+            <a:off x="4645027" y="1535113"/>
             <a:ext cx="4041775" cy="639762"/>
           </a:xfrm>
         </p:spPr>
@@ -2132,7 +2139,7 @@
         </p:nvSpPr>
         <p:spPr>
           <a:xfrm>
-            <a:off x="4645025" y="2174875"/>
+            <a:off x="4645027" y="2174875"/>
             <a:ext cx="4041775" cy="3951288"/>
           </a:xfrm>
         </p:spPr>
@@ -2222,7 +2229,7 @@
           <a:p>
             <a:fld id="{554C80B5-1734-4FC9-8F72-0C7543F7E92B}" type="datetimeFigureOut">
               <a:rPr lang="en-US" smtClean="0"/>
-              <a:t>11/17/2013</a:t>
+              <a:t>2/9/2014</a:t>
             </a:fld>
             <a:endParaRPr lang="en-US"/>
           </a:p>
@@ -2340,7 +2347,7 @@
           <a:p>
             <a:fld id="{554C80B5-1734-4FC9-8F72-0C7543F7E92B}" type="datetimeFigureOut">
               <a:rPr lang="en-US" smtClean="0"/>
-              <a:t>11/17/2013</a:t>
+              <a:t>2/9/2014</a:t>
             </a:fld>
             <a:endParaRPr lang="en-US"/>
           </a:p>
@@ -2435,7 +2442,7 @@
           <a:p>
             <a:fld id="{554C80B5-1734-4FC9-8F72-0C7543F7E92B}" type="datetimeFigureOut">
               <a:rPr lang="en-US" smtClean="0"/>
-              <a:t>11/17/2013</a:t>
+              <a:t>2/9/2014</a:t>
             </a:fld>
             <a:endParaRPr lang="en-US"/>
           </a:p>
@@ -2525,7 +2532,7 @@
         </p:nvSpPr>
         <p:spPr>
           <a:xfrm>
-            <a:off x="457200" y="273050"/>
+            <a:off x="457202" y="273050"/>
             <a:ext cx="3008313" cy="1162050"/>
           </a:xfrm>
         </p:spPr>
@@ -2557,7 +2564,7 @@
         </p:nvSpPr>
         <p:spPr>
           <a:xfrm>
-            <a:off x="3575050" y="273050"/>
+            <a:off x="3575050" y="273051"/>
             <a:ext cx="5111750" cy="5853113"/>
           </a:xfrm>
         </p:spPr>
@@ -2642,7 +2649,7 @@
         </p:nvSpPr>
         <p:spPr>
           <a:xfrm>
-            <a:off x="457200" y="1435100"/>
+            <a:off x="457202" y="1435101"/>
             <a:ext cx="3008313" cy="4691063"/>
           </a:xfrm>
         </p:spPr>
@@ -2712,7 +2719,7 @@
           <a:p>
             <a:fld id="{554C80B5-1734-4FC9-8F72-0C7543F7E92B}" type="datetimeFigureOut">
               <a:rPr lang="en-US" smtClean="0"/>
-              <a:t>11/17/2013</a:t>
+              <a:t>2/9/2014</a:t>
             </a:fld>
             <a:endParaRPr lang="en-US"/>
           </a:p>
@@ -2965,7 +2972,7 @@
           <a:p>
             <a:fld id="{554C80B5-1734-4FC9-8F72-0C7543F7E92B}" type="datetimeFigureOut">
               <a:rPr lang="en-US" smtClean="0"/>
-              <a:t>11/17/2013</a:t>
+              <a:t>2/9/2014</a:t>
             </a:fld>
             <a:endParaRPr lang="en-US"/>
           </a:p>
@@ -3093,7 +3100,7 @@
         </p:nvSpPr>
         <p:spPr>
           <a:xfrm>
-            <a:off x="457200" y="1600200"/>
+            <a:off x="457200" y="1600201"/>
             <a:ext cx="8229600" cy="4525963"/>
           </a:xfrm>
           <a:prstGeom prst="rect">
@@ -3155,7 +3162,7 @@
         </p:nvSpPr>
         <p:spPr>
           <a:xfrm>
-            <a:off x="457200" y="6356350"/>
+            <a:off x="457200" y="6356351"/>
             <a:ext cx="2133600" cy="365125"/>
           </a:xfrm>
           <a:prstGeom prst="rect">
@@ -3178,7 +3185,7 @@
           <a:p>
             <a:fld id="{554C80B5-1734-4FC9-8F72-0C7543F7E92B}" type="datetimeFigureOut">
               <a:rPr lang="en-US" smtClean="0"/>
-              <a:t>11/17/2013</a:t>
+              <a:t>2/9/2014</a:t>
             </a:fld>
             <a:endParaRPr lang="en-US"/>
           </a:p>
@@ -3196,7 +3203,7 @@
         </p:nvSpPr>
         <p:spPr>
           <a:xfrm>
-            <a:off x="3124200" y="6356350"/>
+            <a:off x="3124200" y="6356351"/>
             <a:ext cx="2895600" cy="365125"/>
           </a:xfrm>
           <a:prstGeom prst="rect">
@@ -3233,7 +3240,7 @@
         </p:nvSpPr>
         <p:spPr>
           <a:xfrm>
-            <a:off x="6553200" y="6356350"/>
+            <a:off x="6553200" y="6356351"/>
             <a:ext cx="2133600" cy="365125"/>
           </a:xfrm>
           <a:prstGeom prst="rect">
@@ -3769,7 +3776,7 @@
         </p:nvSpPr>
         <p:spPr>
           <a:xfrm>
-            <a:off x="1161216" y="3566967"/>
+            <a:off x="1161216" y="3566968"/>
             <a:ext cx="1907712" cy="2239723"/>
           </a:xfrm>
           <a:prstGeom prst="rect">
@@ -3793,7 +3800,7 @@
         </p:nvSpPr>
         <p:spPr>
           <a:xfrm>
-            <a:off x="4959006" y="3519285"/>
+            <a:off x="4959006" y="3519286"/>
             <a:ext cx="2671842" cy="2239723"/>
           </a:xfrm>
           <a:prstGeom prst="flowChartMagneticDisk">
@@ -4077,7 +4084,7 @@
         </p:nvSpPr>
         <p:spPr>
           <a:xfrm>
-            <a:off x="3232203" y="4971284"/>
+            <a:off x="3232203" y="4971285"/>
             <a:ext cx="1767622" cy="185827"/>
           </a:xfrm>
           <a:prstGeom prst="rect">
@@ -4109,7 +4116,7 @@
         </p:nvSpPr>
         <p:spPr>
           <a:xfrm>
-            <a:off x="3003618" y="4252796"/>
+            <a:off x="3003619" y="4252797"/>
             <a:ext cx="1450867" cy="185827"/>
           </a:xfrm>
           <a:prstGeom prst="rect">
@@ -4179,7 +4186,9 @@
           <a:lstStyle/>
           <a:p>
             <a:pPr algn="ctr"/>
-            <a:endParaRPr lang="en-US"/>
+            <a:endParaRPr lang="en-US">
+              <a:latin typeface="cmbx10" panose="020B0500000000000000" pitchFamily="34" charset="0"/>
+            </a:endParaRPr>
           </a:p>
         </p:txBody>
       </p:sp>
@@ -4191,8 +4200,8 @@
         </p:nvSpPr>
         <p:spPr>
           <a:xfrm>
-            <a:off x="874351" y="841661"/>
-            <a:ext cx="2964550" cy="1728181"/>
+            <a:off x="462664" y="833021"/>
+            <a:ext cx="3341235" cy="1736822"/>
           </a:xfrm>
           <a:custGeom>
             <a:avLst/>
@@ -4505,6 +4514,62 @@
               <a:gd name="connsiteY3" fmla="*/ 10000 h 10000"/>
               <a:gd name="connsiteX4" fmla="*/ 0 w 10033"/>
               <a:gd name="connsiteY4" fmla="*/ 0 h 10000"/>
+              <a:gd name="connsiteX0" fmla="*/ 0 w 10033"/>
+              <a:gd name="connsiteY0" fmla="*/ 50 h 10050"/>
+              <a:gd name="connsiteX1" fmla="*/ 10000 w 10033"/>
+              <a:gd name="connsiteY1" fmla="*/ 50 h 10050"/>
+              <a:gd name="connsiteX2" fmla="*/ 10000 w 10033"/>
+              <a:gd name="connsiteY2" fmla="*/ 10050 h 10050"/>
+              <a:gd name="connsiteX3" fmla="*/ 0 w 10033"/>
+              <a:gd name="connsiteY3" fmla="*/ 10050 h 10050"/>
+              <a:gd name="connsiteX4" fmla="*/ 0 w 10033"/>
+              <a:gd name="connsiteY4" fmla="*/ 50 h 10050"/>
+              <a:gd name="connsiteX0" fmla="*/ 913 w 10033"/>
+              <a:gd name="connsiteY0" fmla="*/ 0 h 10050"/>
+              <a:gd name="connsiteX1" fmla="*/ 1250 w 10033"/>
+              <a:gd name="connsiteY1" fmla="*/ 10050 h 10050"/>
+              <a:gd name="connsiteX2" fmla="*/ 0 w 10033"/>
+              <a:gd name="connsiteY2" fmla="*/ 2016 h 10050"/>
+              <a:gd name="connsiteX3" fmla="*/ 10033 w 10033"/>
+              <a:gd name="connsiteY3" fmla="*/ 2012 h 10050"/>
+              <a:gd name="connsiteX0" fmla="*/ 0 w 10033"/>
+              <a:gd name="connsiteY0" fmla="*/ 50 h 10050"/>
+              <a:gd name="connsiteX1" fmla="*/ 10000 w 10033"/>
+              <a:gd name="connsiteY1" fmla="*/ 50 h 10050"/>
+              <a:gd name="connsiteX2" fmla="*/ 10000 w 10033"/>
+              <a:gd name="connsiteY2" fmla="*/ 10050 h 10050"/>
+              <a:gd name="connsiteX3" fmla="*/ 0 w 10033"/>
+              <a:gd name="connsiteY3" fmla="*/ 10050 h 10050"/>
+              <a:gd name="connsiteX4" fmla="*/ 0 w 10033"/>
+              <a:gd name="connsiteY4" fmla="*/ 50 h 10050"/>
+              <a:gd name="connsiteX0" fmla="*/ 0 w 10033"/>
+              <a:gd name="connsiteY0" fmla="*/ 50 h 10050"/>
+              <a:gd name="connsiteX1" fmla="*/ 10000 w 10033"/>
+              <a:gd name="connsiteY1" fmla="*/ 50 h 10050"/>
+              <a:gd name="connsiteX2" fmla="*/ 10000 w 10033"/>
+              <a:gd name="connsiteY2" fmla="*/ 10050 h 10050"/>
+              <a:gd name="connsiteX3" fmla="*/ 0 w 10033"/>
+              <a:gd name="connsiteY3" fmla="*/ 10050 h 10050"/>
+              <a:gd name="connsiteX4" fmla="*/ 0 w 10033"/>
+              <a:gd name="connsiteY4" fmla="*/ 50 h 10050"/>
+              <a:gd name="connsiteX0" fmla="*/ 913 w 10033"/>
+              <a:gd name="connsiteY0" fmla="*/ 0 h 10050"/>
+              <a:gd name="connsiteX1" fmla="*/ 887 w 10033"/>
+              <a:gd name="connsiteY1" fmla="*/ 10050 h 10050"/>
+              <a:gd name="connsiteX2" fmla="*/ 0 w 10033"/>
+              <a:gd name="connsiteY2" fmla="*/ 2016 h 10050"/>
+              <a:gd name="connsiteX3" fmla="*/ 10033 w 10033"/>
+              <a:gd name="connsiteY3" fmla="*/ 2012 h 10050"/>
+              <a:gd name="connsiteX0" fmla="*/ 0 w 10033"/>
+              <a:gd name="connsiteY0" fmla="*/ 50 h 10050"/>
+              <a:gd name="connsiteX1" fmla="*/ 10000 w 10033"/>
+              <a:gd name="connsiteY1" fmla="*/ 50 h 10050"/>
+              <a:gd name="connsiteX2" fmla="*/ 10000 w 10033"/>
+              <a:gd name="connsiteY2" fmla="*/ 10050 h 10050"/>
+              <a:gd name="connsiteX3" fmla="*/ 0 w 10033"/>
+              <a:gd name="connsiteY3" fmla="*/ 10050 h 10050"/>
+              <a:gd name="connsiteX4" fmla="*/ 0 w 10033"/>
+              <a:gd name="connsiteY4" fmla="*/ 50 h 10050"/>
             </a:gdLst>
             <a:ahLst/>
             <a:cxnLst>
@@ -4526,53 +4591,55 @@
             </a:cxnLst>
             <a:rect l="l" t="t" r="r" b="b"/>
             <a:pathLst>
-              <a:path w="10033" h="10000" stroke="0" extrusionOk="0">
+              <a:path w="10033" h="10050" stroke="0" extrusionOk="0">
                 <a:moveTo>
-                  <a:pt x="0" y="0"/>
+                  <a:pt x="0" y="50"/>
                 </a:moveTo>
                 <a:lnTo>
-                  <a:pt x="10000" y="0"/>
+                  <a:pt x="10000" y="50"/>
                 </a:lnTo>
                 <a:lnTo>
-                  <a:pt x="10000" y="10000"/>
+                  <a:pt x="10000" y="10050"/>
                 </a:lnTo>
                 <a:lnTo>
-                  <a:pt x="0" y="10000"/>
+                  <a:pt x="0" y="10050"/>
                 </a:lnTo>
                 <a:lnTo>
-                  <a:pt x="0" y="0"/>
+                  <a:pt x="0" y="50"/>
                 </a:lnTo>
                 <a:close/>
               </a:path>
-              <a:path w="10033" h="10000" fill="none" extrusionOk="0">
+              <a:path w="10033" h="10050" fill="none" extrusionOk="0">
                 <a:moveTo>
-                  <a:pt x="1250" y="0"/>
+                  <a:pt x="913" y="0"/>
+                </a:moveTo>
+                <a:cubicBezTo>
+                  <a:pt x="913" y="3333"/>
+                  <a:pt x="887" y="6717"/>
+                  <a:pt x="887" y="10050"/>
+                </a:cubicBezTo>
+                <a:moveTo>
+                  <a:pt x="0" y="2016"/>
                 </a:moveTo>
                 <a:lnTo>
-                  <a:pt x="1250" y="10000"/>
+                  <a:pt x="10033" y="2012"/>
                 </a:lnTo>
+              </a:path>
+              <a:path w="10033" h="10050" fill="none">
                 <a:moveTo>
-                  <a:pt x="0" y="1966"/>
+                  <a:pt x="0" y="50"/>
                 </a:moveTo>
                 <a:lnTo>
-                  <a:pt x="10033" y="1962"/>
-                </a:lnTo>
-              </a:path>
-              <a:path w="10033" h="10000" fill="none">
-                <a:moveTo>
-                  <a:pt x="0" y="0"/>
-                </a:moveTo>
-                <a:lnTo>
-                  <a:pt x="10000" y="0"/>
+                  <a:pt x="10000" y="50"/>
                 </a:lnTo>
                 <a:lnTo>
-                  <a:pt x="10000" y="10000"/>
+                  <a:pt x="10000" y="10050"/>
                 </a:lnTo>
                 <a:lnTo>
-                  <a:pt x="0" y="10000"/>
+                  <a:pt x="0" y="10050"/>
                 </a:lnTo>
                 <a:lnTo>
-                  <a:pt x="0" y="0"/>
+                  <a:pt x="0" y="50"/>
                 </a:lnTo>
                 <a:close/>
               </a:path>
@@ -4610,7 +4677,9 @@
           <a:lstStyle/>
           <a:p>
             <a:pPr algn="ctr"/>
-            <a:endParaRPr lang="en-US"/>
+            <a:endParaRPr lang="en-US">
+              <a:latin typeface="cmbx10" panose="020B0500000000000000" pitchFamily="34" charset="0"/>
+            </a:endParaRPr>
           </a:p>
         </p:txBody>
       </p:sp>
@@ -4622,7 +4691,7 @@
         </p:nvSpPr>
         <p:spPr>
           <a:xfrm>
-            <a:off x="1247393" y="872704"/>
+            <a:off x="835707" y="872705"/>
             <a:ext cx="2623022" cy="283811"/>
           </a:xfrm>
           <a:prstGeom prst="rect">
@@ -4644,6 +4713,7 @@
                     <a:lumOff val="35000"/>
                   </a:schemeClr>
                 </a:solidFill>
+                <a:latin typeface="cmbx10" panose="020B0500000000000000" pitchFamily="34" charset="0"/>
               </a:rPr>
               <a:t>Client Side</a:t>
             </a:r>
@@ -4658,8 +4728,8 @@
         </p:nvSpPr>
         <p:spPr>
           <a:xfrm>
-            <a:off x="6713884" y="580900"/>
-            <a:ext cx="1035031" cy="283811"/>
+            <a:off x="6713886" y="580901"/>
+            <a:ext cx="1347868" cy="283811"/>
           </a:xfrm>
           <a:prstGeom prst="rect">
             <a:avLst/>
@@ -4680,6 +4750,7 @@
                     <a:lumOff val="35000"/>
                   </a:schemeClr>
                 </a:solidFill>
+                <a:latin typeface="cmbx10" panose="020B0500000000000000" pitchFamily="34" charset="0"/>
               </a:rPr>
               <a:t>Server Side</a:t>
             </a:r>
@@ -4695,7 +4766,7 @@
         <p:spPr>
           <a:xfrm>
             <a:off x="2968198" y="1878569"/>
-            <a:ext cx="1403844" cy="414764"/>
+            <a:ext cx="1403846" cy="414764"/>
           </a:xfrm>
           <a:prstGeom prst="flowChartProcess">
             <a:avLst/>
@@ -4728,7 +4799,9 @@
           <a:lstStyle/>
           <a:p>
             <a:pPr algn="ctr"/>
-            <a:endParaRPr lang="en-US"/>
+            <a:endParaRPr lang="en-US">
+              <a:latin typeface="cmbx10" panose="020B0500000000000000" pitchFamily="34" charset="0"/>
+            </a:endParaRPr>
           </a:p>
         </p:txBody>
       </p:sp>
@@ -4740,8 +4813,8 @@
         </p:nvSpPr>
         <p:spPr>
           <a:xfrm>
-            <a:off x="5363920" y="1878987"/>
-            <a:ext cx="1349963" cy="414764"/>
+            <a:off x="5263292" y="1878987"/>
+            <a:ext cx="1450594" cy="414764"/>
           </a:xfrm>
           <a:prstGeom prst="flowChartProcess">
             <a:avLst/>
@@ -4774,7 +4847,9 @@
           <a:lstStyle/>
           <a:p>
             <a:pPr algn="ctr"/>
-            <a:endParaRPr lang="en-US"/>
+            <a:endParaRPr lang="en-US">
+              <a:latin typeface="cmbx10" panose="020B0500000000000000" pitchFamily="34" charset="0"/>
+            </a:endParaRPr>
           </a:p>
         </p:txBody>
       </p:sp>
@@ -4786,8 +4861,8 @@
         </p:nvSpPr>
         <p:spPr>
           <a:xfrm>
-            <a:off x="3730129" y="1878569"/>
-            <a:ext cx="703631" cy="251288"/>
+            <a:off x="3730131" y="1878569"/>
+            <a:ext cx="750478" cy="253033"/>
           </a:xfrm>
           <a:prstGeom prst="rect">
             <a:avLst/>
@@ -4805,6 +4880,7 @@
                 <a:solidFill>
                   <a:schemeClr val="bg1"/>
                 </a:solidFill>
+                <a:latin typeface="cmbx10" panose="020B0500000000000000" pitchFamily="34" charset="0"/>
               </a:rPr>
               <a:t>Binding</a:t>
             </a:r>
@@ -4819,8 +4895,8 @@
         </p:nvSpPr>
         <p:spPr>
           <a:xfrm>
-            <a:off x="5365531" y="1878987"/>
-            <a:ext cx="703631" cy="251288"/>
+            <a:off x="5263291" y="1878987"/>
+            <a:ext cx="805874" cy="253033"/>
           </a:xfrm>
           <a:prstGeom prst="rect">
             <a:avLst/>
@@ -4838,6 +4914,7 @@
                 <a:solidFill>
                   <a:schemeClr val="bg1"/>
                 </a:solidFill>
+                <a:latin typeface="cmbx10" panose="020B0500000000000000" pitchFamily="34" charset="0"/>
               </a:rPr>
               <a:t>Binding</a:t>
             </a:r>
@@ -4852,7 +4929,7 @@
         </p:nvSpPr>
         <p:spPr>
           <a:xfrm>
-            <a:off x="6015223" y="1878985"/>
+            <a:off x="6015225" y="1878985"/>
             <a:ext cx="761931" cy="553018"/>
           </a:xfrm>
           <a:prstGeom prst="flowChartDocument">
@@ -4890,7 +4967,9 @@
           <a:lstStyle/>
           <a:p>
             <a:pPr algn="ctr"/>
-            <a:endParaRPr lang="en-US"/>
+            <a:endParaRPr lang="en-US">
+              <a:latin typeface="cmbx10" panose="020B0500000000000000" pitchFamily="34" charset="0"/>
+            </a:endParaRPr>
           </a:p>
         </p:txBody>
       </p:sp>
@@ -4902,8 +4981,8 @@
         </p:nvSpPr>
         <p:spPr>
           <a:xfrm>
-            <a:off x="6015223" y="1878986"/>
-            <a:ext cx="761931" cy="251288"/>
+            <a:off x="6015225" y="1878986"/>
+            <a:ext cx="761931" cy="253033"/>
           </a:xfrm>
           <a:prstGeom prst="rect">
             <a:avLst/>
@@ -4921,6 +5000,7 @@
                 <a:solidFill>
                   <a:schemeClr val="bg1"/>
                 </a:solidFill>
+                <a:latin typeface="cmbx10" panose="020B0500000000000000" pitchFamily="34" charset="0"/>
               </a:rPr>
               <a:t>Shiny</a:t>
             </a:r>
@@ -4935,8 +5015,8 @@
         </p:nvSpPr>
         <p:spPr>
           <a:xfrm>
-            <a:off x="1255789" y="1278229"/>
-            <a:ext cx="1701484" cy="1222486"/>
+            <a:off x="778530" y="1278229"/>
+            <a:ext cx="2112275" cy="1222486"/>
           </a:xfrm>
           <a:prstGeom prst="flowChartProcess">
             <a:avLst/>
@@ -4971,7 +5051,9 @@
           <a:lstStyle/>
           <a:p>
             <a:pPr algn="ctr"/>
-            <a:endParaRPr lang="en-US"/>
+            <a:endParaRPr lang="en-US">
+              <a:latin typeface="cmbx10" panose="020B0500000000000000" pitchFamily="34" charset="0"/>
+            </a:endParaRPr>
           </a:p>
         </p:txBody>
       </p:sp>
@@ -4983,7 +5065,7 @@
         </p:nvSpPr>
         <p:spPr>
           <a:xfrm>
-            <a:off x="1312975" y="1878570"/>
+            <a:off x="884039" y="1878570"/>
             <a:ext cx="761931" cy="553018"/>
           </a:xfrm>
           <a:prstGeom prst="flowChartDocument">
@@ -5021,7 +5103,9 @@
           <a:lstStyle/>
           <a:p>
             <a:pPr algn="ctr"/>
-            <a:endParaRPr lang="en-US"/>
+            <a:endParaRPr lang="en-US">
+              <a:latin typeface="cmbx10" panose="020B0500000000000000" pitchFamily="34" charset="0"/>
+            </a:endParaRPr>
           </a:p>
         </p:txBody>
       </p:sp>
@@ -5033,8 +5117,8 @@
         </p:nvSpPr>
         <p:spPr>
           <a:xfrm>
-            <a:off x="1312975" y="1878570"/>
-            <a:ext cx="761931" cy="251288"/>
+            <a:off x="884039" y="1878570"/>
+            <a:ext cx="761931" cy="253033"/>
           </a:xfrm>
           <a:prstGeom prst="rect">
             <a:avLst/>
@@ -5052,6 +5136,7 @@
                 <a:solidFill>
                   <a:schemeClr val="bg1"/>
                 </a:solidFill>
+                <a:latin typeface="cmbx10" panose="020B0500000000000000" pitchFamily="34" charset="0"/>
               </a:rPr>
               <a:t>D3</a:t>
             </a:r>
@@ -5066,8 +5151,8 @@
         </p:nvSpPr>
         <p:spPr>
           <a:xfrm>
-            <a:off x="1264375" y="1274179"/>
-            <a:ext cx="842156" cy="418814"/>
+            <a:off x="757378" y="1274179"/>
+            <a:ext cx="973353" cy="422310"/>
           </a:xfrm>
           <a:prstGeom prst="rect">
             <a:avLst/>
@@ -5085,6 +5170,7 @@
                 <a:solidFill>
                   <a:schemeClr val="bg1"/>
                 </a:solidFill>
+                <a:latin typeface="cmbx10" panose="020B0500000000000000" pitchFamily="34" charset="0"/>
               </a:rPr>
               <a:t>Interactive Graph</a:t>
             </a:r>
@@ -5099,8 +5185,8 @@
         </p:nvSpPr>
         <p:spPr>
           <a:xfrm>
-            <a:off x="2114728" y="1278229"/>
-            <a:ext cx="1701484" cy="1222486"/>
+            <a:off x="1754798" y="1278229"/>
+            <a:ext cx="2027090" cy="1222486"/>
           </a:xfrm>
           <a:prstGeom prst="flowChartProcess">
             <a:avLst/>
@@ -5135,7 +5221,9 @@
           <a:lstStyle/>
           <a:p>
             <a:pPr algn="ctr"/>
-            <a:endParaRPr lang="en-US"/>
+            <a:endParaRPr lang="en-US">
+              <a:latin typeface="cmbx10" panose="020B0500000000000000" pitchFamily="34" charset="0"/>
+            </a:endParaRPr>
           </a:p>
         </p:txBody>
       </p:sp>
@@ -5147,8 +5235,8 @@
         </p:nvSpPr>
         <p:spPr>
           <a:xfrm>
-            <a:off x="2968198" y="1274179"/>
-            <a:ext cx="971337" cy="253033"/>
+            <a:off x="2841189" y="1274180"/>
+            <a:ext cx="971337" cy="422310"/>
           </a:xfrm>
           <a:prstGeom prst="rect">
             <a:avLst/>
@@ -5166,6 +5254,7 @@
                 <a:solidFill>
                   <a:schemeClr val="bg1"/>
                 </a:solidFill>
+                <a:latin typeface="cmbx10" panose="020B0500000000000000" pitchFamily="34" charset="0"/>
               </a:rPr>
               <a:t>User Controls</a:t>
             </a:r>
@@ -5180,7 +5269,7 @@
         </p:nvSpPr>
         <p:spPr>
           <a:xfrm>
-            <a:off x="2968198" y="1878570"/>
+            <a:off x="2950364" y="1878570"/>
             <a:ext cx="761931" cy="553018"/>
           </a:xfrm>
           <a:prstGeom prst="flowChartDocument">
@@ -5218,7 +5307,9 @@
           <a:lstStyle/>
           <a:p>
             <a:pPr algn="ctr"/>
-            <a:endParaRPr lang="en-US"/>
+            <a:endParaRPr lang="en-US">
+              <a:latin typeface="cmbx10" panose="020B0500000000000000" pitchFamily="34" charset="0"/>
+            </a:endParaRPr>
           </a:p>
         </p:txBody>
       </p:sp>
@@ -5230,8 +5321,8 @@
         </p:nvSpPr>
         <p:spPr>
           <a:xfrm>
-            <a:off x="2968198" y="1878570"/>
-            <a:ext cx="761931" cy="251288"/>
+            <a:off x="2950364" y="1878570"/>
+            <a:ext cx="761931" cy="253033"/>
           </a:xfrm>
           <a:prstGeom prst="rect">
             <a:avLst/>
@@ -5249,6 +5340,7 @@
                 <a:solidFill>
                   <a:schemeClr val="bg1"/>
                 </a:solidFill>
+                <a:latin typeface="cmbx10" panose="020B0500000000000000" pitchFamily="34" charset="0"/>
               </a:rPr>
               <a:t>Shiny</a:t>
             </a:r>
@@ -5263,7 +5355,225 @@
         </p:nvSpPr>
         <p:spPr>
           <a:xfrm>
-            <a:off x="2142415" y="1878569"/>
+            <a:off x="1808365" y="1878569"/>
+            <a:ext cx="994482" cy="553018"/>
+          </a:xfrm>
+          <a:prstGeom prst="flowChartDocument">
+            <a:avLst/>
+          </a:prstGeom>
+          <a:solidFill>
+            <a:schemeClr val="bg1">
+              <a:lumMod val="65000"/>
+            </a:schemeClr>
+          </a:solidFill>
+          <a:ln>
+            <a:solidFill>
+              <a:schemeClr val="bg1"/>
+            </a:solidFill>
+          </a:ln>
+        </p:spPr>
+        <p:style>
+          <a:lnRef idx="2">
+            <a:schemeClr val="accent1">
+              <a:shade val="50000"/>
+            </a:schemeClr>
+          </a:lnRef>
+          <a:fillRef idx="1">
+            <a:schemeClr val="accent1"/>
+          </a:fillRef>
+          <a:effectRef idx="0">
+            <a:schemeClr val="accent1"/>
+          </a:effectRef>
+          <a:fontRef idx="minor">
+            <a:schemeClr val="lt1"/>
+          </a:fontRef>
+        </p:style>
+        <p:txBody>
+          <a:bodyPr lIns="82945" tIns="41473" rIns="82945" bIns="41473" rtlCol="0" anchor="ctr"/>
+          <a:lstStyle/>
+          <a:p>
+            <a:pPr algn="ctr"/>
+            <a:endParaRPr lang="en-US">
+              <a:latin typeface="cmbx10" panose="020B0500000000000000" pitchFamily="34" charset="0"/>
+            </a:endParaRPr>
+          </a:p>
+        </p:txBody>
+      </p:sp>
+      <p:sp>
+        <p:nvSpPr>
+          <p:cNvPr id="29" name="TextBox 28"/>
+          <p:cNvSpPr txBox="1"/>
+          <p:nvPr/>
+        </p:nvSpPr>
+        <p:spPr>
+          <a:xfrm>
+            <a:off x="1799739" y="1878569"/>
+            <a:ext cx="1003108" cy="422310"/>
+          </a:xfrm>
+          <a:prstGeom prst="rect">
+            <a:avLst/>
+          </a:prstGeom>
+          <a:noFill/>
+        </p:spPr>
+        <p:txBody>
+          <a:bodyPr wrap="square" lIns="82945" tIns="41473" rIns="82945" bIns="41473" rtlCol="0">
+            <a:spAutoFit/>
+          </a:bodyPr>
+          <a:lstStyle/>
+          <a:p>
+            <a:r>
+              <a:rPr lang="en-US" sz="1100" dirty="0" smtClean="0">
+                <a:solidFill>
+                  <a:schemeClr val="bg1"/>
+                </a:solidFill>
+                <a:latin typeface="cmbx10" panose="020B0500000000000000" pitchFamily="34" charset="0"/>
+              </a:rPr>
+              <a:t>J</a:t>
+            </a:r>
+            <a:r>
+              <a:rPr lang="en-US" sz="1100" dirty="0" smtClean="0">
+                <a:solidFill>
+                  <a:schemeClr val="bg1"/>
+                </a:solidFill>
+                <a:latin typeface="cmbx10" panose="020B0500000000000000" pitchFamily="34" charset="0"/>
+              </a:rPr>
+              <a:t>avaScript</a:t>
+            </a:r>
+            <a:endParaRPr lang="en-US" sz="1100" dirty="0">
+              <a:solidFill>
+                <a:schemeClr val="bg1"/>
+              </a:solidFill>
+              <a:latin typeface="cmbx10" panose="020B0500000000000000" pitchFamily="34" charset="0"/>
+            </a:endParaRPr>
+          </a:p>
+          <a:p>
+            <a:r>
+              <a:rPr lang="en-US" sz="1100" dirty="0">
+                <a:solidFill>
+                  <a:schemeClr val="bg1"/>
+                </a:solidFill>
+                <a:latin typeface="cmbx10" panose="020B0500000000000000" pitchFamily="34" charset="0"/>
+              </a:rPr>
+              <a:t>(general)</a:t>
+            </a:r>
+          </a:p>
+        </p:txBody>
+      </p:sp>
+      <p:pic>
+        <p:nvPicPr>
+          <p:cNvPr id="63" name="Picture 62"/>
+          <p:cNvPicPr/>
+          <p:nvPr/>
+        </p:nvPicPr>
+        <p:blipFill>
+          <a:blip r:embed="rId2"/>
+          <a:stretch>
+            <a:fillRect/>
+          </a:stretch>
+        </p:blipFill>
+        <p:spPr>
+          <a:xfrm>
+            <a:off x="7005548" y="1317354"/>
+            <a:ext cx="446560" cy="336512"/>
+          </a:xfrm>
+          <a:prstGeom prst="rect">
+            <a:avLst/>
+          </a:prstGeom>
+        </p:spPr>
+      </p:pic>
+      <p:sp>
+        <p:nvSpPr>
+          <p:cNvPr id="64" name="Flowchart: Process 63"/>
+          <p:cNvSpPr/>
+          <p:nvPr/>
+        </p:nvSpPr>
+        <p:spPr>
+          <a:xfrm>
+            <a:off x="6818924" y="1822630"/>
+            <a:ext cx="1658880" cy="937273"/>
+          </a:xfrm>
+          <a:prstGeom prst="flowChartProcess">
+            <a:avLst/>
+          </a:prstGeom>
+          <a:solidFill>
+            <a:schemeClr val="accent3">
+              <a:alpha val="57000"/>
+            </a:schemeClr>
+          </a:solidFill>
+          <a:ln>
+            <a:noFill/>
+          </a:ln>
+        </p:spPr>
+        <p:style>
+          <a:lnRef idx="2">
+            <a:schemeClr val="accent1">
+              <a:shade val="50000"/>
+            </a:schemeClr>
+          </a:lnRef>
+          <a:fillRef idx="1">
+            <a:schemeClr val="accent1"/>
+          </a:fillRef>
+          <a:effectRef idx="0">
+            <a:schemeClr val="accent1"/>
+          </a:effectRef>
+          <a:fontRef idx="minor">
+            <a:schemeClr val="lt1"/>
+          </a:fontRef>
+        </p:style>
+        <p:txBody>
+          <a:bodyPr lIns="82945" tIns="41473" rIns="82945" bIns="41473" rtlCol="0" anchor="ctr"/>
+          <a:lstStyle/>
+          <a:p>
+            <a:pPr algn="ctr"/>
+            <a:endParaRPr lang="en-US">
+              <a:latin typeface="cmbx10" panose="020B0500000000000000" pitchFamily="34" charset="0"/>
+            </a:endParaRPr>
+          </a:p>
+        </p:txBody>
+      </p:sp>
+      <p:sp>
+        <p:nvSpPr>
+          <p:cNvPr id="65" name="TextBox 64"/>
+          <p:cNvSpPr txBox="1"/>
+          <p:nvPr/>
+        </p:nvSpPr>
+        <p:spPr>
+          <a:xfrm>
+            <a:off x="6813838" y="2508614"/>
+            <a:ext cx="1824807" cy="253033"/>
+          </a:xfrm>
+          <a:prstGeom prst="rect">
+            <a:avLst/>
+          </a:prstGeom>
+          <a:noFill/>
+        </p:spPr>
+        <p:txBody>
+          <a:bodyPr wrap="square" lIns="82945" tIns="41473" rIns="82945" bIns="41473" rtlCol="0">
+            <a:spAutoFit/>
+          </a:bodyPr>
+          <a:lstStyle/>
+          <a:p>
+            <a:r>
+              <a:rPr lang="en-US" sz="1100" dirty="0">
+                <a:solidFill>
+                  <a:schemeClr val="bg1"/>
+                </a:solidFill>
+                <a:latin typeface="cmbx10" panose="020B0500000000000000" pitchFamily="34" charset="0"/>
+              </a:rPr>
+              <a:t>Data formatting</a:t>
+            </a:r>
+          </a:p>
+        </p:txBody>
+      </p:sp>
+      <p:sp>
+        <p:nvSpPr>
+          <p:cNvPr id="30" name="Flowchart: Document 29"/>
+          <p:cNvSpPr/>
+          <p:nvPr/>
+        </p:nvSpPr>
+        <p:spPr>
+          <a:xfrm>
+            <a:off x="7680789" y="1878986"/>
             <a:ext cx="761931" cy="553018"/>
           </a:xfrm>
           <a:prstGeom prst="flowChartDocument">
@@ -5301,20 +5611,22 @@
           <a:lstStyle/>
           <a:p>
             <a:pPr algn="ctr"/>
-            <a:endParaRPr lang="en-US"/>
-          </a:p>
-        </p:txBody>
-      </p:sp>
-      <p:sp>
-        <p:nvSpPr>
-          <p:cNvPr id="29" name="TextBox 28"/>
+            <a:endParaRPr lang="en-US">
+              <a:latin typeface="cmbx10" panose="020B0500000000000000" pitchFamily="34" charset="0"/>
+            </a:endParaRPr>
+          </a:p>
+        </p:txBody>
+      </p:sp>
+      <p:sp>
+        <p:nvSpPr>
+          <p:cNvPr id="31" name="TextBox 30"/>
           <p:cNvSpPr txBox="1"/>
           <p:nvPr/>
         </p:nvSpPr>
         <p:spPr>
           <a:xfrm>
-            <a:off x="2142415" y="1878569"/>
-            <a:ext cx="761931" cy="418814"/>
+            <a:off x="7680789" y="1878987"/>
+            <a:ext cx="761931" cy="253033"/>
           </a:xfrm>
           <a:prstGeom prst="rect">
             <a:avLst/>
@@ -5332,139 +5644,28 @@
                 <a:solidFill>
                   <a:schemeClr val="bg1"/>
                 </a:solidFill>
+                <a:latin typeface="cmbx10" panose="020B0500000000000000" pitchFamily="34" charset="0"/>
               </a:rPr>
-              <a:t>javascript</a:t>
+              <a:t>rjson</a:t>
             </a:r>
             <a:endParaRPr lang="en-US" sz="1100" dirty="0">
               <a:solidFill>
                 <a:schemeClr val="bg1"/>
               </a:solidFill>
+              <a:latin typeface="cmbx10" panose="020B0500000000000000" pitchFamily="34" charset="0"/>
             </a:endParaRPr>
           </a:p>
-          <a:p>
-            <a:r>
-              <a:rPr lang="en-US" sz="1100" dirty="0">
-                <a:solidFill>
-                  <a:schemeClr val="bg1"/>
-                </a:solidFill>
-              </a:rPr>
-              <a:t>(general)</a:t>
-            </a:r>
-          </a:p>
-        </p:txBody>
-      </p:sp>
-      <p:pic>
-        <p:nvPicPr>
-          <p:cNvPr id="63" name="Picture 62"/>
-          <p:cNvPicPr/>
+        </p:txBody>
+      </p:sp>
+      <p:sp>
+        <p:nvSpPr>
+          <p:cNvPr id="32" name="Flowchart: Document 31"/>
+          <p:cNvSpPr/>
           <p:nvPr/>
-        </p:nvPicPr>
-        <p:blipFill>
-          <a:blip r:embed="rId2"/>
-          <a:stretch>
-            <a:fillRect/>
-          </a:stretch>
-        </p:blipFill>
+        </p:nvSpPr>
         <p:spPr>
           <a:xfrm>
-            <a:off x="7005548" y="1317354"/>
-            <a:ext cx="446560" cy="336512"/>
-          </a:xfrm>
-          <a:prstGeom prst="rect">
-            <a:avLst/>
-          </a:prstGeom>
-        </p:spPr>
-      </p:pic>
-      <p:sp>
-        <p:nvSpPr>
-          <p:cNvPr id="64" name="Flowchart: Process 63"/>
-          <p:cNvSpPr/>
-          <p:nvPr/>
-        </p:nvSpPr>
-        <p:spPr>
-          <a:xfrm>
-            <a:off x="6818924" y="1822629"/>
-            <a:ext cx="1658880" cy="937273"/>
-          </a:xfrm>
-          <a:prstGeom prst="flowChartProcess">
-            <a:avLst/>
-          </a:prstGeom>
-          <a:solidFill>
-            <a:schemeClr val="accent3">
-              <a:alpha val="57000"/>
-            </a:schemeClr>
-          </a:solidFill>
-          <a:ln>
-            <a:noFill/>
-          </a:ln>
-        </p:spPr>
-        <p:style>
-          <a:lnRef idx="2">
-            <a:schemeClr val="accent1">
-              <a:shade val="50000"/>
-            </a:schemeClr>
-          </a:lnRef>
-          <a:fillRef idx="1">
-            <a:schemeClr val="accent1"/>
-          </a:fillRef>
-          <a:effectRef idx="0">
-            <a:schemeClr val="accent1"/>
-          </a:effectRef>
-          <a:fontRef idx="minor">
-            <a:schemeClr val="lt1"/>
-          </a:fontRef>
-        </p:style>
-        <p:txBody>
-          <a:bodyPr lIns="82945" tIns="41473" rIns="82945" bIns="41473" rtlCol="0" anchor="ctr"/>
-          <a:lstStyle/>
-          <a:p>
-            <a:pPr algn="ctr"/>
-            <a:endParaRPr lang="en-US"/>
-          </a:p>
-        </p:txBody>
-      </p:sp>
-      <p:sp>
-        <p:nvSpPr>
-          <p:cNvPr id="65" name="TextBox 64"/>
-          <p:cNvSpPr txBox="1"/>
-          <p:nvPr/>
-        </p:nvSpPr>
-        <p:spPr>
-          <a:xfrm>
-            <a:off x="6813836" y="2508614"/>
-            <a:ext cx="1824807" cy="251288"/>
-          </a:xfrm>
-          <a:prstGeom prst="rect">
-            <a:avLst/>
-          </a:prstGeom>
-          <a:noFill/>
-        </p:spPr>
-        <p:txBody>
-          <a:bodyPr wrap="square" lIns="82945" tIns="41473" rIns="82945" bIns="41473" rtlCol="0">
-            <a:spAutoFit/>
-          </a:bodyPr>
-          <a:lstStyle/>
-          <a:p>
-            <a:r>
-              <a:rPr lang="en-US" sz="1100" dirty="0">
-                <a:solidFill>
-                  <a:schemeClr val="bg1"/>
-                </a:solidFill>
-              </a:rPr>
-              <a:t>Data formatting</a:t>
-            </a:r>
-          </a:p>
-        </p:txBody>
-      </p:sp>
-      <p:sp>
-        <p:nvSpPr>
-          <p:cNvPr id="30" name="Flowchart: Document 29"/>
-          <p:cNvSpPr/>
-          <p:nvPr/>
-        </p:nvSpPr>
-        <p:spPr>
-          <a:xfrm>
-            <a:off x="7680787" y="1878986"/>
+            <a:off x="6852960" y="1878985"/>
             <a:ext cx="761931" cy="553018"/>
           </a:xfrm>
           <a:prstGeom prst="flowChartDocument">
@@ -5502,20 +5703,22 @@
           <a:lstStyle/>
           <a:p>
             <a:pPr algn="ctr"/>
-            <a:endParaRPr lang="en-US"/>
-          </a:p>
-        </p:txBody>
-      </p:sp>
-      <p:sp>
-        <p:nvSpPr>
-          <p:cNvPr id="31" name="TextBox 30"/>
+            <a:endParaRPr lang="en-US">
+              <a:latin typeface="cmbx10" panose="020B0500000000000000" pitchFamily="34" charset="0"/>
+            </a:endParaRPr>
+          </a:p>
+        </p:txBody>
+      </p:sp>
+      <p:sp>
+        <p:nvSpPr>
+          <p:cNvPr id="33" name="TextBox 32"/>
           <p:cNvSpPr txBox="1"/>
           <p:nvPr/>
         </p:nvSpPr>
         <p:spPr>
           <a:xfrm>
-            <a:off x="7680787" y="1878987"/>
-            <a:ext cx="761931" cy="251288"/>
+            <a:off x="6852960" y="1878986"/>
+            <a:ext cx="761931" cy="253033"/>
           </a:xfrm>
           <a:prstGeom prst="rect">
             <a:avLst/>
@@ -5533,94 +5736,7 @@
                 <a:solidFill>
                   <a:schemeClr val="bg1"/>
                 </a:solidFill>
-              </a:rPr>
-              <a:t>rjson</a:t>
-            </a:r>
-            <a:endParaRPr lang="en-US" sz="1100" dirty="0">
-              <a:solidFill>
-                <a:schemeClr val="bg1"/>
-              </a:solidFill>
-            </a:endParaRPr>
-          </a:p>
-        </p:txBody>
-      </p:sp>
-      <p:sp>
-        <p:nvSpPr>
-          <p:cNvPr id="32" name="Flowchart: Document 31"/>
-          <p:cNvSpPr/>
-          <p:nvPr/>
-        </p:nvSpPr>
-        <p:spPr>
-          <a:xfrm>
-            <a:off x="6852958" y="1878985"/>
-            <a:ext cx="761931" cy="553018"/>
-          </a:xfrm>
-          <a:prstGeom prst="flowChartDocument">
-            <a:avLst/>
-          </a:prstGeom>
-          <a:solidFill>
-            <a:schemeClr val="bg1">
-              <a:lumMod val="65000"/>
-            </a:schemeClr>
-          </a:solidFill>
-          <a:ln>
-            <a:solidFill>
-              <a:schemeClr val="bg1"/>
-            </a:solidFill>
-          </a:ln>
-        </p:spPr>
-        <p:style>
-          <a:lnRef idx="2">
-            <a:schemeClr val="accent1">
-              <a:shade val="50000"/>
-            </a:schemeClr>
-          </a:lnRef>
-          <a:fillRef idx="1">
-            <a:schemeClr val="accent1"/>
-          </a:fillRef>
-          <a:effectRef idx="0">
-            <a:schemeClr val="accent1"/>
-          </a:effectRef>
-          <a:fontRef idx="minor">
-            <a:schemeClr val="lt1"/>
-          </a:fontRef>
-        </p:style>
-        <p:txBody>
-          <a:bodyPr lIns="82945" tIns="41473" rIns="82945" bIns="41473" rtlCol="0" anchor="ctr"/>
-          <a:lstStyle/>
-          <a:p>
-            <a:pPr algn="ctr"/>
-            <a:endParaRPr lang="en-US"/>
-          </a:p>
-        </p:txBody>
-      </p:sp>
-      <p:sp>
-        <p:nvSpPr>
-          <p:cNvPr id="33" name="TextBox 32"/>
-          <p:cNvSpPr txBox="1"/>
-          <p:nvPr/>
-        </p:nvSpPr>
-        <p:spPr>
-          <a:xfrm>
-            <a:off x="6852958" y="1878986"/>
-            <a:ext cx="761931" cy="251288"/>
-          </a:xfrm>
-          <a:prstGeom prst="rect">
-            <a:avLst/>
-          </a:prstGeom>
-          <a:noFill/>
-        </p:spPr>
-        <p:txBody>
-          <a:bodyPr wrap="square" lIns="82945" tIns="41473" rIns="82945" bIns="41473" rtlCol="0">
-            <a:spAutoFit/>
-          </a:bodyPr>
-          <a:lstStyle/>
-          <a:p>
-            <a:r>
-              <a:rPr lang="en-US" sz="1100" dirty="0" err="1">
-                <a:solidFill>
-                  <a:schemeClr val="bg1"/>
-                </a:solidFill>
+                <a:latin typeface="cmbx10" panose="020B0500000000000000" pitchFamily="34" charset="0"/>
               </a:rPr>
               <a:t>igraph</a:t>
             </a:r>
@@ -5628,6 +5744,7 @@
               <a:solidFill>
                 <a:schemeClr val="bg1"/>
               </a:solidFill>
+              <a:latin typeface="cmbx10" panose="020B0500000000000000" pitchFamily="34" charset="0"/>
             </a:endParaRPr>
           </a:p>
         </p:txBody>
@@ -5640,7 +5757,7 @@
         </p:nvSpPr>
         <p:spPr>
           <a:xfrm rot="5400000">
-            <a:off x="7133533" y="549906"/>
+            <a:off x="7133533" y="549907"/>
             <a:ext cx="190874" cy="2427495"/>
           </a:xfrm>
           <a:prstGeom prst="leftBrace">
@@ -5674,7 +5791,9 @@
           <a:lstStyle/>
           <a:p>
             <a:pPr algn="ctr"/>
-            <a:endParaRPr lang="en-US"/>
+            <a:endParaRPr lang="en-US">
+              <a:latin typeface="cmbx10" panose="020B0500000000000000" pitchFamily="34" charset="0"/>
+            </a:endParaRPr>
           </a:p>
         </p:txBody>
       </p:sp>
@@ -5686,8 +5805,8 @@
         </p:nvCxnSpPr>
         <p:spPr>
           <a:xfrm>
-            <a:off x="4372042" y="1962977"/>
-            <a:ext cx="991877" cy="417"/>
+            <a:off x="4372044" y="1962978"/>
+            <a:ext cx="877824" cy="417"/>
           </a:xfrm>
           <a:prstGeom prst="straightConnector1">
             <a:avLst/>
@@ -5726,8 +5845,8 @@
         </p:nvCxnSpPr>
         <p:spPr>
           <a:xfrm>
-            <a:off x="4364640" y="2179486"/>
-            <a:ext cx="991877" cy="417"/>
+            <a:off x="4364642" y="2179487"/>
+            <a:ext cx="877824" cy="417"/>
           </a:xfrm>
           <a:prstGeom prst="straightConnector1">
             <a:avLst/>
@@ -5865,7 +5984,9 @@
           <a:lstStyle/>
           <a:p>
             <a:pPr algn="ctr"/>
-            <a:endParaRPr lang="en-US"/>
+            <a:endParaRPr lang="en-US">
+              <a:latin typeface="cmbx10" panose="020B0500000000000000" pitchFamily="34" charset="0"/>
+            </a:endParaRPr>
           </a:p>
         </p:txBody>
       </p:sp>
@@ -5877,7 +5998,71 @@
         </p:nvSpPr>
         <p:spPr>
           <a:xfrm>
-            <a:off x="6511873" y="3501886"/>
+            <a:off x="6511872" y="3501887"/>
+            <a:ext cx="2479727" cy="1258529"/>
+          </a:xfrm>
+          <a:prstGeom prst="ellipse">
+            <a:avLst/>
+          </a:prstGeom>
+          <a:ln>
+            <a:solidFill>
+              <a:schemeClr val="bg1"/>
+            </a:solidFill>
+          </a:ln>
+        </p:spPr>
+        <p:style>
+          <a:lnRef idx="2">
+            <a:schemeClr val="accent1">
+              <a:shade val="50000"/>
+            </a:schemeClr>
+          </a:lnRef>
+          <a:fillRef idx="1">
+            <a:schemeClr val="accent1"/>
+          </a:fillRef>
+          <a:effectRef idx="0">
+            <a:schemeClr val="accent1"/>
+          </a:effectRef>
+          <a:fontRef idx="minor">
+            <a:schemeClr val="lt1"/>
+          </a:fontRef>
+        </p:style>
+        <p:txBody>
+          <a:bodyPr rtlCol="0" anchor="ctr"/>
+          <a:lstStyle/>
+          <a:p>
+            <a:pPr algn="ctr"/>
+            <a:r>
+              <a:rPr lang="en-US" sz="1400" dirty="0" smtClean="0">
+                <a:latin typeface="cmbx10" panose="020B0500000000000000" pitchFamily="34" charset="0"/>
+              </a:rPr>
+              <a:t>Render Graph</a:t>
+            </a:r>
+            <a:br>
+              <a:rPr lang="en-US" sz="1400" dirty="0" smtClean="0">
+                <a:latin typeface="cmbx10" panose="020B0500000000000000" pitchFamily="34" charset="0"/>
+              </a:rPr>
+            </a:br>
+            <a:r>
+              <a:rPr lang="en-US" sz="1400" dirty="0" smtClean="0">
+                <a:latin typeface="cmbx10" panose="020B0500000000000000" pitchFamily="34" charset="0"/>
+              </a:rPr>
+              <a:t>(as SVG element)</a:t>
+            </a:r>
+            <a:endParaRPr lang="en-US" sz="1400" dirty="0">
+              <a:latin typeface="cmbx10" panose="020B0500000000000000" pitchFamily="34" charset="0"/>
+            </a:endParaRPr>
+          </a:p>
+        </p:txBody>
+      </p:sp>
+      <p:sp>
+        <p:nvSpPr>
+          <p:cNvPr id="6" name="Oval 5"/>
+          <p:cNvSpPr/>
+          <p:nvPr/>
+        </p:nvSpPr>
+        <p:spPr>
+          <a:xfrm>
+            <a:off x="441344" y="1905001"/>
             <a:ext cx="2057400" cy="1258529"/>
           </a:xfrm>
           <a:prstGeom prst="ellipse">
@@ -5911,66 +6096,14 @@
           <a:p>
             <a:pPr algn="ctr"/>
             <a:r>
-              <a:rPr lang="en-US" sz="1400" dirty="0" smtClean="0"/>
-              <a:t>Render Graph</a:t>
-            </a:r>
-            <a:br>
-              <a:rPr lang="en-US" sz="1400" dirty="0" smtClean="0"/>
-            </a:br>
-            <a:r>
-              <a:rPr lang="en-US" sz="1400" dirty="0" smtClean="0"/>
-              <a:t>(as SVG element)</a:t>
-            </a:r>
-            <a:endParaRPr lang="en-US" sz="1400" dirty="0"/>
-          </a:p>
-        </p:txBody>
-      </p:sp>
-      <p:sp>
-        <p:nvSpPr>
-          <p:cNvPr id="6" name="Oval 5"/>
-          <p:cNvSpPr/>
-          <p:nvPr/>
-        </p:nvSpPr>
-        <p:spPr>
-          <a:xfrm>
-            <a:off x="441344" y="1905000"/>
-            <a:ext cx="2057400" cy="1258529"/>
-          </a:xfrm>
-          <a:prstGeom prst="ellipse">
-            <a:avLst/>
-          </a:prstGeom>
-          <a:ln>
-            <a:solidFill>
-              <a:schemeClr val="bg1"/>
-            </a:solidFill>
-          </a:ln>
-        </p:spPr>
-        <p:style>
-          <a:lnRef idx="2">
-            <a:schemeClr val="accent1">
-              <a:shade val="50000"/>
-            </a:schemeClr>
-          </a:lnRef>
-          <a:fillRef idx="1">
-            <a:schemeClr val="accent1"/>
-          </a:fillRef>
-          <a:effectRef idx="0">
-            <a:schemeClr val="accent1"/>
-          </a:effectRef>
-          <a:fontRef idx="minor">
-            <a:schemeClr val="lt1"/>
-          </a:fontRef>
-        </p:style>
-        <p:txBody>
-          <a:bodyPr rtlCol="0" anchor="ctr"/>
-          <a:lstStyle/>
-          <a:p>
-            <a:pPr algn="ctr"/>
-            <a:r>
-              <a:rPr lang="en-US" sz="1400" dirty="0" smtClean="0"/>
+              <a:rPr lang="en-US" sz="1400" dirty="0" smtClean="0">
+                <a:latin typeface="cmbx10" panose="020B0500000000000000" pitchFamily="34" charset="0"/>
+              </a:rPr>
               <a:t>Render Table</a:t>
             </a:r>
-            <a:endParaRPr lang="en-US" sz="1400" dirty="0"/>
+            <a:endParaRPr lang="en-US" sz="1400" dirty="0">
+              <a:latin typeface="cmbx10" panose="020B0500000000000000" pitchFamily="34" charset="0"/>
+            </a:endParaRPr>
           </a:p>
         </p:txBody>
       </p:sp>
@@ -6017,10 +6150,14 @@
           <a:p>
             <a:pPr algn="ctr"/>
             <a:r>
-              <a:rPr lang="en-US" sz="1400" dirty="0" smtClean="0"/>
+              <a:rPr lang="en-US" sz="1400" dirty="0" smtClean="0">
+                <a:latin typeface="cmbx10" panose="020B0500000000000000" pitchFamily="34" charset="0"/>
+              </a:rPr>
               <a:t>User Selects Points</a:t>
             </a:r>
-            <a:endParaRPr lang="en-US" sz="1400" dirty="0"/>
+            <a:endParaRPr lang="en-US" sz="1400" dirty="0">
+              <a:latin typeface="cmbx10" panose="020B0500000000000000" pitchFamily="34" charset="0"/>
+            </a:endParaRPr>
           </a:p>
         </p:txBody>
       </p:sp>
@@ -6032,7 +6169,7 @@
         </p:nvSpPr>
         <p:spPr>
           <a:xfrm>
-            <a:off x="7175706" y="5638800"/>
+            <a:off x="7099506" y="5638800"/>
             <a:ext cx="1295400" cy="838200"/>
           </a:xfrm>
           <a:prstGeom prst="rect">
@@ -6067,10 +6204,14 @@
           <a:p>
             <a:pPr algn="ctr"/>
             <a:r>
-              <a:rPr lang="en-US" sz="1400" dirty="0" smtClean="0"/>
+              <a:rPr lang="en-US" sz="1400" dirty="0" smtClean="0">
+                <a:latin typeface="cmbx10" panose="020B0500000000000000" pitchFamily="34" charset="0"/>
+              </a:rPr>
               <a:t>User Groups  Nodes</a:t>
             </a:r>
-            <a:endParaRPr lang="en-US" sz="1400" dirty="0"/>
+            <a:endParaRPr lang="en-US" sz="1400" dirty="0">
+              <a:latin typeface="cmbx10" panose="020B0500000000000000" pitchFamily="34" charset="0"/>
+            </a:endParaRPr>
           </a:p>
         </p:txBody>
       </p:sp>
@@ -6085,8 +6226,8 @@
         </p:nvCxnSpPr>
         <p:spPr>
           <a:xfrm flipH="1">
-            <a:off x="4419600" y="4131151"/>
-            <a:ext cx="2092273" cy="1570274"/>
+            <a:off x="4419600" y="4131152"/>
+            <a:ext cx="2092272" cy="1570273"/>
           </a:xfrm>
           <a:prstGeom prst="straightConnector1">
             <a:avLst/>
@@ -6130,7 +6271,7 @@
         <p:spPr>
           <a:xfrm>
             <a:off x="4419600" y="5701425"/>
-            <a:ext cx="2756106" cy="356475"/>
+            <a:ext cx="2679906" cy="356475"/>
           </a:xfrm>
           <a:prstGeom prst="straightConnector1">
             <a:avLst/>
@@ -6171,9 +6312,9 @@
           <p:nvPr/>
         </p:nvCxnSpPr>
         <p:spPr>
-          <a:xfrm flipH="1" flipV="1">
-            <a:off x="7540573" y="4760415"/>
-            <a:ext cx="282833" cy="878385"/>
+          <a:xfrm flipV="1">
+            <a:off x="7747206" y="4760416"/>
+            <a:ext cx="4530" cy="878384"/>
           </a:xfrm>
           <a:prstGeom prst="straightConnector1">
             <a:avLst/>
@@ -6212,8 +6353,8 @@
         </p:nvSpPr>
         <p:spPr>
           <a:xfrm>
-            <a:off x="609600" y="3650764"/>
-            <a:ext cx="1473610" cy="800101"/>
+            <a:off x="609600" y="3650765"/>
+            <a:ext cx="1473610" cy="968790"/>
           </a:xfrm>
           <a:prstGeom prst="roundRect">
             <a:avLst/>
@@ -6249,10 +6390,14 @@
           <a:p>
             <a:pPr algn="ctr"/>
             <a:r>
-              <a:rPr lang="en-US" sz="1400" dirty="0" smtClean="0"/>
+              <a:rPr lang="en-US" sz="1400" dirty="0" smtClean="0">
+                <a:latin typeface="cmbx10" panose="020B0500000000000000" pitchFamily="34" charset="0"/>
+              </a:rPr>
               <a:t>Calculate Within and Outside Edges</a:t>
             </a:r>
-            <a:endParaRPr lang="en-US" sz="1400" dirty="0"/>
+            <a:endParaRPr lang="en-US" sz="1400" dirty="0">
+              <a:latin typeface="cmbx10" panose="020B0500000000000000" pitchFamily="34" charset="0"/>
+            </a:endParaRPr>
           </a:p>
         </p:txBody>
       </p:sp>
@@ -6267,8 +6412,8 @@
         </p:nvCxnSpPr>
         <p:spPr>
           <a:xfrm rot="10800000">
-            <a:off x="1346406" y="4450865"/>
-            <a:ext cx="1777795" cy="1250560"/>
+            <a:off x="1346406" y="4619555"/>
+            <a:ext cx="1777795" cy="1081870"/>
           </a:xfrm>
           <a:prstGeom prst="curvedConnector2">
             <a:avLst/>
@@ -6310,8 +6455,8 @@
         </p:nvCxnSpPr>
         <p:spPr>
           <a:xfrm rot="10800000">
-            <a:off x="441344" y="2534265"/>
-            <a:ext cx="168256" cy="1516550"/>
+            <a:off x="441344" y="2534266"/>
+            <a:ext cx="168256" cy="1600894"/>
           </a:xfrm>
           <a:prstGeom prst="curvedConnector3">
             <a:avLst>
@@ -6352,8 +6497,8 @@
         </p:nvSpPr>
         <p:spPr>
           <a:xfrm>
-            <a:off x="2867146" y="513735"/>
-            <a:ext cx="1993490" cy="1066800"/>
+            <a:off x="2867146" y="417872"/>
+            <a:ext cx="1993490" cy="1162663"/>
           </a:xfrm>
           <a:prstGeom prst="flowChartDecision">
             <a:avLst/>
@@ -6389,10 +6534,14 @@
           <a:p>
             <a:pPr algn="ctr"/>
             <a:r>
-              <a:rPr lang="en-US" sz="1400" dirty="0" smtClean="0"/>
+              <a:rPr lang="en-US" sz="1400" dirty="0" smtClean="0">
+                <a:latin typeface="cmbx10" panose="020B0500000000000000" pitchFamily="34" charset="0"/>
+              </a:rPr>
               <a:t>Default Dataset Selected</a:t>
             </a:r>
-            <a:endParaRPr lang="en-US" sz="1400" dirty="0"/>
+            <a:endParaRPr lang="en-US" sz="1400" dirty="0">
+              <a:latin typeface="cmbx10" panose="020B0500000000000000" pitchFamily="34" charset="0"/>
+            </a:endParaRPr>
           </a:p>
         </p:txBody>
       </p:sp>
@@ -6404,8 +6553,8 @@
         </p:nvSpPr>
         <p:spPr>
           <a:xfrm>
-            <a:off x="431390" y="417871"/>
-            <a:ext cx="2057400" cy="1258529"/>
+            <a:off x="431390" y="379772"/>
+            <a:ext cx="2057400" cy="1258530"/>
           </a:xfrm>
           <a:prstGeom prst="ellipse">
             <a:avLst/>
@@ -6438,10 +6587,14 @@
           <a:p>
             <a:pPr algn="ctr"/>
             <a:r>
-              <a:rPr lang="en-US" sz="1400" dirty="0" smtClean="0"/>
+              <a:rPr lang="en-US" sz="1400" dirty="0" smtClean="0">
+                <a:latin typeface="cmbx10" panose="020B0500000000000000" pitchFamily="34" charset="0"/>
+              </a:rPr>
               <a:t>Render Controls</a:t>
             </a:r>
-            <a:endParaRPr lang="en-US" sz="1400" dirty="0"/>
+            <a:endParaRPr lang="en-US" sz="1400" dirty="0">
+              <a:latin typeface="cmbx10" panose="020B0500000000000000" pitchFamily="34" charset="0"/>
+            </a:endParaRPr>
           </a:p>
         </p:txBody>
       </p:sp>
@@ -6456,8 +6609,8 @@
         </p:nvCxnSpPr>
         <p:spPr>
           <a:xfrm flipV="1">
-            <a:off x="2488790" y="1047135"/>
-            <a:ext cx="378356" cy="1"/>
+            <a:off x="2488790" y="999204"/>
+            <a:ext cx="378356" cy="9833"/>
           </a:xfrm>
           <a:prstGeom prst="straightConnector1">
             <a:avLst/>
@@ -6496,8 +6649,8 @@
         </p:nvSpPr>
         <p:spPr>
           <a:xfrm>
-            <a:off x="5384083" y="648927"/>
-            <a:ext cx="1473610" cy="800101"/>
+            <a:off x="5384083" y="513736"/>
+            <a:ext cx="1473610" cy="935294"/>
           </a:xfrm>
           <a:prstGeom prst="roundRect">
             <a:avLst/>
@@ -6533,18 +6686,26 @@
           <a:p>
             <a:pPr algn="ctr"/>
             <a:r>
-              <a:rPr lang="en-US" sz="1400" dirty="0" smtClean="0"/>
+              <a:rPr lang="en-US" sz="1400" dirty="0" smtClean="0">
+                <a:latin typeface="cmbx10" panose="020B0500000000000000" pitchFamily="34" charset="0"/>
+              </a:rPr>
               <a:t>Initial Layout Calculated (</a:t>
             </a:r>
             <a:r>
-              <a:rPr lang="en-US" sz="1400" dirty="0" err="1" smtClean="0"/>
+              <a:rPr lang="en-US" sz="1400" dirty="0" err="1" smtClean="0">
+                <a:latin typeface="cmbx10" panose="020B0500000000000000" pitchFamily="34" charset="0"/>
+              </a:rPr>
               <a:t>igraph</a:t>
             </a:r>
             <a:r>
-              <a:rPr lang="en-US" sz="1400" dirty="0" smtClean="0"/>
+              <a:rPr lang="en-US" sz="1400" dirty="0" smtClean="0">
+                <a:latin typeface="cmbx10" panose="020B0500000000000000" pitchFamily="34" charset="0"/>
+              </a:rPr>
               <a:t>)</a:t>
             </a:r>
-            <a:endParaRPr lang="en-US" sz="1400" dirty="0"/>
+            <a:endParaRPr lang="en-US" sz="1400" dirty="0">
+              <a:latin typeface="cmbx10" panose="020B0500000000000000" pitchFamily="34" charset="0"/>
+            </a:endParaRPr>
           </a:p>
         </p:txBody>
       </p:sp>
@@ -6556,8 +6717,8 @@
         </p:nvSpPr>
         <p:spPr>
           <a:xfrm>
-            <a:off x="7315814" y="648927"/>
-            <a:ext cx="1473610" cy="800101"/>
+            <a:off x="7315814" y="523222"/>
+            <a:ext cx="1473610" cy="925808"/>
           </a:xfrm>
           <a:prstGeom prst="roundRect">
             <a:avLst/>
@@ -6593,10 +6754,14 @@
           <a:p>
             <a:pPr algn="ctr"/>
             <a:r>
-              <a:rPr lang="en-US" sz="1400" dirty="0" smtClean="0"/>
+              <a:rPr lang="en-US" sz="1400" dirty="0" smtClean="0">
+                <a:latin typeface="cmbx10" panose="020B0500000000000000" pitchFamily="34" charset="0"/>
+              </a:rPr>
               <a:t>GML to JSON</a:t>
             </a:r>
-            <a:endParaRPr lang="en-US" sz="1400" dirty="0"/>
+            <a:endParaRPr lang="en-US" sz="1400" dirty="0">
+              <a:latin typeface="cmbx10" panose="020B0500000000000000" pitchFamily="34" charset="0"/>
+            </a:endParaRPr>
           </a:p>
         </p:txBody>
       </p:sp>
@@ -6610,9 +6775,9 @@
           <p:nvPr/>
         </p:nvCxnSpPr>
         <p:spPr>
-          <a:xfrm>
-            <a:off x="4860636" y="1047135"/>
-            <a:ext cx="523447" cy="1843"/>
+          <a:xfrm flipV="1">
+            <a:off x="4860636" y="981383"/>
+            <a:ext cx="523447" cy="17821"/>
           </a:xfrm>
           <a:prstGeom prst="straightConnector1">
             <a:avLst/>
@@ -6654,8 +6819,8 @@
         </p:nvCxnSpPr>
         <p:spPr>
           <a:xfrm>
-            <a:off x="6857693" y="1048978"/>
-            <a:ext cx="458121" cy="0"/>
+            <a:off x="6857693" y="981383"/>
+            <a:ext cx="458121" cy="4743"/>
           </a:xfrm>
           <a:prstGeom prst="straightConnector1">
             <a:avLst/>
@@ -6697,8 +6862,8 @@
         </p:nvCxnSpPr>
         <p:spPr>
           <a:xfrm flipH="1">
-            <a:off x="7540573" y="1449028"/>
-            <a:ext cx="512046" cy="2052858"/>
+            <a:off x="7751736" y="1449030"/>
+            <a:ext cx="300883" cy="2052857"/>
           </a:xfrm>
           <a:prstGeom prst="straightConnector1">
             <a:avLst/>
@@ -6772,10 +6937,14 @@
           <a:p>
             <a:pPr algn="ctr"/>
             <a:r>
-              <a:rPr lang="en-US" sz="1400" dirty="0" smtClean="0"/>
+              <a:rPr lang="en-US" sz="1400" dirty="0" smtClean="0">
+                <a:latin typeface="cmbx10" panose="020B0500000000000000" pitchFamily="34" charset="0"/>
+              </a:rPr>
               <a:t>User Selects Dataset</a:t>
             </a:r>
-            <a:endParaRPr lang="en-US" sz="1400" dirty="0"/>
+            <a:endParaRPr lang="en-US" sz="1400" dirty="0">
+              <a:latin typeface="cmbx10" panose="020B0500000000000000" pitchFamily="34" charset="0"/>
+            </a:endParaRPr>
           </a:p>
         </p:txBody>
       </p:sp>
@@ -6790,8 +6959,8 @@
         </p:nvCxnSpPr>
         <p:spPr>
           <a:xfrm flipV="1">
-            <a:off x="4419601" y="1449028"/>
-            <a:ext cx="1701287" cy="2377639"/>
+            <a:off x="4419601" y="1449030"/>
+            <a:ext cx="1701287" cy="2377637"/>
           </a:xfrm>
           <a:prstGeom prst="straightConnector1">
             <a:avLst/>
@@ -6865,10 +7034,14 @@
           <a:p>
             <a:pPr algn="ctr"/>
             <a:r>
-              <a:rPr lang="en-US" sz="1400" dirty="0" smtClean="0"/>
+              <a:rPr lang="en-US" sz="1400" dirty="0" smtClean="0">
+                <a:latin typeface="cmbx10" panose="020B0500000000000000" pitchFamily="34" charset="0"/>
+              </a:rPr>
               <a:t>User Uploads Dataset</a:t>
             </a:r>
-            <a:endParaRPr lang="en-US" sz="1400" dirty="0"/>
+            <a:endParaRPr lang="en-US" sz="1400" dirty="0">
+              <a:latin typeface="cmbx10" panose="020B0500000000000000" pitchFamily="34" charset="0"/>
+            </a:endParaRPr>
           </a:p>
         </p:txBody>
       </p:sp>
@@ -6883,8 +7056,8 @@
         </p:nvCxnSpPr>
         <p:spPr>
           <a:xfrm flipV="1">
-            <a:off x="4419600" y="1449028"/>
-            <a:ext cx="1701288" cy="3313472"/>
+            <a:off x="4419600" y="1449030"/>
+            <a:ext cx="1701288" cy="3313470"/>
           </a:xfrm>
           <a:prstGeom prst="straightConnector1">
             <a:avLst/>
@@ -6923,8 +7096,8 @@
         </p:nvSpPr>
         <p:spPr>
           <a:xfrm>
-            <a:off x="152400" y="0"/>
-            <a:ext cx="1600200" cy="307777"/>
+            <a:off x="152400" y="1"/>
+            <a:ext cx="1930810" cy="307777"/>
           </a:xfrm>
           <a:prstGeom prst="rect">
             <a:avLst/>
@@ -6945,6 +7118,7 @@
                     <a:lumOff val="35000"/>
                   </a:schemeClr>
                 </a:solidFill>
+                <a:latin typeface="cmbx10" panose="020B0500000000000000" pitchFamily="34" charset="0"/>
               </a:rPr>
               <a:t>Initial Page Load</a:t>
             </a:r>
@@ -6955,6 +7129,7 @@
                   <a:lumOff val="35000"/>
                 </a:schemeClr>
               </a:solidFill>
+              <a:latin typeface="cmbx10" panose="020B0500000000000000" pitchFamily="34" charset="0"/>
             </a:endParaRPr>
           </a:p>
         </p:txBody>
@@ -7000,7 +7175,9 @@
           <a:lstStyle/>
           <a:p>
             <a:pPr algn="ctr"/>
-            <a:endParaRPr lang="en-US"/>
+            <a:endParaRPr lang="en-US">
+              <a:latin typeface="cmbx10" panose="020B0500000000000000" pitchFamily="34" charset="0"/>
+            </a:endParaRPr>
           </a:p>
         </p:txBody>
       </p:sp>
@@ -7012,8 +7189,8 @@
         </p:nvSpPr>
         <p:spPr>
           <a:xfrm>
-            <a:off x="600996" y="5776452"/>
-            <a:ext cx="1028700" cy="307777"/>
+            <a:off x="600996" y="5776453"/>
+            <a:ext cx="1283110" cy="307777"/>
           </a:xfrm>
           <a:prstGeom prst="rect">
             <a:avLst/>
@@ -7034,6 +7211,7 @@
                     <a:lumOff val="35000"/>
                   </a:schemeClr>
                 </a:solidFill>
+                <a:latin typeface="cmbx10" panose="020B0500000000000000" pitchFamily="34" charset="0"/>
               </a:rPr>
               <a:t>Client Side</a:t>
             </a:r>
@@ -7044,6 +7222,7 @@
                   <a:lumOff val="35000"/>
                 </a:schemeClr>
               </a:solidFill>
+              <a:latin typeface="cmbx10" panose="020B0500000000000000" pitchFamily="34" charset="0"/>
             </a:endParaRPr>
           </a:p>
         </p:txBody>
@@ -7092,7 +7271,9 @@
           <a:lstStyle/>
           <a:p>
             <a:pPr algn="ctr"/>
-            <a:endParaRPr lang="en-US"/>
+            <a:endParaRPr lang="en-US">
+              <a:latin typeface="cmbx10" panose="020B0500000000000000" pitchFamily="34" charset="0"/>
+            </a:endParaRPr>
           </a:p>
         </p:txBody>
       </p:sp>
@@ -7104,8 +7285,8 @@
         </p:nvSpPr>
         <p:spPr>
           <a:xfrm>
-            <a:off x="597310" y="6046319"/>
-            <a:ext cx="1028700" cy="307777"/>
+            <a:off x="597310" y="6046320"/>
+            <a:ext cx="1286796" cy="307777"/>
           </a:xfrm>
           <a:prstGeom prst="rect">
             <a:avLst/>
@@ -7126,6 +7307,7 @@
                     <a:lumOff val="35000"/>
                   </a:schemeClr>
                 </a:solidFill>
+                <a:latin typeface="cmbx10" panose="020B0500000000000000" pitchFamily="34" charset="0"/>
               </a:rPr>
               <a:t>Server Side</a:t>
             </a:r>
@@ -7136,6 +7318,7 @@
                   <a:lumOff val="35000"/>
                 </a:schemeClr>
               </a:solidFill>
+              <a:latin typeface="cmbx10" panose="020B0500000000000000" pitchFamily="34" charset="0"/>
             </a:endParaRPr>
           </a:p>
         </p:txBody>
@@ -7184,7 +7367,9 @@
           <a:lstStyle/>
           <a:p>
             <a:pPr algn="ctr"/>
-            <a:endParaRPr lang="en-US"/>
+            <a:endParaRPr lang="en-US">
+              <a:latin typeface="cmbx10" panose="020B0500000000000000" pitchFamily="34" charset="0"/>
+            </a:endParaRPr>
           </a:p>
         </p:txBody>
       </p:sp>
@@ -7196,8 +7381,8 @@
         </p:nvSpPr>
         <p:spPr>
           <a:xfrm>
-            <a:off x="600996" y="6321623"/>
-            <a:ext cx="1283110" cy="307777"/>
+            <a:off x="600995" y="6321624"/>
+            <a:ext cx="1634307" cy="307777"/>
           </a:xfrm>
           <a:prstGeom prst="rect">
             <a:avLst/>
@@ -7218,6 +7403,7 @@
                     <a:lumOff val="35000"/>
                   </a:schemeClr>
                 </a:solidFill>
+                <a:latin typeface="cmbx10" panose="020B0500000000000000" pitchFamily="34" charset="0"/>
               </a:rPr>
               <a:t>User Activity</a:t>
             </a:r>
@@ -7228,6 +7414,7 @@
                   <a:lumOff val="35000"/>
                 </a:schemeClr>
               </a:solidFill>
+              <a:latin typeface="cmbx10" panose="020B0500000000000000" pitchFamily="34" charset="0"/>
             </a:endParaRPr>
           </a:p>
         </p:txBody>
@@ -7285,7 +7472,7 @@
         </p:blipFill>
         <p:spPr bwMode="auto">
           <a:xfrm>
-            <a:off x="3800475" y="2871788"/>
+            <a:off x="3800475" y="2871789"/>
             <a:ext cx="1543050" cy="1114425"/>
           </a:xfrm>
           <a:prstGeom prst="rect">
@@ -7324,8 +7511,8 @@
         </p:nvSpPr>
         <p:spPr>
           <a:xfrm>
-            <a:off x="3920543" y="3661230"/>
-            <a:ext cx="710451" cy="307777"/>
+            <a:off x="3920545" y="3661231"/>
+            <a:ext cx="829073" cy="307777"/>
           </a:xfrm>
           <a:prstGeom prst="rect">
             <a:avLst/>
@@ -7339,10 +7526,14 @@
           <a:lstStyle/>
           <a:p>
             <a:r>
-              <a:rPr lang="en-US" sz="1400" dirty="0" smtClean="0"/>
+              <a:rPr lang="en-US" sz="1400" dirty="0" smtClean="0">
+                <a:latin typeface="cmbx10" panose="020B0500000000000000" pitchFamily="34" charset="0"/>
+              </a:rPr>
               <a:t>Node 1</a:t>
             </a:r>
-            <a:endParaRPr lang="en-US" sz="1400" dirty="0"/>
+            <a:endParaRPr lang="en-US" sz="1400" dirty="0">
+              <a:latin typeface="cmbx10" panose="020B0500000000000000" pitchFamily="34" charset="0"/>
+            </a:endParaRPr>
           </a:p>
         </p:txBody>
       </p:sp>
@@ -7354,8 +7545,8 @@
         </p:nvSpPr>
         <p:spPr>
           <a:xfrm>
-            <a:off x="4530143" y="2986031"/>
-            <a:ext cx="710451" cy="307777"/>
+            <a:off x="4530145" y="2986032"/>
+            <a:ext cx="829073" cy="307777"/>
           </a:xfrm>
           <a:prstGeom prst="rect">
             <a:avLst/>
@@ -7369,10 +7560,14 @@
           <a:lstStyle/>
           <a:p>
             <a:r>
-              <a:rPr lang="en-US" sz="1400" dirty="0" smtClean="0"/>
+              <a:rPr lang="en-US" sz="1400" dirty="0" smtClean="0">
+                <a:latin typeface="cmbx10" panose="020B0500000000000000" pitchFamily="34" charset="0"/>
+              </a:rPr>
               <a:t>Node 2</a:t>
             </a:r>
-            <a:endParaRPr lang="en-US" sz="1400" dirty="0"/>
+            <a:endParaRPr lang="en-US" sz="1400" dirty="0">
+              <a:latin typeface="cmbx10" panose="020B0500000000000000" pitchFamily="34" charset="0"/>
+            </a:endParaRPr>
           </a:p>
         </p:txBody>
       </p:sp>
@@ -7429,7 +7624,7 @@
         </p:blipFill>
         <p:spPr bwMode="auto">
           <a:xfrm>
-            <a:off x="303213" y="628650"/>
+            <a:off x="303215" y="628650"/>
             <a:ext cx="8535987" cy="5600700"/>
           </a:xfrm>
           <a:prstGeom prst="rect">
@@ -7470,7 +7665,7 @@
         </p:blipFill>
         <p:spPr bwMode="auto">
           <a:xfrm>
-            <a:off x="8033025" y="2050200"/>
+            <a:off x="8033025" y="2050201"/>
             <a:ext cx="571500" cy="485775"/>
           </a:xfrm>
           <a:prstGeom prst="rect">
@@ -7600,7 +7795,7 @@
         </p:blipFill>
         <p:spPr bwMode="auto">
           <a:xfrm>
-            <a:off x="10633" y="696433"/>
+            <a:off x="10633" y="696434"/>
             <a:ext cx="9144000" cy="3808303"/>
           </a:xfrm>
           <a:prstGeom prst="rect">
@@ -7673,7 +7868,9 @@
           <a:lstStyle/>
           <a:p>
             <a:pPr algn="ctr"/>
-            <a:endParaRPr lang="en-US"/>
+            <a:endParaRPr lang="en-US">
+              <a:latin typeface="cmbx10" panose="020B0500000000000000" pitchFamily="34" charset="0"/>
+            </a:endParaRPr>
           </a:p>
         </p:txBody>
       </p:sp>
@@ -7685,7 +7882,7 @@
         </p:nvSpPr>
         <p:spPr>
           <a:xfrm>
-            <a:off x="141767" y="2362200"/>
+            <a:off x="141769" y="2362201"/>
             <a:ext cx="2601433" cy="806301"/>
           </a:xfrm>
           <a:prstGeom prst="rect">
@@ -7719,7 +7916,9 @@
           <a:lstStyle/>
           <a:p>
             <a:pPr algn="ctr"/>
-            <a:endParaRPr lang="en-US"/>
+            <a:endParaRPr lang="en-US">
+              <a:latin typeface="cmbx10" panose="020B0500000000000000" pitchFamily="34" charset="0"/>
+            </a:endParaRPr>
           </a:p>
         </p:txBody>
       </p:sp>
@@ -7731,7 +7930,7 @@
         </p:nvSpPr>
         <p:spPr>
           <a:xfrm>
-            <a:off x="141767" y="3211033"/>
+            <a:off x="141769" y="3211034"/>
             <a:ext cx="2601433" cy="675167"/>
           </a:xfrm>
           <a:prstGeom prst="rect">
@@ -7765,7 +7964,9 @@
           <a:lstStyle/>
           <a:p>
             <a:pPr algn="ctr"/>
-            <a:endParaRPr lang="en-US"/>
+            <a:endParaRPr lang="en-US">
+              <a:latin typeface="cmbx10" panose="020B0500000000000000" pitchFamily="34" charset="0"/>
+            </a:endParaRPr>
           </a:p>
         </p:txBody>
       </p:sp>
@@ -7811,7 +8012,9 @@
           <a:lstStyle/>
           <a:p>
             <a:pPr algn="ctr"/>
-            <a:endParaRPr lang="en-US"/>
+            <a:endParaRPr lang="en-US">
+              <a:latin typeface="cmbx10" panose="020B0500000000000000" pitchFamily="34" charset="0"/>
+            </a:endParaRPr>
           </a:p>
         </p:txBody>
       </p:sp>
@@ -7823,7 +8026,7 @@
         </p:nvSpPr>
         <p:spPr>
           <a:xfrm>
-            <a:off x="3157868" y="1144768"/>
+            <a:off x="3157868" y="1144769"/>
             <a:ext cx="914400" cy="265245"/>
           </a:xfrm>
           <a:prstGeom prst="rect">
@@ -7857,7 +8060,9 @@
           <a:lstStyle/>
           <a:p>
             <a:pPr algn="ctr"/>
-            <a:endParaRPr lang="en-US"/>
+            <a:endParaRPr lang="en-US">
+              <a:latin typeface="cmbx10" panose="020B0500000000000000" pitchFamily="34" charset="0"/>
+            </a:endParaRPr>
           </a:p>
         </p:txBody>
       </p:sp>
@@ -7869,7 +8074,7 @@
         </p:nvSpPr>
         <p:spPr>
           <a:xfrm>
-            <a:off x="21266" y="1091604"/>
+            <a:off x="21266" y="1091605"/>
             <a:ext cx="228600" cy="230369"/>
           </a:xfrm>
           <a:prstGeom prst="ellipse">
@@ -7903,7 +8108,9 @@
           <a:lstStyle/>
           <a:p>
             <a:pPr algn="ctr"/>
-            <a:endParaRPr lang="en-US"/>
+            <a:endParaRPr lang="en-US">
+              <a:latin typeface="cmbx10" panose="020B0500000000000000" pitchFamily="34" charset="0"/>
+            </a:endParaRPr>
           </a:p>
         </p:txBody>
       </p:sp>
@@ -7915,7 +8122,7 @@
         </p:nvSpPr>
         <p:spPr>
           <a:xfrm>
-            <a:off x="0" y="1033306"/>
+            <a:off x="0" y="1056167"/>
             <a:ext cx="228600" cy="307777"/>
           </a:xfrm>
           <a:prstGeom prst="rect">
@@ -7934,6 +8141,7 @@
                 <a:solidFill>
                   <a:schemeClr val="bg1"/>
                 </a:solidFill>
+                <a:latin typeface="cmbx10" panose="020B0500000000000000" pitchFamily="34" charset="0"/>
               </a:rPr>
               <a:t>1</a:t>
             </a:r>
@@ -7941,6 +8149,7 @@
               <a:solidFill>
                 <a:schemeClr val="bg1"/>
               </a:solidFill>
+              <a:latin typeface="cmbx10" panose="020B0500000000000000" pitchFamily="34" charset="0"/>
             </a:endParaRPr>
           </a:p>
         </p:txBody>
@@ -7953,7 +8162,7 @@
         </p:nvSpPr>
         <p:spPr>
           <a:xfrm>
-            <a:off x="2470299" y="2401755"/>
+            <a:off x="2470299" y="2401756"/>
             <a:ext cx="228600" cy="230369"/>
           </a:xfrm>
           <a:prstGeom prst="ellipse">
@@ -7987,7 +8196,9 @@
           <a:lstStyle/>
           <a:p>
             <a:pPr algn="ctr"/>
-            <a:endParaRPr lang="en-US"/>
+            <a:endParaRPr lang="en-US">
+              <a:latin typeface="cmbx10" panose="020B0500000000000000" pitchFamily="34" charset="0"/>
+            </a:endParaRPr>
           </a:p>
         </p:txBody>
       </p:sp>
@@ -7999,7 +8210,7 @@
         </p:nvSpPr>
         <p:spPr>
           <a:xfrm>
-            <a:off x="2449033" y="2354090"/>
+            <a:off x="2449033" y="2354091"/>
             <a:ext cx="228600" cy="307777"/>
           </a:xfrm>
           <a:prstGeom prst="rect">
@@ -8018,6 +8229,7 @@
                 <a:solidFill>
                   <a:schemeClr val="bg1"/>
                 </a:solidFill>
+                <a:latin typeface="cmbx10" panose="020B0500000000000000" pitchFamily="34" charset="0"/>
               </a:rPr>
               <a:t>2</a:t>
             </a:r>
@@ -8025,6 +8237,7 @@
               <a:solidFill>
                 <a:schemeClr val="bg1"/>
               </a:solidFill>
+              <a:latin typeface="cmbx10" panose="020B0500000000000000" pitchFamily="34" charset="0"/>
             </a:endParaRPr>
           </a:p>
         </p:txBody>
@@ -8037,7 +8250,7 @@
         </p:nvSpPr>
         <p:spPr>
           <a:xfrm>
-            <a:off x="2472957" y="3239955"/>
+            <a:off x="2472957" y="3239956"/>
             <a:ext cx="228600" cy="230369"/>
           </a:xfrm>
           <a:prstGeom prst="ellipse">
@@ -8071,7 +8284,9 @@
           <a:lstStyle/>
           <a:p>
             <a:pPr algn="ctr"/>
-            <a:endParaRPr lang="en-US"/>
+            <a:endParaRPr lang="en-US">
+              <a:latin typeface="cmbx10" panose="020B0500000000000000" pitchFamily="34" charset="0"/>
+            </a:endParaRPr>
           </a:p>
         </p:txBody>
       </p:sp>
@@ -8083,7 +8298,7 @@
         </p:nvSpPr>
         <p:spPr>
           <a:xfrm>
-            <a:off x="2451691" y="3197423"/>
+            <a:off x="2451691" y="3197424"/>
             <a:ext cx="228600" cy="307777"/>
           </a:xfrm>
           <a:prstGeom prst="rect">
@@ -8102,6 +8317,7 @@
                 <a:solidFill>
                   <a:schemeClr val="bg1"/>
                 </a:solidFill>
+                <a:latin typeface="cmbx10" panose="020B0500000000000000" pitchFamily="34" charset="0"/>
               </a:rPr>
               <a:t>3</a:t>
             </a:r>
@@ -8116,7 +8332,7 @@
         </p:nvSpPr>
         <p:spPr>
           <a:xfrm>
-            <a:off x="3190653" y="1550011"/>
+            <a:off x="3190653" y="1550012"/>
             <a:ext cx="228600" cy="230369"/>
           </a:xfrm>
           <a:prstGeom prst="ellipse">
@@ -8150,7 +8366,9 @@
           <a:lstStyle/>
           <a:p>
             <a:pPr algn="ctr"/>
-            <a:endParaRPr lang="en-US"/>
+            <a:endParaRPr lang="en-US">
+              <a:latin typeface="cmbx10" panose="020B0500000000000000" pitchFamily="34" charset="0"/>
+            </a:endParaRPr>
           </a:p>
         </p:txBody>
       </p:sp>
@@ -8162,7 +8380,7 @@
         </p:nvSpPr>
         <p:spPr>
           <a:xfrm>
-            <a:off x="3158754" y="1507479"/>
+            <a:off x="3158754" y="1507480"/>
             <a:ext cx="228600" cy="307777"/>
           </a:xfrm>
           <a:prstGeom prst="rect">
@@ -8181,6 +8399,7 @@
                 <a:solidFill>
                   <a:schemeClr val="bg1"/>
                 </a:solidFill>
+                <a:latin typeface="cmbx10" panose="020B0500000000000000" pitchFamily="34" charset="0"/>
               </a:rPr>
               <a:t>4</a:t>
             </a:r>
@@ -8195,7 +8414,7 @@
         </p:nvSpPr>
         <p:spPr>
           <a:xfrm>
-            <a:off x="4118338" y="1134136"/>
+            <a:off x="4118338" y="1134137"/>
             <a:ext cx="228600" cy="230369"/>
           </a:xfrm>
           <a:prstGeom prst="ellipse">
@@ -8229,7 +8448,9 @@
           <a:lstStyle/>
           <a:p>
             <a:pPr algn="ctr"/>
-            <a:endParaRPr lang="en-US"/>
+            <a:endParaRPr lang="en-US">
+              <a:latin typeface="cmbx10" panose="020B0500000000000000" pitchFamily="34" charset="0"/>
+            </a:endParaRPr>
           </a:p>
         </p:txBody>
       </p:sp>
@@ -8241,7 +8462,7 @@
         </p:nvSpPr>
         <p:spPr>
           <a:xfrm>
-            <a:off x="4097072" y="1091604"/>
+            <a:off x="4097072" y="1091605"/>
             <a:ext cx="228600" cy="307777"/>
           </a:xfrm>
           <a:prstGeom prst="rect">
@@ -8260,6 +8481,7 @@
                 <a:solidFill>
                   <a:schemeClr val="bg1"/>
                 </a:solidFill>
+                <a:latin typeface="cmbx10" panose="020B0500000000000000" pitchFamily="34" charset="0"/>
               </a:rPr>
               <a:t>5</a:t>
             </a:r>
@@ -8267,6 +8489,7 @@
               <a:solidFill>
                 <a:schemeClr val="bg1"/>
               </a:solidFill>
+              <a:latin typeface="cmbx10" panose="020B0500000000000000" pitchFamily="34" charset="0"/>
             </a:endParaRPr>
           </a:p>
         </p:txBody>
@@ -8309,7 +8532,7 @@
         </p:nvGrpSpPr>
         <p:grpSpPr>
           <a:xfrm>
-            <a:off x="391846" y="218660"/>
+            <a:off x="391846" y="218661"/>
             <a:ext cx="7658900" cy="5605669"/>
             <a:chOff x="391846" y="218660"/>
             <a:chExt cx="7658900" cy="5605669"/>
@@ -9040,7 +9263,9 @@
                     <a:lstStyle/>
                     <a:p>
                       <a:pPr algn="ctr"/>
-                      <a:endParaRPr lang="en-US"/>
+                      <a:endParaRPr lang="en-US">
+                        <a:latin typeface="cmbx10" panose="020B0500000000000000" pitchFamily="34" charset="0"/>
+                      </a:endParaRPr>
                     </a:p>
                   </p:txBody>
                 </p:sp>
@@ -9089,7 +9314,9 @@
                     <a:lstStyle/>
                     <a:p>
                       <a:pPr algn="ctr"/>
-                      <a:endParaRPr lang="en-US"/>
+                      <a:endParaRPr lang="en-US">
+                        <a:latin typeface="cmbx10" panose="020B0500000000000000" pitchFamily="34" charset="0"/>
+                      </a:endParaRPr>
                     </a:p>
                   </p:txBody>
                 </p:sp>
@@ -9138,7 +9365,9 @@
                     <a:lstStyle/>
                     <a:p>
                       <a:pPr algn="ctr"/>
-                      <a:endParaRPr lang="en-US"/>
+                      <a:endParaRPr lang="en-US">
+                        <a:latin typeface="cmbx10" panose="020B0500000000000000" pitchFamily="34" charset="0"/>
+                      </a:endParaRPr>
                     </a:p>
                   </p:txBody>
                 </p:sp>
@@ -9187,7 +9416,9 @@
                     <a:lstStyle/>
                     <a:p>
                       <a:pPr algn="ctr"/>
-                      <a:endParaRPr lang="en-US"/>
+                      <a:endParaRPr lang="en-US">
+                        <a:latin typeface="cmbx10" panose="020B0500000000000000" pitchFamily="34" charset="0"/>
+                      </a:endParaRPr>
                     </a:p>
                   </p:txBody>
                 </p:sp>
@@ -9236,7 +9467,9 @@
                     <a:lstStyle/>
                     <a:p>
                       <a:pPr algn="ctr"/>
-                      <a:endParaRPr lang="en-US"/>
+                      <a:endParaRPr lang="en-US">
+                        <a:latin typeface="cmbx10" panose="020B0500000000000000" pitchFamily="34" charset="0"/>
+                      </a:endParaRPr>
                     </a:p>
                   </p:txBody>
                 </p:sp>
@@ -9285,7 +9518,9 @@
                     <a:lstStyle/>
                     <a:p>
                       <a:pPr algn="ctr"/>
-                      <a:endParaRPr lang="en-US"/>
+                      <a:endParaRPr lang="en-US">
+                        <a:latin typeface="cmbx10" panose="020B0500000000000000" pitchFamily="34" charset="0"/>
+                      </a:endParaRPr>
                     </a:p>
                   </p:txBody>
                 </p:sp>
@@ -9334,7 +9569,9 @@
                     <a:lstStyle/>
                     <a:p>
                       <a:pPr algn="ctr"/>
-                      <a:endParaRPr lang="en-US"/>
+                      <a:endParaRPr lang="en-US">
+                        <a:latin typeface="cmbx10" panose="020B0500000000000000" pitchFamily="34" charset="0"/>
+                      </a:endParaRPr>
                     </a:p>
                   </p:txBody>
                 </p:sp>
@@ -9383,7 +9620,9 @@
                     <a:lstStyle/>
                     <a:p>
                       <a:pPr algn="ctr"/>
-                      <a:endParaRPr lang="en-US"/>
+                      <a:endParaRPr lang="en-US">
+                        <a:latin typeface="cmbx10" panose="020B0500000000000000" pitchFamily="34" charset="0"/>
+                      </a:endParaRPr>
                     </a:p>
                   </p:txBody>
                 </p:sp>
@@ -9432,7 +9671,9 @@
                     <a:lstStyle/>
                     <a:p>
                       <a:pPr algn="ctr"/>
-                      <a:endParaRPr lang="en-US"/>
+                      <a:endParaRPr lang="en-US">
+                        <a:latin typeface="cmbx10" panose="020B0500000000000000" pitchFamily="34" charset="0"/>
+                      </a:endParaRPr>
                     </a:p>
                   </p:txBody>
                 </p:sp>
@@ -9481,7 +9722,9 @@
                     <a:lstStyle/>
                     <a:p>
                       <a:pPr algn="ctr"/>
-                      <a:endParaRPr lang="en-US"/>
+                      <a:endParaRPr lang="en-US">
+                        <a:latin typeface="cmbx10" panose="020B0500000000000000" pitchFamily="34" charset="0"/>
+                      </a:endParaRPr>
                     </a:p>
                   </p:txBody>
                 </p:sp>
@@ -9530,7 +9773,9 @@
                     <a:lstStyle/>
                     <a:p>
                       <a:pPr algn="ctr"/>
-                      <a:endParaRPr lang="en-US"/>
+                      <a:endParaRPr lang="en-US">
+                        <a:latin typeface="cmbx10" panose="020B0500000000000000" pitchFamily="34" charset="0"/>
+                      </a:endParaRPr>
                     </a:p>
                   </p:txBody>
                 </p:sp>
@@ -9579,7 +9824,9 @@
                     <a:lstStyle/>
                     <a:p>
                       <a:pPr algn="ctr"/>
-                      <a:endParaRPr lang="en-US"/>
+                      <a:endParaRPr lang="en-US">
+                        <a:latin typeface="cmbx10" panose="020B0500000000000000" pitchFamily="34" charset="0"/>
+                      </a:endParaRPr>
                     </a:p>
                   </p:txBody>
                 </p:sp>
@@ -9627,7 +9874,9 @@
                 <a:lstStyle/>
                 <a:p>
                   <a:pPr algn="ctr"/>
-                  <a:endParaRPr lang="en-US"/>
+                  <a:endParaRPr lang="en-US">
+                    <a:latin typeface="cmbx10" panose="020B0500000000000000" pitchFamily="34" charset="0"/>
+                  </a:endParaRPr>
                 </a:p>
               </p:txBody>
             </p:sp>
@@ -9673,7 +9922,9 @@
                 <a:lstStyle/>
                 <a:p>
                   <a:pPr algn="ctr"/>
-                  <a:endParaRPr lang="en-US"/>
+                  <a:endParaRPr lang="en-US">
+                    <a:latin typeface="cmbx10" panose="020B0500000000000000" pitchFamily="34" charset="0"/>
+                  </a:endParaRPr>
                 </a:p>
               </p:txBody>
             </p:sp>
@@ -9719,7 +9970,9 @@
                 <a:lstStyle/>
                 <a:p>
                   <a:pPr algn="ctr"/>
-                  <a:endParaRPr lang="en-US"/>
+                  <a:endParaRPr lang="en-US">
+                    <a:latin typeface="cmbx10" panose="020B0500000000000000" pitchFamily="34" charset="0"/>
+                  </a:endParaRPr>
                 </a:p>
               </p:txBody>
             </p:sp>
@@ -9765,7 +10018,9 @@
                 <a:lstStyle/>
                 <a:p>
                   <a:pPr algn="ctr"/>
-                  <a:endParaRPr lang="en-US"/>
+                  <a:endParaRPr lang="en-US">
+                    <a:latin typeface="cmbx10" panose="020B0500000000000000" pitchFamily="34" charset="0"/>
+                  </a:endParaRPr>
                 </a:p>
               </p:txBody>
             </p:sp>
@@ -9811,7 +10066,9 @@
                 <a:lstStyle/>
                 <a:p>
                   <a:pPr algn="ctr"/>
-                  <a:endParaRPr lang="en-US"/>
+                  <a:endParaRPr lang="en-US">
+                    <a:latin typeface="cmbx10" panose="020B0500000000000000" pitchFamily="34" charset="0"/>
+                  </a:endParaRPr>
                 </a:p>
               </p:txBody>
             </p:sp>
@@ -9857,7 +10114,9 @@
                 <a:lstStyle/>
                 <a:p>
                   <a:pPr algn="ctr"/>
-                  <a:endParaRPr lang="en-US"/>
+                  <a:endParaRPr lang="en-US">
+                    <a:latin typeface="cmbx10" panose="020B0500000000000000" pitchFamily="34" charset="0"/>
+                  </a:endParaRPr>
                 </a:p>
               </p:txBody>
             </p:sp>
@@ -9903,7 +10162,9 @@
                 <a:lstStyle/>
                 <a:p>
                   <a:pPr algn="ctr"/>
-                  <a:endParaRPr lang="en-US"/>
+                  <a:endParaRPr lang="en-US">
+                    <a:latin typeface="cmbx10" panose="020B0500000000000000" pitchFamily="34" charset="0"/>
+                  </a:endParaRPr>
                 </a:p>
               </p:txBody>
             </p:sp>
@@ -9949,7 +10210,9 @@
                 <a:lstStyle/>
                 <a:p>
                   <a:pPr algn="ctr"/>
-                  <a:endParaRPr lang="en-US"/>
+                  <a:endParaRPr lang="en-US">
+                    <a:latin typeface="cmbx10" panose="020B0500000000000000" pitchFamily="34" charset="0"/>
+                  </a:endParaRPr>
                 </a:p>
               </p:txBody>
             </p:sp>
@@ -9995,7 +10258,9 @@
                 <a:lstStyle/>
                 <a:p>
                   <a:pPr algn="ctr"/>
-                  <a:endParaRPr lang="en-US"/>
+                  <a:endParaRPr lang="en-US">
+                    <a:latin typeface="cmbx10" panose="020B0500000000000000" pitchFamily="34" charset="0"/>
+                  </a:endParaRPr>
                 </a:p>
               </p:txBody>
             </p:sp>
@@ -10041,7 +10306,9 @@
                 <a:lstStyle/>
                 <a:p>
                   <a:pPr algn="ctr"/>
-                  <a:endParaRPr lang="en-US"/>
+                  <a:endParaRPr lang="en-US">
+                    <a:latin typeface="cmbx10" panose="020B0500000000000000" pitchFamily="34" charset="0"/>
+                  </a:endParaRPr>
                 </a:p>
               </p:txBody>
             </p:sp>
@@ -10087,7 +10354,9 @@
                 <a:lstStyle/>
                 <a:p>
                   <a:pPr algn="ctr"/>
-                  <a:endParaRPr lang="en-US"/>
+                  <a:endParaRPr lang="en-US">
+                    <a:latin typeface="cmbx10" panose="020B0500000000000000" pitchFamily="34" charset="0"/>
+                  </a:endParaRPr>
                 </a:p>
               </p:txBody>
             </p:sp>
@@ -10134,7 +10403,9 @@
               <a:lstStyle/>
               <a:p>
                 <a:pPr algn="ctr"/>
-                <a:endParaRPr lang="en-US"/>
+                <a:endParaRPr lang="en-US">
+                  <a:latin typeface="cmbx10" panose="020B0500000000000000" pitchFamily="34" charset="0"/>
+                </a:endParaRPr>
               </a:p>
             </p:txBody>
           </p:sp>
@@ -10165,6 +10436,7 @@
                     <a:solidFill>
                       <a:schemeClr val="bg1"/>
                     </a:solidFill>
+                    <a:latin typeface="cmbx10" panose="020B0500000000000000" pitchFamily="34" charset="0"/>
                   </a:rPr>
                   <a:t>1</a:t>
                 </a:r>
@@ -10172,6 +10444,7 @@
                   <a:solidFill>
                     <a:schemeClr val="bg1"/>
                   </a:solidFill>
+                  <a:latin typeface="cmbx10" panose="020B0500000000000000" pitchFamily="34" charset="0"/>
                 </a:endParaRPr>
               </a:p>
             </p:txBody>
@@ -10218,7 +10491,9 @@
               <a:lstStyle/>
               <a:p>
                 <a:pPr algn="ctr"/>
-                <a:endParaRPr lang="en-US"/>
+                <a:endParaRPr lang="en-US">
+                  <a:latin typeface="cmbx10" panose="020B0500000000000000" pitchFamily="34" charset="0"/>
+                </a:endParaRPr>
               </a:p>
             </p:txBody>
           </p:sp>
@@ -10249,6 +10524,7 @@
                     <a:solidFill>
                       <a:schemeClr val="bg1"/>
                     </a:solidFill>
+                    <a:latin typeface="cmbx10" panose="020B0500000000000000" pitchFamily="34" charset="0"/>
                   </a:rPr>
                   <a:t>5</a:t>
                 </a:r>
@@ -10297,7 +10573,9 @@
               <a:lstStyle/>
               <a:p>
                 <a:pPr algn="ctr"/>
-                <a:endParaRPr lang="en-US"/>
+                <a:endParaRPr lang="en-US">
+                  <a:latin typeface="cmbx10" panose="020B0500000000000000" pitchFamily="34" charset="0"/>
+                </a:endParaRPr>
               </a:p>
             </p:txBody>
           </p:sp>
@@ -10328,6 +10606,7 @@
                     <a:solidFill>
                       <a:schemeClr val="bg1"/>
                     </a:solidFill>
+                    <a:latin typeface="cmbx10" panose="020B0500000000000000" pitchFamily="34" charset="0"/>
                   </a:rPr>
                   <a:t>9</a:t>
                 </a:r>
@@ -10376,7 +10655,9 @@
               <a:lstStyle/>
               <a:p>
                 <a:pPr algn="ctr"/>
-                <a:endParaRPr lang="en-US"/>
+                <a:endParaRPr lang="en-US">
+                  <a:latin typeface="cmbx10" panose="020B0500000000000000" pitchFamily="34" charset="0"/>
+                </a:endParaRPr>
               </a:p>
             </p:txBody>
           </p:sp>
@@ -10407,6 +10688,7 @@
                     <a:solidFill>
                       <a:schemeClr val="bg1"/>
                     </a:solidFill>
+                    <a:latin typeface="cmbx10" panose="020B0500000000000000" pitchFamily="34" charset="0"/>
                   </a:rPr>
                   <a:t>10</a:t>
                 </a:r>
@@ -10414,6 +10696,7 @@
                   <a:solidFill>
                     <a:schemeClr val="bg1"/>
                   </a:solidFill>
+                  <a:latin typeface="cmbx10" panose="020B0500000000000000" pitchFamily="34" charset="0"/>
                 </a:endParaRPr>
               </a:p>
             </p:txBody>
@@ -10460,7 +10743,9 @@
               <a:lstStyle/>
               <a:p>
                 <a:pPr algn="ctr"/>
-                <a:endParaRPr lang="en-US"/>
+                <a:endParaRPr lang="en-US">
+                  <a:latin typeface="cmbx10" panose="020B0500000000000000" pitchFamily="34" charset="0"/>
+                </a:endParaRPr>
               </a:p>
             </p:txBody>
           </p:sp>
@@ -10491,6 +10776,7 @@
                     <a:solidFill>
                       <a:schemeClr val="bg1"/>
                     </a:solidFill>
+                    <a:latin typeface="cmbx10" panose="020B0500000000000000" pitchFamily="34" charset="0"/>
                   </a:rPr>
                   <a:t>11</a:t>
                 </a:r>
@@ -10498,6 +10784,7 @@
                   <a:solidFill>
                     <a:schemeClr val="bg1"/>
                   </a:solidFill>
+                  <a:latin typeface="cmbx10" panose="020B0500000000000000" pitchFamily="34" charset="0"/>
                 </a:endParaRPr>
               </a:p>
             </p:txBody>
@@ -10544,7 +10831,9 @@
               <a:lstStyle/>
               <a:p>
                 <a:pPr algn="ctr"/>
-                <a:endParaRPr lang="en-US"/>
+                <a:endParaRPr lang="en-US">
+                  <a:latin typeface="cmbx10" panose="020B0500000000000000" pitchFamily="34" charset="0"/>
+                </a:endParaRPr>
               </a:p>
             </p:txBody>
           </p:sp>
@@ -10575,6 +10864,7 @@
                     <a:solidFill>
                       <a:schemeClr val="bg1"/>
                     </a:solidFill>
+                    <a:latin typeface="cmbx10" panose="020B0500000000000000" pitchFamily="34" charset="0"/>
                   </a:rPr>
                   <a:t>12</a:t>
                 </a:r>
@@ -10582,6 +10872,7 @@
                   <a:solidFill>
                     <a:schemeClr val="bg1"/>
                   </a:solidFill>
+                  <a:latin typeface="cmbx10" panose="020B0500000000000000" pitchFamily="34" charset="0"/>
                 </a:endParaRPr>
               </a:p>
             </p:txBody>
@@ -10628,7 +10919,9 @@
               <a:lstStyle/>
               <a:p>
                 <a:pPr algn="ctr"/>
-                <a:endParaRPr lang="en-US"/>
+                <a:endParaRPr lang="en-US">
+                  <a:latin typeface="cmbx10" panose="020B0500000000000000" pitchFamily="34" charset="0"/>
+                </a:endParaRPr>
               </a:p>
             </p:txBody>
           </p:sp>
@@ -10659,6 +10952,7 @@
                     <a:solidFill>
                       <a:schemeClr val="bg1"/>
                     </a:solidFill>
+                    <a:latin typeface="cmbx10" panose="020B0500000000000000" pitchFamily="34" charset="0"/>
                   </a:rPr>
                   <a:t>8</a:t>
                 </a:r>
@@ -10707,7 +11001,9 @@
               <a:lstStyle/>
               <a:p>
                 <a:pPr algn="ctr"/>
-                <a:endParaRPr lang="en-US"/>
+                <a:endParaRPr lang="en-US">
+                  <a:latin typeface="cmbx10" panose="020B0500000000000000" pitchFamily="34" charset="0"/>
+                </a:endParaRPr>
               </a:p>
             </p:txBody>
           </p:sp>
@@ -10738,6 +11034,7 @@
                     <a:solidFill>
                       <a:schemeClr val="bg1"/>
                     </a:solidFill>
+                    <a:latin typeface="cmbx10" panose="020B0500000000000000" pitchFamily="34" charset="0"/>
                   </a:rPr>
                   <a:t>7</a:t>
                 </a:r>
@@ -10786,7 +11083,9 @@
               <a:lstStyle/>
               <a:p>
                 <a:pPr algn="ctr"/>
-                <a:endParaRPr lang="en-US"/>
+                <a:endParaRPr lang="en-US">
+                  <a:latin typeface="cmbx10" panose="020B0500000000000000" pitchFamily="34" charset="0"/>
+                </a:endParaRPr>
               </a:p>
             </p:txBody>
           </p:sp>
@@ -10817,6 +11116,7 @@
                     <a:solidFill>
                       <a:schemeClr val="bg1"/>
                     </a:solidFill>
+                    <a:latin typeface="cmbx10" panose="020B0500000000000000" pitchFamily="34" charset="0"/>
                   </a:rPr>
                   <a:t>6</a:t>
                 </a:r>
@@ -10865,7 +11165,9 @@
               <a:lstStyle/>
               <a:p>
                 <a:pPr algn="ctr"/>
-                <a:endParaRPr lang="en-US"/>
+                <a:endParaRPr lang="en-US">
+                  <a:latin typeface="cmbx10" panose="020B0500000000000000" pitchFamily="34" charset="0"/>
+                </a:endParaRPr>
               </a:p>
             </p:txBody>
           </p:sp>
@@ -10896,6 +11198,7 @@
                     <a:solidFill>
                       <a:schemeClr val="bg1"/>
                     </a:solidFill>
+                    <a:latin typeface="cmbx10" panose="020B0500000000000000" pitchFamily="34" charset="0"/>
                   </a:rPr>
                   <a:t>2</a:t>
                 </a:r>
@@ -10944,7 +11247,9 @@
               <a:lstStyle/>
               <a:p>
                 <a:pPr algn="ctr"/>
-                <a:endParaRPr lang="en-US"/>
+                <a:endParaRPr lang="en-US">
+                  <a:latin typeface="cmbx10" panose="020B0500000000000000" pitchFamily="34" charset="0"/>
+                </a:endParaRPr>
               </a:p>
             </p:txBody>
           </p:sp>
@@ -10975,6 +11280,7 @@
                     <a:solidFill>
                       <a:schemeClr val="bg1"/>
                     </a:solidFill>
+                    <a:latin typeface="cmbx10" panose="020B0500000000000000" pitchFamily="34" charset="0"/>
                   </a:rPr>
                   <a:t>3</a:t>
                 </a:r>
@@ -11023,7 +11329,9 @@
               <a:lstStyle/>
               <a:p>
                 <a:pPr algn="ctr"/>
-                <a:endParaRPr lang="en-US"/>
+                <a:endParaRPr lang="en-US">
+                  <a:latin typeface="cmbx10" panose="020B0500000000000000" pitchFamily="34" charset="0"/>
+                </a:endParaRPr>
               </a:p>
             </p:txBody>
           </p:sp>
@@ -11054,6 +11362,7 @@
                     <a:solidFill>
                       <a:schemeClr val="bg1"/>
                     </a:solidFill>
+                    <a:latin typeface="cmbx10" panose="020B0500000000000000" pitchFamily="34" charset="0"/>
                   </a:rPr>
                   <a:t>4</a:t>
                 </a:r>
@@ -11070,7 +11379,7 @@
           <p:spPr>
             <a:xfrm>
               <a:off x="2805876" y="861118"/>
-              <a:ext cx="478296" cy="137160"/>
+              <a:ext cx="607658" cy="137160"/>
             </a:xfrm>
             <a:prstGeom prst="roundRect">
               <a:avLst/>
@@ -11119,6 +11428,7 @@
                       <a:lumOff val="35000"/>
                     </a:schemeClr>
                   </a:solidFill>
+                  <a:latin typeface="cmbx10" panose="020B0500000000000000" pitchFamily="34" charset="0"/>
                 </a:rPr>
                 <a:t>Big 10</a:t>
               </a:r>
@@ -11129,6 +11439,7 @@
                     <a:lumOff val="35000"/>
                   </a:schemeClr>
                 </a:solidFill>
+                <a:latin typeface="cmbx10" panose="020B0500000000000000" pitchFamily="34" charset="0"/>
               </a:endParaRPr>
             </a:p>
           </p:txBody>
@@ -11142,7 +11453,7 @@
           <p:spPr>
             <a:xfrm>
               <a:off x="5225383" y="1114822"/>
-              <a:ext cx="478296" cy="137160"/>
+              <a:ext cx="612648" cy="137160"/>
             </a:xfrm>
             <a:prstGeom prst="roundRect">
               <a:avLst/>
@@ -11191,6 +11502,7 @@
                       <a:lumOff val="35000"/>
                     </a:schemeClr>
                   </a:solidFill>
+                  <a:latin typeface="cmbx10" panose="020B0500000000000000" pitchFamily="34" charset="0"/>
                 </a:rPr>
                 <a:t>SEC</a:t>
               </a:r>
@@ -11201,6 +11513,7 @@
                     <a:lumOff val="35000"/>
                   </a:schemeClr>
                 </a:solidFill>
+                <a:latin typeface="cmbx10" panose="020B0500000000000000" pitchFamily="34" charset="0"/>
               </a:endParaRPr>
             </a:p>
           </p:txBody>
@@ -11214,7 +11527,7 @@
           <p:spPr>
             <a:xfrm>
               <a:off x="7021421" y="754438"/>
-              <a:ext cx="478296" cy="137160"/>
+              <a:ext cx="612648" cy="137160"/>
             </a:xfrm>
             <a:prstGeom prst="roundRect">
               <a:avLst/>
@@ -11263,6 +11576,7 @@
                       <a:lumOff val="35000"/>
                     </a:schemeClr>
                   </a:solidFill>
+                  <a:latin typeface="cmbx10" panose="020B0500000000000000" pitchFamily="34" charset="0"/>
                 </a:rPr>
                 <a:t>MAC</a:t>
               </a:r>
@@ -11273,6 +11587,7 @@
                     <a:lumOff val="35000"/>
                   </a:schemeClr>
                 </a:solidFill>
+                <a:latin typeface="cmbx10" panose="020B0500000000000000" pitchFamily="34" charset="0"/>
               </a:endParaRPr>
             </a:p>
           </p:txBody>
@@ -11286,7 +11601,7 @@
           <p:spPr>
             <a:xfrm>
               <a:off x="1014057" y="3253435"/>
-              <a:ext cx="586620" cy="137160"/>
+              <a:ext cx="612648" cy="137160"/>
             </a:xfrm>
             <a:prstGeom prst="roundRect">
               <a:avLst/>
@@ -11335,6 +11650,7 @@
                       <a:lumOff val="35000"/>
                     </a:schemeClr>
                   </a:solidFill>
+                  <a:latin typeface="cmbx10" panose="020B0500000000000000" pitchFamily="34" charset="0"/>
                 </a:rPr>
                 <a:t>Pac-10</a:t>
               </a:r>
@@ -11345,6 +11661,7 @@
                     <a:lumOff val="35000"/>
                   </a:schemeClr>
                 </a:solidFill>
+                <a:latin typeface="cmbx10" panose="020B0500000000000000" pitchFamily="34" charset="0"/>
               </a:endParaRPr>
             </a:p>
           </p:txBody>
@@ -11358,7 +11675,7 @@
           <p:spPr>
             <a:xfrm>
               <a:off x="3229744" y="2584090"/>
-              <a:ext cx="478296" cy="137160"/>
+              <a:ext cx="612648" cy="137160"/>
             </a:xfrm>
             <a:prstGeom prst="roundRect">
               <a:avLst/>
@@ -11407,6 +11724,7 @@
                       <a:lumOff val="35000"/>
                     </a:schemeClr>
                   </a:solidFill>
+                  <a:latin typeface="cmbx10" panose="020B0500000000000000" pitchFamily="34" charset="0"/>
                 </a:rPr>
                 <a:t>WAC</a:t>
               </a:r>
@@ -11417,6 +11735,7 @@
                     <a:lumOff val="35000"/>
                   </a:schemeClr>
                 </a:solidFill>
+                <a:latin typeface="cmbx10" panose="020B0500000000000000" pitchFamily="34" charset="0"/>
               </a:endParaRPr>
             </a:p>
           </p:txBody>
@@ -11430,7 +11749,7 @@
           <p:spPr>
             <a:xfrm>
               <a:off x="6853710" y="3329309"/>
-              <a:ext cx="478296" cy="137160"/>
+              <a:ext cx="637070" cy="137160"/>
             </a:xfrm>
             <a:prstGeom prst="roundRect">
               <a:avLst/>
@@ -11479,6 +11798,7 @@
                       <a:lumOff val="35000"/>
                     </a:schemeClr>
                   </a:solidFill>
+                  <a:latin typeface="cmbx10" panose="020B0500000000000000" pitchFamily="34" charset="0"/>
                 </a:rPr>
                 <a:t>Big 12</a:t>
               </a:r>
@@ -11489,6 +11809,7 @@
                     <a:lumOff val="35000"/>
                   </a:schemeClr>
                 </a:solidFill>
+                <a:latin typeface="cmbx10" panose="020B0500000000000000" pitchFamily="34" charset="0"/>
               </a:endParaRPr>
             </a:p>
           </p:txBody>
@@ -11501,8 +11822,8 @@
           </p:nvSpPr>
           <p:spPr>
             <a:xfrm>
-              <a:off x="5041365" y="2446930"/>
-              <a:ext cx="586620" cy="137160"/>
+              <a:off x="4904406" y="2446930"/>
+              <a:ext cx="749607" cy="126445"/>
             </a:xfrm>
             <a:prstGeom prst="roundRect">
               <a:avLst/>
@@ -11551,6 +11872,7 @@
                       <a:lumOff val="35000"/>
                     </a:schemeClr>
                   </a:solidFill>
+                  <a:latin typeface="cmbx10" panose="020B0500000000000000" pitchFamily="34" charset="0"/>
                 </a:rPr>
                 <a:t>Big East</a:t>
               </a:r>
@@ -11561,6 +11883,7 @@
                     <a:lumOff val="35000"/>
                   </a:schemeClr>
                 </a:solidFill>
+                <a:latin typeface="cmbx10" panose="020B0500000000000000" pitchFamily="34" charset="0"/>
               </a:endParaRPr>
             </a:p>
           </p:txBody>
@@ -11573,8 +11896,8 @@
           </p:nvSpPr>
           <p:spPr>
             <a:xfrm>
-              <a:off x="733346" y="4389125"/>
-              <a:ext cx="497419" cy="137160"/>
+              <a:off x="733345" y="4389125"/>
+              <a:ext cx="612648" cy="137160"/>
             </a:xfrm>
             <a:prstGeom prst="roundRect">
               <a:avLst/>
@@ -11623,6 +11946,7 @@
                       <a:lumOff val="35000"/>
                     </a:schemeClr>
                   </a:solidFill>
+                  <a:latin typeface="cmbx10" panose="020B0500000000000000" pitchFamily="34" charset="0"/>
                 </a:rPr>
                 <a:t>C-USA</a:t>
               </a:r>
@@ -11633,6 +11957,7 @@
                     <a:lumOff val="35000"/>
                   </a:schemeClr>
                 </a:solidFill>
+                <a:latin typeface="cmbx10" panose="020B0500000000000000" pitchFamily="34" charset="0"/>
               </a:endParaRPr>
             </a:p>
           </p:txBody>
@@ -11646,7 +11971,7 @@
           <p:spPr>
             <a:xfrm>
               <a:off x="3174386" y="4934161"/>
-              <a:ext cx="478296" cy="137160"/>
+              <a:ext cx="612648" cy="137160"/>
             </a:xfrm>
             <a:prstGeom prst="roundRect">
               <a:avLst/>
@@ -11695,6 +12020,7 @@
                       <a:lumOff val="35000"/>
                     </a:schemeClr>
                   </a:solidFill>
+                  <a:latin typeface="cmbx10" panose="020B0500000000000000" pitchFamily="34" charset="0"/>
                 </a:rPr>
                 <a:t>ACC</a:t>
               </a:r>
@@ -11705,6 +12031,7 @@
                     <a:lumOff val="35000"/>
                   </a:schemeClr>
                 </a:solidFill>
+                <a:latin typeface="cmbx10" panose="020B0500000000000000" pitchFamily="34" charset="0"/>
               </a:endParaRPr>
             </a:p>
           </p:txBody>
@@ -11718,7 +12045,7 @@
           <p:spPr>
             <a:xfrm>
               <a:off x="4701241" y="3986129"/>
-              <a:ext cx="775275" cy="274320"/>
+              <a:ext cx="830466" cy="274320"/>
             </a:xfrm>
             <a:prstGeom prst="roundRect">
               <a:avLst/>
@@ -11767,6 +12094,7 @@
                       <a:lumOff val="35000"/>
                     </a:schemeClr>
                   </a:solidFill>
+                  <a:latin typeface="cmbx10" panose="020B0500000000000000" pitchFamily="34" charset="0"/>
                 </a:rPr>
                 <a:t>Mountain West</a:t>
               </a:r>
@@ -11777,6 +12105,7 @@
                     <a:lumOff val="35000"/>
                   </a:schemeClr>
                 </a:solidFill>
+                <a:latin typeface="cmbx10" panose="020B0500000000000000" pitchFamily="34" charset="0"/>
               </a:endParaRPr>
             </a:p>
           </p:txBody>
@@ -11870,7 +12199,7 @@
           <p:spPr>
             <a:xfrm>
               <a:off x="6578201" y="5157225"/>
-              <a:ext cx="586620" cy="137160"/>
+              <a:ext cx="749544" cy="137160"/>
             </a:xfrm>
             <a:prstGeom prst="roundRect">
               <a:avLst/>
@@ -11919,6 +12248,7 @@
                       <a:lumOff val="35000"/>
                     </a:schemeClr>
                   </a:solidFill>
+                  <a:latin typeface="cmbx10" panose="020B0500000000000000" pitchFamily="34" charset="0"/>
                 </a:rPr>
                 <a:t>Big West</a:t>
               </a:r>
@@ -11929,6 +12259,7 @@
                     <a:lumOff val="35000"/>
                   </a:schemeClr>
                 </a:solidFill>
+                <a:latin typeface="cmbx10" panose="020B0500000000000000" pitchFamily="34" charset="0"/>
               </a:endParaRPr>
             </a:p>
           </p:txBody>
@@ -11978,6 +12309,1120 @@
     <p:extLst>
       <p:ext uri="{BB962C8B-B14F-4D97-AF65-F5344CB8AC3E}">
         <p14:creationId xmlns:p14="http://schemas.microsoft.com/office/powerpoint/2010/main" val="783073417"/>
+      </p:ext>
+    </p:extLst>
+  </p:cSld>
+  <p:clrMapOvr>
+    <a:masterClrMapping/>
+  </p:clrMapOvr>
+</p:sld>
+</file>
+
+<file path=ppt/slides/slide7.xml><?xml version="1.0" encoding="utf-8"?>
+<p:sld xmlns:a="http://schemas.openxmlformats.org/drawingml/2006/main" xmlns:r="http://schemas.openxmlformats.org/officeDocument/2006/relationships" xmlns:p="http://schemas.openxmlformats.org/presentationml/2006/main">
+  <p:cSld>
+    <p:spTree>
+      <p:nvGrpSpPr>
+        <p:cNvPr id="1" name=""/>
+        <p:cNvGrpSpPr/>
+        <p:nvPr/>
+      </p:nvGrpSpPr>
+      <p:grpSpPr>
+        <a:xfrm>
+          <a:off x="0" y="0"/>
+          <a:ext cx="0" cy="0"/>
+          <a:chOff x="0" y="0"/>
+          <a:chExt cx="0" cy="0"/>
+        </a:xfrm>
+      </p:grpSpPr>
+      <p:grpSp>
+        <p:nvGrpSpPr>
+          <p:cNvPr id="38" name="Group 37"/>
+          <p:cNvGrpSpPr/>
+          <p:nvPr/>
+        </p:nvGrpSpPr>
+        <p:grpSpPr>
+          <a:xfrm>
+            <a:off x="-881510" y="218660"/>
+            <a:ext cx="7911430" cy="9144000"/>
+            <a:chOff x="-881510" y="218660"/>
+            <a:chExt cx="7911430" cy="9144000"/>
+          </a:xfrm>
+        </p:grpSpPr>
+        <p:sp>
+          <p:nvSpPr>
+            <p:cNvPr id="27" name="Rectangle 26"/>
+            <p:cNvSpPr/>
+            <p:nvPr/>
+          </p:nvSpPr>
+          <p:spPr>
+            <a:xfrm>
+              <a:off x="-881286" y="218660"/>
+              <a:ext cx="7911205" cy="9144000"/>
+            </a:xfrm>
+            <a:prstGeom prst="rect">
+              <a:avLst/>
+            </a:prstGeom>
+            <a:solidFill>
+              <a:schemeClr val="bg1"/>
+            </a:solidFill>
+            <a:ln>
+              <a:solidFill>
+                <a:schemeClr val="bg1"/>
+              </a:solidFill>
+            </a:ln>
+          </p:spPr>
+          <p:style>
+            <a:lnRef idx="2">
+              <a:schemeClr val="accent1">
+                <a:shade val="50000"/>
+              </a:schemeClr>
+            </a:lnRef>
+            <a:fillRef idx="1">
+              <a:schemeClr val="accent1"/>
+            </a:fillRef>
+            <a:effectRef idx="0">
+              <a:schemeClr val="accent1"/>
+            </a:effectRef>
+            <a:fontRef idx="minor">
+              <a:schemeClr val="lt1"/>
+            </a:fontRef>
+          </p:style>
+          <p:txBody>
+            <a:bodyPr rtlCol="0" anchor="ctr"/>
+            <a:lstStyle/>
+            <a:p>
+              <a:pPr algn="ctr"/>
+              <a:endParaRPr lang="en-US">
+                <a:ln>
+                  <a:solidFill>
+                    <a:schemeClr val="bg1"/>
+                  </a:solidFill>
+                </a:ln>
+                <a:solidFill>
+                  <a:schemeClr val="bg1"/>
+                </a:solidFill>
+              </a:endParaRPr>
+            </a:p>
+          </p:txBody>
+        </p:sp>
+        <p:pic>
+          <p:nvPicPr>
+            <p:cNvPr id="32" name="Picture 31"/>
+            <p:cNvPicPr>
+              <a:picLocks noChangeAspect="1"/>
+            </p:cNvPicPr>
+            <p:nvPr/>
+          </p:nvPicPr>
+          <p:blipFill>
+            <a:blip r:embed="rId2">
+              <a:extLst>
+                <a:ext uri="{28A0092B-C50C-407E-A947-70E740481C1C}">
+                  <a14:useLocalDpi xmlns:a14="http://schemas.microsoft.com/office/drawing/2010/main" val="0"/>
+                </a:ext>
+              </a:extLst>
+            </a:blip>
+            <a:stretch>
+              <a:fillRect/>
+            </a:stretch>
+          </p:blipFill>
+          <p:spPr>
+            <a:xfrm>
+              <a:off x="5164218" y="7480072"/>
+              <a:ext cx="1858945" cy="1828800"/>
+            </a:xfrm>
+            <a:prstGeom prst="rect">
+              <a:avLst/>
+            </a:prstGeom>
+          </p:spPr>
+        </p:pic>
+        <p:pic>
+          <p:nvPicPr>
+            <p:cNvPr id="31" name="Picture 30"/>
+            <p:cNvPicPr>
+              <a:picLocks noChangeAspect="1"/>
+            </p:cNvPicPr>
+            <p:nvPr/>
+          </p:nvPicPr>
+          <p:blipFill>
+            <a:blip r:embed="rId3">
+              <a:extLst>
+                <a:ext uri="{28A0092B-C50C-407E-A947-70E740481C1C}">
+                  <a14:useLocalDpi xmlns:a14="http://schemas.microsoft.com/office/drawing/2010/main" val="0"/>
+                </a:ext>
+              </a:extLst>
+            </a:blip>
+            <a:stretch>
+              <a:fillRect/>
+            </a:stretch>
+          </p:blipFill>
+          <p:spPr>
+            <a:xfrm>
+              <a:off x="5128353" y="5695535"/>
+              <a:ext cx="1851447" cy="1828800"/>
+            </a:xfrm>
+            <a:prstGeom prst="rect">
+              <a:avLst/>
+            </a:prstGeom>
+          </p:spPr>
+        </p:pic>
+        <p:pic>
+          <p:nvPicPr>
+            <p:cNvPr id="30" name="Picture 29"/>
+            <p:cNvPicPr>
+              <a:picLocks noChangeAspect="1"/>
+            </p:cNvPicPr>
+            <p:nvPr/>
+          </p:nvPicPr>
+          <p:blipFill>
+            <a:blip r:embed="rId4">
+              <a:extLst>
+                <a:ext uri="{28A0092B-C50C-407E-A947-70E740481C1C}">
+                  <a14:useLocalDpi xmlns:a14="http://schemas.microsoft.com/office/drawing/2010/main" val="0"/>
+                </a:ext>
+              </a:extLst>
+            </a:blip>
+            <a:stretch>
+              <a:fillRect/>
+            </a:stretch>
+          </p:blipFill>
+          <p:spPr>
+            <a:xfrm>
+              <a:off x="5113044" y="3902757"/>
+              <a:ext cx="1882066" cy="1828800"/>
+            </a:xfrm>
+            <a:prstGeom prst="rect">
+              <a:avLst/>
+            </a:prstGeom>
+          </p:spPr>
+        </p:pic>
+        <p:pic>
+          <p:nvPicPr>
+            <p:cNvPr id="29" name="Picture 28"/>
+            <p:cNvPicPr>
+              <a:picLocks noChangeAspect="1"/>
+            </p:cNvPicPr>
+            <p:nvPr/>
+          </p:nvPicPr>
+          <p:blipFill>
+            <a:blip r:embed="rId5">
+              <a:extLst>
+                <a:ext uri="{28A0092B-C50C-407E-A947-70E740481C1C}">
+                  <a14:useLocalDpi xmlns:a14="http://schemas.microsoft.com/office/drawing/2010/main" val="0"/>
+                </a:ext>
+              </a:extLst>
+            </a:blip>
+            <a:stretch>
+              <a:fillRect/>
+            </a:stretch>
+          </p:blipFill>
+          <p:spPr>
+            <a:xfrm>
+              <a:off x="5157462" y="2047460"/>
+              <a:ext cx="1872458" cy="1828800"/>
+            </a:xfrm>
+            <a:prstGeom prst="rect">
+              <a:avLst/>
+            </a:prstGeom>
+          </p:spPr>
+        </p:pic>
+        <p:pic>
+          <p:nvPicPr>
+            <p:cNvPr id="28" name="Picture 27"/>
+            <p:cNvPicPr>
+              <a:picLocks noChangeAspect="1"/>
+            </p:cNvPicPr>
+            <p:nvPr/>
+          </p:nvPicPr>
+          <p:blipFill rotWithShape="1">
+            <a:blip r:embed="rId6">
+              <a:extLst>
+                <a:ext uri="{28A0092B-C50C-407E-A947-70E740481C1C}">
+                  <a14:useLocalDpi xmlns:a14="http://schemas.microsoft.com/office/drawing/2010/main" val="0"/>
+                </a:ext>
+              </a:extLst>
+            </a:blip>
+            <a:srcRect l="8461" r="8479"/>
+            <a:stretch/>
+          </p:blipFill>
+          <p:spPr>
+            <a:xfrm>
+              <a:off x="5115395" y="218660"/>
+              <a:ext cx="1914092" cy="1828800"/>
+            </a:xfrm>
+            <a:prstGeom prst="rect">
+              <a:avLst/>
+            </a:prstGeom>
+          </p:spPr>
+        </p:pic>
+        <p:pic>
+          <p:nvPicPr>
+            <p:cNvPr id="26" name="Picture 25"/>
+            <p:cNvPicPr>
+              <a:picLocks noChangeAspect="1"/>
+            </p:cNvPicPr>
+            <p:nvPr/>
+          </p:nvPicPr>
+          <p:blipFill>
+            <a:blip r:embed="rId7">
+              <a:extLst>
+                <a:ext uri="{28A0092B-C50C-407E-A947-70E740481C1C}">
+                  <a14:useLocalDpi xmlns:a14="http://schemas.microsoft.com/office/drawing/2010/main" val="0"/>
+                </a:ext>
+              </a:extLst>
+            </a:blip>
+            <a:stretch>
+              <a:fillRect/>
+            </a:stretch>
+          </p:blipFill>
+          <p:spPr>
+            <a:xfrm>
+              <a:off x="2682043" y="7533860"/>
+              <a:ext cx="2021813" cy="1828800"/>
+            </a:xfrm>
+            <a:prstGeom prst="rect">
+              <a:avLst/>
+            </a:prstGeom>
+          </p:spPr>
+        </p:pic>
+        <p:pic>
+          <p:nvPicPr>
+            <p:cNvPr id="25" name="Picture 24"/>
+            <p:cNvPicPr>
+              <a:picLocks noChangeAspect="1"/>
+            </p:cNvPicPr>
+            <p:nvPr/>
+          </p:nvPicPr>
+          <p:blipFill>
+            <a:blip r:embed="rId8">
+              <a:extLst>
+                <a:ext uri="{28A0092B-C50C-407E-A947-70E740481C1C}">
+                  <a14:useLocalDpi xmlns:a14="http://schemas.microsoft.com/office/drawing/2010/main" val="0"/>
+                </a:ext>
+              </a:extLst>
+            </a:blip>
+            <a:stretch>
+              <a:fillRect/>
+            </a:stretch>
+          </p:blipFill>
+          <p:spPr>
+            <a:xfrm>
+              <a:off x="2768129" y="5695535"/>
+              <a:ext cx="1882733" cy="1828800"/>
+            </a:xfrm>
+            <a:prstGeom prst="rect">
+              <a:avLst/>
+            </a:prstGeom>
+          </p:spPr>
+        </p:pic>
+        <p:pic>
+          <p:nvPicPr>
+            <p:cNvPr id="22" name="Picture 21"/>
+            <p:cNvPicPr>
+              <a:picLocks noChangeAspect="1"/>
+            </p:cNvPicPr>
+            <p:nvPr/>
+          </p:nvPicPr>
+          <p:blipFill rotWithShape="1">
+            <a:blip r:embed="rId9" cstate="print">
+              <a:extLst>
+                <a:ext uri="{28A0092B-C50C-407E-A947-70E740481C1C}">
+                  <a14:useLocalDpi xmlns:a14="http://schemas.microsoft.com/office/drawing/2010/main" val="0"/>
+                </a:ext>
+              </a:extLst>
+            </a:blip>
+            <a:srcRect t="1319" b="648"/>
+            <a:stretch/>
+          </p:blipFill>
+          <p:spPr>
+            <a:xfrm>
+              <a:off x="2300854" y="3902757"/>
+              <a:ext cx="2812623" cy="1792778"/>
+            </a:xfrm>
+            <a:prstGeom prst="rect">
+              <a:avLst/>
+            </a:prstGeom>
+          </p:spPr>
+        </p:pic>
+        <p:pic>
+          <p:nvPicPr>
+            <p:cNvPr id="21" name="Picture 20"/>
+            <p:cNvPicPr>
+              <a:picLocks noChangeAspect="1"/>
+            </p:cNvPicPr>
+            <p:nvPr/>
+          </p:nvPicPr>
+          <p:blipFill>
+            <a:blip r:embed="rId10">
+              <a:extLst>
+                <a:ext uri="{28A0092B-C50C-407E-A947-70E740481C1C}">
+                  <a14:useLocalDpi xmlns:a14="http://schemas.microsoft.com/office/drawing/2010/main" val="0"/>
+                </a:ext>
+              </a:extLst>
+            </a:blip>
+            <a:stretch>
+              <a:fillRect/>
+            </a:stretch>
+          </p:blipFill>
+          <p:spPr>
+            <a:xfrm>
+              <a:off x="2724170" y="2061771"/>
+              <a:ext cx="1926692" cy="1828800"/>
+            </a:xfrm>
+            <a:prstGeom prst="rect">
+              <a:avLst/>
+            </a:prstGeom>
+          </p:spPr>
+        </p:pic>
+        <p:pic>
+          <p:nvPicPr>
+            <p:cNvPr id="20" name="Picture 19"/>
+            <p:cNvPicPr>
+              <a:picLocks noChangeAspect="1"/>
+            </p:cNvPicPr>
+            <p:nvPr/>
+          </p:nvPicPr>
+          <p:blipFill rotWithShape="1">
+            <a:blip r:embed="rId11">
+              <a:extLst>
+                <a:ext uri="{28A0092B-C50C-407E-A947-70E740481C1C}">
+                  <a14:useLocalDpi xmlns:a14="http://schemas.microsoft.com/office/drawing/2010/main" val="0"/>
+                </a:ext>
+              </a:extLst>
+            </a:blip>
+            <a:srcRect l="7285" r="3104"/>
+            <a:stretch/>
+          </p:blipFill>
+          <p:spPr>
+            <a:xfrm>
+              <a:off x="2736045" y="232971"/>
+              <a:ext cx="1913811" cy="1828800"/>
+            </a:xfrm>
+            <a:prstGeom prst="rect">
+              <a:avLst/>
+            </a:prstGeom>
+          </p:spPr>
+        </p:pic>
+        <p:sp>
+          <p:nvSpPr>
+            <p:cNvPr id="2" name="Rectangle 1"/>
+            <p:cNvSpPr/>
+            <p:nvPr/>
+          </p:nvSpPr>
+          <p:spPr>
+            <a:xfrm>
+              <a:off x="2271058" y="3876260"/>
+              <a:ext cx="2842419" cy="1828800"/>
+            </a:xfrm>
+            <a:prstGeom prst="rect">
+              <a:avLst/>
+            </a:prstGeom>
+            <a:noFill/>
+            <a:ln w="3175">
+              <a:solidFill>
+                <a:schemeClr val="tx1">
+                  <a:lumMod val="50000"/>
+                  <a:lumOff val="50000"/>
+                </a:schemeClr>
+              </a:solidFill>
+            </a:ln>
+          </p:spPr>
+          <p:style>
+            <a:lnRef idx="2">
+              <a:schemeClr val="accent1">
+                <a:shade val="50000"/>
+              </a:schemeClr>
+            </a:lnRef>
+            <a:fillRef idx="1">
+              <a:schemeClr val="accent1"/>
+            </a:fillRef>
+            <a:effectRef idx="0">
+              <a:schemeClr val="accent1"/>
+            </a:effectRef>
+            <a:fontRef idx="minor">
+              <a:schemeClr val="lt1"/>
+            </a:fontRef>
+          </p:style>
+          <p:txBody>
+            <a:bodyPr rtlCol="0" anchor="ctr"/>
+            <a:lstStyle/>
+            <a:p>
+              <a:pPr algn="ctr"/>
+              <a:endParaRPr lang="en-US"/>
+            </a:p>
+          </p:txBody>
+        </p:sp>
+        <p:sp>
+          <p:nvSpPr>
+            <p:cNvPr id="3" name="Rectangle 2"/>
+            <p:cNvSpPr/>
+            <p:nvPr/>
+          </p:nvSpPr>
+          <p:spPr>
+            <a:xfrm>
+              <a:off x="5115395" y="3876260"/>
+              <a:ext cx="1914525" cy="1828800"/>
+            </a:xfrm>
+            <a:prstGeom prst="rect">
+              <a:avLst/>
+            </a:prstGeom>
+            <a:noFill/>
+            <a:ln w="3175">
+              <a:solidFill>
+                <a:schemeClr val="tx1">
+                  <a:lumMod val="50000"/>
+                  <a:lumOff val="50000"/>
+                </a:schemeClr>
+              </a:solidFill>
+            </a:ln>
+          </p:spPr>
+          <p:style>
+            <a:lnRef idx="2">
+              <a:schemeClr val="accent1">
+                <a:shade val="50000"/>
+              </a:schemeClr>
+            </a:lnRef>
+            <a:fillRef idx="1">
+              <a:schemeClr val="accent1"/>
+            </a:fillRef>
+            <a:effectRef idx="0">
+              <a:schemeClr val="accent1"/>
+            </a:effectRef>
+            <a:fontRef idx="minor">
+              <a:schemeClr val="lt1"/>
+            </a:fontRef>
+          </p:style>
+          <p:txBody>
+            <a:bodyPr rtlCol="0" anchor="ctr"/>
+            <a:lstStyle/>
+            <a:p>
+              <a:pPr algn="ctr"/>
+              <a:endParaRPr lang="en-US"/>
+            </a:p>
+          </p:txBody>
+        </p:sp>
+        <p:sp>
+          <p:nvSpPr>
+            <p:cNvPr id="4" name="Rectangle 3"/>
+            <p:cNvSpPr/>
+            <p:nvPr/>
+          </p:nvSpPr>
+          <p:spPr>
+            <a:xfrm>
+              <a:off x="5115173" y="218660"/>
+              <a:ext cx="1914525" cy="1828800"/>
+            </a:xfrm>
+            <a:prstGeom prst="rect">
+              <a:avLst/>
+            </a:prstGeom>
+            <a:noFill/>
+            <a:ln w="3175">
+              <a:solidFill>
+                <a:schemeClr val="tx1">
+                  <a:lumMod val="50000"/>
+                  <a:lumOff val="50000"/>
+                </a:schemeClr>
+              </a:solidFill>
+            </a:ln>
+          </p:spPr>
+          <p:style>
+            <a:lnRef idx="2">
+              <a:schemeClr val="accent1">
+                <a:shade val="50000"/>
+              </a:schemeClr>
+            </a:lnRef>
+            <a:fillRef idx="1">
+              <a:schemeClr val="accent1"/>
+            </a:fillRef>
+            <a:effectRef idx="0">
+              <a:schemeClr val="accent1"/>
+            </a:effectRef>
+            <a:fontRef idx="minor">
+              <a:schemeClr val="lt1"/>
+            </a:fontRef>
+          </p:style>
+          <p:txBody>
+            <a:bodyPr rtlCol="0" anchor="ctr"/>
+            <a:lstStyle/>
+            <a:p>
+              <a:pPr algn="ctr"/>
+              <a:endParaRPr lang="en-US"/>
+            </a:p>
+          </p:txBody>
+        </p:sp>
+        <p:sp>
+          <p:nvSpPr>
+            <p:cNvPr id="5" name="Rectangle 4"/>
+            <p:cNvSpPr/>
+            <p:nvPr/>
+          </p:nvSpPr>
+          <p:spPr>
+            <a:xfrm>
+              <a:off x="2270835" y="218660"/>
+              <a:ext cx="2842419" cy="1828800"/>
+            </a:xfrm>
+            <a:prstGeom prst="rect">
+              <a:avLst/>
+            </a:prstGeom>
+            <a:noFill/>
+            <a:ln w="3175">
+              <a:solidFill>
+                <a:schemeClr val="tx1">
+                  <a:lumMod val="50000"/>
+                  <a:lumOff val="50000"/>
+                </a:schemeClr>
+              </a:solidFill>
+            </a:ln>
+          </p:spPr>
+          <p:style>
+            <a:lnRef idx="2">
+              <a:schemeClr val="accent1">
+                <a:shade val="50000"/>
+              </a:schemeClr>
+            </a:lnRef>
+            <a:fillRef idx="1">
+              <a:schemeClr val="accent1"/>
+            </a:fillRef>
+            <a:effectRef idx="0">
+              <a:schemeClr val="accent1"/>
+            </a:effectRef>
+            <a:fontRef idx="minor">
+              <a:schemeClr val="lt1"/>
+            </a:fontRef>
+          </p:style>
+          <p:txBody>
+            <a:bodyPr rtlCol="0" anchor="ctr"/>
+            <a:lstStyle/>
+            <a:p>
+              <a:pPr algn="ctr"/>
+              <a:endParaRPr lang="en-US"/>
+            </a:p>
+          </p:txBody>
+        </p:sp>
+        <p:sp>
+          <p:nvSpPr>
+            <p:cNvPr id="6" name="Rectangle 5"/>
+            <p:cNvSpPr/>
+            <p:nvPr/>
+          </p:nvSpPr>
+          <p:spPr>
+            <a:xfrm>
+              <a:off x="2271058" y="5705060"/>
+              <a:ext cx="2842419" cy="1828800"/>
+            </a:xfrm>
+            <a:prstGeom prst="rect">
+              <a:avLst/>
+            </a:prstGeom>
+            <a:noFill/>
+            <a:ln w="3175">
+              <a:solidFill>
+                <a:schemeClr val="tx1">
+                  <a:lumMod val="50000"/>
+                  <a:lumOff val="50000"/>
+                </a:schemeClr>
+              </a:solidFill>
+            </a:ln>
+          </p:spPr>
+          <p:style>
+            <a:lnRef idx="2">
+              <a:schemeClr val="accent1">
+                <a:shade val="50000"/>
+              </a:schemeClr>
+            </a:lnRef>
+            <a:fillRef idx="1">
+              <a:schemeClr val="accent1"/>
+            </a:fillRef>
+            <a:effectRef idx="0">
+              <a:schemeClr val="accent1"/>
+            </a:effectRef>
+            <a:fontRef idx="minor">
+              <a:schemeClr val="lt1"/>
+            </a:fontRef>
+          </p:style>
+          <p:txBody>
+            <a:bodyPr rtlCol="0" anchor="ctr"/>
+            <a:lstStyle/>
+            <a:p>
+              <a:pPr algn="ctr"/>
+              <a:endParaRPr lang="en-US"/>
+            </a:p>
+          </p:txBody>
+        </p:sp>
+        <p:sp>
+          <p:nvSpPr>
+            <p:cNvPr id="7" name="Rectangle 6"/>
+            <p:cNvSpPr/>
+            <p:nvPr/>
+          </p:nvSpPr>
+          <p:spPr>
+            <a:xfrm>
+              <a:off x="5115395" y="5705060"/>
+              <a:ext cx="1914525" cy="1828800"/>
+            </a:xfrm>
+            <a:prstGeom prst="rect">
+              <a:avLst/>
+            </a:prstGeom>
+            <a:noFill/>
+            <a:ln w="3175">
+              <a:solidFill>
+                <a:schemeClr val="tx1">
+                  <a:lumMod val="50000"/>
+                  <a:lumOff val="50000"/>
+                </a:schemeClr>
+              </a:solidFill>
+            </a:ln>
+          </p:spPr>
+          <p:style>
+            <a:lnRef idx="2">
+              <a:schemeClr val="accent1">
+                <a:shade val="50000"/>
+              </a:schemeClr>
+            </a:lnRef>
+            <a:fillRef idx="1">
+              <a:schemeClr val="accent1"/>
+            </a:fillRef>
+            <a:effectRef idx="0">
+              <a:schemeClr val="accent1"/>
+            </a:effectRef>
+            <a:fontRef idx="minor">
+              <a:schemeClr val="lt1"/>
+            </a:fontRef>
+          </p:style>
+          <p:txBody>
+            <a:bodyPr rtlCol="0" anchor="ctr"/>
+            <a:lstStyle/>
+            <a:p>
+              <a:pPr algn="ctr"/>
+              <a:endParaRPr lang="en-US"/>
+            </a:p>
+          </p:txBody>
+        </p:sp>
+        <p:sp>
+          <p:nvSpPr>
+            <p:cNvPr id="8" name="Rectangle 7"/>
+            <p:cNvSpPr/>
+            <p:nvPr/>
+          </p:nvSpPr>
+          <p:spPr>
+            <a:xfrm>
+              <a:off x="5115395" y="2047460"/>
+              <a:ext cx="1914525" cy="1828800"/>
+            </a:xfrm>
+            <a:prstGeom prst="rect">
+              <a:avLst/>
+            </a:prstGeom>
+            <a:noFill/>
+            <a:ln w="3175">
+              <a:solidFill>
+                <a:schemeClr val="tx1">
+                  <a:lumMod val="50000"/>
+                  <a:lumOff val="50000"/>
+                </a:schemeClr>
+              </a:solidFill>
+            </a:ln>
+          </p:spPr>
+          <p:style>
+            <a:lnRef idx="2">
+              <a:schemeClr val="accent1">
+                <a:shade val="50000"/>
+              </a:schemeClr>
+            </a:lnRef>
+            <a:fillRef idx="1">
+              <a:schemeClr val="accent1"/>
+            </a:fillRef>
+            <a:effectRef idx="0">
+              <a:schemeClr val="accent1"/>
+            </a:effectRef>
+            <a:fontRef idx="minor">
+              <a:schemeClr val="lt1"/>
+            </a:fontRef>
+          </p:style>
+          <p:txBody>
+            <a:bodyPr rtlCol="0" anchor="ctr"/>
+            <a:lstStyle/>
+            <a:p>
+              <a:pPr algn="ctr"/>
+              <a:endParaRPr lang="en-US"/>
+            </a:p>
+          </p:txBody>
+        </p:sp>
+        <p:sp>
+          <p:nvSpPr>
+            <p:cNvPr id="9" name="Rectangle 8"/>
+            <p:cNvSpPr/>
+            <p:nvPr/>
+          </p:nvSpPr>
+          <p:spPr>
+            <a:xfrm>
+              <a:off x="2271058" y="2047460"/>
+              <a:ext cx="2842419" cy="1828800"/>
+            </a:xfrm>
+            <a:prstGeom prst="rect">
+              <a:avLst/>
+            </a:prstGeom>
+            <a:noFill/>
+            <a:ln w="3175">
+              <a:solidFill>
+                <a:schemeClr val="tx1">
+                  <a:lumMod val="50000"/>
+                  <a:lumOff val="50000"/>
+                </a:schemeClr>
+              </a:solidFill>
+            </a:ln>
+          </p:spPr>
+          <p:style>
+            <a:lnRef idx="2">
+              <a:schemeClr val="accent1">
+                <a:shade val="50000"/>
+              </a:schemeClr>
+            </a:lnRef>
+            <a:fillRef idx="1">
+              <a:schemeClr val="accent1"/>
+            </a:fillRef>
+            <a:effectRef idx="0">
+              <a:schemeClr val="accent1"/>
+            </a:effectRef>
+            <a:fontRef idx="minor">
+              <a:schemeClr val="lt1"/>
+            </a:fontRef>
+          </p:style>
+          <p:txBody>
+            <a:bodyPr rtlCol="0" anchor="ctr"/>
+            <a:lstStyle/>
+            <a:p>
+              <a:pPr algn="ctr"/>
+              <a:endParaRPr lang="en-US"/>
+            </a:p>
+          </p:txBody>
+        </p:sp>
+        <p:sp>
+          <p:nvSpPr>
+            <p:cNvPr id="23" name="Rectangle 22"/>
+            <p:cNvSpPr/>
+            <p:nvPr/>
+          </p:nvSpPr>
+          <p:spPr>
+            <a:xfrm>
+              <a:off x="2270625" y="7531030"/>
+              <a:ext cx="2842419" cy="1828800"/>
+            </a:xfrm>
+            <a:prstGeom prst="rect">
+              <a:avLst/>
+            </a:prstGeom>
+            <a:noFill/>
+            <a:ln w="3175">
+              <a:solidFill>
+                <a:schemeClr val="tx1">
+                  <a:lumMod val="50000"/>
+                  <a:lumOff val="50000"/>
+                </a:schemeClr>
+              </a:solidFill>
+            </a:ln>
+          </p:spPr>
+          <p:style>
+            <a:lnRef idx="2">
+              <a:schemeClr val="accent1">
+                <a:shade val="50000"/>
+              </a:schemeClr>
+            </a:lnRef>
+            <a:fillRef idx="1">
+              <a:schemeClr val="accent1"/>
+            </a:fillRef>
+            <a:effectRef idx="0">
+              <a:schemeClr val="accent1"/>
+            </a:effectRef>
+            <a:fontRef idx="minor">
+              <a:schemeClr val="lt1"/>
+            </a:fontRef>
+          </p:style>
+          <p:txBody>
+            <a:bodyPr rtlCol="0" anchor="ctr"/>
+            <a:lstStyle/>
+            <a:p>
+              <a:pPr algn="ctr"/>
+              <a:endParaRPr lang="en-US"/>
+            </a:p>
+          </p:txBody>
+        </p:sp>
+        <p:sp>
+          <p:nvSpPr>
+            <p:cNvPr id="24" name="Rectangle 23"/>
+            <p:cNvSpPr/>
+            <p:nvPr/>
+          </p:nvSpPr>
+          <p:spPr>
+            <a:xfrm>
+              <a:off x="5114962" y="7531030"/>
+              <a:ext cx="1914525" cy="1828800"/>
+            </a:xfrm>
+            <a:prstGeom prst="rect">
+              <a:avLst/>
+            </a:prstGeom>
+            <a:noFill/>
+            <a:ln w="3175">
+              <a:solidFill>
+                <a:schemeClr val="tx1">
+                  <a:lumMod val="50000"/>
+                  <a:lumOff val="50000"/>
+                </a:schemeClr>
+              </a:solidFill>
+            </a:ln>
+          </p:spPr>
+          <p:style>
+            <a:lnRef idx="2">
+              <a:schemeClr val="accent1">
+                <a:shade val="50000"/>
+              </a:schemeClr>
+            </a:lnRef>
+            <a:fillRef idx="1">
+              <a:schemeClr val="accent1"/>
+            </a:fillRef>
+            <a:effectRef idx="0">
+              <a:schemeClr val="accent1"/>
+            </a:effectRef>
+            <a:fontRef idx="minor">
+              <a:schemeClr val="lt1"/>
+            </a:fontRef>
+          </p:style>
+          <p:txBody>
+            <a:bodyPr rtlCol="0" anchor="ctr"/>
+            <a:lstStyle/>
+            <a:p>
+              <a:pPr algn="ctr"/>
+              <a:endParaRPr lang="en-US"/>
+            </a:p>
+          </p:txBody>
+        </p:sp>
+        <p:sp>
+          <p:nvSpPr>
+            <p:cNvPr id="33" name="TextBox 32"/>
+            <p:cNvSpPr txBox="1"/>
+            <p:nvPr/>
+          </p:nvSpPr>
+          <p:spPr>
+            <a:xfrm>
+              <a:off x="-881285" y="232971"/>
+              <a:ext cx="3150801" cy="646331"/>
+            </a:xfrm>
+            <a:prstGeom prst="rect">
+              <a:avLst/>
+            </a:prstGeom>
+            <a:noFill/>
+          </p:spPr>
+          <p:txBody>
+            <a:bodyPr wrap="square" rtlCol="0">
+              <a:spAutoFit/>
+            </a:bodyPr>
+            <a:lstStyle/>
+            <a:p>
+              <a:r>
+                <a:rPr lang="en-US" dirty="0" smtClean="0">
+                  <a:latin typeface="cmbx10" panose="020B0500000000000000" pitchFamily="34" charset="0"/>
+                  <a:cs typeface="Times New Roman" panose="02020603050405020304" pitchFamily="18" charset="0"/>
+                </a:rPr>
+                <a:t>Book 1:</a:t>
+              </a:r>
+            </a:p>
+            <a:p>
+              <a:r>
+                <a:rPr lang="en-US" dirty="0" smtClean="0">
+                  <a:latin typeface="cmbx10" panose="020B0500000000000000" pitchFamily="34" charset="0"/>
+                  <a:cs typeface="Times New Roman" panose="02020603050405020304" pitchFamily="18" charset="0"/>
+                </a:rPr>
+                <a:t>A Game of Thrones</a:t>
+              </a:r>
+              <a:endParaRPr lang="en-US" dirty="0">
+                <a:latin typeface="cmbx10" panose="020B0500000000000000" pitchFamily="34" charset="0"/>
+                <a:cs typeface="Times New Roman" panose="02020603050405020304" pitchFamily="18" charset="0"/>
+              </a:endParaRPr>
+            </a:p>
+          </p:txBody>
+        </p:sp>
+        <p:sp>
+          <p:nvSpPr>
+            <p:cNvPr id="34" name="TextBox 33"/>
+            <p:cNvSpPr txBox="1"/>
+            <p:nvPr/>
+          </p:nvSpPr>
+          <p:spPr>
+            <a:xfrm>
+              <a:off x="-881510" y="2061771"/>
+              <a:ext cx="3152853" cy="646331"/>
+            </a:xfrm>
+            <a:prstGeom prst="rect">
+              <a:avLst/>
+            </a:prstGeom>
+            <a:noFill/>
+          </p:spPr>
+          <p:txBody>
+            <a:bodyPr wrap="square" rtlCol="0">
+              <a:spAutoFit/>
+            </a:bodyPr>
+            <a:lstStyle/>
+            <a:p>
+              <a:r>
+                <a:rPr lang="en-US" dirty="0" smtClean="0">
+                  <a:latin typeface="cmbx10" panose="020B0500000000000000" pitchFamily="34" charset="0"/>
+                  <a:cs typeface="Lao UI" panose="020B0502040204020203" pitchFamily="34" charset="0"/>
+                </a:rPr>
+                <a:t>Book 2:</a:t>
+              </a:r>
+            </a:p>
+            <a:p>
+              <a:r>
+                <a:rPr lang="en-US" dirty="0" smtClean="0">
+                  <a:latin typeface="cmbx10" panose="020B0500000000000000" pitchFamily="34" charset="0"/>
+                  <a:cs typeface="Lao UI" panose="020B0502040204020203" pitchFamily="34" charset="0"/>
+                </a:rPr>
+                <a:t>A Clash of Kings</a:t>
+              </a:r>
+              <a:endParaRPr lang="en-US" dirty="0">
+                <a:latin typeface="cmbx10" panose="020B0500000000000000" pitchFamily="34" charset="0"/>
+                <a:cs typeface="Lao UI" panose="020B0502040204020203" pitchFamily="34" charset="0"/>
+              </a:endParaRPr>
+            </a:p>
+          </p:txBody>
+        </p:sp>
+        <p:sp>
+          <p:nvSpPr>
+            <p:cNvPr id="35" name="TextBox 34"/>
+            <p:cNvSpPr txBox="1"/>
+            <p:nvPr/>
+          </p:nvSpPr>
+          <p:spPr>
+            <a:xfrm>
+              <a:off x="-881510" y="3861581"/>
+              <a:ext cx="3152853" cy="646331"/>
+            </a:xfrm>
+            <a:prstGeom prst="rect">
+              <a:avLst/>
+            </a:prstGeom>
+            <a:noFill/>
+          </p:spPr>
+          <p:txBody>
+            <a:bodyPr wrap="square" rtlCol="0">
+              <a:spAutoFit/>
+            </a:bodyPr>
+            <a:lstStyle/>
+            <a:p>
+              <a:r>
+                <a:rPr lang="en-US" dirty="0" smtClean="0">
+                  <a:latin typeface="cmbx10" panose="020B0500000000000000" pitchFamily="34" charset="0"/>
+                  <a:cs typeface="Lao UI" panose="020B0502040204020203" pitchFamily="34" charset="0"/>
+                </a:rPr>
+                <a:t>Book 3:</a:t>
+              </a:r>
+            </a:p>
+            <a:p>
+              <a:r>
+                <a:rPr lang="en-US" dirty="0" smtClean="0">
+                  <a:latin typeface="cmbx10" panose="020B0500000000000000" pitchFamily="34" charset="0"/>
+                  <a:cs typeface="Lao UI" panose="020B0502040204020203" pitchFamily="34" charset="0"/>
+                </a:rPr>
+                <a:t>A Storm of Swords</a:t>
+              </a:r>
+              <a:endParaRPr lang="en-US" dirty="0">
+                <a:latin typeface="cmbx10" panose="020B0500000000000000" pitchFamily="34" charset="0"/>
+                <a:cs typeface="Lao UI" panose="020B0502040204020203" pitchFamily="34" charset="0"/>
+              </a:endParaRPr>
+            </a:p>
+          </p:txBody>
+        </p:sp>
+        <p:sp>
+          <p:nvSpPr>
+            <p:cNvPr id="36" name="TextBox 35"/>
+            <p:cNvSpPr txBox="1"/>
+            <p:nvPr/>
+          </p:nvSpPr>
+          <p:spPr>
+            <a:xfrm>
+              <a:off x="-881510" y="5695535"/>
+              <a:ext cx="3152853" cy="646331"/>
+            </a:xfrm>
+            <a:prstGeom prst="rect">
+              <a:avLst/>
+            </a:prstGeom>
+            <a:noFill/>
+          </p:spPr>
+          <p:txBody>
+            <a:bodyPr wrap="square" rtlCol="0">
+              <a:spAutoFit/>
+            </a:bodyPr>
+            <a:lstStyle/>
+            <a:p>
+              <a:r>
+                <a:rPr lang="en-US" dirty="0" smtClean="0">
+                  <a:latin typeface="cmbx10" panose="020B0500000000000000" pitchFamily="34" charset="0"/>
+                  <a:cs typeface="Lao UI" panose="020B0502040204020203" pitchFamily="34" charset="0"/>
+                </a:rPr>
+                <a:t>Book 4:</a:t>
+              </a:r>
+            </a:p>
+            <a:p>
+              <a:r>
+                <a:rPr lang="en-US" dirty="0" smtClean="0">
+                  <a:latin typeface="cmbx10" panose="020B0500000000000000" pitchFamily="34" charset="0"/>
+                  <a:cs typeface="Lao UI" panose="020B0502040204020203" pitchFamily="34" charset="0"/>
+                </a:rPr>
+                <a:t>A Feast for Crows</a:t>
+              </a:r>
+              <a:endParaRPr lang="en-US" dirty="0">
+                <a:latin typeface="cmbx10" panose="020B0500000000000000" pitchFamily="34" charset="0"/>
+                <a:cs typeface="Lao UI" panose="020B0502040204020203" pitchFamily="34" charset="0"/>
+              </a:endParaRPr>
+            </a:p>
+          </p:txBody>
+        </p:sp>
+        <p:sp>
+          <p:nvSpPr>
+            <p:cNvPr id="37" name="TextBox 36"/>
+            <p:cNvSpPr txBox="1"/>
+            <p:nvPr/>
+          </p:nvSpPr>
+          <p:spPr>
+            <a:xfrm>
+              <a:off x="-881510" y="7533860"/>
+              <a:ext cx="3152853" cy="646331"/>
+            </a:xfrm>
+            <a:prstGeom prst="rect">
+              <a:avLst/>
+            </a:prstGeom>
+            <a:noFill/>
+          </p:spPr>
+          <p:txBody>
+            <a:bodyPr wrap="square" rtlCol="0">
+              <a:spAutoFit/>
+            </a:bodyPr>
+            <a:lstStyle/>
+            <a:p>
+              <a:r>
+                <a:rPr lang="en-US" dirty="0" smtClean="0">
+                  <a:latin typeface="cmbx10" panose="020B0500000000000000" pitchFamily="34" charset="0"/>
+                  <a:cs typeface="Lao UI" panose="020B0502040204020203" pitchFamily="34" charset="0"/>
+                </a:rPr>
+                <a:t>Book 5:</a:t>
+              </a:r>
+            </a:p>
+            <a:p>
+              <a:r>
+                <a:rPr lang="en-US" dirty="0" smtClean="0">
+                  <a:latin typeface="cmbx10" panose="020B0500000000000000" pitchFamily="34" charset="0"/>
+                  <a:cs typeface="Lao UI" panose="020B0502040204020203" pitchFamily="34" charset="0"/>
+                </a:rPr>
+                <a:t>A Dance with Dragons</a:t>
+              </a:r>
+              <a:endParaRPr lang="en-US" dirty="0">
+                <a:latin typeface="cmbx10" panose="020B0500000000000000" pitchFamily="34" charset="0"/>
+                <a:cs typeface="Lao UI" panose="020B0502040204020203" pitchFamily="34" charset="0"/>
+              </a:endParaRPr>
+            </a:p>
+          </p:txBody>
+        </p:sp>
+      </p:grpSp>
+    </p:spTree>
+    <p:extLst>
+      <p:ext uri="{BB962C8B-B14F-4D97-AF65-F5344CB8AC3E}">
+        <p14:creationId xmlns:p14="http://schemas.microsoft.com/office/powerpoint/2010/main" val="3233673517"/>
       </p:ext>
     </p:extLst>
   </p:cSld>
